--- a/word/PP_Allaf_Sadeler.pptx
+++ b/word/PP_Allaf_Sadeler.pptx
@@ -15064,7 +15064,7 @@
         </p:nvSpPr>
         <p:spPr>
           <a:xfrm>
-            <a:off x="3474720" y="2569945"/>
+            <a:off x="596150" y="1256702"/>
             <a:ext cx="702436" cy="307777"/>
           </a:xfrm>
           <a:prstGeom prst="rect">
@@ -15082,6 +15082,66 @@
               <a:rPr lang="fr-FR" dirty="0"/>
               <a:t>A faire</a:t>
             </a:r>
+          </a:p>
+        </p:txBody>
+      </p:sp>
+      <p:pic>
+        <p:nvPicPr>
+          <p:cNvPr id="2" name="Image 1"/>
+          <p:cNvPicPr>
+            <a:picLocks noChangeAspect="1"/>
+          </p:cNvPicPr>
+          <p:nvPr/>
+        </p:nvPicPr>
+        <p:blipFill>
+          <a:blip r:embed="rId3"/>
+          <a:stretch>
+            <a:fillRect/>
+          </a:stretch>
+        </p:blipFill>
+        <p:spPr>
+          <a:xfrm>
+            <a:off x="1866284" y="1680725"/>
+            <a:ext cx="5410955" cy="2886478"/>
+          </a:xfrm>
+          <a:prstGeom prst="rect">
+            <a:avLst/>
+          </a:prstGeom>
+        </p:spPr>
+      </p:pic>
+      <p:sp>
+        <p:nvSpPr>
+          <p:cNvPr id="13" name="TextBox 14">
+            <a:extLst>
+              <a:ext uri="{FF2B5EF4-FFF2-40B4-BE49-F238E27FC236}">
+                <a16:creationId xmlns:a16="http://schemas.microsoft.com/office/drawing/2014/main" xmlns="" id="{7EF9EC5B-6E77-07D4-D530-FAC5DDA11F17}"/>
+              </a:ext>
+            </a:extLst>
+          </p:cNvPr>
+          <p:cNvSpPr txBox="1"/>
+          <p:nvPr/>
+        </p:nvSpPr>
+        <p:spPr>
+          <a:xfrm>
+            <a:off x="2376182" y="1195295"/>
+            <a:ext cx="931665" cy="307777"/>
+          </a:xfrm>
+          <a:prstGeom prst="rect">
+            <a:avLst/>
+          </a:prstGeom>
+          <a:noFill/>
+        </p:spPr>
+        <p:txBody>
+          <a:bodyPr wrap="none" rtlCol="0">
+            <a:spAutoFit/>
+          </a:bodyPr>
+          <a:lstStyle/>
+          <a:p>
+            <a:r>
+              <a:rPr lang="fr-FR" dirty="0" smtClean="0"/>
+              <a:t>Exemple </a:t>
+            </a:r>
+            <a:endParaRPr lang="fr-FR" dirty="0"/>
           </a:p>
         </p:txBody>
       </p:sp>

--- a/word/PP_Allaf_Sadeler.pptx
+++ b/word/PP_Allaf_Sadeler.pptx
@@ -30,22 +30,22 @@
   <p:notesSz cx="6858000" cy="9144000"/>
   <p:embeddedFontLst>
     <p:embeddedFont>
-      <p:font typeface="Nunito" panose="020B0604020202020204" charset="0"/>
+      <p:font typeface="Questrial" panose="020B0604020202020204" charset="0"/>
       <p:regular r:id="rId20"/>
-      <p:bold r:id="rId21"/>
-      <p:italic r:id="rId22"/>
-      <p:boldItalic r:id="rId23"/>
     </p:embeddedFont>
     <p:embeddedFont>
-      <p:font typeface="Questrial" panose="020B0604020202020204" charset="0"/>
-      <p:regular r:id="rId24"/>
+      <p:font typeface="Livvic" panose="020B0604020202020204" charset="0"/>
+      <p:regular r:id="rId21"/>
+      <p:bold r:id="rId22"/>
+      <p:italic r:id="rId23"/>
+      <p:boldItalic r:id="rId24"/>
     </p:embeddedFont>
     <p:embeddedFont>
       <p:font typeface="Cambria Math" panose="02040503050406030204" pitchFamily="18" charset="0"/>
       <p:regular r:id="rId25"/>
     </p:embeddedFont>
     <p:embeddedFont>
-      <p:font typeface="Livvic" panose="020B0604020202020204" charset="0"/>
+      <p:font typeface="Nunito" panose="020B0604020202020204" charset="0"/>
       <p:regular r:id="rId26"/>
       <p:bold r:id="rId27"/>
       <p:italic r:id="rId28"/>
@@ -10998,7 +10998,7 @@
           </a:bodyPr>
           <a:lstStyle/>
           <a:p>
-            <a:pPr marL="0" lvl="0" indent="0" algn="l" rtl="0">
+            <a:pPr marL="0" lvl="0" indent="0" rtl="0">
               <a:spcBef>
                 <a:spcPts val="0"/>
               </a:spcBef>
@@ -11046,14 +11046,14 @@
           <a:p>
             <a:pPr marL="0" lvl="0" indent="0"/>
             <a:r>
-              <a:rPr lang="fr-FR" sz="1200" dirty="0" smtClean="0"/>
+              <a:rPr lang="fr-FR" sz="1100" dirty="0" smtClean="0"/>
               <a:t>Comment déterminer les propriétés </a:t>
             </a:r>
             <a:r>
-              <a:rPr lang="fr-FR" sz="1200" dirty="0"/>
+              <a:rPr lang="fr-FR" sz="1100" dirty="0"/>
               <a:t>conductrices des matériaux métalliques</a:t>
             </a:r>
-            <a:endParaRPr sz="1200" dirty="0">
+            <a:endParaRPr sz="1100" dirty="0">
               <a:solidFill>
                 <a:srgbClr val="FF0000"/>
               </a:solidFill>
@@ -11069,8 +11069,8 @@
         </p:nvCxnSpPr>
         <p:spPr>
           <a:xfrm>
-            <a:off x="4147872" y="3289773"/>
-            <a:ext cx="3113400" cy="0"/>
+            <a:off x="4109492" y="3285458"/>
+            <a:ext cx="4557216" cy="2067"/>
           </a:xfrm>
           <a:prstGeom prst="straightConnector1">
             <a:avLst/>
@@ -11404,8 +11404,16 @@
           <a:p>
             <a:pPr marL="0" indent="0"/>
             <a:r>
+              <a:rPr lang="fr-FR" sz="1200" dirty="0" smtClean="0"/>
+              <a:t>22</a:t>
+            </a:r>
+            <a:r>
+              <a:rPr lang="fr-FR" sz="1200" dirty="0" smtClean="0"/>
+              <a:t>/01/2024 </a:t>
+            </a:r>
+            <a:r>
               <a:rPr lang="fr-FR" sz="1200" dirty="0"/>
-              <a:t>??/01/2024 - Carine Allaf &amp; Pierre </a:t>
+              <a:t>- Carine Allaf &amp; Pierre </a:t>
             </a:r>
             <a:r>
               <a:rPr lang="fr-FR" sz="1200" dirty="0" err="1"/>
@@ -11534,273 +11542,6 @@
           </a:p>
         </p:txBody>
       </p:sp>
-      <p:grpSp>
-        <p:nvGrpSpPr>
-          <p:cNvPr id="17" name="Google Shape;7525;p62">
-            <a:extLst>
-              <a:ext uri="{FF2B5EF4-FFF2-40B4-BE49-F238E27FC236}">
-                <a16:creationId xmlns:a16="http://schemas.microsoft.com/office/drawing/2014/main" xmlns="" id="{9B339C6D-15DF-C002-D4BA-C886EC4AAA5E}"/>
-              </a:ext>
-            </a:extLst>
-          </p:cNvPr>
-          <p:cNvGrpSpPr/>
-          <p:nvPr/>
-        </p:nvGrpSpPr>
-        <p:grpSpPr>
-          <a:xfrm>
-            <a:off x="3229006" y="180891"/>
-            <a:ext cx="2685987" cy="344653"/>
-            <a:chOff x="1606190" y="2506075"/>
-            <a:chExt cx="4379281" cy="673075"/>
-          </a:xfrm>
-        </p:grpSpPr>
-        <p:sp>
-          <p:nvSpPr>
-            <p:cNvPr id="18" name="Google Shape;7527;p62">
-              <a:extLst>
-                <a:ext uri="{FF2B5EF4-FFF2-40B4-BE49-F238E27FC236}">
-                  <a16:creationId xmlns:a16="http://schemas.microsoft.com/office/drawing/2014/main" xmlns="" id="{C4DECB39-F4C6-1425-776F-AB12F218CC21}"/>
-                </a:ext>
-              </a:extLst>
-            </p:cNvPr>
-            <p:cNvSpPr/>
-            <p:nvPr/>
-          </p:nvSpPr>
-          <p:spPr>
-            <a:xfrm>
-              <a:off x="1606190" y="2506075"/>
-              <a:ext cx="1643924" cy="673075"/>
-            </a:xfrm>
-            <a:custGeom>
-              <a:avLst/>
-              <a:gdLst/>
-              <a:ahLst/>
-              <a:cxnLst/>
-              <a:rect l="l" t="t" r="r" b="b"/>
-              <a:pathLst>
-                <a:path w="65757" h="26923" extrusionOk="0">
-                  <a:moveTo>
-                    <a:pt x="0" y="0"/>
-                  </a:moveTo>
-                  <a:lnTo>
-                    <a:pt x="10782" y="13477"/>
-                  </a:lnTo>
-                  <a:lnTo>
-                    <a:pt x="0" y="26923"/>
-                  </a:lnTo>
-                  <a:lnTo>
-                    <a:pt x="54975" y="26923"/>
-                  </a:lnTo>
-                  <a:lnTo>
-                    <a:pt x="65757" y="13477"/>
-                  </a:lnTo>
-                  <a:lnTo>
-                    <a:pt x="54975" y="0"/>
-                  </a:lnTo>
-                  <a:close/>
-                </a:path>
-              </a:pathLst>
-            </a:custGeom>
-            <a:noFill/>
-            <a:ln w="9525" cap="flat" cmpd="sng">
-              <a:solidFill>
-                <a:srgbClr val="445D73"/>
-              </a:solidFill>
-              <a:prstDash val="solid"/>
-              <a:round/>
-              <a:headEnd type="none" w="sm" len="sm"/>
-              <a:tailEnd type="none" w="sm" len="sm"/>
-            </a:ln>
-          </p:spPr>
-          <p:txBody>
-            <a:bodyPr spcFirstLastPara="1" wrap="square" lIns="91425" tIns="91425" rIns="91425" bIns="91425" anchor="ctr" anchorCtr="0">
-              <a:noAutofit/>
-            </a:bodyPr>
-            <a:lstStyle/>
-            <a:p>
-              <a:r>
-                <a:rPr lang="fr-FR" sz="500" dirty="0">
-                  <a:solidFill>
-                    <a:srgbClr val="0070C0"/>
-                  </a:solidFill>
-                </a:rPr>
-                <a:t>        Principes physiques</a:t>
-              </a:r>
-              <a:endParaRPr lang="fr-FR" sz="1050" dirty="0">
-                <a:solidFill>
-                  <a:srgbClr val="0070C0"/>
-                </a:solidFill>
-              </a:endParaRPr>
-            </a:p>
-          </p:txBody>
-        </p:sp>
-        <p:sp>
-          <p:nvSpPr>
-            <p:cNvPr id="19" name="Google Shape;7528;p62">
-              <a:extLst>
-                <a:ext uri="{FF2B5EF4-FFF2-40B4-BE49-F238E27FC236}">
-                  <a16:creationId xmlns:a16="http://schemas.microsoft.com/office/drawing/2014/main" xmlns="" id="{17A83A9F-32ED-C79D-238F-8CD5E224FC10}"/>
-                </a:ext>
-              </a:extLst>
-            </p:cNvPr>
-            <p:cNvSpPr/>
-            <p:nvPr/>
-          </p:nvSpPr>
-          <p:spPr>
-            <a:xfrm>
-              <a:off x="2973481" y="2506075"/>
-              <a:ext cx="1643925" cy="673075"/>
-            </a:xfrm>
-            <a:custGeom>
-              <a:avLst/>
-              <a:gdLst/>
-              <a:ahLst/>
-              <a:cxnLst/>
-              <a:rect l="l" t="t" r="r" b="b"/>
-              <a:pathLst>
-                <a:path w="65757" h="26923" extrusionOk="0">
-                  <a:moveTo>
-                    <a:pt x="0" y="0"/>
-                  </a:moveTo>
-                  <a:lnTo>
-                    <a:pt x="10782" y="13477"/>
-                  </a:lnTo>
-                  <a:lnTo>
-                    <a:pt x="0" y="26923"/>
-                  </a:lnTo>
-                  <a:lnTo>
-                    <a:pt x="54975" y="26923"/>
-                  </a:lnTo>
-                  <a:lnTo>
-                    <a:pt x="65757" y="13477"/>
-                  </a:lnTo>
-                  <a:lnTo>
-                    <a:pt x="54975" y="0"/>
-                  </a:lnTo>
-                  <a:close/>
-                </a:path>
-              </a:pathLst>
-            </a:custGeom>
-            <a:noFill/>
-            <a:ln w="9525" cap="flat" cmpd="sng">
-              <a:solidFill>
-                <a:srgbClr val="667E92"/>
-              </a:solidFill>
-              <a:prstDash val="solid"/>
-              <a:round/>
-              <a:headEnd type="none" w="sm" len="sm"/>
-              <a:tailEnd type="none" w="sm" len="sm"/>
-            </a:ln>
-          </p:spPr>
-          <p:txBody>
-            <a:bodyPr spcFirstLastPara="1" wrap="square" lIns="91425" tIns="91425" rIns="91425" bIns="91425" anchor="ctr" anchorCtr="0">
-              <a:noAutofit/>
-            </a:bodyPr>
-            <a:lstStyle/>
-            <a:p>
-              <a:pPr marL="0" lvl="0" indent="0" algn="l" rtl="0">
-                <a:spcBef>
-                  <a:spcPts val="0"/>
-                </a:spcBef>
-                <a:spcAft>
-                  <a:spcPts val="0"/>
-                </a:spcAft>
-                <a:buNone/>
-              </a:pPr>
-              <a:r>
-                <a:rPr lang="fr-FR" sz="600" dirty="0"/>
-                <a:t>       </a:t>
-              </a:r>
-              <a:r>
-                <a:rPr lang="fr-FR" sz="500" dirty="0"/>
-                <a:t>Réalisations</a:t>
-              </a:r>
-              <a:endParaRPr sz="1000" dirty="0"/>
-            </a:p>
-          </p:txBody>
-        </p:sp>
-        <p:sp>
-          <p:nvSpPr>
-            <p:cNvPr id="20" name="Google Shape;7530;p62">
-              <a:extLst>
-                <a:ext uri="{FF2B5EF4-FFF2-40B4-BE49-F238E27FC236}">
-                  <a16:creationId xmlns:a16="http://schemas.microsoft.com/office/drawing/2014/main" xmlns="" id="{A721D019-7353-5C50-1F40-4692F2CDE793}"/>
-                </a:ext>
-              </a:extLst>
-            </p:cNvPr>
-            <p:cNvSpPr/>
-            <p:nvPr/>
-          </p:nvSpPr>
-          <p:spPr>
-            <a:xfrm>
-              <a:off x="4342321" y="2506075"/>
-              <a:ext cx="1643150" cy="673075"/>
-            </a:xfrm>
-            <a:custGeom>
-              <a:avLst/>
-              <a:gdLst/>
-              <a:ahLst/>
-              <a:cxnLst/>
-              <a:rect l="l" t="t" r="r" b="b"/>
-              <a:pathLst>
-                <a:path w="65726" h="26923" extrusionOk="0">
-                  <a:moveTo>
-                    <a:pt x="1" y="0"/>
-                  </a:moveTo>
-                  <a:lnTo>
-                    <a:pt x="10751" y="13477"/>
-                  </a:lnTo>
-                  <a:lnTo>
-                    <a:pt x="1" y="26923"/>
-                  </a:lnTo>
-                  <a:lnTo>
-                    <a:pt x="54944" y="26923"/>
-                  </a:lnTo>
-                  <a:lnTo>
-                    <a:pt x="65726" y="13477"/>
-                  </a:lnTo>
-                  <a:lnTo>
-                    <a:pt x="54944" y="0"/>
-                  </a:lnTo>
-                  <a:close/>
-                </a:path>
-              </a:pathLst>
-            </a:custGeom>
-            <a:noFill/>
-            <a:ln w="9525" cap="flat" cmpd="sng">
-              <a:solidFill>
-                <a:srgbClr val="A5B7C5"/>
-              </a:solidFill>
-              <a:prstDash val="solid"/>
-              <a:round/>
-              <a:headEnd type="none" w="sm" len="sm"/>
-              <a:tailEnd type="none" w="sm" len="sm"/>
-            </a:ln>
-          </p:spPr>
-          <p:txBody>
-            <a:bodyPr spcFirstLastPara="1" wrap="square" lIns="91425" tIns="91425" rIns="91425" bIns="91425" anchor="ctr" anchorCtr="0">
-              <a:noAutofit/>
-            </a:bodyPr>
-            <a:lstStyle/>
-            <a:p>
-              <a:pPr marL="0" lvl="0" indent="0" algn="l" rtl="0">
-                <a:spcBef>
-                  <a:spcPts val="0"/>
-                </a:spcBef>
-                <a:spcAft>
-                  <a:spcPts val="0"/>
-                </a:spcAft>
-                <a:buNone/>
-              </a:pPr>
-              <a:r>
-                <a:rPr lang="fr-FR" sz="500" dirty="0"/>
-                <a:t>          Interface graphique</a:t>
-              </a:r>
-              <a:endParaRPr sz="500" dirty="0"/>
-            </a:p>
-          </p:txBody>
-        </p:sp>
-      </p:grpSp>
       <p:sp>
         <p:nvSpPr>
           <p:cNvPr id="21" name="Google Shape;196;p32">
@@ -12385,8 +12126,16 @@
           <a:p>
             <a:pPr marL="0" indent="0"/>
             <a:r>
+              <a:rPr lang="fr-FR" sz="1050" dirty="0" smtClean="0"/>
+              <a:t>22</a:t>
+            </a:r>
+            <a:r>
+              <a:rPr lang="fr-FR" sz="1050" dirty="0" smtClean="0"/>
+              <a:t>/01/2024 </a:t>
+            </a:r>
+            <a:r>
               <a:rPr lang="fr-FR" sz="1050" dirty="0"/>
-              <a:t>??/01/2024 - Carine Allaf &amp; Pierre </a:t>
+              <a:t>- Carine Allaf &amp; Pierre </a:t>
             </a:r>
             <a:r>
               <a:rPr lang="fr-FR" sz="1050" dirty="0" err="1"/>
@@ -12758,8 +12507,8 @@
         </p:nvSpPr>
         <p:spPr>
           <a:xfrm>
-            <a:off x="850392" y="3730752"/>
-            <a:ext cx="576072" cy="307777"/>
+            <a:off x="596150" y="3136392"/>
+            <a:ext cx="1042416" cy="307777"/>
           </a:xfrm>
           <a:prstGeom prst="rect">
             <a:avLst/>
@@ -12778,7 +12527,7 @@
                   <a:srgbClr val="FF0000"/>
                 </a:solidFill>
               </a:rPr>
-              <a:t>???</a:t>
+              <a:t>Expliquer </a:t>
             </a:r>
             <a:endParaRPr lang="fr-FR" dirty="0">
               <a:solidFill>
@@ -12874,273 +12623,6 @@
           </a:p>
         </p:txBody>
       </p:sp>
-      <p:grpSp>
-        <p:nvGrpSpPr>
-          <p:cNvPr id="17" name="Google Shape;7525;p62">
-            <a:extLst>
-              <a:ext uri="{FF2B5EF4-FFF2-40B4-BE49-F238E27FC236}">
-                <a16:creationId xmlns:a16="http://schemas.microsoft.com/office/drawing/2014/main" xmlns="" id="{9B339C6D-15DF-C002-D4BA-C886EC4AAA5E}"/>
-              </a:ext>
-            </a:extLst>
-          </p:cNvPr>
-          <p:cNvGrpSpPr/>
-          <p:nvPr/>
-        </p:nvGrpSpPr>
-        <p:grpSpPr>
-          <a:xfrm>
-            <a:off x="3229006" y="180891"/>
-            <a:ext cx="2685987" cy="344653"/>
-            <a:chOff x="1606190" y="2506075"/>
-            <a:chExt cx="4379281" cy="673075"/>
-          </a:xfrm>
-        </p:grpSpPr>
-        <p:sp>
-          <p:nvSpPr>
-            <p:cNvPr id="18" name="Google Shape;7527;p62">
-              <a:extLst>
-                <a:ext uri="{FF2B5EF4-FFF2-40B4-BE49-F238E27FC236}">
-                  <a16:creationId xmlns:a16="http://schemas.microsoft.com/office/drawing/2014/main" xmlns="" id="{C4DECB39-F4C6-1425-776F-AB12F218CC21}"/>
-                </a:ext>
-              </a:extLst>
-            </p:cNvPr>
-            <p:cNvSpPr/>
-            <p:nvPr/>
-          </p:nvSpPr>
-          <p:spPr>
-            <a:xfrm>
-              <a:off x="1606190" y="2506075"/>
-              <a:ext cx="1643924" cy="673075"/>
-            </a:xfrm>
-            <a:custGeom>
-              <a:avLst/>
-              <a:gdLst/>
-              <a:ahLst/>
-              <a:cxnLst/>
-              <a:rect l="l" t="t" r="r" b="b"/>
-              <a:pathLst>
-                <a:path w="65757" h="26923" extrusionOk="0">
-                  <a:moveTo>
-                    <a:pt x="0" y="0"/>
-                  </a:moveTo>
-                  <a:lnTo>
-                    <a:pt x="10782" y="13477"/>
-                  </a:lnTo>
-                  <a:lnTo>
-                    <a:pt x="0" y="26923"/>
-                  </a:lnTo>
-                  <a:lnTo>
-                    <a:pt x="54975" y="26923"/>
-                  </a:lnTo>
-                  <a:lnTo>
-                    <a:pt x="65757" y="13477"/>
-                  </a:lnTo>
-                  <a:lnTo>
-                    <a:pt x="54975" y="0"/>
-                  </a:lnTo>
-                  <a:close/>
-                </a:path>
-              </a:pathLst>
-            </a:custGeom>
-            <a:noFill/>
-            <a:ln w="9525" cap="flat" cmpd="sng">
-              <a:solidFill>
-                <a:srgbClr val="445D73"/>
-              </a:solidFill>
-              <a:prstDash val="solid"/>
-              <a:round/>
-              <a:headEnd type="none" w="sm" len="sm"/>
-              <a:tailEnd type="none" w="sm" len="sm"/>
-            </a:ln>
-          </p:spPr>
-          <p:txBody>
-            <a:bodyPr spcFirstLastPara="1" wrap="square" lIns="91425" tIns="91425" rIns="91425" bIns="91425" anchor="ctr" anchorCtr="0">
-              <a:noAutofit/>
-            </a:bodyPr>
-            <a:lstStyle/>
-            <a:p>
-              <a:r>
-                <a:rPr lang="fr-FR" sz="500" dirty="0">
-                  <a:solidFill>
-                    <a:srgbClr val="0070C0"/>
-                  </a:solidFill>
-                </a:rPr>
-                <a:t>        Principes physiques</a:t>
-              </a:r>
-              <a:endParaRPr lang="fr-FR" sz="1050" dirty="0">
-                <a:solidFill>
-                  <a:srgbClr val="0070C0"/>
-                </a:solidFill>
-              </a:endParaRPr>
-            </a:p>
-          </p:txBody>
-        </p:sp>
-        <p:sp>
-          <p:nvSpPr>
-            <p:cNvPr id="19" name="Google Shape;7528;p62">
-              <a:extLst>
-                <a:ext uri="{FF2B5EF4-FFF2-40B4-BE49-F238E27FC236}">
-                  <a16:creationId xmlns:a16="http://schemas.microsoft.com/office/drawing/2014/main" xmlns="" id="{17A83A9F-32ED-C79D-238F-8CD5E224FC10}"/>
-                </a:ext>
-              </a:extLst>
-            </p:cNvPr>
-            <p:cNvSpPr/>
-            <p:nvPr/>
-          </p:nvSpPr>
-          <p:spPr>
-            <a:xfrm>
-              <a:off x="2973481" y="2506075"/>
-              <a:ext cx="1643925" cy="673075"/>
-            </a:xfrm>
-            <a:custGeom>
-              <a:avLst/>
-              <a:gdLst/>
-              <a:ahLst/>
-              <a:cxnLst/>
-              <a:rect l="l" t="t" r="r" b="b"/>
-              <a:pathLst>
-                <a:path w="65757" h="26923" extrusionOk="0">
-                  <a:moveTo>
-                    <a:pt x="0" y="0"/>
-                  </a:moveTo>
-                  <a:lnTo>
-                    <a:pt x="10782" y="13477"/>
-                  </a:lnTo>
-                  <a:lnTo>
-                    <a:pt x="0" y="26923"/>
-                  </a:lnTo>
-                  <a:lnTo>
-                    <a:pt x="54975" y="26923"/>
-                  </a:lnTo>
-                  <a:lnTo>
-                    <a:pt x="65757" y="13477"/>
-                  </a:lnTo>
-                  <a:lnTo>
-                    <a:pt x="54975" y="0"/>
-                  </a:lnTo>
-                  <a:close/>
-                </a:path>
-              </a:pathLst>
-            </a:custGeom>
-            <a:noFill/>
-            <a:ln w="9525" cap="flat" cmpd="sng">
-              <a:solidFill>
-                <a:srgbClr val="667E92"/>
-              </a:solidFill>
-              <a:prstDash val="solid"/>
-              <a:round/>
-              <a:headEnd type="none" w="sm" len="sm"/>
-              <a:tailEnd type="none" w="sm" len="sm"/>
-            </a:ln>
-          </p:spPr>
-          <p:txBody>
-            <a:bodyPr spcFirstLastPara="1" wrap="square" lIns="91425" tIns="91425" rIns="91425" bIns="91425" anchor="ctr" anchorCtr="0">
-              <a:noAutofit/>
-            </a:bodyPr>
-            <a:lstStyle/>
-            <a:p>
-              <a:pPr marL="0" lvl="0" indent="0" algn="l" rtl="0">
-                <a:spcBef>
-                  <a:spcPts val="0"/>
-                </a:spcBef>
-                <a:spcAft>
-                  <a:spcPts val="0"/>
-                </a:spcAft>
-                <a:buNone/>
-              </a:pPr>
-              <a:r>
-                <a:rPr lang="fr-FR" sz="600" dirty="0"/>
-                <a:t>       </a:t>
-              </a:r>
-              <a:r>
-                <a:rPr lang="fr-FR" sz="500" dirty="0"/>
-                <a:t>Réalisations</a:t>
-              </a:r>
-              <a:endParaRPr sz="1000" dirty="0"/>
-            </a:p>
-          </p:txBody>
-        </p:sp>
-        <p:sp>
-          <p:nvSpPr>
-            <p:cNvPr id="20" name="Google Shape;7530;p62">
-              <a:extLst>
-                <a:ext uri="{FF2B5EF4-FFF2-40B4-BE49-F238E27FC236}">
-                  <a16:creationId xmlns:a16="http://schemas.microsoft.com/office/drawing/2014/main" xmlns="" id="{A721D019-7353-5C50-1F40-4692F2CDE793}"/>
-                </a:ext>
-              </a:extLst>
-            </p:cNvPr>
-            <p:cNvSpPr/>
-            <p:nvPr/>
-          </p:nvSpPr>
-          <p:spPr>
-            <a:xfrm>
-              <a:off x="4342321" y="2506075"/>
-              <a:ext cx="1643150" cy="673075"/>
-            </a:xfrm>
-            <a:custGeom>
-              <a:avLst/>
-              <a:gdLst/>
-              <a:ahLst/>
-              <a:cxnLst/>
-              <a:rect l="l" t="t" r="r" b="b"/>
-              <a:pathLst>
-                <a:path w="65726" h="26923" extrusionOk="0">
-                  <a:moveTo>
-                    <a:pt x="1" y="0"/>
-                  </a:moveTo>
-                  <a:lnTo>
-                    <a:pt x="10751" y="13477"/>
-                  </a:lnTo>
-                  <a:lnTo>
-                    <a:pt x="1" y="26923"/>
-                  </a:lnTo>
-                  <a:lnTo>
-                    <a:pt x="54944" y="26923"/>
-                  </a:lnTo>
-                  <a:lnTo>
-                    <a:pt x="65726" y="13477"/>
-                  </a:lnTo>
-                  <a:lnTo>
-                    <a:pt x="54944" y="0"/>
-                  </a:lnTo>
-                  <a:close/>
-                </a:path>
-              </a:pathLst>
-            </a:custGeom>
-            <a:noFill/>
-            <a:ln w="9525" cap="flat" cmpd="sng">
-              <a:solidFill>
-                <a:srgbClr val="A5B7C5"/>
-              </a:solidFill>
-              <a:prstDash val="solid"/>
-              <a:round/>
-              <a:headEnd type="none" w="sm" len="sm"/>
-              <a:tailEnd type="none" w="sm" len="sm"/>
-            </a:ln>
-          </p:spPr>
-          <p:txBody>
-            <a:bodyPr spcFirstLastPara="1" wrap="square" lIns="91425" tIns="91425" rIns="91425" bIns="91425" anchor="ctr" anchorCtr="0">
-              <a:noAutofit/>
-            </a:bodyPr>
-            <a:lstStyle/>
-            <a:p>
-              <a:pPr marL="0" lvl="0" indent="0" algn="l" rtl="0">
-                <a:spcBef>
-                  <a:spcPts val="0"/>
-                </a:spcBef>
-                <a:spcAft>
-                  <a:spcPts val="0"/>
-                </a:spcAft>
-                <a:buNone/>
-              </a:pPr>
-              <a:r>
-                <a:rPr lang="fr-FR" sz="500" dirty="0"/>
-                <a:t>          Interface graphique</a:t>
-              </a:r>
-              <a:endParaRPr sz="500" dirty="0"/>
-            </a:p>
-          </p:txBody>
-        </p:sp>
-      </p:grpSp>
       <p:sp>
         <p:nvSpPr>
           <p:cNvPr id="21" name="Google Shape;196;p32">
@@ -13725,8 +13207,16 @@
           <a:p>
             <a:pPr marL="0" indent="0"/>
             <a:r>
+              <a:rPr lang="fr-FR" sz="1050" dirty="0" smtClean="0"/>
+              <a:t>22</a:t>
+            </a:r>
+            <a:r>
+              <a:rPr lang="fr-FR" sz="1050" dirty="0" smtClean="0"/>
+              <a:t>/01/2024 </a:t>
+            </a:r>
+            <a:r>
               <a:rPr lang="fr-FR" sz="1050" dirty="0"/>
-              <a:t>??/01/2024 - Carine Allaf &amp; Pierre </a:t>
+              <a:t>- Carine Allaf &amp; Pierre </a:t>
             </a:r>
             <a:r>
               <a:rPr lang="fr-FR" sz="1050" dirty="0" err="1"/>
@@ -14052,11 +13542,19 @@
             <a:r>
               <a:rPr lang="fr-FR" sz="1800" b="1" dirty="0">
                 <a:solidFill>
-                  <a:srgbClr val="005493"/>
+                  <a:srgbClr val="0070C0"/>
                 </a:solidFill>
               </a:rPr>
-              <a:t>Réglages </a:t>
+              <a:t>Fréquence d’utilisation </a:t>
             </a:r>
+          </a:p>
+          <a:p>
+            <a:pPr algn="l"/>
+            <a:endParaRPr lang="fr-FR" sz="1800" b="1" dirty="0">
+              <a:solidFill>
+                <a:srgbClr val="005493"/>
+              </a:solidFill>
+            </a:endParaRPr>
           </a:p>
         </p:txBody>
       </p:sp>
@@ -14151,277 +13649,6 @@
           </a:p>
         </p:txBody>
       </p:sp>
-      <p:grpSp>
-        <p:nvGrpSpPr>
-          <p:cNvPr id="5" name="Google Shape;7525;p62">
-            <a:extLst>
-              <a:ext uri="{FF2B5EF4-FFF2-40B4-BE49-F238E27FC236}">
-                <a16:creationId xmlns:a16="http://schemas.microsoft.com/office/drawing/2014/main" xmlns="" id="{96161C29-C794-0918-9946-9D40626E937C}"/>
-              </a:ext>
-            </a:extLst>
-          </p:cNvPr>
-          <p:cNvGrpSpPr/>
-          <p:nvPr/>
-        </p:nvGrpSpPr>
-        <p:grpSpPr>
-          <a:xfrm>
-            <a:off x="3229006" y="180891"/>
-            <a:ext cx="2858029" cy="344653"/>
-            <a:chOff x="1606190" y="2506075"/>
-            <a:chExt cx="4659781" cy="673075"/>
-          </a:xfrm>
-        </p:grpSpPr>
-        <p:sp>
-          <p:nvSpPr>
-            <p:cNvPr id="6" name="Google Shape;7527;p62">
-              <a:extLst>
-                <a:ext uri="{FF2B5EF4-FFF2-40B4-BE49-F238E27FC236}">
-                  <a16:creationId xmlns:a16="http://schemas.microsoft.com/office/drawing/2014/main" xmlns="" id="{BB5026D9-1DEE-362C-B740-27AEADC61C9E}"/>
-                </a:ext>
-              </a:extLst>
-            </p:cNvPr>
-            <p:cNvSpPr/>
-            <p:nvPr/>
-          </p:nvSpPr>
-          <p:spPr>
-            <a:xfrm>
-              <a:off x="1606190" y="2506075"/>
-              <a:ext cx="1643924" cy="673075"/>
-            </a:xfrm>
-            <a:custGeom>
-              <a:avLst/>
-              <a:gdLst/>
-              <a:ahLst/>
-              <a:cxnLst/>
-              <a:rect l="l" t="t" r="r" b="b"/>
-              <a:pathLst>
-                <a:path w="65757" h="26923" extrusionOk="0">
-                  <a:moveTo>
-                    <a:pt x="0" y="0"/>
-                  </a:moveTo>
-                  <a:lnTo>
-                    <a:pt x="10782" y="13477"/>
-                  </a:lnTo>
-                  <a:lnTo>
-                    <a:pt x="0" y="26923"/>
-                  </a:lnTo>
-                  <a:lnTo>
-                    <a:pt x="54975" y="26923"/>
-                  </a:lnTo>
-                  <a:lnTo>
-                    <a:pt x="65757" y="13477"/>
-                  </a:lnTo>
-                  <a:lnTo>
-                    <a:pt x="54975" y="0"/>
-                  </a:lnTo>
-                  <a:close/>
-                </a:path>
-              </a:pathLst>
-            </a:custGeom>
-            <a:noFill/>
-            <a:ln w="9525" cap="flat" cmpd="sng">
-              <a:solidFill>
-                <a:srgbClr val="445D73"/>
-              </a:solidFill>
-              <a:prstDash val="solid"/>
-              <a:round/>
-              <a:headEnd type="none" w="sm" len="sm"/>
-              <a:tailEnd type="none" w="sm" len="sm"/>
-            </a:ln>
-          </p:spPr>
-          <p:txBody>
-            <a:bodyPr spcFirstLastPara="1" wrap="square" lIns="91425" tIns="91425" rIns="91425" bIns="91425" anchor="ctr" anchorCtr="0">
-              <a:noAutofit/>
-            </a:bodyPr>
-            <a:lstStyle/>
-            <a:p>
-              <a:r>
-                <a:rPr lang="fr-FR" sz="800" dirty="0" smtClean="0">
-                  <a:solidFill>
-                    <a:srgbClr val="0070C0"/>
-                  </a:solidFill>
-                </a:rPr>
-                <a:t>Principes      physiques</a:t>
-              </a:r>
-              <a:endParaRPr lang="fr-FR" dirty="0">
-                <a:solidFill>
-                  <a:srgbClr val="0070C0"/>
-                </a:solidFill>
-              </a:endParaRPr>
-            </a:p>
-          </p:txBody>
-        </p:sp>
-        <p:sp>
-          <p:nvSpPr>
-            <p:cNvPr id="7" name="Google Shape;7528;p62">
-              <a:extLst>
-                <a:ext uri="{FF2B5EF4-FFF2-40B4-BE49-F238E27FC236}">
-                  <a16:creationId xmlns:a16="http://schemas.microsoft.com/office/drawing/2014/main" xmlns="" id="{2E2B3FCB-858D-4641-1AA2-A730B199FF2F}"/>
-                </a:ext>
-              </a:extLst>
-            </p:cNvPr>
-            <p:cNvSpPr/>
-            <p:nvPr/>
-          </p:nvSpPr>
-          <p:spPr>
-            <a:xfrm>
-              <a:off x="2973481" y="2506075"/>
-              <a:ext cx="1643925" cy="673075"/>
-            </a:xfrm>
-            <a:custGeom>
-              <a:avLst/>
-              <a:gdLst/>
-              <a:ahLst/>
-              <a:cxnLst/>
-              <a:rect l="l" t="t" r="r" b="b"/>
-              <a:pathLst>
-                <a:path w="65757" h="26923" extrusionOk="0">
-                  <a:moveTo>
-                    <a:pt x="0" y="0"/>
-                  </a:moveTo>
-                  <a:lnTo>
-                    <a:pt x="10782" y="13477"/>
-                  </a:lnTo>
-                  <a:lnTo>
-                    <a:pt x="0" y="26923"/>
-                  </a:lnTo>
-                  <a:lnTo>
-                    <a:pt x="54975" y="26923"/>
-                  </a:lnTo>
-                  <a:lnTo>
-                    <a:pt x="65757" y="13477"/>
-                  </a:lnTo>
-                  <a:lnTo>
-                    <a:pt x="54975" y="0"/>
-                  </a:lnTo>
-                  <a:close/>
-                </a:path>
-              </a:pathLst>
-            </a:custGeom>
-            <a:noFill/>
-            <a:ln w="9525" cap="flat" cmpd="sng">
-              <a:solidFill>
-                <a:srgbClr val="667E92"/>
-              </a:solidFill>
-              <a:prstDash val="solid"/>
-              <a:round/>
-              <a:headEnd type="none" w="sm" len="sm"/>
-              <a:tailEnd type="none" w="sm" len="sm"/>
-            </a:ln>
-          </p:spPr>
-          <p:txBody>
-            <a:bodyPr spcFirstLastPara="1" wrap="square" lIns="91425" tIns="91425" rIns="91425" bIns="91425" anchor="ctr" anchorCtr="0">
-              <a:noAutofit/>
-            </a:bodyPr>
-            <a:lstStyle/>
-            <a:p>
-              <a:pPr marL="0" lvl="0" indent="0" algn="l" rtl="0">
-                <a:spcBef>
-                  <a:spcPts val="0"/>
-                </a:spcBef>
-                <a:spcAft>
-                  <a:spcPts val="0"/>
-                </a:spcAft>
-                <a:buNone/>
-              </a:pPr>
-              <a:r>
-                <a:rPr lang="fr-FR" sz="900" dirty="0"/>
-                <a:t>       </a:t>
-              </a:r>
-              <a:r>
-                <a:rPr lang="fr-FR" sz="800" dirty="0"/>
-                <a:t>Réalisations</a:t>
-              </a:r>
-              <a:endParaRPr sz="1200" dirty="0"/>
-            </a:p>
-          </p:txBody>
-        </p:sp>
-        <p:sp>
-          <p:nvSpPr>
-            <p:cNvPr id="8" name="Google Shape;7530;p62">
-              <a:extLst>
-                <a:ext uri="{FF2B5EF4-FFF2-40B4-BE49-F238E27FC236}">
-                  <a16:creationId xmlns:a16="http://schemas.microsoft.com/office/drawing/2014/main" xmlns="" id="{ED73396A-7886-5EAE-FD1A-D964868BF905}"/>
-                </a:ext>
-              </a:extLst>
-            </p:cNvPr>
-            <p:cNvSpPr/>
-            <p:nvPr/>
-          </p:nvSpPr>
-          <p:spPr>
-            <a:xfrm>
-              <a:off x="4342321" y="2506075"/>
-              <a:ext cx="1923650" cy="673075"/>
-            </a:xfrm>
-            <a:custGeom>
-              <a:avLst/>
-              <a:gdLst/>
-              <a:ahLst/>
-              <a:cxnLst/>
-              <a:rect l="l" t="t" r="r" b="b"/>
-              <a:pathLst>
-                <a:path w="65726" h="26923" extrusionOk="0">
-                  <a:moveTo>
-                    <a:pt x="1" y="0"/>
-                  </a:moveTo>
-                  <a:lnTo>
-                    <a:pt x="10751" y="13477"/>
-                  </a:lnTo>
-                  <a:lnTo>
-                    <a:pt x="1" y="26923"/>
-                  </a:lnTo>
-                  <a:lnTo>
-                    <a:pt x="54944" y="26923"/>
-                  </a:lnTo>
-                  <a:lnTo>
-                    <a:pt x="65726" y="13477"/>
-                  </a:lnTo>
-                  <a:lnTo>
-                    <a:pt x="54944" y="0"/>
-                  </a:lnTo>
-                  <a:close/>
-                </a:path>
-              </a:pathLst>
-            </a:custGeom>
-            <a:noFill/>
-            <a:ln w="9525" cap="flat" cmpd="sng">
-              <a:solidFill>
-                <a:srgbClr val="A5B7C5"/>
-              </a:solidFill>
-              <a:prstDash val="solid"/>
-              <a:round/>
-              <a:headEnd type="none" w="sm" len="sm"/>
-              <a:tailEnd type="none" w="sm" len="sm"/>
-            </a:ln>
-          </p:spPr>
-          <p:txBody>
-            <a:bodyPr spcFirstLastPara="1" wrap="square" lIns="91425" tIns="91425" rIns="91425" bIns="91425" anchor="ctr" anchorCtr="0">
-              <a:noAutofit/>
-            </a:bodyPr>
-            <a:lstStyle/>
-            <a:p>
-              <a:pPr marL="0" lvl="0" indent="0" algn="l" rtl="0">
-                <a:spcBef>
-                  <a:spcPts val="0"/>
-                </a:spcBef>
-                <a:spcAft>
-                  <a:spcPts val="0"/>
-                </a:spcAft>
-                <a:buNone/>
-              </a:pPr>
-              <a:r>
-                <a:rPr lang="fr-FR" sz="900" dirty="0"/>
-                <a:t>I</a:t>
-              </a:r>
-              <a:r>
-                <a:rPr lang="fr-FR" sz="900" dirty="0" smtClean="0"/>
-                <a:t>nterface   graphique</a:t>
-              </a:r>
-              <a:endParaRPr sz="900" dirty="0"/>
-            </a:p>
-          </p:txBody>
-        </p:sp>
-      </p:grpSp>
       <p:sp>
         <p:nvSpPr>
           <p:cNvPr id="9" name="Google Shape;196;p32">
@@ -15006,8 +14233,16 @@
           <a:p>
             <a:pPr marL="0" indent="0"/>
             <a:r>
+              <a:rPr lang="fr-FR" sz="1050" dirty="0" smtClean="0"/>
+              <a:t>22</a:t>
+            </a:r>
+            <a:r>
+              <a:rPr lang="fr-FR" sz="1050" dirty="0" smtClean="0"/>
+              <a:t>/01/2024 </a:t>
+            </a:r>
+            <a:r>
               <a:rPr lang="fr-FR" sz="1050" dirty="0"/>
-              <a:t>??/01/2024 - Carine Allaf &amp; Pierre </a:t>
+              <a:t>- Carine Allaf &amp; Pierre </a:t>
             </a:r>
             <a:r>
               <a:rPr lang="fr-FR" sz="1050" dirty="0" err="1"/>
@@ -15533,8 +14768,16 @@
           <a:p>
             <a:pPr marL="0" indent="0"/>
             <a:r>
+              <a:rPr lang="fr-FR" sz="1200" dirty="0" smtClean="0"/>
+              <a:t>22</a:t>
+            </a:r>
+            <a:r>
+              <a:rPr lang="fr-FR" sz="1200" dirty="0" smtClean="0"/>
+              <a:t>/01/2024 </a:t>
+            </a:r>
+            <a:r>
               <a:rPr lang="fr-FR" sz="1200" dirty="0"/>
-              <a:t>??/01/2024 - Carine Allaf &amp; Pierre </a:t>
+              <a:t>- Carine Allaf &amp; Pierre </a:t>
             </a:r>
             <a:r>
               <a:rPr lang="fr-FR" sz="1200" dirty="0" err="1"/>
@@ -16040,8 +15283,16 @@
           <a:p>
             <a:pPr marL="0" indent="0"/>
             <a:r>
+              <a:rPr lang="fr-FR" sz="1200" dirty="0" smtClean="0"/>
+              <a:t>22</a:t>
+            </a:r>
+            <a:r>
+              <a:rPr lang="fr-FR" sz="1200" dirty="0" smtClean="0"/>
+              <a:t>/01/2024 </a:t>
+            </a:r>
+            <a:r>
               <a:rPr lang="fr-FR" sz="1200" dirty="0"/>
-              <a:t>??/01/2024 - Carine Allaf &amp; Pierre </a:t>
+              <a:t>- Carine Allaf &amp; Pierre </a:t>
             </a:r>
             <a:r>
               <a:rPr lang="fr-FR" sz="1200" dirty="0" err="1"/>
@@ -16054,129 +15305,6 @@
           </a:p>
         </p:txBody>
       </p:sp>
-      <p:sp>
-        <p:nvSpPr>
-          <p:cNvPr id="5" name="TextBox 4">
-            <a:extLst>
-              <a:ext uri="{FF2B5EF4-FFF2-40B4-BE49-F238E27FC236}">
-                <a16:creationId xmlns:a16="http://schemas.microsoft.com/office/drawing/2014/main" xmlns="" id="{8A0B25FA-A049-7A71-C380-711F0D74A4D3}"/>
-              </a:ext>
-            </a:extLst>
-          </p:cNvPr>
-          <p:cNvSpPr txBox="1"/>
-          <p:nvPr/>
-        </p:nvSpPr>
-        <p:spPr>
-          <a:xfrm>
-            <a:off x="5265019" y="1178613"/>
-            <a:ext cx="3065165" cy="2031325"/>
-          </a:xfrm>
-          <a:prstGeom prst="rect">
-            <a:avLst/>
-          </a:prstGeom>
-          <a:noFill/>
-        </p:spPr>
-        <p:txBody>
-          <a:bodyPr wrap="square" rtlCol="0">
-            <a:spAutoFit/>
-          </a:bodyPr>
-          <a:lstStyle/>
-          <a:p>
-            <a:r>
-              <a:rPr lang="fr-FR" dirty="0" smtClean="0">
-                <a:solidFill>
-                  <a:schemeClr val="tx1">
-                    <a:lumMod val="75000"/>
-                  </a:schemeClr>
-                </a:solidFill>
-              </a:rPr>
-              <a:t>Pierre :</a:t>
-            </a:r>
-          </a:p>
-          <a:p>
-            <a:endParaRPr lang="fr-FR" dirty="0">
-              <a:solidFill>
-                <a:schemeClr val="tx1">
-                  <a:lumMod val="75000"/>
-                </a:schemeClr>
-              </a:solidFill>
-            </a:endParaRPr>
-          </a:p>
-          <a:p>
-            <a:endParaRPr lang="fr-FR" dirty="0" smtClean="0">
-              <a:solidFill>
-                <a:schemeClr val="tx1">
-                  <a:lumMod val="75000"/>
-                </a:schemeClr>
-              </a:solidFill>
-            </a:endParaRPr>
-          </a:p>
-          <a:p>
-            <a:endParaRPr lang="fr-FR" dirty="0">
-              <a:solidFill>
-                <a:schemeClr val="tx1">
-                  <a:lumMod val="75000"/>
-                </a:schemeClr>
-              </a:solidFill>
-            </a:endParaRPr>
-          </a:p>
-          <a:p>
-            <a:endParaRPr lang="fr-FR" dirty="0" smtClean="0">
-              <a:solidFill>
-                <a:schemeClr val="tx1">
-                  <a:lumMod val="75000"/>
-                </a:schemeClr>
-              </a:solidFill>
-            </a:endParaRPr>
-          </a:p>
-          <a:p>
-            <a:endParaRPr lang="fr-FR" dirty="0">
-              <a:solidFill>
-                <a:schemeClr val="tx1">
-                  <a:lumMod val="75000"/>
-                </a:schemeClr>
-              </a:solidFill>
-            </a:endParaRPr>
-          </a:p>
-          <a:p>
-            <a:endParaRPr lang="fr-FR" dirty="0" smtClean="0">
-              <a:solidFill>
-                <a:schemeClr val="tx1">
-                  <a:lumMod val="75000"/>
-                </a:schemeClr>
-              </a:solidFill>
-            </a:endParaRPr>
-          </a:p>
-          <a:p>
-            <a:endParaRPr lang="fr-FR" dirty="0">
-              <a:solidFill>
-                <a:schemeClr val="tx1">
-                  <a:lumMod val="75000"/>
-                </a:schemeClr>
-              </a:solidFill>
-            </a:endParaRPr>
-          </a:p>
-          <a:p>
-            <a:r>
-              <a:rPr lang="fr-FR" dirty="0" smtClean="0">
-                <a:solidFill>
-                  <a:schemeClr val="tx1">
-                    <a:lumMod val="75000"/>
-                  </a:schemeClr>
-                </a:solidFill>
-              </a:rPr>
-              <a:t>Carine : </a:t>
-            </a:r>
-            <a:endParaRPr lang="fr-FR" dirty="0">
-              <a:solidFill>
-                <a:schemeClr val="tx1">
-                  <a:lumMod val="75000"/>
-                </a:schemeClr>
-              </a:solidFill>
-            </a:endParaRPr>
-          </a:p>
-        </p:txBody>
-      </p:sp>
       <p:pic>
         <p:nvPicPr>
           <p:cNvPr id="10" name="Image 9"/>
@@ -16185,7 +15313,7 @@
           </p:cNvPicPr>
           <p:nvPr/>
         </p:nvPicPr>
-        <p:blipFill>
+        <p:blipFill rotWithShape="1">
           <a:blip r:embed="rId3">
             <a:extLst>
               <a:ext uri="{28A0092B-C50C-407E-A947-70E740481C1C}">
@@ -16193,61 +15321,19 @@
               </a:ext>
             </a:extLst>
           </a:blip>
-          <a:stretch>
-            <a:fillRect/>
-          </a:stretch>
+          <a:srcRect t="17375"/>
+          <a:stretch/>
         </p:blipFill>
         <p:spPr>
           <a:xfrm>
-            <a:off x="78065" y="796621"/>
-            <a:ext cx="5495925" cy="4124325"/>
+            <a:off x="1824036" y="1168925"/>
+            <a:ext cx="5495925" cy="3407719"/>
           </a:xfrm>
           <a:prstGeom prst="rect">
             <a:avLst/>
           </a:prstGeom>
         </p:spPr>
       </p:pic>
-      <p:sp>
-        <p:nvSpPr>
-          <p:cNvPr id="11" name="Rectangle à coins arrondis 10"/>
-          <p:cNvSpPr/>
-          <p:nvPr/>
-        </p:nvSpPr>
-        <p:spPr>
-          <a:xfrm>
-            <a:off x="5129785" y="914400"/>
-            <a:ext cx="3602736" cy="2953512"/>
-          </a:xfrm>
-          <a:prstGeom prst="roundRect">
-            <a:avLst/>
-          </a:prstGeom>
-          <a:noFill/>
-        </p:spPr>
-        <p:style>
-          <a:lnRef idx="2">
-            <a:schemeClr val="accent1">
-              <a:shade val="50000"/>
-            </a:schemeClr>
-          </a:lnRef>
-          <a:fillRef idx="1">
-            <a:schemeClr val="accent1"/>
-          </a:fillRef>
-          <a:effectRef idx="0">
-            <a:schemeClr val="accent1"/>
-          </a:effectRef>
-          <a:fontRef idx="minor">
-            <a:schemeClr val="lt1"/>
-          </a:fontRef>
-        </p:style>
-        <p:txBody>
-          <a:bodyPr rtlCol="0" anchor="ctr"/>
-          <a:lstStyle/>
-          <a:p>
-            <a:pPr algn="ctr"/>
-            <a:endParaRPr lang="fr-FR"/>
-          </a:p>
-        </p:txBody>
-      </p:sp>
     </p:spTree>
     <p:extLst>
       <p:ext uri="{BB962C8B-B14F-4D97-AF65-F5344CB8AC3E}">
@@ -16258,6 +15344,13 @@
   <p:clrMapOvr>
     <a:masterClrMapping/>
   </p:clrMapOvr>
+  <p:timing>
+    <p:tnLst>
+      <p:par>
+        <p:cTn id="1" dur="indefinite" restart="never" nodeType="tmRoot"/>
+      </p:par>
+    </p:tnLst>
+  </p:timing>
 </p:sld>
 </file>
 
@@ -16640,8 +15733,16 @@
           <a:p>
             <a:pPr marL="0" indent="0"/>
             <a:r>
+              <a:rPr lang="fr-FR" sz="1200" dirty="0" smtClean="0"/>
+              <a:t>22</a:t>
+            </a:r>
+            <a:r>
+              <a:rPr lang="fr-FR" sz="1200" dirty="0" smtClean="0"/>
+              <a:t>/01/2024 </a:t>
+            </a:r>
+            <a:r>
               <a:rPr lang="fr-FR" sz="1200" dirty="0"/>
-              <a:t>??/01/2024 - Carine Allaf &amp; Pierre </a:t>
+              <a:t>- Carine Allaf &amp; Pierre </a:t>
             </a:r>
             <a:r>
               <a:rPr lang="fr-FR" sz="1200" dirty="0" err="1"/>
@@ -21744,6 +20845,13 @@
   <p:clrMapOvr>
     <a:masterClrMapping/>
   </p:clrMapOvr>
+  <p:timing>
+    <p:tnLst>
+      <p:par>
+        <p:cTn id="1" dur="indefinite" restart="never" nodeType="tmRoot"/>
+      </p:par>
+    </p:tnLst>
+  </p:timing>
 </p:sld>
 </file>
 
@@ -22463,8 +21571,16 @@
           <a:p>
             <a:pPr marL="0" indent="0"/>
             <a:r>
+              <a:rPr lang="fr-FR" sz="1200" dirty="0" smtClean="0"/>
+              <a:t>22</a:t>
+            </a:r>
+            <a:r>
+              <a:rPr lang="fr-FR" sz="1200" dirty="0" smtClean="0"/>
+              <a:t>/01/2024 </a:t>
+            </a:r>
+            <a:r>
               <a:rPr lang="fr-FR" sz="1200" dirty="0"/>
-              <a:t>??/01/2024 - Carine Allaf &amp; Pierre </a:t>
+              <a:t>- Carine Allaf &amp; Pierre </a:t>
             </a:r>
             <a:r>
               <a:rPr lang="fr-FR" sz="1200" dirty="0" err="1"/>
@@ -22482,6 +21598,13 @@
   <p:clrMapOvr>
     <a:masterClrMapping/>
   </p:clrMapOvr>
+  <p:timing>
+    <p:tnLst>
+      <p:par>
+        <p:cTn id="1" dur="indefinite" restart="never" nodeType="tmRoot"/>
+      </p:par>
+    </p:tnLst>
+  </p:timing>
 </p:sld>
 </file>
 
@@ -23397,8 +22520,16 @@
           <a:p>
             <a:pPr marL="0" indent="0"/>
             <a:r>
+              <a:rPr lang="fr-FR" sz="1200" dirty="0" smtClean="0"/>
+              <a:t>22</a:t>
+            </a:r>
+            <a:r>
+              <a:rPr lang="fr-FR" sz="1200" dirty="0" smtClean="0"/>
+              <a:t>/01/2024 </a:t>
+            </a:r>
+            <a:r>
               <a:rPr lang="fr-FR" sz="1200" dirty="0"/>
-              <a:t>??/01/2024 - Carine Allaf &amp; Pierre </a:t>
+              <a:t>- Carine Allaf &amp; Pierre </a:t>
             </a:r>
             <a:r>
               <a:rPr lang="fr-FR" sz="1200" dirty="0" err="1"/>
@@ -23416,6 +22547,13 @@
   <p:clrMapOvr>
     <a:masterClrMapping/>
   </p:clrMapOvr>
+  <p:timing>
+    <p:tnLst>
+      <p:par>
+        <p:cTn id="1" dur="indefinite" restart="never" nodeType="tmRoot"/>
+      </p:par>
+    </p:tnLst>
+  </p:timing>
 </p:sld>
 </file>
 
@@ -23534,14 +22672,54 @@
                   <a:srgbClr val="FF0000"/>
                 </a:solidFill>
               </a:rPr>
-              <a:t>INTRO avec problématique du sujet </a:t>
+              <a:t>INTRO avec problématique du </a:t>
+            </a:r>
+            <a:r>
+              <a:rPr lang="fr-FR" dirty="0" smtClean="0">
+                <a:solidFill>
+                  <a:srgbClr val="FF0000"/>
+                </a:solidFill>
+              </a:rPr>
+              <a:t>sujet</a:t>
             </a:r>
           </a:p>
           <a:p>
             <a:pPr marL="114300" indent="0">
               <a:buNone/>
             </a:pPr>
-            <a:endParaRPr lang="fr-FR" dirty="0">
+            <a:r>
+              <a:rPr lang="fr-FR" dirty="0" smtClean="0">
+                <a:solidFill>
+                  <a:srgbClr val="FF0000"/>
+                </a:solidFill>
+              </a:rPr>
+              <a:t>Présenter </a:t>
+            </a:r>
+            <a:r>
+              <a:rPr lang="fr-FR" dirty="0" err="1" smtClean="0">
+                <a:solidFill>
+                  <a:srgbClr val="FF0000"/>
+                </a:solidFill>
+              </a:rPr>
+              <a:t>psm</a:t>
+            </a:r>
+            <a:r>
+              <a:rPr lang="fr-FR" dirty="0" smtClean="0">
+                <a:solidFill>
+                  <a:srgbClr val="FF0000"/>
+                </a:solidFill>
+              </a:rPr>
+              <a:t> et IAI</a:t>
+            </a:r>
+            <a:r>
+              <a:rPr lang="fr-FR" dirty="0" smtClean="0">
+                <a:solidFill>
+                  <a:srgbClr val="FF0000"/>
+                </a:solidFill>
+              </a:rPr>
+              <a:t> </a:t>
+            </a:r>
+            <a:endParaRPr lang="fr-FR" dirty="0" smtClean="0">
               <a:solidFill>
                 <a:srgbClr val="FF0000"/>
               </a:solidFill>
@@ -23860,8 +23038,16 @@
           <a:p>
             <a:pPr marL="0" indent="0"/>
             <a:r>
+              <a:rPr lang="fr-FR" sz="1200" dirty="0" smtClean="0"/>
+              <a:t>22</a:t>
+            </a:r>
+            <a:r>
+              <a:rPr lang="fr-FR" sz="1200" dirty="0" smtClean="0"/>
+              <a:t>/01/2024 </a:t>
+            </a:r>
+            <a:r>
               <a:rPr lang="fr-FR" sz="1200" dirty="0"/>
-              <a:t>??/01/2024 - Carine Allaf &amp; Pierre </a:t>
+              <a:t>- Carine Allaf &amp; Pierre </a:t>
             </a:r>
             <a:r>
               <a:rPr lang="fr-FR" sz="1200" dirty="0" err="1"/>
@@ -23890,6 +23076,994 @@
 </file>
 
 <file path=ppt/slides/slide3.xml><?xml version="1.0" encoding="utf-8"?>
+<p:sld xmlns:a="http://schemas.openxmlformats.org/drawingml/2006/main" xmlns:r="http://schemas.openxmlformats.org/officeDocument/2006/relationships" xmlns:p="http://schemas.openxmlformats.org/presentationml/2006/main">
+  <p:cSld>
+    <p:spTree>
+      <p:nvGrpSpPr>
+        <p:cNvPr id="1" name="Shape 150"/>
+        <p:cNvGrpSpPr/>
+        <p:nvPr/>
+      </p:nvGrpSpPr>
+      <p:grpSpPr>
+        <a:xfrm>
+          <a:off x="0" y="0"/>
+          <a:ext cx="0" cy="0"/>
+          <a:chOff x="0" y="0"/>
+          <a:chExt cx="0" cy="0"/>
+        </a:xfrm>
+      </p:grpSpPr>
+      <p:sp>
+        <p:nvSpPr>
+          <p:cNvPr id="151" name="Google Shape;151;p29"/>
+          <p:cNvSpPr txBox="1">
+            <a:spLocks noGrp="1"/>
+          </p:cNvSpPr>
+          <p:nvPr>
+            <p:ph type="title"/>
+          </p:nvPr>
+        </p:nvSpPr>
+        <p:spPr>
+          <a:xfrm>
+            <a:off x="720000" y="368825"/>
+            <a:ext cx="7704000" cy="572700"/>
+          </a:xfrm>
+          <a:prstGeom prst="rect">
+            <a:avLst/>
+          </a:prstGeom>
+        </p:spPr>
+        <p:txBody>
+          <a:bodyPr spcFirstLastPara="1" wrap="square" lIns="91425" tIns="91425" rIns="91425" bIns="91425" anchor="t" anchorCtr="0">
+            <a:noAutofit/>
+          </a:bodyPr>
+          <a:lstStyle/>
+          <a:p>
+            <a:pPr marL="0" lvl="0" indent="0" algn="l" rtl="0">
+              <a:spcBef>
+                <a:spcPts val="0"/>
+              </a:spcBef>
+              <a:spcAft>
+                <a:spcPts val="0"/>
+              </a:spcAft>
+              <a:buNone/>
+            </a:pPr>
+            <a:r>
+              <a:rPr lang="en-GB" sz="2800" dirty="0"/>
+              <a:t>Mesure sans contact d’objets métalliques</a:t>
+            </a:r>
+            <a:endParaRPr sz="2800" b="0" dirty="0"/>
+          </a:p>
+        </p:txBody>
+      </p:sp>
+      <p:cxnSp>
+        <p:nvCxnSpPr>
+          <p:cNvPr id="153" name="Google Shape;153;p29"/>
+          <p:cNvCxnSpPr/>
+          <p:nvPr/>
+        </p:nvCxnSpPr>
+        <p:spPr>
+          <a:xfrm>
+            <a:off x="805925" y="1045726"/>
+            <a:ext cx="5443800" cy="0"/>
+          </a:xfrm>
+          <a:prstGeom prst="straightConnector1">
+            <a:avLst/>
+          </a:prstGeom>
+          <a:noFill/>
+          <a:ln w="19050" cap="flat" cmpd="sng">
+            <a:solidFill>
+              <a:schemeClr val="dk1"/>
+            </a:solidFill>
+            <a:prstDash val="solid"/>
+            <a:round/>
+            <a:headEnd type="none" w="med" len="med"/>
+            <a:tailEnd type="none" w="med" len="med"/>
+          </a:ln>
+        </p:spPr>
+      </p:cxnSp>
+      <p:pic>
+        <p:nvPicPr>
+          <p:cNvPr id="4" name="Picture 3">
+            <a:extLst>
+              <a:ext uri="{FF2B5EF4-FFF2-40B4-BE49-F238E27FC236}">
+                <a16:creationId xmlns:a16="http://schemas.microsoft.com/office/drawing/2014/main" xmlns="" id="{DCFC5404-777C-CDE7-8BEA-5BECD4535855}"/>
+              </a:ext>
+            </a:extLst>
+          </p:cNvPr>
+          <p:cNvPicPr>
+            <a:picLocks noChangeAspect="1"/>
+          </p:cNvPicPr>
+          <p:nvPr/>
+        </p:nvPicPr>
+        <p:blipFill>
+          <a:blip r:embed="rId3"/>
+          <a:stretch>
+            <a:fillRect/>
+          </a:stretch>
+        </p:blipFill>
+        <p:spPr>
+          <a:xfrm>
+            <a:off x="7649730" y="4092241"/>
+            <a:ext cx="1401814" cy="1401814"/>
+          </a:xfrm>
+          <a:prstGeom prst="rect">
+            <a:avLst/>
+          </a:prstGeom>
+        </p:spPr>
+      </p:pic>
+      <p:sp>
+        <p:nvSpPr>
+          <p:cNvPr id="5" name="Google Shape;144;p28">
+            <a:extLst>
+              <a:ext uri="{FF2B5EF4-FFF2-40B4-BE49-F238E27FC236}">
+                <a16:creationId xmlns:a16="http://schemas.microsoft.com/office/drawing/2014/main" xmlns="" id="{1791B513-C073-A2BA-9B5C-521F073962BA}"/>
+              </a:ext>
+            </a:extLst>
+          </p:cNvPr>
+          <p:cNvSpPr txBox="1">
+            <a:spLocks/>
+          </p:cNvSpPr>
+          <p:nvPr/>
+        </p:nvSpPr>
+        <p:spPr>
+          <a:xfrm>
+            <a:off x="2472881" y="4722938"/>
+            <a:ext cx="4187931" cy="344653"/>
+          </a:xfrm>
+          <a:prstGeom prst="rect">
+            <a:avLst/>
+          </a:prstGeom>
+          <a:noFill/>
+          <a:ln>
+            <a:noFill/>
+          </a:ln>
+        </p:spPr>
+        <p:txBody>
+          <a:bodyPr spcFirstLastPara="1" wrap="square" lIns="91425" tIns="91425" rIns="91425" bIns="91425" anchor="t" anchorCtr="0">
+            <a:noAutofit/>
+          </a:bodyPr>
+          <a:lstStyle>
+            <a:defPPr marR="0" lvl="0" algn="l" rtl="0">
+              <a:lnSpc>
+                <a:spcPct val="100000"/>
+              </a:lnSpc>
+              <a:spcBef>
+                <a:spcPts val="0"/>
+              </a:spcBef>
+              <a:spcAft>
+                <a:spcPts val="0"/>
+              </a:spcAft>
+            </a:defPPr>
+            <a:lvl1pPr marL="457200" marR="0" lvl="0" indent="-317500" algn="l" rtl="0">
+              <a:lnSpc>
+                <a:spcPct val="100000"/>
+              </a:lnSpc>
+              <a:spcBef>
+                <a:spcPts val="0"/>
+              </a:spcBef>
+              <a:spcAft>
+                <a:spcPts val="0"/>
+              </a:spcAft>
+              <a:buClr>
+                <a:schemeClr val="dk1"/>
+              </a:buClr>
+              <a:buSzPts val="1400"/>
+              <a:buFont typeface="Nunito"/>
+              <a:buNone/>
+              <a:defRPr sz="1800" b="0" i="0" u="none" strike="noStrike" cap="none">
+                <a:solidFill>
+                  <a:schemeClr val="dk1"/>
+                </a:solidFill>
+                <a:latin typeface="Nunito"/>
+                <a:ea typeface="Nunito"/>
+                <a:cs typeface="Nunito"/>
+                <a:sym typeface="Nunito"/>
+              </a:defRPr>
+            </a:lvl1pPr>
+            <a:lvl2pPr marL="914400" marR="0" lvl="1" indent="-317500" algn="ctr" rtl="0">
+              <a:lnSpc>
+                <a:spcPct val="100000"/>
+              </a:lnSpc>
+              <a:spcBef>
+                <a:spcPts val="0"/>
+              </a:spcBef>
+              <a:spcAft>
+                <a:spcPts val="0"/>
+              </a:spcAft>
+              <a:buClr>
+                <a:schemeClr val="dk1"/>
+              </a:buClr>
+              <a:buSzPts val="1800"/>
+              <a:buFont typeface="Nunito"/>
+              <a:buNone/>
+              <a:defRPr sz="1800" b="0" i="0" u="none" strike="noStrike" cap="none">
+                <a:solidFill>
+                  <a:schemeClr val="dk1"/>
+                </a:solidFill>
+                <a:latin typeface="Nunito"/>
+                <a:ea typeface="Nunito"/>
+                <a:cs typeface="Nunito"/>
+                <a:sym typeface="Nunito"/>
+              </a:defRPr>
+            </a:lvl2pPr>
+            <a:lvl3pPr marL="1371600" marR="0" lvl="2" indent="-317500" algn="ctr" rtl="0">
+              <a:lnSpc>
+                <a:spcPct val="100000"/>
+              </a:lnSpc>
+              <a:spcBef>
+                <a:spcPts val="0"/>
+              </a:spcBef>
+              <a:spcAft>
+                <a:spcPts val="0"/>
+              </a:spcAft>
+              <a:buClr>
+                <a:schemeClr val="dk1"/>
+              </a:buClr>
+              <a:buSzPts val="1800"/>
+              <a:buFont typeface="Nunito"/>
+              <a:buNone/>
+              <a:defRPr sz="1800" b="0" i="0" u="none" strike="noStrike" cap="none">
+                <a:solidFill>
+                  <a:schemeClr val="dk1"/>
+                </a:solidFill>
+                <a:latin typeface="Nunito"/>
+                <a:ea typeface="Nunito"/>
+                <a:cs typeface="Nunito"/>
+                <a:sym typeface="Nunito"/>
+              </a:defRPr>
+            </a:lvl3pPr>
+            <a:lvl4pPr marL="1828800" marR="0" lvl="3" indent="-317500" algn="ctr" rtl="0">
+              <a:lnSpc>
+                <a:spcPct val="100000"/>
+              </a:lnSpc>
+              <a:spcBef>
+                <a:spcPts val="0"/>
+              </a:spcBef>
+              <a:spcAft>
+                <a:spcPts val="0"/>
+              </a:spcAft>
+              <a:buClr>
+                <a:schemeClr val="dk1"/>
+              </a:buClr>
+              <a:buSzPts val="1800"/>
+              <a:buFont typeface="Nunito"/>
+              <a:buNone/>
+              <a:defRPr sz="1800" b="0" i="0" u="none" strike="noStrike" cap="none">
+                <a:solidFill>
+                  <a:schemeClr val="dk1"/>
+                </a:solidFill>
+                <a:latin typeface="Nunito"/>
+                <a:ea typeface="Nunito"/>
+                <a:cs typeface="Nunito"/>
+                <a:sym typeface="Nunito"/>
+              </a:defRPr>
+            </a:lvl4pPr>
+            <a:lvl5pPr marL="2286000" marR="0" lvl="4" indent="-317500" algn="ctr" rtl="0">
+              <a:lnSpc>
+                <a:spcPct val="100000"/>
+              </a:lnSpc>
+              <a:spcBef>
+                <a:spcPts val="0"/>
+              </a:spcBef>
+              <a:spcAft>
+                <a:spcPts val="0"/>
+              </a:spcAft>
+              <a:buClr>
+                <a:schemeClr val="dk1"/>
+              </a:buClr>
+              <a:buSzPts val="1800"/>
+              <a:buFont typeface="Nunito"/>
+              <a:buNone/>
+              <a:defRPr sz="1800" b="0" i="0" u="none" strike="noStrike" cap="none">
+                <a:solidFill>
+                  <a:schemeClr val="dk1"/>
+                </a:solidFill>
+                <a:latin typeface="Nunito"/>
+                <a:ea typeface="Nunito"/>
+                <a:cs typeface="Nunito"/>
+                <a:sym typeface="Nunito"/>
+              </a:defRPr>
+            </a:lvl5pPr>
+            <a:lvl6pPr marL="2743200" marR="0" lvl="5" indent="-317500" algn="ctr" rtl="0">
+              <a:lnSpc>
+                <a:spcPct val="100000"/>
+              </a:lnSpc>
+              <a:spcBef>
+                <a:spcPts val="0"/>
+              </a:spcBef>
+              <a:spcAft>
+                <a:spcPts val="0"/>
+              </a:spcAft>
+              <a:buClr>
+                <a:schemeClr val="dk1"/>
+              </a:buClr>
+              <a:buSzPts val="1800"/>
+              <a:buFont typeface="Nunito"/>
+              <a:buNone/>
+              <a:defRPr sz="1800" b="0" i="0" u="none" strike="noStrike" cap="none">
+                <a:solidFill>
+                  <a:schemeClr val="dk1"/>
+                </a:solidFill>
+                <a:latin typeface="Nunito"/>
+                <a:ea typeface="Nunito"/>
+                <a:cs typeface="Nunito"/>
+                <a:sym typeface="Nunito"/>
+              </a:defRPr>
+            </a:lvl6pPr>
+            <a:lvl7pPr marL="3200400" marR="0" lvl="6" indent="-317500" algn="ctr" rtl="0">
+              <a:lnSpc>
+                <a:spcPct val="100000"/>
+              </a:lnSpc>
+              <a:spcBef>
+                <a:spcPts val="0"/>
+              </a:spcBef>
+              <a:spcAft>
+                <a:spcPts val="0"/>
+              </a:spcAft>
+              <a:buClr>
+                <a:schemeClr val="dk1"/>
+              </a:buClr>
+              <a:buSzPts val="1800"/>
+              <a:buFont typeface="Nunito"/>
+              <a:buNone/>
+              <a:defRPr sz="1800" b="0" i="0" u="none" strike="noStrike" cap="none">
+                <a:solidFill>
+                  <a:schemeClr val="dk1"/>
+                </a:solidFill>
+                <a:latin typeface="Nunito"/>
+                <a:ea typeface="Nunito"/>
+                <a:cs typeface="Nunito"/>
+                <a:sym typeface="Nunito"/>
+              </a:defRPr>
+            </a:lvl7pPr>
+            <a:lvl8pPr marL="3657600" marR="0" lvl="7" indent="-317500" algn="ctr" rtl="0">
+              <a:lnSpc>
+                <a:spcPct val="100000"/>
+              </a:lnSpc>
+              <a:spcBef>
+                <a:spcPts val="0"/>
+              </a:spcBef>
+              <a:spcAft>
+                <a:spcPts val="0"/>
+              </a:spcAft>
+              <a:buClr>
+                <a:schemeClr val="dk1"/>
+              </a:buClr>
+              <a:buSzPts val="1800"/>
+              <a:buFont typeface="Nunito"/>
+              <a:buNone/>
+              <a:defRPr sz="1800" b="0" i="0" u="none" strike="noStrike" cap="none">
+                <a:solidFill>
+                  <a:schemeClr val="dk1"/>
+                </a:solidFill>
+                <a:latin typeface="Nunito"/>
+                <a:ea typeface="Nunito"/>
+                <a:cs typeface="Nunito"/>
+                <a:sym typeface="Nunito"/>
+              </a:defRPr>
+            </a:lvl8pPr>
+            <a:lvl9pPr marL="4114800" marR="0" lvl="8" indent="-317500" algn="ctr" rtl="0">
+              <a:lnSpc>
+                <a:spcPct val="100000"/>
+              </a:lnSpc>
+              <a:spcBef>
+                <a:spcPts val="0"/>
+              </a:spcBef>
+              <a:spcAft>
+                <a:spcPts val="0"/>
+              </a:spcAft>
+              <a:buClr>
+                <a:schemeClr val="dk1"/>
+              </a:buClr>
+              <a:buSzPts val="1800"/>
+              <a:buFont typeface="Nunito"/>
+              <a:buNone/>
+              <a:defRPr sz="1800" b="0" i="0" u="none" strike="noStrike" cap="none">
+                <a:solidFill>
+                  <a:schemeClr val="dk1"/>
+                </a:solidFill>
+                <a:latin typeface="Nunito"/>
+                <a:ea typeface="Nunito"/>
+                <a:cs typeface="Nunito"/>
+                <a:sym typeface="Nunito"/>
+              </a:defRPr>
+            </a:lvl9pPr>
+          </a:lstStyle>
+          <a:p>
+            <a:pPr marL="0" indent="0"/>
+            <a:r>
+              <a:rPr lang="fr-FR" sz="1200" dirty="0" smtClean="0"/>
+              <a:t>22</a:t>
+            </a:r>
+            <a:r>
+              <a:rPr lang="fr-FR" sz="1200" dirty="0" smtClean="0"/>
+              <a:t>/01/2024 </a:t>
+            </a:r>
+            <a:r>
+              <a:rPr lang="fr-FR" sz="1200" dirty="0"/>
+              <a:t>- Carine Allaf &amp; Pierre </a:t>
+            </a:r>
+            <a:r>
+              <a:rPr lang="fr-FR" sz="1200" dirty="0" err="1"/>
+              <a:t>Sadeler</a:t>
+            </a:r>
+            <a:r>
+              <a:rPr lang="fr-FR" sz="1200" dirty="0"/>
+              <a:t> – BUT GEII S5 </a:t>
+            </a:r>
+          </a:p>
+        </p:txBody>
+      </p:sp>
+      <p:sp>
+        <p:nvSpPr>
+          <p:cNvPr id="8" name="Google Shape;195;p32">
+            <a:extLst>
+              <a:ext uri="{FF2B5EF4-FFF2-40B4-BE49-F238E27FC236}">
+                <a16:creationId xmlns:a16="http://schemas.microsoft.com/office/drawing/2014/main" xmlns="" id="{45332C40-2269-261E-E410-068DDE373869}"/>
+              </a:ext>
+            </a:extLst>
+          </p:cNvPr>
+          <p:cNvSpPr txBox="1">
+            <a:spLocks/>
+          </p:cNvSpPr>
+          <p:nvPr/>
+        </p:nvSpPr>
+        <p:spPr>
+          <a:xfrm>
+            <a:off x="720000" y="1096129"/>
+            <a:ext cx="2584541" cy="415063"/>
+          </a:xfrm>
+          <a:prstGeom prst="rect">
+            <a:avLst/>
+          </a:prstGeom>
+          <a:noFill/>
+          <a:ln>
+            <a:noFill/>
+          </a:ln>
+        </p:spPr>
+        <p:txBody>
+          <a:bodyPr spcFirstLastPara="1" wrap="square" lIns="91425" tIns="91425" rIns="91425" bIns="91425" anchor="t" anchorCtr="0">
+            <a:noAutofit/>
+          </a:bodyPr>
+          <a:lstStyle>
+            <a:defPPr marR="0" lvl="0" algn="l" rtl="0">
+              <a:lnSpc>
+                <a:spcPct val="100000"/>
+              </a:lnSpc>
+              <a:spcBef>
+                <a:spcPts val="0"/>
+              </a:spcBef>
+              <a:spcAft>
+                <a:spcPts val="0"/>
+              </a:spcAft>
+            </a:defPPr>
+            <a:lvl1pPr marR="0" lvl="0" algn="r" rtl="0">
+              <a:lnSpc>
+                <a:spcPct val="100000"/>
+              </a:lnSpc>
+              <a:spcBef>
+                <a:spcPts val="0"/>
+              </a:spcBef>
+              <a:spcAft>
+                <a:spcPts val="0"/>
+              </a:spcAft>
+              <a:buClr>
+                <a:schemeClr val="dk1"/>
+              </a:buClr>
+              <a:buSzPts val="3600"/>
+              <a:buFont typeface="Questrial"/>
+              <a:buNone/>
+              <a:defRPr sz="5000" b="0" i="0" u="none" strike="noStrike" cap="none">
+                <a:solidFill>
+                  <a:schemeClr val="dk1"/>
+                </a:solidFill>
+                <a:latin typeface="Questrial"/>
+                <a:ea typeface="Questrial"/>
+                <a:cs typeface="Questrial"/>
+                <a:sym typeface="Questrial"/>
+              </a:defRPr>
+            </a:lvl1pPr>
+            <a:lvl2pPr marR="0" lvl="1" algn="ctr" rtl="0">
+              <a:lnSpc>
+                <a:spcPct val="100000"/>
+              </a:lnSpc>
+              <a:spcBef>
+                <a:spcPts val="0"/>
+              </a:spcBef>
+              <a:spcAft>
+                <a:spcPts val="0"/>
+              </a:spcAft>
+              <a:buClr>
+                <a:schemeClr val="dk1"/>
+              </a:buClr>
+              <a:buSzPts val="3600"/>
+              <a:buFont typeface="Questrial"/>
+              <a:buNone/>
+              <a:defRPr sz="3600" b="0" i="0" u="none" strike="noStrike" cap="none">
+                <a:solidFill>
+                  <a:schemeClr val="dk1"/>
+                </a:solidFill>
+                <a:latin typeface="Questrial"/>
+                <a:ea typeface="Questrial"/>
+                <a:cs typeface="Questrial"/>
+                <a:sym typeface="Questrial"/>
+              </a:defRPr>
+            </a:lvl2pPr>
+            <a:lvl3pPr marR="0" lvl="2" algn="ctr" rtl="0">
+              <a:lnSpc>
+                <a:spcPct val="100000"/>
+              </a:lnSpc>
+              <a:spcBef>
+                <a:spcPts val="0"/>
+              </a:spcBef>
+              <a:spcAft>
+                <a:spcPts val="0"/>
+              </a:spcAft>
+              <a:buClr>
+                <a:schemeClr val="dk1"/>
+              </a:buClr>
+              <a:buSzPts val="3600"/>
+              <a:buFont typeface="Questrial"/>
+              <a:buNone/>
+              <a:defRPr sz="3600" b="0" i="0" u="none" strike="noStrike" cap="none">
+                <a:solidFill>
+                  <a:schemeClr val="dk1"/>
+                </a:solidFill>
+                <a:latin typeface="Questrial"/>
+                <a:ea typeface="Questrial"/>
+                <a:cs typeface="Questrial"/>
+                <a:sym typeface="Questrial"/>
+              </a:defRPr>
+            </a:lvl3pPr>
+            <a:lvl4pPr marR="0" lvl="3" algn="ctr" rtl="0">
+              <a:lnSpc>
+                <a:spcPct val="100000"/>
+              </a:lnSpc>
+              <a:spcBef>
+                <a:spcPts val="0"/>
+              </a:spcBef>
+              <a:spcAft>
+                <a:spcPts val="0"/>
+              </a:spcAft>
+              <a:buClr>
+                <a:schemeClr val="dk1"/>
+              </a:buClr>
+              <a:buSzPts val="3600"/>
+              <a:buFont typeface="Questrial"/>
+              <a:buNone/>
+              <a:defRPr sz="3600" b="0" i="0" u="none" strike="noStrike" cap="none">
+                <a:solidFill>
+                  <a:schemeClr val="dk1"/>
+                </a:solidFill>
+                <a:latin typeface="Questrial"/>
+                <a:ea typeface="Questrial"/>
+                <a:cs typeface="Questrial"/>
+                <a:sym typeface="Questrial"/>
+              </a:defRPr>
+            </a:lvl4pPr>
+            <a:lvl5pPr marR="0" lvl="4" algn="ctr" rtl="0">
+              <a:lnSpc>
+                <a:spcPct val="100000"/>
+              </a:lnSpc>
+              <a:spcBef>
+                <a:spcPts val="0"/>
+              </a:spcBef>
+              <a:spcAft>
+                <a:spcPts val="0"/>
+              </a:spcAft>
+              <a:buClr>
+                <a:schemeClr val="dk1"/>
+              </a:buClr>
+              <a:buSzPts val="3600"/>
+              <a:buFont typeface="Questrial"/>
+              <a:buNone/>
+              <a:defRPr sz="3600" b="0" i="0" u="none" strike="noStrike" cap="none">
+                <a:solidFill>
+                  <a:schemeClr val="dk1"/>
+                </a:solidFill>
+                <a:latin typeface="Questrial"/>
+                <a:ea typeface="Questrial"/>
+                <a:cs typeface="Questrial"/>
+                <a:sym typeface="Questrial"/>
+              </a:defRPr>
+            </a:lvl5pPr>
+            <a:lvl6pPr marR="0" lvl="5" algn="ctr" rtl="0">
+              <a:lnSpc>
+                <a:spcPct val="100000"/>
+              </a:lnSpc>
+              <a:spcBef>
+                <a:spcPts val="0"/>
+              </a:spcBef>
+              <a:spcAft>
+                <a:spcPts val="0"/>
+              </a:spcAft>
+              <a:buClr>
+                <a:schemeClr val="dk1"/>
+              </a:buClr>
+              <a:buSzPts val="3600"/>
+              <a:buFont typeface="Questrial"/>
+              <a:buNone/>
+              <a:defRPr sz="3600" b="0" i="0" u="none" strike="noStrike" cap="none">
+                <a:solidFill>
+                  <a:schemeClr val="dk1"/>
+                </a:solidFill>
+                <a:latin typeface="Questrial"/>
+                <a:ea typeface="Questrial"/>
+                <a:cs typeface="Questrial"/>
+                <a:sym typeface="Questrial"/>
+              </a:defRPr>
+            </a:lvl6pPr>
+            <a:lvl7pPr marR="0" lvl="6" algn="ctr" rtl="0">
+              <a:lnSpc>
+                <a:spcPct val="100000"/>
+              </a:lnSpc>
+              <a:spcBef>
+                <a:spcPts val="0"/>
+              </a:spcBef>
+              <a:spcAft>
+                <a:spcPts val="0"/>
+              </a:spcAft>
+              <a:buClr>
+                <a:schemeClr val="dk1"/>
+              </a:buClr>
+              <a:buSzPts val="3600"/>
+              <a:buFont typeface="Questrial"/>
+              <a:buNone/>
+              <a:defRPr sz="3600" b="0" i="0" u="none" strike="noStrike" cap="none">
+                <a:solidFill>
+                  <a:schemeClr val="dk1"/>
+                </a:solidFill>
+                <a:latin typeface="Questrial"/>
+                <a:ea typeface="Questrial"/>
+                <a:cs typeface="Questrial"/>
+                <a:sym typeface="Questrial"/>
+              </a:defRPr>
+            </a:lvl7pPr>
+            <a:lvl8pPr marR="0" lvl="7" algn="ctr" rtl="0">
+              <a:lnSpc>
+                <a:spcPct val="100000"/>
+              </a:lnSpc>
+              <a:spcBef>
+                <a:spcPts val="0"/>
+              </a:spcBef>
+              <a:spcAft>
+                <a:spcPts val="0"/>
+              </a:spcAft>
+              <a:buClr>
+                <a:schemeClr val="dk1"/>
+              </a:buClr>
+              <a:buSzPts val="3600"/>
+              <a:buFont typeface="Questrial"/>
+              <a:buNone/>
+              <a:defRPr sz="3600" b="0" i="0" u="none" strike="noStrike" cap="none">
+                <a:solidFill>
+                  <a:schemeClr val="dk1"/>
+                </a:solidFill>
+                <a:latin typeface="Questrial"/>
+                <a:ea typeface="Questrial"/>
+                <a:cs typeface="Questrial"/>
+                <a:sym typeface="Questrial"/>
+              </a:defRPr>
+            </a:lvl8pPr>
+            <a:lvl9pPr marR="0" lvl="8" algn="ctr" rtl="0">
+              <a:lnSpc>
+                <a:spcPct val="100000"/>
+              </a:lnSpc>
+              <a:spcBef>
+                <a:spcPts val="0"/>
+              </a:spcBef>
+              <a:spcAft>
+                <a:spcPts val="0"/>
+              </a:spcAft>
+              <a:buClr>
+                <a:schemeClr val="dk1"/>
+              </a:buClr>
+              <a:buSzPts val="3600"/>
+              <a:buFont typeface="Questrial"/>
+              <a:buNone/>
+              <a:defRPr sz="3600" b="0" i="0" u="none" strike="noStrike" cap="none">
+                <a:solidFill>
+                  <a:schemeClr val="dk1"/>
+                </a:solidFill>
+                <a:latin typeface="Questrial"/>
+                <a:ea typeface="Questrial"/>
+                <a:cs typeface="Questrial"/>
+                <a:sym typeface="Questrial"/>
+              </a:defRPr>
+            </a:lvl9pPr>
+          </a:lstStyle>
+          <a:p>
+            <a:pPr algn="l"/>
+            <a:r>
+              <a:rPr lang="fr-FR" sz="1800" b="1" dirty="0" smtClean="0">
+                <a:solidFill>
+                  <a:srgbClr val="005493"/>
+                </a:solidFill>
+              </a:rPr>
+              <a:t>Schéma synoptique </a:t>
+            </a:r>
+            <a:endParaRPr lang="fr-FR" sz="1800" b="1" dirty="0">
+              <a:solidFill>
+                <a:srgbClr val="005493"/>
+              </a:solidFill>
+            </a:endParaRPr>
+          </a:p>
+        </p:txBody>
+      </p:sp>
+      <p:pic>
+        <p:nvPicPr>
+          <p:cNvPr id="2" name="Image 1"/>
+          <p:cNvPicPr>
+            <a:picLocks noChangeAspect="1"/>
+          </p:cNvPicPr>
+          <p:nvPr/>
+        </p:nvPicPr>
+        <p:blipFill>
+          <a:blip r:embed="rId4">
+            <a:extLst>
+              <a:ext uri="{28A0092B-C50C-407E-A947-70E740481C1C}">
+                <a14:useLocalDpi xmlns:a14="http://schemas.microsoft.com/office/drawing/2010/main" val="0"/>
+              </a:ext>
+            </a:extLst>
+          </a:blip>
+          <a:stretch>
+            <a:fillRect/>
+          </a:stretch>
+        </p:blipFill>
+        <p:spPr>
+          <a:xfrm>
+            <a:off x="1053545" y="1347208"/>
+            <a:ext cx="6838950" cy="3314700"/>
+          </a:xfrm>
+          <a:prstGeom prst="rect">
+            <a:avLst/>
+          </a:prstGeom>
+        </p:spPr>
+      </p:pic>
+      <p:sp>
+        <p:nvSpPr>
+          <p:cNvPr id="10" name="ZoneTexte 9"/>
+          <p:cNvSpPr txBox="1"/>
+          <p:nvPr/>
+        </p:nvSpPr>
+        <p:spPr>
+          <a:xfrm>
+            <a:off x="3745972" y="4206240"/>
+            <a:ext cx="1454096" cy="369332"/>
+          </a:xfrm>
+          <a:prstGeom prst="rect">
+            <a:avLst/>
+          </a:prstGeom>
+          <a:noFill/>
+        </p:spPr>
+        <p:txBody>
+          <a:bodyPr wrap="square" rtlCol="0">
+            <a:spAutoFit/>
+          </a:bodyPr>
+          <a:lstStyle/>
+          <a:p>
+            <a:r>
+              <a:rPr lang="fr-FR" sz="900" dirty="0" smtClean="0">
+                <a:solidFill>
+                  <a:srgbClr val="0070C0"/>
+                </a:solidFill>
+              </a:rPr>
+              <a:t>Exemple : cuivre, fer, bronze…</a:t>
+            </a:r>
+            <a:endParaRPr lang="fr-FR" sz="900" dirty="0">
+              <a:solidFill>
+                <a:srgbClr val="0070C0"/>
+              </a:solidFill>
+            </a:endParaRPr>
+          </a:p>
+        </p:txBody>
+      </p:sp>
+      <p:sp>
+        <p:nvSpPr>
+          <p:cNvPr id="9" name="ZoneTexte 8"/>
+          <p:cNvSpPr txBox="1"/>
+          <p:nvPr/>
+        </p:nvSpPr>
+        <p:spPr>
+          <a:xfrm>
+            <a:off x="1000879" y="4575572"/>
+            <a:ext cx="1454096" cy="230832"/>
+          </a:xfrm>
+          <a:prstGeom prst="rect">
+            <a:avLst/>
+          </a:prstGeom>
+          <a:noFill/>
+        </p:spPr>
+        <p:txBody>
+          <a:bodyPr wrap="square" rtlCol="0">
+            <a:spAutoFit/>
+          </a:bodyPr>
+          <a:lstStyle/>
+          <a:p>
+            <a:pPr lvl="0"/>
+            <a:r>
+              <a:rPr lang="fr-FR" sz="900" dirty="0" smtClean="0">
+                <a:solidFill>
+                  <a:srgbClr val="0070C0"/>
+                </a:solidFill>
+              </a:rPr>
+              <a:t>Bobine </a:t>
+            </a:r>
+            <a:r>
+              <a:rPr lang="fr-FR" sz="900" dirty="0" err="1">
+                <a:solidFill>
+                  <a:srgbClr val="0070C0"/>
+                </a:solidFill>
+                <a:latin typeface="Arial" panose="020B0604020202020204" pitchFamily="34" charset="0"/>
+                <a:ea typeface="Times New Roman" panose="02020603050405020304" pitchFamily="18" charset="0"/>
+                <a:cs typeface="Arial" panose="020B0604020202020204" pitchFamily="34" charset="0"/>
+              </a:rPr>
+              <a:t>Wurth</a:t>
+            </a:r>
+            <a:r>
+              <a:rPr lang="fr-FR" sz="900" dirty="0">
+                <a:solidFill>
+                  <a:srgbClr val="0070C0"/>
+                </a:solidFill>
+                <a:latin typeface="Arial" panose="020B0604020202020204" pitchFamily="34" charset="0"/>
+                <a:ea typeface="Times New Roman" panose="02020603050405020304" pitchFamily="18" charset="0"/>
+                <a:cs typeface="Arial" panose="020B0604020202020204" pitchFamily="34" charset="0"/>
+              </a:rPr>
+              <a:t> </a:t>
+            </a:r>
+            <a:r>
+              <a:rPr lang="fr-FR" sz="900" dirty="0" err="1" smtClean="0">
+                <a:solidFill>
+                  <a:srgbClr val="0070C0"/>
+                </a:solidFill>
+                <a:latin typeface="Arial" panose="020B0604020202020204" pitchFamily="34" charset="0"/>
+                <a:ea typeface="Times New Roman" panose="02020603050405020304" pitchFamily="18" charset="0"/>
+                <a:cs typeface="Arial" panose="020B0604020202020204" pitchFamily="34" charset="0"/>
+              </a:rPr>
+              <a:t>Elektronik</a:t>
+            </a:r>
+            <a:endParaRPr lang="fr-FR" sz="900" dirty="0">
+              <a:solidFill>
+                <a:srgbClr val="0070C0"/>
+              </a:solidFill>
+            </a:endParaRPr>
+          </a:p>
+        </p:txBody>
+      </p:sp>
+      <p:sp>
+        <p:nvSpPr>
+          <p:cNvPr id="12" name="ZoneTexte 11"/>
+          <p:cNvSpPr txBox="1"/>
+          <p:nvPr/>
+        </p:nvSpPr>
+        <p:spPr>
+          <a:xfrm>
+            <a:off x="1186337" y="1916875"/>
+            <a:ext cx="1454096" cy="230832"/>
+          </a:xfrm>
+          <a:prstGeom prst="rect">
+            <a:avLst/>
+          </a:prstGeom>
+          <a:noFill/>
+        </p:spPr>
+        <p:txBody>
+          <a:bodyPr wrap="square" rtlCol="0">
+            <a:spAutoFit/>
+          </a:bodyPr>
+          <a:lstStyle/>
+          <a:p>
+            <a:r>
+              <a:rPr lang="fr-FR" sz="900" dirty="0" smtClean="0">
+                <a:solidFill>
+                  <a:srgbClr val="0070C0"/>
+                </a:solidFill>
+              </a:rPr>
+              <a:t>PSM+IAI</a:t>
+            </a:r>
+            <a:endParaRPr lang="fr-FR" sz="900" dirty="0">
+              <a:solidFill>
+                <a:srgbClr val="0070C0"/>
+              </a:solidFill>
+            </a:endParaRPr>
+          </a:p>
+        </p:txBody>
+      </p:sp>
+      <p:sp>
+        <p:nvSpPr>
+          <p:cNvPr id="13" name="ZoneTexte 12"/>
+          <p:cNvSpPr txBox="1"/>
+          <p:nvPr/>
+        </p:nvSpPr>
+        <p:spPr>
+          <a:xfrm>
+            <a:off x="3112751" y="1895222"/>
+            <a:ext cx="1454096" cy="230832"/>
+          </a:xfrm>
+          <a:prstGeom prst="rect">
+            <a:avLst/>
+          </a:prstGeom>
+          <a:noFill/>
+        </p:spPr>
+        <p:txBody>
+          <a:bodyPr wrap="square" rtlCol="0">
+            <a:spAutoFit/>
+          </a:bodyPr>
+          <a:lstStyle/>
+          <a:p>
+            <a:r>
+              <a:rPr lang="fr-FR" sz="900" dirty="0" smtClean="0">
+                <a:solidFill>
+                  <a:srgbClr val="0070C0"/>
+                </a:solidFill>
+              </a:rPr>
+              <a:t>PSM+IAI et ordinateur </a:t>
+            </a:r>
+            <a:endParaRPr lang="fr-FR" sz="900" dirty="0">
+              <a:solidFill>
+                <a:srgbClr val="0070C0"/>
+              </a:solidFill>
+            </a:endParaRPr>
+          </a:p>
+        </p:txBody>
+      </p:sp>
+      <p:sp>
+        <p:nvSpPr>
+          <p:cNvPr id="14" name="ZoneTexte 13"/>
+          <p:cNvSpPr txBox="1"/>
+          <p:nvPr/>
+        </p:nvSpPr>
+        <p:spPr>
+          <a:xfrm>
+            <a:off x="3101224" y="3240092"/>
+            <a:ext cx="1333616" cy="307777"/>
+          </a:xfrm>
+          <a:prstGeom prst="rect">
+            <a:avLst/>
+          </a:prstGeom>
+          <a:noFill/>
+        </p:spPr>
+        <p:txBody>
+          <a:bodyPr wrap="square" rtlCol="0">
+            <a:spAutoFit/>
+          </a:bodyPr>
+          <a:lstStyle/>
+          <a:p>
+            <a:r>
+              <a:rPr lang="fr-FR" dirty="0" smtClean="0">
+                <a:solidFill>
+                  <a:srgbClr val="FF0000"/>
+                </a:solidFill>
+              </a:rPr>
+              <a:t>A compléter </a:t>
+            </a:r>
+            <a:endParaRPr lang="fr-FR" dirty="0">
+              <a:solidFill>
+                <a:srgbClr val="FF0000"/>
+              </a:solidFill>
+            </a:endParaRPr>
+          </a:p>
+        </p:txBody>
+      </p:sp>
+    </p:spTree>
+    <p:extLst>
+      <p:ext uri="{BB962C8B-B14F-4D97-AF65-F5344CB8AC3E}">
+        <p14:creationId xmlns:p14="http://schemas.microsoft.com/office/powerpoint/2010/main" val="2758443286"/>
+      </p:ext>
+    </p:extLst>
+  </p:cSld>
+  <p:clrMapOvr>
+    <a:masterClrMapping/>
+  </p:clrMapOvr>
+  <p:timing>
+    <p:tnLst>
+      <p:par>
+        <p:cTn id="1" dur="indefinite" restart="never" nodeType="tmRoot"/>
+      </p:par>
+    </p:tnLst>
+  </p:timing>
+</p:sld>
+</file>
+
+<file path=ppt/slides/slide4.xml><?xml version="1.0" encoding="utf-8"?>
 <p:sld xmlns:a="http://schemas.openxmlformats.org/drawingml/2006/main" xmlns:r="http://schemas.openxmlformats.org/officeDocument/2006/relationships" xmlns:p="http://schemas.openxmlformats.org/presentationml/2006/main">
   <p:cSld>
     <p:spTree>
@@ -24285,802 +24459,16 @@
           <a:p>
             <a:pPr marL="0" indent="0"/>
             <a:r>
-              <a:rPr lang="fr-FR" sz="1200" dirty="0"/>
-              <a:t>??/01/2024 - Carine Allaf &amp; Pierre </a:t>
+              <a:rPr lang="fr-FR" sz="1200" dirty="0" smtClean="0"/>
+              <a:t>22</a:t>
             </a:r>
             <a:r>
-              <a:rPr lang="fr-FR" sz="1200" dirty="0" err="1"/>
-              <a:t>Sadeler</a:t>
+              <a:rPr lang="fr-FR" sz="1200" dirty="0" smtClean="0"/>
+              <a:t>/01/2024 </a:t>
             </a:r>
             <a:r>
               <a:rPr lang="fr-FR" sz="1200" dirty="0"/>
-              <a:t> – BUT GEII S5 </a:t>
-            </a:r>
-          </a:p>
-        </p:txBody>
-      </p:sp>
-      <p:sp>
-        <p:nvSpPr>
-          <p:cNvPr id="8" name="Google Shape;195;p32">
-            <a:extLst>
-              <a:ext uri="{FF2B5EF4-FFF2-40B4-BE49-F238E27FC236}">
-                <a16:creationId xmlns:a16="http://schemas.microsoft.com/office/drawing/2014/main" xmlns="" id="{45332C40-2269-261E-E410-068DDE373869}"/>
-              </a:ext>
-            </a:extLst>
-          </p:cNvPr>
-          <p:cNvSpPr txBox="1">
-            <a:spLocks/>
-          </p:cNvSpPr>
-          <p:nvPr/>
-        </p:nvSpPr>
-        <p:spPr>
-          <a:xfrm>
-            <a:off x="720000" y="1096129"/>
-            <a:ext cx="2584541" cy="415063"/>
-          </a:xfrm>
-          <a:prstGeom prst="rect">
-            <a:avLst/>
-          </a:prstGeom>
-          <a:noFill/>
-          <a:ln>
-            <a:noFill/>
-          </a:ln>
-        </p:spPr>
-        <p:txBody>
-          <a:bodyPr spcFirstLastPara="1" wrap="square" lIns="91425" tIns="91425" rIns="91425" bIns="91425" anchor="t" anchorCtr="0">
-            <a:noAutofit/>
-          </a:bodyPr>
-          <a:lstStyle>
-            <a:defPPr marR="0" lvl="0" algn="l" rtl="0">
-              <a:lnSpc>
-                <a:spcPct val="100000"/>
-              </a:lnSpc>
-              <a:spcBef>
-                <a:spcPts val="0"/>
-              </a:spcBef>
-              <a:spcAft>
-                <a:spcPts val="0"/>
-              </a:spcAft>
-            </a:defPPr>
-            <a:lvl1pPr marR="0" lvl="0" algn="r" rtl="0">
-              <a:lnSpc>
-                <a:spcPct val="100000"/>
-              </a:lnSpc>
-              <a:spcBef>
-                <a:spcPts val="0"/>
-              </a:spcBef>
-              <a:spcAft>
-                <a:spcPts val="0"/>
-              </a:spcAft>
-              <a:buClr>
-                <a:schemeClr val="dk1"/>
-              </a:buClr>
-              <a:buSzPts val="3600"/>
-              <a:buFont typeface="Questrial"/>
-              <a:buNone/>
-              <a:defRPr sz="5000" b="0" i="0" u="none" strike="noStrike" cap="none">
-                <a:solidFill>
-                  <a:schemeClr val="dk1"/>
-                </a:solidFill>
-                <a:latin typeface="Questrial"/>
-                <a:ea typeface="Questrial"/>
-                <a:cs typeface="Questrial"/>
-                <a:sym typeface="Questrial"/>
-              </a:defRPr>
-            </a:lvl1pPr>
-            <a:lvl2pPr marR="0" lvl="1" algn="ctr" rtl="0">
-              <a:lnSpc>
-                <a:spcPct val="100000"/>
-              </a:lnSpc>
-              <a:spcBef>
-                <a:spcPts val="0"/>
-              </a:spcBef>
-              <a:spcAft>
-                <a:spcPts val="0"/>
-              </a:spcAft>
-              <a:buClr>
-                <a:schemeClr val="dk1"/>
-              </a:buClr>
-              <a:buSzPts val="3600"/>
-              <a:buFont typeface="Questrial"/>
-              <a:buNone/>
-              <a:defRPr sz="3600" b="0" i="0" u="none" strike="noStrike" cap="none">
-                <a:solidFill>
-                  <a:schemeClr val="dk1"/>
-                </a:solidFill>
-                <a:latin typeface="Questrial"/>
-                <a:ea typeface="Questrial"/>
-                <a:cs typeface="Questrial"/>
-                <a:sym typeface="Questrial"/>
-              </a:defRPr>
-            </a:lvl2pPr>
-            <a:lvl3pPr marR="0" lvl="2" algn="ctr" rtl="0">
-              <a:lnSpc>
-                <a:spcPct val="100000"/>
-              </a:lnSpc>
-              <a:spcBef>
-                <a:spcPts val="0"/>
-              </a:spcBef>
-              <a:spcAft>
-                <a:spcPts val="0"/>
-              </a:spcAft>
-              <a:buClr>
-                <a:schemeClr val="dk1"/>
-              </a:buClr>
-              <a:buSzPts val="3600"/>
-              <a:buFont typeface="Questrial"/>
-              <a:buNone/>
-              <a:defRPr sz="3600" b="0" i="0" u="none" strike="noStrike" cap="none">
-                <a:solidFill>
-                  <a:schemeClr val="dk1"/>
-                </a:solidFill>
-                <a:latin typeface="Questrial"/>
-                <a:ea typeface="Questrial"/>
-                <a:cs typeface="Questrial"/>
-                <a:sym typeface="Questrial"/>
-              </a:defRPr>
-            </a:lvl3pPr>
-            <a:lvl4pPr marR="0" lvl="3" algn="ctr" rtl="0">
-              <a:lnSpc>
-                <a:spcPct val="100000"/>
-              </a:lnSpc>
-              <a:spcBef>
-                <a:spcPts val="0"/>
-              </a:spcBef>
-              <a:spcAft>
-                <a:spcPts val="0"/>
-              </a:spcAft>
-              <a:buClr>
-                <a:schemeClr val="dk1"/>
-              </a:buClr>
-              <a:buSzPts val="3600"/>
-              <a:buFont typeface="Questrial"/>
-              <a:buNone/>
-              <a:defRPr sz="3600" b="0" i="0" u="none" strike="noStrike" cap="none">
-                <a:solidFill>
-                  <a:schemeClr val="dk1"/>
-                </a:solidFill>
-                <a:latin typeface="Questrial"/>
-                <a:ea typeface="Questrial"/>
-                <a:cs typeface="Questrial"/>
-                <a:sym typeface="Questrial"/>
-              </a:defRPr>
-            </a:lvl4pPr>
-            <a:lvl5pPr marR="0" lvl="4" algn="ctr" rtl="0">
-              <a:lnSpc>
-                <a:spcPct val="100000"/>
-              </a:lnSpc>
-              <a:spcBef>
-                <a:spcPts val="0"/>
-              </a:spcBef>
-              <a:spcAft>
-                <a:spcPts val="0"/>
-              </a:spcAft>
-              <a:buClr>
-                <a:schemeClr val="dk1"/>
-              </a:buClr>
-              <a:buSzPts val="3600"/>
-              <a:buFont typeface="Questrial"/>
-              <a:buNone/>
-              <a:defRPr sz="3600" b="0" i="0" u="none" strike="noStrike" cap="none">
-                <a:solidFill>
-                  <a:schemeClr val="dk1"/>
-                </a:solidFill>
-                <a:latin typeface="Questrial"/>
-                <a:ea typeface="Questrial"/>
-                <a:cs typeface="Questrial"/>
-                <a:sym typeface="Questrial"/>
-              </a:defRPr>
-            </a:lvl5pPr>
-            <a:lvl6pPr marR="0" lvl="5" algn="ctr" rtl="0">
-              <a:lnSpc>
-                <a:spcPct val="100000"/>
-              </a:lnSpc>
-              <a:spcBef>
-                <a:spcPts val="0"/>
-              </a:spcBef>
-              <a:spcAft>
-                <a:spcPts val="0"/>
-              </a:spcAft>
-              <a:buClr>
-                <a:schemeClr val="dk1"/>
-              </a:buClr>
-              <a:buSzPts val="3600"/>
-              <a:buFont typeface="Questrial"/>
-              <a:buNone/>
-              <a:defRPr sz="3600" b="0" i="0" u="none" strike="noStrike" cap="none">
-                <a:solidFill>
-                  <a:schemeClr val="dk1"/>
-                </a:solidFill>
-                <a:latin typeface="Questrial"/>
-                <a:ea typeface="Questrial"/>
-                <a:cs typeface="Questrial"/>
-                <a:sym typeface="Questrial"/>
-              </a:defRPr>
-            </a:lvl6pPr>
-            <a:lvl7pPr marR="0" lvl="6" algn="ctr" rtl="0">
-              <a:lnSpc>
-                <a:spcPct val="100000"/>
-              </a:lnSpc>
-              <a:spcBef>
-                <a:spcPts val="0"/>
-              </a:spcBef>
-              <a:spcAft>
-                <a:spcPts val="0"/>
-              </a:spcAft>
-              <a:buClr>
-                <a:schemeClr val="dk1"/>
-              </a:buClr>
-              <a:buSzPts val="3600"/>
-              <a:buFont typeface="Questrial"/>
-              <a:buNone/>
-              <a:defRPr sz="3600" b="0" i="0" u="none" strike="noStrike" cap="none">
-                <a:solidFill>
-                  <a:schemeClr val="dk1"/>
-                </a:solidFill>
-                <a:latin typeface="Questrial"/>
-                <a:ea typeface="Questrial"/>
-                <a:cs typeface="Questrial"/>
-                <a:sym typeface="Questrial"/>
-              </a:defRPr>
-            </a:lvl7pPr>
-            <a:lvl8pPr marR="0" lvl="7" algn="ctr" rtl="0">
-              <a:lnSpc>
-                <a:spcPct val="100000"/>
-              </a:lnSpc>
-              <a:spcBef>
-                <a:spcPts val="0"/>
-              </a:spcBef>
-              <a:spcAft>
-                <a:spcPts val="0"/>
-              </a:spcAft>
-              <a:buClr>
-                <a:schemeClr val="dk1"/>
-              </a:buClr>
-              <a:buSzPts val="3600"/>
-              <a:buFont typeface="Questrial"/>
-              <a:buNone/>
-              <a:defRPr sz="3600" b="0" i="0" u="none" strike="noStrike" cap="none">
-                <a:solidFill>
-                  <a:schemeClr val="dk1"/>
-                </a:solidFill>
-                <a:latin typeface="Questrial"/>
-                <a:ea typeface="Questrial"/>
-                <a:cs typeface="Questrial"/>
-                <a:sym typeface="Questrial"/>
-              </a:defRPr>
-            </a:lvl8pPr>
-            <a:lvl9pPr marR="0" lvl="8" algn="ctr" rtl="0">
-              <a:lnSpc>
-                <a:spcPct val="100000"/>
-              </a:lnSpc>
-              <a:spcBef>
-                <a:spcPts val="0"/>
-              </a:spcBef>
-              <a:spcAft>
-                <a:spcPts val="0"/>
-              </a:spcAft>
-              <a:buClr>
-                <a:schemeClr val="dk1"/>
-              </a:buClr>
-              <a:buSzPts val="3600"/>
-              <a:buFont typeface="Questrial"/>
-              <a:buNone/>
-              <a:defRPr sz="3600" b="0" i="0" u="none" strike="noStrike" cap="none">
-                <a:solidFill>
-                  <a:schemeClr val="dk1"/>
-                </a:solidFill>
-                <a:latin typeface="Questrial"/>
-                <a:ea typeface="Questrial"/>
-                <a:cs typeface="Questrial"/>
-                <a:sym typeface="Questrial"/>
-              </a:defRPr>
-            </a:lvl9pPr>
-          </a:lstStyle>
-          <a:p>
-            <a:pPr algn="l"/>
-            <a:r>
-              <a:rPr lang="fr-FR" sz="1800" b="1" dirty="0" smtClean="0">
-                <a:solidFill>
-                  <a:srgbClr val="005493"/>
-                </a:solidFill>
-              </a:rPr>
-              <a:t>Schéma synoptique </a:t>
-            </a:r>
-            <a:endParaRPr lang="fr-FR" sz="1800" b="1" dirty="0">
-              <a:solidFill>
-                <a:srgbClr val="005493"/>
-              </a:solidFill>
-            </a:endParaRPr>
-          </a:p>
-        </p:txBody>
-      </p:sp>
-      <p:pic>
-        <p:nvPicPr>
-          <p:cNvPr id="2" name="Image 1"/>
-          <p:cNvPicPr>
-            <a:picLocks noChangeAspect="1"/>
-          </p:cNvPicPr>
-          <p:nvPr/>
-        </p:nvPicPr>
-        <p:blipFill>
-          <a:blip r:embed="rId4">
-            <a:extLst>
-              <a:ext uri="{28A0092B-C50C-407E-A947-70E740481C1C}">
-                <a14:useLocalDpi xmlns:a14="http://schemas.microsoft.com/office/drawing/2010/main" val="0"/>
-              </a:ext>
-            </a:extLst>
-          </a:blip>
-          <a:stretch>
-            <a:fillRect/>
-          </a:stretch>
-        </p:blipFill>
-        <p:spPr>
-          <a:xfrm>
-            <a:off x="1016969" y="1347208"/>
-            <a:ext cx="6838950" cy="3314700"/>
-          </a:xfrm>
-          <a:prstGeom prst="rect">
-            <a:avLst/>
-          </a:prstGeom>
-        </p:spPr>
-      </p:pic>
-      <p:sp>
-        <p:nvSpPr>
-          <p:cNvPr id="10" name="ZoneTexte 9"/>
-          <p:cNvSpPr txBox="1"/>
-          <p:nvPr/>
-        </p:nvSpPr>
-        <p:spPr>
-          <a:xfrm>
-            <a:off x="5961689" y="3938352"/>
-            <a:ext cx="576072" cy="307777"/>
-          </a:xfrm>
-          <a:prstGeom prst="rect">
-            <a:avLst/>
-          </a:prstGeom>
-          <a:noFill/>
-        </p:spPr>
-        <p:txBody>
-          <a:bodyPr wrap="square" rtlCol="0">
-            <a:spAutoFit/>
-          </a:bodyPr>
-          <a:lstStyle/>
-          <a:p>
-            <a:r>
-              <a:rPr lang="fr-FR" dirty="0" smtClean="0">
-                <a:solidFill>
-                  <a:srgbClr val="FF0000"/>
-                </a:solidFill>
-              </a:rPr>
-              <a:t>???</a:t>
-            </a:r>
-            <a:endParaRPr lang="fr-FR" dirty="0">
-              <a:solidFill>
-                <a:srgbClr val="FF0000"/>
-              </a:solidFill>
-            </a:endParaRPr>
-          </a:p>
-        </p:txBody>
-      </p:sp>
-    </p:spTree>
-    <p:extLst>
-      <p:ext uri="{BB962C8B-B14F-4D97-AF65-F5344CB8AC3E}">
-        <p14:creationId xmlns:p14="http://schemas.microsoft.com/office/powerpoint/2010/main" val="2758443286"/>
-      </p:ext>
-    </p:extLst>
-  </p:cSld>
-  <p:clrMapOvr>
-    <a:masterClrMapping/>
-  </p:clrMapOvr>
-  <p:timing>
-    <p:tnLst>
-      <p:par>
-        <p:cTn id="1" dur="indefinite" restart="never" nodeType="tmRoot"/>
-      </p:par>
-    </p:tnLst>
-  </p:timing>
-</p:sld>
-</file>
-
-<file path=ppt/slides/slide4.xml><?xml version="1.0" encoding="utf-8"?>
-<p:sld xmlns:a="http://schemas.openxmlformats.org/drawingml/2006/main" xmlns:r="http://schemas.openxmlformats.org/officeDocument/2006/relationships" xmlns:p="http://schemas.openxmlformats.org/presentationml/2006/main">
-  <p:cSld>
-    <p:spTree>
-      <p:nvGrpSpPr>
-        <p:cNvPr id="1" name="Shape 150"/>
-        <p:cNvGrpSpPr/>
-        <p:nvPr/>
-      </p:nvGrpSpPr>
-      <p:grpSpPr>
-        <a:xfrm>
-          <a:off x="0" y="0"/>
-          <a:ext cx="0" cy="0"/>
-          <a:chOff x="0" y="0"/>
-          <a:chExt cx="0" cy="0"/>
-        </a:xfrm>
-      </p:grpSpPr>
-      <p:sp>
-        <p:nvSpPr>
-          <p:cNvPr id="151" name="Google Shape;151;p29"/>
-          <p:cNvSpPr txBox="1">
-            <a:spLocks noGrp="1"/>
-          </p:cNvSpPr>
-          <p:nvPr>
-            <p:ph type="title"/>
-          </p:nvPr>
-        </p:nvSpPr>
-        <p:spPr>
-          <a:xfrm>
-            <a:off x="720000" y="368825"/>
-            <a:ext cx="7704000" cy="572700"/>
-          </a:xfrm>
-          <a:prstGeom prst="rect">
-            <a:avLst/>
-          </a:prstGeom>
-        </p:spPr>
-        <p:txBody>
-          <a:bodyPr spcFirstLastPara="1" wrap="square" lIns="91425" tIns="91425" rIns="91425" bIns="91425" anchor="t" anchorCtr="0">
-            <a:noAutofit/>
-          </a:bodyPr>
-          <a:lstStyle/>
-          <a:p>
-            <a:pPr marL="0" lvl="0" indent="0" algn="l" rtl="0">
-              <a:spcBef>
-                <a:spcPts val="0"/>
-              </a:spcBef>
-              <a:spcAft>
-                <a:spcPts val="0"/>
-              </a:spcAft>
-              <a:buNone/>
-            </a:pPr>
-            <a:r>
-              <a:rPr lang="en-GB" sz="2800" dirty="0"/>
-              <a:t>Mesure sans contact d’objets métalliques</a:t>
-            </a:r>
-            <a:endParaRPr sz="2800" b="0" dirty="0"/>
-          </a:p>
-        </p:txBody>
-      </p:sp>
-      <p:cxnSp>
-        <p:nvCxnSpPr>
-          <p:cNvPr id="153" name="Google Shape;153;p29"/>
-          <p:cNvCxnSpPr/>
-          <p:nvPr/>
-        </p:nvCxnSpPr>
-        <p:spPr>
-          <a:xfrm>
-            <a:off x="805925" y="1045726"/>
-            <a:ext cx="5443800" cy="0"/>
-          </a:xfrm>
-          <a:prstGeom prst="straightConnector1">
-            <a:avLst/>
-          </a:prstGeom>
-          <a:noFill/>
-          <a:ln w="19050" cap="flat" cmpd="sng">
-            <a:solidFill>
-              <a:schemeClr val="dk1"/>
-            </a:solidFill>
-            <a:prstDash val="solid"/>
-            <a:round/>
-            <a:headEnd type="none" w="med" len="med"/>
-            <a:tailEnd type="none" w="med" len="med"/>
-          </a:ln>
-        </p:spPr>
-      </p:cxnSp>
-      <p:pic>
-        <p:nvPicPr>
-          <p:cNvPr id="4" name="Picture 3">
-            <a:extLst>
-              <a:ext uri="{FF2B5EF4-FFF2-40B4-BE49-F238E27FC236}">
-                <a16:creationId xmlns:a16="http://schemas.microsoft.com/office/drawing/2014/main" xmlns="" id="{DCFC5404-777C-CDE7-8BEA-5BECD4535855}"/>
-              </a:ext>
-            </a:extLst>
-          </p:cNvPr>
-          <p:cNvPicPr>
-            <a:picLocks noChangeAspect="1"/>
-          </p:cNvPicPr>
-          <p:nvPr/>
-        </p:nvPicPr>
-        <p:blipFill>
-          <a:blip r:embed="rId3"/>
-          <a:stretch>
-            <a:fillRect/>
-          </a:stretch>
-        </p:blipFill>
-        <p:spPr>
-          <a:xfrm>
-            <a:off x="7649730" y="4092241"/>
-            <a:ext cx="1401814" cy="1401814"/>
-          </a:xfrm>
-          <a:prstGeom prst="rect">
-            <a:avLst/>
-          </a:prstGeom>
-        </p:spPr>
-      </p:pic>
-      <p:sp>
-        <p:nvSpPr>
-          <p:cNvPr id="5" name="Google Shape;144;p28">
-            <a:extLst>
-              <a:ext uri="{FF2B5EF4-FFF2-40B4-BE49-F238E27FC236}">
-                <a16:creationId xmlns:a16="http://schemas.microsoft.com/office/drawing/2014/main" xmlns="" id="{1791B513-C073-A2BA-9B5C-521F073962BA}"/>
-              </a:ext>
-            </a:extLst>
-          </p:cNvPr>
-          <p:cNvSpPr txBox="1">
-            <a:spLocks/>
-          </p:cNvSpPr>
-          <p:nvPr/>
-        </p:nvSpPr>
-        <p:spPr>
-          <a:xfrm>
-            <a:off x="2478034" y="4699842"/>
-            <a:ext cx="4187931" cy="344653"/>
-          </a:xfrm>
-          <a:prstGeom prst="rect">
-            <a:avLst/>
-          </a:prstGeom>
-          <a:noFill/>
-          <a:ln>
-            <a:noFill/>
-          </a:ln>
-        </p:spPr>
-        <p:txBody>
-          <a:bodyPr spcFirstLastPara="1" wrap="square" lIns="91425" tIns="91425" rIns="91425" bIns="91425" anchor="t" anchorCtr="0">
-            <a:noAutofit/>
-          </a:bodyPr>
-          <a:lstStyle>
-            <a:defPPr marR="0" lvl="0" algn="l" rtl="0">
-              <a:lnSpc>
-                <a:spcPct val="100000"/>
-              </a:lnSpc>
-              <a:spcBef>
-                <a:spcPts val="0"/>
-              </a:spcBef>
-              <a:spcAft>
-                <a:spcPts val="0"/>
-              </a:spcAft>
-            </a:defPPr>
-            <a:lvl1pPr marL="457200" marR="0" lvl="0" indent="-317500" algn="l" rtl="0">
-              <a:lnSpc>
-                <a:spcPct val="100000"/>
-              </a:lnSpc>
-              <a:spcBef>
-                <a:spcPts val="0"/>
-              </a:spcBef>
-              <a:spcAft>
-                <a:spcPts val="0"/>
-              </a:spcAft>
-              <a:buClr>
-                <a:schemeClr val="dk1"/>
-              </a:buClr>
-              <a:buSzPts val="1400"/>
-              <a:buFont typeface="Nunito"/>
-              <a:buNone/>
-              <a:defRPr sz="1800" b="0" i="0" u="none" strike="noStrike" cap="none">
-                <a:solidFill>
-                  <a:schemeClr val="dk1"/>
-                </a:solidFill>
-                <a:latin typeface="Nunito"/>
-                <a:ea typeface="Nunito"/>
-                <a:cs typeface="Nunito"/>
-                <a:sym typeface="Nunito"/>
-              </a:defRPr>
-            </a:lvl1pPr>
-            <a:lvl2pPr marL="914400" marR="0" lvl="1" indent="-317500" algn="ctr" rtl="0">
-              <a:lnSpc>
-                <a:spcPct val="100000"/>
-              </a:lnSpc>
-              <a:spcBef>
-                <a:spcPts val="0"/>
-              </a:spcBef>
-              <a:spcAft>
-                <a:spcPts val="0"/>
-              </a:spcAft>
-              <a:buClr>
-                <a:schemeClr val="dk1"/>
-              </a:buClr>
-              <a:buSzPts val="1800"/>
-              <a:buFont typeface="Nunito"/>
-              <a:buNone/>
-              <a:defRPr sz="1800" b="0" i="0" u="none" strike="noStrike" cap="none">
-                <a:solidFill>
-                  <a:schemeClr val="dk1"/>
-                </a:solidFill>
-                <a:latin typeface="Nunito"/>
-                <a:ea typeface="Nunito"/>
-                <a:cs typeface="Nunito"/>
-                <a:sym typeface="Nunito"/>
-              </a:defRPr>
-            </a:lvl2pPr>
-            <a:lvl3pPr marL="1371600" marR="0" lvl="2" indent="-317500" algn="ctr" rtl="0">
-              <a:lnSpc>
-                <a:spcPct val="100000"/>
-              </a:lnSpc>
-              <a:spcBef>
-                <a:spcPts val="0"/>
-              </a:spcBef>
-              <a:spcAft>
-                <a:spcPts val="0"/>
-              </a:spcAft>
-              <a:buClr>
-                <a:schemeClr val="dk1"/>
-              </a:buClr>
-              <a:buSzPts val="1800"/>
-              <a:buFont typeface="Nunito"/>
-              <a:buNone/>
-              <a:defRPr sz="1800" b="0" i="0" u="none" strike="noStrike" cap="none">
-                <a:solidFill>
-                  <a:schemeClr val="dk1"/>
-                </a:solidFill>
-                <a:latin typeface="Nunito"/>
-                <a:ea typeface="Nunito"/>
-                <a:cs typeface="Nunito"/>
-                <a:sym typeface="Nunito"/>
-              </a:defRPr>
-            </a:lvl3pPr>
-            <a:lvl4pPr marL="1828800" marR="0" lvl="3" indent="-317500" algn="ctr" rtl="0">
-              <a:lnSpc>
-                <a:spcPct val="100000"/>
-              </a:lnSpc>
-              <a:spcBef>
-                <a:spcPts val="0"/>
-              </a:spcBef>
-              <a:spcAft>
-                <a:spcPts val="0"/>
-              </a:spcAft>
-              <a:buClr>
-                <a:schemeClr val="dk1"/>
-              </a:buClr>
-              <a:buSzPts val="1800"/>
-              <a:buFont typeface="Nunito"/>
-              <a:buNone/>
-              <a:defRPr sz="1800" b="0" i="0" u="none" strike="noStrike" cap="none">
-                <a:solidFill>
-                  <a:schemeClr val="dk1"/>
-                </a:solidFill>
-                <a:latin typeface="Nunito"/>
-                <a:ea typeface="Nunito"/>
-                <a:cs typeface="Nunito"/>
-                <a:sym typeface="Nunito"/>
-              </a:defRPr>
-            </a:lvl4pPr>
-            <a:lvl5pPr marL="2286000" marR="0" lvl="4" indent="-317500" algn="ctr" rtl="0">
-              <a:lnSpc>
-                <a:spcPct val="100000"/>
-              </a:lnSpc>
-              <a:spcBef>
-                <a:spcPts val="0"/>
-              </a:spcBef>
-              <a:spcAft>
-                <a:spcPts val="0"/>
-              </a:spcAft>
-              <a:buClr>
-                <a:schemeClr val="dk1"/>
-              </a:buClr>
-              <a:buSzPts val="1800"/>
-              <a:buFont typeface="Nunito"/>
-              <a:buNone/>
-              <a:defRPr sz="1800" b="0" i="0" u="none" strike="noStrike" cap="none">
-                <a:solidFill>
-                  <a:schemeClr val="dk1"/>
-                </a:solidFill>
-                <a:latin typeface="Nunito"/>
-                <a:ea typeface="Nunito"/>
-                <a:cs typeface="Nunito"/>
-                <a:sym typeface="Nunito"/>
-              </a:defRPr>
-            </a:lvl5pPr>
-            <a:lvl6pPr marL="2743200" marR="0" lvl="5" indent="-317500" algn="ctr" rtl="0">
-              <a:lnSpc>
-                <a:spcPct val="100000"/>
-              </a:lnSpc>
-              <a:spcBef>
-                <a:spcPts val="0"/>
-              </a:spcBef>
-              <a:spcAft>
-                <a:spcPts val="0"/>
-              </a:spcAft>
-              <a:buClr>
-                <a:schemeClr val="dk1"/>
-              </a:buClr>
-              <a:buSzPts val="1800"/>
-              <a:buFont typeface="Nunito"/>
-              <a:buNone/>
-              <a:defRPr sz="1800" b="0" i="0" u="none" strike="noStrike" cap="none">
-                <a:solidFill>
-                  <a:schemeClr val="dk1"/>
-                </a:solidFill>
-                <a:latin typeface="Nunito"/>
-                <a:ea typeface="Nunito"/>
-                <a:cs typeface="Nunito"/>
-                <a:sym typeface="Nunito"/>
-              </a:defRPr>
-            </a:lvl6pPr>
-            <a:lvl7pPr marL="3200400" marR="0" lvl="6" indent="-317500" algn="ctr" rtl="0">
-              <a:lnSpc>
-                <a:spcPct val="100000"/>
-              </a:lnSpc>
-              <a:spcBef>
-                <a:spcPts val="0"/>
-              </a:spcBef>
-              <a:spcAft>
-                <a:spcPts val="0"/>
-              </a:spcAft>
-              <a:buClr>
-                <a:schemeClr val="dk1"/>
-              </a:buClr>
-              <a:buSzPts val="1800"/>
-              <a:buFont typeface="Nunito"/>
-              <a:buNone/>
-              <a:defRPr sz="1800" b="0" i="0" u="none" strike="noStrike" cap="none">
-                <a:solidFill>
-                  <a:schemeClr val="dk1"/>
-                </a:solidFill>
-                <a:latin typeface="Nunito"/>
-                <a:ea typeface="Nunito"/>
-                <a:cs typeface="Nunito"/>
-                <a:sym typeface="Nunito"/>
-              </a:defRPr>
-            </a:lvl7pPr>
-            <a:lvl8pPr marL="3657600" marR="0" lvl="7" indent="-317500" algn="ctr" rtl="0">
-              <a:lnSpc>
-                <a:spcPct val="100000"/>
-              </a:lnSpc>
-              <a:spcBef>
-                <a:spcPts val="0"/>
-              </a:spcBef>
-              <a:spcAft>
-                <a:spcPts val="0"/>
-              </a:spcAft>
-              <a:buClr>
-                <a:schemeClr val="dk1"/>
-              </a:buClr>
-              <a:buSzPts val="1800"/>
-              <a:buFont typeface="Nunito"/>
-              <a:buNone/>
-              <a:defRPr sz="1800" b="0" i="0" u="none" strike="noStrike" cap="none">
-                <a:solidFill>
-                  <a:schemeClr val="dk1"/>
-                </a:solidFill>
-                <a:latin typeface="Nunito"/>
-                <a:ea typeface="Nunito"/>
-                <a:cs typeface="Nunito"/>
-                <a:sym typeface="Nunito"/>
-              </a:defRPr>
-            </a:lvl8pPr>
-            <a:lvl9pPr marL="4114800" marR="0" lvl="8" indent="-317500" algn="ctr" rtl="0">
-              <a:lnSpc>
-                <a:spcPct val="100000"/>
-              </a:lnSpc>
-              <a:spcBef>
-                <a:spcPts val="0"/>
-              </a:spcBef>
-              <a:spcAft>
-                <a:spcPts val="0"/>
-              </a:spcAft>
-              <a:buClr>
-                <a:schemeClr val="dk1"/>
-              </a:buClr>
-              <a:buSzPts val="1800"/>
-              <a:buFont typeface="Nunito"/>
-              <a:buNone/>
-              <a:defRPr sz="1800" b="0" i="0" u="none" strike="noStrike" cap="none">
-                <a:solidFill>
-                  <a:schemeClr val="dk1"/>
-                </a:solidFill>
-                <a:latin typeface="Nunito"/>
-                <a:ea typeface="Nunito"/>
-                <a:cs typeface="Nunito"/>
-                <a:sym typeface="Nunito"/>
-              </a:defRPr>
-            </a:lvl9pPr>
-          </a:lstStyle>
-          <a:p>
-            <a:pPr marL="0" indent="0"/>
-            <a:r>
-              <a:rPr lang="fr-FR" sz="1200" dirty="0"/>
-              <a:t>??/01/2024 - Carine Allaf &amp; Pierre </a:t>
+              <a:t>- Carine Allaf &amp; Pierre </a:t>
             </a:r>
             <a:r>
               <a:rPr lang="fr-FR" sz="1200" dirty="0" err="1"/>
@@ -25890,44 +25278,175 @@
           </a:prstGeom>
         </p:spPr>
       </p:pic>
-      <p:sp>
-        <p:nvSpPr>
-          <p:cNvPr id="17" name="ZoneTexte 16"/>
-          <p:cNvSpPr txBox="1"/>
+      <p:pic>
+        <p:nvPicPr>
+          <p:cNvPr id="15" name="Image 9">
+            <a:extLst>
+              <a:ext uri="{FF2B5EF4-FFF2-40B4-BE49-F238E27FC236}">
+                <a16:creationId xmlns:a16="http://schemas.microsoft.com/office/drawing/2014/main" xmlns="" id="{6F1BBF50-BC9F-F71F-4860-F65E35C68E44}"/>
+              </a:ext>
+            </a:extLst>
+          </p:cNvPr>
+          <p:cNvPicPr>
+            <a:picLocks noChangeAspect="1"/>
+          </p:cNvPicPr>
           <p:nvPr/>
-        </p:nvSpPr>
-        <p:spPr>
+        </p:nvPicPr>
+        <p:blipFill rotWithShape="1">
+          <a:blip r:embed="rId9" cstate="print">
+            <a:extLst>
+              <a:ext uri="{BEBA8EAE-BF5A-486C-A8C5-ECC9F3942E4B}">
+                <a14:imgProps xmlns:a14="http://schemas.microsoft.com/office/drawing/2010/main">
+                  <a14:imgLayer r:embed="rId10">
+                    <a14:imgEffect>
+                      <a14:backgroundRemoval t="10943" b="87374" l="6187" r="91414">
+                        <a14:foregroundMark x1="88510" y1="17340" x2="26600" y2="15562"/>
+                        <a14:foregroundMark x1="17570" y1="16473" x2="8081" y2="34343"/>
+                        <a14:foregroundMark x1="8081" y1="34343" x2="7828" y2="57239"/>
+                        <a14:foregroundMark x1="7828" y1="57239" x2="15783" y2="77778"/>
+                        <a14:foregroundMark x1="15783" y1="77778" x2="50420" y2="82762"/>
+                        <a14:foregroundMark x1="73142" y1="83989" x2="85859" y2="80303"/>
+                        <a14:foregroundMark x1="85859" y1="80303" x2="89646" y2="18350"/>
+                        <a14:foregroundMark x1="18687" y1="17340" x2="12374" y2="39899"/>
+                        <a14:foregroundMark x1="12374" y1="39899" x2="11616" y2="63131"/>
+                        <a14:foregroundMark x1="11616" y1="63131" x2="17848" y2="81003"/>
+                        <a14:foregroundMark x1="19996" y1="16539" x2="8712" y2="30808"/>
+                        <a14:foregroundMark x1="8712" y1="30808" x2="9091" y2="80303"/>
+                        <a14:foregroundMark x1="27399" y1="14478" x2="26119" y2="14540"/>
+                        <a14:foregroundMark x1="9887" y1="16264" x2="8207" y2="34343"/>
+                        <a14:foregroundMark x1="9764" y1="16261" x2="7576" y2="31987"/>
+                        <a14:foregroundMark x1="8081" y1="29125" x2="17569" y2="16473"/>
+                        <a14:foregroundMark x1="88131" y1="60101" x2="72096" y2="69024"/>
+                        <a14:foregroundMark x1="72096" y1="69024" x2="73737" y2="76094"/>
+                        <a14:foregroundMark x1="61490" y1="69529" x2="74116" y2="53367"/>
+                        <a14:foregroundMark x1="74116" y1="53367" x2="63510" y2="72391"/>
+                        <a14:foregroundMark x1="63510" y1="72391" x2="74874" y2="80471"/>
+                        <a14:foregroundMark x1="68434" y1="53535" x2="15278" y2="53199"/>
+                        <a14:foregroundMark x1="15278" y1="53199" x2="16162" y2="76936"/>
+                        <a14:foregroundMark x1="16162" y1="76936" x2="49930" y2="82735"/>
+                        <a14:foregroundMark x1="54199" y1="82966" x2="70455" y2="75421"/>
+                        <a14:foregroundMark x1="70455" y1="75421" x2="65530" y2="55724"/>
+                        <a14:foregroundMark x1="44444" y1="57071" x2="49495" y2="79798"/>
+                        <a14:foregroundMark x1="49495" y1="79798" x2="49621" y2="55051"/>
+                        <a14:foregroundMark x1="49621" y1="55051" x2="36869" y2="55051"/>
+                        <a14:foregroundMark x1="37879" y1="51347" x2="46970" y2="70370"/>
+                        <a14:foregroundMark x1="46970" y1="70370" x2="36995" y2="48485"/>
+                        <a14:foregroundMark x1="36995" y1="48485" x2="29167" y2="48990"/>
+                        <a14:foregroundMark x1="27399" y1="53199" x2="35606" y2="74242"/>
+                        <a14:foregroundMark x1="35606" y1="74242" x2="30429" y2="52862"/>
+                        <a14:foregroundMark x1="30429" y1="52862" x2="23990" y2="51684"/>
+                        <a14:foregroundMark x1="24874" y1="62458" x2="17045" y2="63468"/>
+                        <a14:foregroundMark x1="17929" y1="63131" x2="34722" y2="63636"/>
+                        <a14:foregroundMark x1="34722" y1="63636" x2="16540" y2="62121"/>
+                        <a14:foregroundMark x1="16540" y1="62121" x2="14773" y2="67172"/>
+                        <a14:foregroundMark x1="18434" y1="66835" x2="33586" y2="80808"/>
+                        <a14:foregroundMark x1="33586" y1="80808" x2="22727" y2="61616"/>
+                        <a14:foregroundMark x1="22727" y1="61616" x2="10859" y2="65825"/>
+                        <a14:foregroundMark x1="14773" y1="48148" x2="9217" y2="49663"/>
+                        <a14:foregroundMark x1="14899" y1="55051" x2="6439" y2="53367"/>
+                        <a14:foregroundMark x1="18056" y1="55051" x2="17551" y2="55724"/>
+                        <a14:foregroundMark x1="9217" y1="81313" x2="10000" y2="81400"/>
+                        <a14:foregroundMark x1="76915" y1="84193" x2="91035" y2="74074"/>
+                        <a14:foregroundMark x1="89015" y1="45118" x2="89899" y2="41414"/>
+                        <a14:foregroundMark x1="90530" y1="48990" x2="91414" y2="53367"/>
+                        <a14:foregroundMark x1="67803" y1="85017" x2="80051" y2="86532"/>
+                        <a14:backgroundMark x1="14899" y1="83670" x2="72601" y2="90236"/>
+                        <a14:backgroundMark x1="73359" y1="89899" x2="62121" y2="87037"/>
+                        <a14:backgroundMark x1="68434" y1="89562" x2="75000" y2="89394"/>
+                        <a14:backgroundMark x1="9217" y1="82997" x2="67238" y2="86131"/>
+                        <a14:backgroundMark x1="79385" y1="87843" x2="79672" y2="88047"/>
+                        <a14:backgroundMark x1="26010" y1="14310" x2="7449" y2="13805"/>
+                        <a14:backgroundMark x1="31566" y1="11279" x2="15278" y2="11785"/>
+                      </a14:backgroundRemoval>
+                    </a14:imgEffect>
+                  </a14:imgLayer>
+                </a14:imgProps>
+              </a:ext>
+              <a:ext uri="{28A0092B-C50C-407E-A947-70E740481C1C}">
+                <a14:useLocalDpi xmlns:a14="http://schemas.microsoft.com/office/drawing/2010/main" val="0"/>
+              </a:ext>
+            </a:extLst>
+          </a:blip>
+          <a:srcRect l="8102" t="10417" r="6539" b="9722"/>
+          <a:stretch/>
+        </p:blipFill>
+        <p:spPr bwMode="auto">
           <a:xfrm>
-            <a:off x="6617487" y="1702623"/>
-            <a:ext cx="576072" cy="307777"/>
+            <a:off x="7152067" y="1126608"/>
+            <a:ext cx="1404679" cy="985656"/>
           </a:xfrm>
           <a:prstGeom prst="rect">
             <a:avLst/>
           </a:prstGeom>
-          <a:noFill/>
+          <a:ln>
+            <a:noFill/>
+          </a:ln>
+          <a:extLst>
+            <a:ext uri="{53640926-AAD7-44D8-BBD7-CCE9431645EC}">
+              <a14:shadowObscured xmlns:a14="http://schemas.microsoft.com/office/drawing/2010/main"/>
+            </a:ext>
+          </a:extLst>
         </p:spPr>
-        <p:txBody>
-          <a:bodyPr wrap="square" rtlCol="0">
-            <a:spAutoFit/>
-          </a:bodyPr>
-          <a:lstStyle/>
-          <a:p>
-            <a:r>
-              <a:rPr lang="fr-FR" dirty="0" smtClean="0">
-                <a:solidFill>
-                  <a:srgbClr val="FF0000"/>
-                </a:solidFill>
-              </a:rPr>
-              <a:t>???</a:t>
-            </a:r>
-            <a:endParaRPr lang="fr-FR" dirty="0">
-              <a:solidFill>
-                <a:srgbClr val="FF0000"/>
-              </a:solidFill>
-            </a:endParaRPr>
-          </a:p>
-        </p:txBody>
-      </p:sp>
+      </p:pic>
+      <p:pic>
+        <p:nvPicPr>
+          <p:cNvPr id="2" name="Image 1"/>
+          <p:cNvPicPr>
+            <a:picLocks noChangeAspect="1"/>
+          </p:cNvPicPr>
+          <p:nvPr/>
+        </p:nvPicPr>
+        <p:blipFill>
+          <a:blip r:embed="rId11">
+            <a:extLst>
+              <a:ext uri="{28A0092B-C50C-407E-A947-70E740481C1C}">
+                <a14:useLocalDpi xmlns:a14="http://schemas.microsoft.com/office/drawing/2010/main" val="0"/>
+              </a:ext>
+            </a:extLst>
+          </a:blip>
+          <a:stretch>
+            <a:fillRect/>
+          </a:stretch>
+        </p:blipFill>
+        <p:spPr>
+          <a:xfrm>
+            <a:off x="5484289" y="1667535"/>
+            <a:ext cx="1565947" cy="1565947"/>
+          </a:xfrm>
+          <a:prstGeom prst="rect">
+            <a:avLst/>
+          </a:prstGeom>
+        </p:spPr>
+      </p:pic>
+      <p:pic>
+        <p:nvPicPr>
+          <p:cNvPr id="6" name="Image 5"/>
+          <p:cNvPicPr>
+            <a:picLocks noChangeAspect="1"/>
+          </p:cNvPicPr>
+          <p:nvPr/>
+        </p:nvPicPr>
+        <p:blipFill rotWithShape="1">
+          <a:blip r:embed="rId12">
+            <a:extLst>
+              <a:ext uri="{28A0092B-C50C-407E-A947-70E740481C1C}">
+                <a14:useLocalDpi xmlns:a14="http://schemas.microsoft.com/office/drawing/2010/main" val="0"/>
+              </a:ext>
+            </a:extLst>
+          </a:blip>
+          <a:srcRect r="31690"/>
+          <a:stretch/>
+        </p:blipFill>
+        <p:spPr>
+          <a:xfrm>
+            <a:off x="4505741" y="1177908"/>
+            <a:ext cx="1223005" cy="1243410"/>
+          </a:xfrm>
+          <a:prstGeom prst="rect">
+            <a:avLst/>
+          </a:prstGeom>
+        </p:spPr>
+      </p:pic>
     </p:spTree>
     <p:extLst>
       <p:ext uri="{BB962C8B-B14F-4D97-AF65-F5344CB8AC3E}">
@@ -26344,8 +25863,16 @@
           <a:p>
             <a:pPr marL="0" indent="0"/>
             <a:r>
+              <a:rPr lang="fr-FR" sz="1200" dirty="0" smtClean="0"/>
+              <a:t>22</a:t>
+            </a:r>
+            <a:r>
+              <a:rPr lang="fr-FR" sz="1200" dirty="0" smtClean="0"/>
+              <a:t>/01/2024 </a:t>
+            </a:r>
+            <a:r>
               <a:rPr lang="fr-FR" sz="1200" dirty="0"/>
-              <a:t>??/01/2024 - Carine Allaf &amp; Pierre </a:t>
+              <a:t>- Carine Allaf &amp; Pierre </a:t>
             </a:r>
             <a:r>
               <a:rPr lang="fr-FR" sz="1200" dirty="0" err="1"/>
@@ -27410,8 +26937,16 @@
           <a:p>
             <a:pPr marL="0" indent="0"/>
             <a:r>
+              <a:rPr lang="fr-FR" sz="1200" dirty="0" smtClean="0"/>
+              <a:t>22</a:t>
+            </a:r>
+            <a:r>
+              <a:rPr lang="fr-FR" sz="1200" dirty="0" smtClean="0"/>
+              <a:t>/01/2024 </a:t>
+            </a:r>
+            <a:r>
               <a:rPr lang="fr-FR" sz="1200" dirty="0"/>
-              <a:t>??/01/2024 - Carine Allaf &amp; Pierre </a:t>
+              <a:t>- Carine Allaf &amp; Pierre </a:t>
             </a:r>
             <a:r>
               <a:rPr lang="fr-FR" sz="1200" dirty="0" err="1"/>
@@ -27439,7 +26974,7 @@
         <p:spPr>
           <a:xfrm>
             <a:off x="913875" y="1475789"/>
-            <a:ext cx="2709396" cy="938719"/>
+            <a:ext cx="2824812" cy="938719"/>
           </a:xfrm>
           <a:prstGeom prst="rect">
             <a:avLst/>
@@ -27457,8 +26992,12 @@
               <a:buChar char="•"/>
             </a:pPr>
             <a:r>
+              <a:rPr lang="fr-FR" sz="1100" dirty="0" smtClean="0"/>
+              <a:t>   Conductivité </a:t>
+            </a:r>
+            <a:r>
               <a:rPr lang="fr-FR" sz="1100" dirty="0"/>
-              <a:t>Conductivité électrique des matériaux</a:t>
+              <a:t>électrique des matériaux</a:t>
             </a:r>
           </a:p>
           <a:p>
@@ -27760,6 +27299,83 @@
           </a:extLst>
         </p:spPr>
       </p:pic>
+      <p:sp>
+        <p:nvSpPr>
+          <p:cNvPr id="2" name="AutoShape 2" descr="Cordons rs 232 droit sub-d9 mâle / sub-d9 femelle - Cordon rs 232 droit  sub-d9 m / f - 5m - Ref 2505 - Cordons et adaptateurs"/>
+          <p:cNvSpPr>
+            <a:spLocks noChangeAspect="1" noChangeArrowheads="1"/>
+          </p:cNvSpPr>
+          <p:nvPr/>
+        </p:nvSpPr>
+        <p:spPr bwMode="auto">
+          <a:xfrm>
+            <a:off x="155575" y="-144463"/>
+            <a:ext cx="304800" cy="304801"/>
+          </a:xfrm>
+          <a:prstGeom prst="rect">
+            <a:avLst/>
+          </a:prstGeom>
+          <a:noFill/>
+          <a:extLst>
+            <a:ext uri="{909E8E84-426E-40DD-AFC4-6F175D3DCCD1}">
+              <a14:hiddenFill xmlns:a14="http://schemas.microsoft.com/office/drawing/2010/main">
+                <a:solidFill>
+                  <a:srgbClr val="FFFFFF"/>
+                </a:solidFill>
+              </a14:hiddenFill>
+            </a:ext>
+          </a:extLst>
+        </p:spPr>
+        <p:txBody>
+          <a:bodyPr vert="horz" wrap="square" lIns="91440" tIns="45720" rIns="91440" bIns="45720" numCol="1" anchor="t" anchorCtr="0" compatLnSpc="1">
+            <a:prstTxWarp prst="textNoShape">
+              <a:avLst/>
+            </a:prstTxWarp>
+          </a:bodyPr>
+          <a:lstStyle/>
+          <a:p>
+            <a:endParaRPr lang="fr-FR"/>
+          </a:p>
+        </p:txBody>
+      </p:sp>
+      <p:sp>
+        <p:nvSpPr>
+          <p:cNvPr id="18" name="ZoneTexte 17"/>
+          <p:cNvSpPr txBox="1"/>
+          <p:nvPr/>
+        </p:nvSpPr>
+        <p:spPr>
+          <a:xfrm>
+            <a:off x="3212188" y="3830286"/>
+            <a:ext cx="1333616" cy="307777"/>
+          </a:xfrm>
+          <a:prstGeom prst="rect">
+            <a:avLst/>
+          </a:prstGeom>
+          <a:noFill/>
+        </p:spPr>
+        <p:txBody>
+          <a:bodyPr wrap="square" rtlCol="0">
+            <a:spAutoFit/>
+          </a:bodyPr>
+          <a:lstStyle/>
+          <a:p>
+            <a:r>
+              <a:rPr lang="fr-FR" dirty="0" smtClean="0">
+                <a:solidFill>
+                  <a:srgbClr val="FF0000"/>
+                </a:solidFill>
+              </a:rPr>
+              <a:t>A compléter </a:t>
+            </a:r>
+            <a:endParaRPr lang="fr-FR" dirty="0">
+              <a:solidFill>
+                <a:srgbClr val="FF0000"/>
+              </a:solidFill>
+            </a:endParaRPr>
+          </a:p>
+        </p:txBody>
+      </p:sp>
     </p:spTree>
   </p:cSld>
   <p:clrMapOvr>
@@ -28201,8 +27817,16 @@
           <a:p>
             <a:pPr marL="0" indent="0"/>
             <a:r>
+              <a:rPr lang="fr-FR" sz="1200" dirty="0" smtClean="0"/>
+              <a:t>22</a:t>
+            </a:r>
+            <a:r>
+              <a:rPr lang="fr-FR" sz="1200" dirty="0" smtClean="0"/>
+              <a:t>/01/2024 </a:t>
+            </a:r>
+            <a:r>
               <a:rPr lang="fr-FR" sz="1200" dirty="0"/>
-              <a:t>??/01/2024 - Carine Allaf &amp; Pierre </a:t>
+              <a:t>- Carine Allaf &amp; Pierre </a:t>
             </a:r>
             <a:r>
               <a:rPr lang="fr-FR" sz="1200" dirty="0" err="1"/>
@@ -28245,273 +27869,6 @@
           </a:prstGeom>
         </p:spPr>
       </p:pic>
-      <p:grpSp>
-        <p:nvGrpSpPr>
-          <p:cNvPr id="8" name="Google Shape;7525;p62">
-            <a:extLst>
-              <a:ext uri="{FF2B5EF4-FFF2-40B4-BE49-F238E27FC236}">
-                <a16:creationId xmlns:a16="http://schemas.microsoft.com/office/drawing/2014/main" xmlns="" id="{7831A0DA-B186-0329-4CE0-406C3CD58AD3}"/>
-              </a:ext>
-            </a:extLst>
-          </p:cNvPr>
-          <p:cNvGrpSpPr/>
-          <p:nvPr/>
-        </p:nvGrpSpPr>
-        <p:grpSpPr>
-          <a:xfrm>
-            <a:off x="3229006" y="180891"/>
-            <a:ext cx="2685987" cy="344653"/>
-            <a:chOff x="1606190" y="2506075"/>
-            <a:chExt cx="4379281" cy="673075"/>
-          </a:xfrm>
-        </p:grpSpPr>
-        <p:sp>
-          <p:nvSpPr>
-            <p:cNvPr id="9" name="Google Shape;7527;p62">
-              <a:extLst>
-                <a:ext uri="{FF2B5EF4-FFF2-40B4-BE49-F238E27FC236}">
-                  <a16:creationId xmlns:a16="http://schemas.microsoft.com/office/drawing/2014/main" xmlns="" id="{1735AF49-02B0-693A-B63B-DC0E0F64E996}"/>
-                </a:ext>
-              </a:extLst>
-            </p:cNvPr>
-            <p:cNvSpPr/>
-            <p:nvPr/>
-          </p:nvSpPr>
-          <p:spPr>
-            <a:xfrm>
-              <a:off x="1606190" y="2506075"/>
-              <a:ext cx="1643924" cy="673075"/>
-            </a:xfrm>
-            <a:custGeom>
-              <a:avLst/>
-              <a:gdLst/>
-              <a:ahLst/>
-              <a:cxnLst/>
-              <a:rect l="l" t="t" r="r" b="b"/>
-              <a:pathLst>
-                <a:path w="65757" h="26923" extrusionOk="0">
-                  <a:moveTo>
-                    <a:pt x="0" y="0"/>
-                  </a:moveTo>
-                  <a:lnTo>
-                    <a:pt x="10782" y="13477"/>
-                  </a:lnTo>
-                  <a:lnTo>
-                    <a:pt x="0" y="26923"/>
-                  </a:lnTo>
-                  <a:lnTo>
-                    <a:pt x="54975" y="26923"/>
-                  </a:lnTo>
-                  <a:lnTo>
-                    <a:pt x="65757" y="13477"/>
-                  </a:lnTo>
-                  <a:lnTo>
-                    <a:pt x="54975" y="0"/>
-                  </a:lnTo>
-                  <a:close/>
-                </a:path>
-              </a:pathLst>
-            </a:custGeom>
-            <a:noFill/>
-            <a:ln w="9525" cap="flat" cmpd="sng">
-              <a:solidFill>
-                <a:srgbClr val="445D73"/>
-              </a:solidFill>
-              <a:prstDash val="solid"/>
-              <a:round/>
-              <a:headEnd type="none" w="sm" len="sm"/>
-              <a:tailEnd type="none" w="sm" len="sm"/>
-            </a:ln>
-          </p:spPr>
-          <p:txBody>
-            <a:bodyPr spcFirstLastPara="1" wrap="square" lIns="91425" tIns="91425" rIns="91425" bIns="91425" anchor="ctr" anchorCtr="0">
-              <a:noAutofit/>
-            </a:bodyPr>
-            <a:lstStyle/>
-            <a:p>
-              <a:r>
-                <a:rPr lang="fr-FR" sz="500" dirty="0">
-                  <a:solidFill>
-                    <a:srgbClr val="0070C0"/>
-                  </a:solidFill>
-                </a:rPr>
-                <a:t>        Principes physiques</a:t>
-              </a:r>
-              <a:endParaRPr lang="fr-FR" sz="1050" dirty="0">
-                <a:solidFill>
-                  <a:srgbClr val="0070C0"/>
-                </a:solidFill>
-              </a:endParaRPr>
-            </a:p>
-          </p:txBody>
-        </p:sp>
-        <p:sp>
-          <p:nvSpPr>
-            <p:cNvPr id="10" name="Google Shape;7528;p62">
-              <a:extLst>
-                <a:ext uri="{FF2B5EF4-FFF2-40B4-BE49-F238E27FC236}">
-                  <a16:creationId xmlns:a16="http://schemas.microsoft.com/office/drawing/2014/main" xmlns="" id="{476B5385-F8F5-D3A1-78B2-76B0FE09289F}"/>
-                </a:ext>
-              </a:extLst>
-            </p:cNvPr>
-            <p:cNvSpPr/>
-            <p:nvPr/>
-          </p:nvSpPr>
-          <p:spPr>
-            <a:xfrm>
-              <a:off x="2973481" y="2506075"/>
-              <a:ext cx="1643925" cy="673075"/>
-            </a:xfrm>
-            <a:custGeom>
-              <a:avLst/>
-              <a:gdLst/>
-              <a:ahLst/>
-              <a:cxnLst/>
-              <a:rect l="l" t="t" r="r" b="b"/>
-              <a:pathLst>
-                <a:path w="65757" h="26923" extrusionOk="0">
-                  <a:moveTo>
-                    <a:pt x="0" y="0"/>
-                  </a:moveTo>
-                  <a:lnTo>
-                    <a:pt x="10782" y="13477"/>
-                  </a:lnTo>
-                  <a:lnTo>
-                    <a:pt x="0" y="26923"/>
-                  </a:lnTo>
-                  <a:lnTo>
-                    <a:pt x="54975" y="26923"/>
-                  </a:lnTo>
-                  <a:lnTo>
-                    <a:pt x="65757" y="13477"/>
-                  </a:lnTo>
-                  <a:lnTo>
-                    <a:pt x="54975" y="0"/>
-                  </a:lnTo>
-                  <a:close/>
-                </a:path>
-              </a:pathLst>
-            </a:custGeom>
-            <a:noFill/>
-            <a:ln w="9525" cap="flat" cmpd="sng">
-              <a:solidFill>
-                <a:srgbClr val="667E92"/>
-              </a:solidFill>
-              <a:prstDash val="solid"/>
-              <a:round/>
-              <a:headEnd type="none" w="sm" len="sm"/>
-              <a:tailEnd type="none" w="sm" len="sm"/>
-            </a:ln>
-          </p:spPr>
-          <p:txBody>
-            <a:bodyPr spcFirstLastPara="1" wrap="square" lIns="91425" tIns="91425" rIns="91425" bIns="91425" anchor="ctr" anchorCtr="0">
-              <a:noAutofit/>
-            </a:bodyPr>
-            <a:lstStyle/>
-            <a:p>
-              <a:pPr marL="0" lvl="0" indent="0" algn="l" rtl="0">
-                <a:spcBef>
-                  <a:spcPts val="0"/>
-                </a:spcBef>
-                <a:spcAft>
-                  <a:spcPts val="0"/>
-                </a:spcAft>
-                <a:buNone/>
-              </a:pPr>
-              <a:r>
-                <a:rPr lang="fr-FR" sz="600" dirty="0"/>
-                <a:t>       </a:t>
-              </a:r>
-              <a:r>
-                <a:rPr lang="fr-FR" sz="500" dirty="0"/>
-                <a:t>Réalisations</a:t>
-              </a:r>
-              <a:endParaRPr sz="1000" dirty="0"/>
-            </a:p>
-          </p:txBody>
-        </p:sp>
-        <p:sp>
-          <p:nvSpPr>
-            <p:cNvPr id="11" name="Google Shape;7530;p62">
-              <a:extLst>
-                <a:ext uri="{FF2B5EF4-FFF2-40B4-BE49-F238E27FC236}">
-                  <a16:creationId xmlns:a16="http://schemas.microsoft.com/office/drawing/2014/main" xmlns="" id="{BEA4CE0B-87EE-0A09-A5C7-DFEA7E670021}"/>
-                </a:ext>
-              </a:extLst>
-            </p:cNvPr>
-            <p:cNvSpPr/>
-            <p:nvPr/>
-          </p:nvSpPr>
-          <p:spPr>
-            <a:xfrm>
-              <a:off x="4342321" y="2506075"/>
-              <a:ext cx="1643150" cy="673075"/>
-            </a:xfrm>
-            <a:custGeom>
-              <a:avLst/>
-              <a:gdLst/>
-              <a:ahLst/>
-              <a:cxnLst/>
-              <a:rect l="l" t="t" r="r" b="b"/>
-              <a:pathLst>
-                <a:path w="65726" h="26923" extrusionOk="0">
-                  <a:moveTo>
-                    <a:pt x="1" y="0"/>
-                  </a:moveTo>
-                  <a:lnTo>
-                    <a:pt x="10751" y="13477"/>
-                  </a:lnTo>
-                  <a:lnTo>
-                    <a:pt x="1" y="26923"/>
-                  </a:lnTo>
-                  <a:lnTo>
-                    <a:pt x="54944" y="26923"/>
-                  </a:lnTo>
-                  <a:lnTo>
-                    <a:pt x="65726" y="13477"/>
-                  </a:lnTo>
-                  <a:lnTo>
-                    <a:pt x="54944" y="0"/>
-                  </a:lnTo>
-                  <a:close/>
-                </a:path>
-              </a:pathLst>
-            </a:custGeom>
-            <a:noFill/>
-            <a:ln w="9525" cap="flat" cmpd="sng">
-              <a:solidFill>
-                <a:srgbClr val="A5B7C5"/>
-              </a:solidFill>
-              <a:prstDash val="solid"/>
-              <a:round/>
-              <a:headEnd type="none" w="sm" len="sm"/>
-              <a:tailEnd type="none" w="sm" len="sm"/>
-            </a:ln>
-          </p:spPr>
-          <p:txBody>
-            <a:bodyPr spcFirstLastPara="1" wrap="square" lIns="91425" tIns="91425" rIns="91425" bIns="91425" anchor="ctr" anchorCtr="0">
-              <a:noAutofit/>
-            </a:bodyPr>
-            <a:lstStyle/>
-            <a:p>
-              <a:pPr marL="0" lvl="0" indent="0" algn="l" rtl="0">
-                <a:spcBef>
-                  <a:spcPts val="0"/>
-                </a:spcBef>
-                <a:spcAft>
-                  <a:spcPts val="0"/>
-                </a:spcAft>
-                <a:buNone/>
-              </a:pPr>
-              <a:r>
-                <a:rPr lang="fr-FR" sz="500" dirty="0"/>
-                <a:t>          Interface graphique</a:t>
-              </a:r>
-              <a:endParaRPr sz="500" dirty="0"/>
-            </a:p>
-          </p:txBody>
-        </p:sp>
-      </p:grpSp>
       <p:graphicFrame>
         <p:nvGraphicFramePr>
           <p:cNvPr id="13" name="Table 12">
@@ -29734,301 +29091,6 @@
       </p:pic>
       <p:sp>
         <p:nvSpPr>
-          <p:cNvPr id="29" name="Google Shape;144;p28">
-            <a:extLst>
-              <a:ext uri="{FF2B5EF4-FFF2-40B4-BE49-F238E27FC236}">
-                <a16:creationId xmlns:a16="http://schemas.microsoft.com/office/drawing/2014/main" xmlns="" id="{220C6563-A54D-1184-FCBF-5F9111D065E0}"/>
-              </a:ext>
-            </a:extLst>
-          </p:cNvPr>
-          <p:cNvSpPr txBox="1">
-            <a:spLocks/>
-          </p:cNvSpPr>
-          <p:nvPr/>
-        </p:nvSpPr>
-        <p:spPr>
-          <a:xfrm>
-            <a:off x="2660293" y="4760269"/>
-            <a:ext cx="3628993" cy="344653"/>
-          </a:xfrm>
-          <a:prstGeom prst="rect">
-            <a:avLst/>
-          </a:prstGeom>
-          <a:noFill/>
-          <a:ln>
-            <a:noFill/>
-          </a:ln>
-        </p:spPr>
-        <p:txBody>
-          <a:bodyPr spcFirstLastPara="1" wrap="square" lIns="91425" tIns="91425" rIns="91425" bIns="91425" anchor="t" anchorCtr="0">
-            <a:noAutofit/>
-          </a:bodyPr>
-          <a:lstStyle>
-            <a:defPPr marR="0" lvl="0" algn="l" rtl="0">
-              <a:lnSpc>
-                <a:spcPct val="100000"/>
-              </a:lnSpc>
-              <a:spcBef>
-                <a:spcPts val="0"/>
-              </a:spcBef>
-              <a:spcAft>
-                <a:spcPts val="0"/>
-              </a:spcAft>
-            </a:defPPr>
-            <a:lvl1pPr marL="457200" marR="0" lvl="0" indent="-317500" algn="l" rtl="0">
-              <a:lnSpc>
-                <a:spcPct val="100000"/>
-              </a:lnSpc>
-              <a:spcBef>
-                <a:spcPts val="0"/>
-              </a:spcBef>
-              <a:spcAft>
-                <a:spcPts val="0"/>
-              </a:spcAft>
-              <a:buClr>
-                <a:schemeClr val="dk1"/>
-              </a:buClr>
-              <a:buSzPts val="1400"/>
-              <a:buFont typeface="Nunito"/>
-              <a:buNone/>
-              <a:defRPr sz="1800" b="0" i="0" u="none" strike="noStrike" cap="none">
-                <a:solidFill>
-                  <a:schemeClr val="dk1"/>
-                </a:solidFill>
-                <a:latin typeface="Nunito"/>
-                <a:ea typeface="Nunito"/>
-                <a:cs typeface="Nunito"/>
-                <a:sym typeface="Nunito"/>
-              </a:defRPr>
-            </a:lvl1pPr>
-            <a:lvl2pPr marL="914400" marR="0" lvl="1" indent="-317500" algn="ctr" rtl="0">
-              <a:lnSpc>
-                <a:spcPct val="100000"/>
-              </a:lnSpc>
-              <a:spcBef>
-                <a:spcPts val="0"/>
-              </a:spcBef>
-              <a:spcAft>
-                <a:spcPts val="0"/>
-              </a:spcAft>
-              <a:buClr>
-                <a:schemeClr val="dk1"/>
-              </a:buClr>
-              <a:buSzPts val="1800"/>
-              <a:buFont typeface="Nunito"/>
-              <a:buNone/>
-              <a:defRPr sz="1800" b="0" i="0" u="none" strike="noStrike" cap="none">
-                <a:solidFill>
-                  <a:schemeClr val="dk1"/>
-                </a:solidFill>
-                <a:latin typeface="Nunito"/>
-                <a:ea typeface="Nunito"/>
-                <a:cs typeface="Nunito"/>
-                <a:sym typeface="Nunito"/>
-              </a:defRPr>
-            </a:lvl2pPr>
-            <a:lvl3pPr marL="1371600" marR="0" lvl="2" indent="-317500" algn="ctr" rtl="0">
-              <a:lnSpc>
-                <a:spcPct val="100000"/>
-              </a:lnSpc>
-              <a:spcBef>
-                <a:spcPts val="0"/>
-              </a:spcBef>
-              <a:spcAft>
-                <a:spcPts val="0"/>
-              </a:spcAft>
-              <a:buClr>
-                <a:schemeClr val="dk1"/>
-              </a:buClr>
-              <a:buSzPts val="1800"/>
-              <a:buFont typeface="Nunito"/>
-              <a:buNone/>
-              <a:defRPr sz="1800" b="0" i="0" u="none" strike="noStrike" cap="none">
-                <a:solidFill>
-                  <a:schemeClr val="dk1"/>
-                </a:solidFill>
-                <a:latin typeface="Nunito"/>
-                <a:ea typeface="Nunito"/>
-                <a:cs typeface="Nunito"/>
-                <a:sym typeface="Nunito"/>
-              </a:defRPr>
-            </a:lvl3pPr>
-            <a:lvl4pPr marL="1828800" marR="0" lvl="3" indent="-317500" algn="ctr" rtl="0">
-              <a:lnSpc>
-                <a:spcPct val="100000"/>
-              </a:lnSpc>
-              <a:spcBef>
-                <a:spcPts val="0"/>
-              </a:spcBef>
-              <a:spcAft>
-                <a:spcPts val="0"/>
-              </a:spcAft>
-              <a:buClr>
-                <a:schemeClr val="dk1"/>
-              </a:buClr>
-              <a:buSzPts val="1800"/>
-              <a:buFont typeface="Nunito"/>
-              <a:buNone/>
-              <a:defRPr sz="1800" b="0" i="0" u="none" strike="noStrike" cap="none">
-                <a:solidFill>
-                  <a:schemeClr val="dk1"/>
-                </a:solidFill>
-                <a:latin typeface="Nunito"/>
-                <a:ea typeface="Nunito"/>
-                <a:cs typeface="Nunito"/>
-                <a:sym typeface="Nunito"/>
-              </a:defRPr>
-            </a:lvl4pPr>
-            <a:lvl5pPr marL="2286000" marR="0" lvl="4" indent="-317500" algn="ctr" rtl="0">
-              <a:lnSpc>
-                <a:spcPct val="100000"/>
-              </a:lnSpc>
-              <a:spcBef>
-                <a:spcPts val="0"/>
-              </a:spcBef>
-              <a:spcAft>
-                <a:spcPts val="0"/>
-              </a:spcAft>
-              <a:buClr>
-                <a:schemeClr val="dk1"/>
-              </a:buClr>
-              <a:buSzPts val="1800"/>
-              <a:buFont typeface="Nunito"/>
-              <a:buNone/>
-              <a:defRPr sz="1800" b="0" i="0" u="none" strike="noStrike" cap="none">
-                <a:solidFill>
-                  <a:schemeClr val="dk1"/>
-                </a:solidFill>
-                <a:latin typeface="Nunito"/>
-                <a:ea typeface="Nunito"/>
-                <a:cs typeface="Nunito"/>
-                <a:sym typeface="Nunito"/>
-              </a:defRPr>
-            </a:lvl5pPr>
-            <a:lvl6pPr marL="2743200" marR="0" lvl="5" indent="-317500" algn="ctr" rtl="0">
-              <a:lnSpc>
-                <a:spcPct val="100000"/>
-              </a:lnSpc>
-              <a:spcBef>
-                <a:spcPts val="0"/>
-              </a:spcBef>
-              <a:spcAft>
-                <a:spcPts val="0"/>
-              </a:spcAft>
-              <a:buClr>
-                <a:schemeClr val="dk1"/>
-              </a:buClr>
-              <a:buSzPts val="1800"/>
-              <a:buFont typeface="Nunito"/>
-              <a:buNone/>
-              <a:defRPr sz="1800" b="0" i="0" u="none" strike="noStrike" cap="none">
-                <a:solidFill>
-                  <a:schemeClr val="dk1"/>
-                </a:solidFill>
-                <a:latin typeface="Nunito"/>
-                <a:ea typeface="Nunito"/>
-                <a:cs typeface="Nunito"/>
-                <a:sym typeface="Nunito"/>
-              </a:defRPr>
-            </a:lvl6pPr>
-            <a:lvl7pPr marL="3200400" marR="0" lvl="6" indent="-317500" algn="ctr" rtl="0">
-              <a:lnSpc>
-                <a:spcPct val="100000"/>
-              </a:lnSpc>
-              <a:spcBef>
-                <a:spcPts val="0"/>
-              </a:spcBef>
-              <a:spcAft>
-                <a:spcPts val="0"/>
-              </a:spcAft>
-              <a:buClr>
-                <a:schemeClr val="dk1"/>
-              </a:buClr>
-              <a:buSzPts val="1800"/>
-              <a:buFont typeface="Nunito"/>
-              <a:buNone/>
-              <a:defRPr sz="1800" b="0" i="0" u="none" strike="noStrike" cap="none">
-                <a:solidFill>
-                  <a:schemeClr val="dk1"/>
-                </a:solidFill>
-                <a:latin typeface="Nunito"/>
-                <a:ea typeface="Nunito"/>
-                <a:cs typeface="Nunito"/>
-                <a:sym typeface="Nunito"/>
-              </a:defRPr>
-            </a:lvl7pPr>
-            <a:lvl8pPr marL="3657600" marR="0" lvl="7" indent="-317500" algn="ctr" rtl="0">
-              <a:lnSpc>
-                <a:spcPct val="100000"/>
-              </a:lnSpc>
-              <a:spcBef>
-                <a:spcPts val="0"/>
-              </a:spcBef>
-              <a:spcAft>
-                <a:spcPts val="0"/>
-              </a:spcAft>
-              <a:buClr>
-                <a:schemeClr val="dk1"/>
-              </a:buClr>
-              <a:buSzPts val="1800"/>
-              <a:buFont typeface="Nunito"/>
-              <a:buNone/>
-              <a:defRPr sz="1800" b="0" i="0" u="none" strike="noStrike" cap="none">
-                <a:solidFill>
-                  <a:schemeClr val="dk1"/>
-                </a:solidFill>
-                <a:latin typeface="Nunito"/>
-                <a:ea typeface="Nunito"/>
-                <a:cs typeface="Nunito"/>
-                <a:sym typeface="Nunito"/>
-              </a:defRPr>
-            </a:lvl8pPr>
-            <a:lvl9pPr marL="4114800" marR="0" lvl="8" indent="-317500" algn="ctr" rtl="0">
-              <a:lnSpc>
-                <a:spcPct val="100000"/>
-              </a:lnSpc>
-              <a:spcBef>
-                <a:spcPts val="0"/>
-              </a:spcBef>
-              <a:spcAft>
-                <a:spcPts val="0"/>
-              </a:spcAft>
-              <a:buClr>
-                <a:schemeClr val="dk1"/>
-              </a:buClr>
-              <a:buSzPts val="1800"/>
-              <a:buFont typeface="Nunito"/>
-              <a:buNone/>
-              <a:defRPr sz="1800" b="0" i="0" u="none" strike="noStrike" cap="none">
-                <a:solidFill>
-                  <a:schemeClr val="dk1"/>
-                </a:solidFill>
-                <a:latin typeface="Nunito"/>
-                <a:ea typeface="Nunito"/>
-                <a:cs typeface="Nunito"/>
-                <a:sym typeface="Nunito"/>
-              </a:defRPr>
-            </a:lvl9pPr>
-          </a:lstStyle>
-          <a:p>
-            <a:pPr marL="0" indent="0"/>
-            <a:r>
-              <a:rPr lang="fr-FR" sz="1050" dirty="0"/>
-              <a:t>??/01/2024 - Carine Allaf &amp; Pierre </a:t>
-            </a:r>
-            <a:r>
-              <a:rPr lang="fr-FR" sz="1050" dirty="0" err="1"/>
-              <a:t>Sadeler</a:t>
-            </a:r>
-            <a:r>
-              <a:rPr lang="fr-FR" sz="1050" dirty="0"/>
-              <a:t> – BUT GEII S5 </a:t>
-            </a:r>
-          </a:p>
-        </p:txBody>
-      </p:sp>
-      <p:sp>
-        <p:nvSpPr>
           <p:cNvPr id="2" name="Google Shape;195;p32">
             <a:extLst>
               <a:ext uri="{FF2B5EF4-FFF2-40B4-BE49-F238E27FC236}">
@@ -30173,273 +29235,6 @@
           </a:ln>
         </p:spPr>
       </p:cxnSp>
-      <p:grpSp>
-        <p:nvGrpSpPr>
-          <p:cNvPr id="5" name="Google Shape;7525;p62">
-            <a:extLst>
-              <a:ext uri="{FF2B5EF4-FFF2-40B4-BE49-F238E27FC236}">
-                <a16:creationId xmlns:a16="http://schemas.microsoft.com/office/drawing/2014/main" xmlns="" id="{B7A250FE-868E-6D8A-76AA-5206BAC57230}"/>
-              </a:ext>
-            </a:extLst>
-          </p:cNvPr>
-          <p:cNvGrpSpPr/>
-          <p:nvPr/>
-        </p:nvGrpSpPr>
-        <p:grpSpPr>
-          <a:xfrm>
-            <a:off x="3229006" y="180891"/>
-            <a:ext cx="2685987" cy="344653"/>
-            <a:chOff x="1606190" y="2506075"/>
-            <a:chExt cx="4379281" cy="673075"/>
-          </a:xfrm>
-        </p:grpSpPr>
-        <p:sp>
-          <p:nvSpPr>
-            <p:cNvPr id="6" name="Google Shape;7527;p62">
-              <a:extLst>
-                <a:ext uri="{FF2B5EF4-FFF2-40B4-BE49-F238E27FC236}">
-                  <a16:creationId xmlns:a16="http://schemas.microsoft.com/office/drawing/2014/main" xmlns="" id="{3045DD2B-EEC0-830D-C008-F4E016FF9AFF}"/>
-                </a:ext>
-              </a:extLst>
-            </p:cNvPr>
-            <p:cNvSpPr/>
-            <p:nvPr/>
-          </p:nvSpPr>
-          <p:spPr>
-            <a:xfrm>
-              <a:off x="1606190" y="2506075"/>
-              <a:ext cx="1643924" cy="673075"/>
-            </a:xfrm>
-            <a:custGeom>
-              <a:avLst/>
-              <a:gdLst/>
-              <a:ahLst/>
-              <a:cxnLst/>
-              <a:rect l="l" t="t" r="r" b="b"/>
-              <a:pathLst>
-                <a:path w="65757" h="26923" extrusionOk="0">
-                  <a:moveTo>
-                    <a:pt x="0" y="0"/>
-                  </a:moveTo>
-                  <a:lnTo>
-                    <a:pt x="10782" y="13477"/>
-                  </a:lnTo>
-                  <a:lnTo>
-                    <a:pt x="0" y="26923"/>
-                  </a:lnTo>
-                  <a:lnTo>
-                    <a:pt x="54975" y="26923"/>
-                  </a:lnTo>
-                  <a:lnTo>
-                    <a:pt x="65757" y="13477"/>
-                  </a:lnTo>
-                  <a:lnTo>
-                    <a:pt x="54975" y="0"/>
-                  </a:lnTo>
-                  <a:close/>
-                </a:path>
-              </a:pathLst>
-            </a:custGeom>
-            <a:noFill/>
-            <a:ln w="9525" cap="flat" cmpd="sng">
-              <a:solidFill>
-                <a:srgbClr val="445D73"/>
-              </a:solidFill>
-              <a:prstDash val="solid"/>
-              <a:round/>
-              <a:headEnd type="none" w="sm" len="sm"/>
-              <a:tailEnd type="none" w="sm" len="sm"/>
-            </a:ln>
-          </p:spPr>
-          <p:txBody>
-            <a:bodyPr spcFirstLastPara="1" wrap="square" lIns="91425" tIns="91425" rIns="91425" bIns="91425" anchor="ctr" anchorCtr="0">
-              <a:noAutofit/>
-            </a:bodyPr>
-            <a:lstStyle/>
-            <a:p>
-              <a:r>
-                <a:rPr lang="fr-FR" sz="500" dirty="0">
-                  <a:solidFill>
-                    <a:srgbClr val="0070C0"/>
-                  </a:solidFill>
-                </a:rPr>
-                <a:t>        Principes physiques</a:t>
-              </a:r>
-              <a:endParaRPr lang="fr-FR" sz="1050" dirty="0">
-                <a:solidFill>
-                  <a:srgbClr val="0070C0"/>
-                </a:solidFill>
-              </a:endParaRPr>
-            </a:p>
-          </p:txBody>
-        </p:sp>
-        <p:sp>
-          <p:nvSpPr>
-            <p:cNvPr id="7" name="Google Shape;7528;p62">
-              <a:extLst>
-                <a:ext uri="{FF2B5EF4-FFF2-40B4-BE49-F238E27FC236}">
-                  <a16:creationId xmlns:a16="http://schemas.microsoft.com/office/drawing/2014/main" xmlns="" id="{C522BD9A-4AA9-7E1D-7F7E-D9F61A89EE77}"/>
-                </a:ext>
-              </a:extLst>
-            </p:cNvPr>
-            <p:cNvSpPr/>
-            <p:nvPr/>
-          </p:nvSpPr>
-          <p:spPr>
-            <a:xfrm>
-              <a:off x="2973481" y="2506075"/>
-              <a:ext cx="1643925" cy="673075"/>
-            </a:xfrm>
-            <a:custGeom>
-              <a:avLst/>
-              <a:gdLst/>
-              <a:ahLst/>
-              <a:cxnLst/>
-              <a:rect l="l" t="t" r="r" b="b"/>
-              <a:pathLst>
-                <a:path w="65757" h="26923" extrusionOk="0">
-                  <a:moveTo>
-                    <a:pt x="0" y="0"/>
-                  </a:moveTo>
-                  <a:lnTo>
-                    <a:pt x="10782" y="13477"/>
-                  </a:lnTo>
-                  <a:lnTo>
-                    <a:pt x="0" y="26923"/>
-                  </a:lnTo>
-                  <a:lnTo>
-                    <a:pt x="54975" y="26923"/>
-                  </a:lnTo>
-                  <a:lnTo>
-                    <a:pt x="65757" y="13477"/>
-                  </a:lnTo>
-                  <a:lnTo>
-                    <a:pt x="54975" y="0"/>
-                  </a:lnTo>
-                  <a:close/>
-                </a:path>
-              </a:pathLst>
-            </a:custGeom>
-            <a:noFill/>
-            <a:ln w="9525" cap="flat" cmpd="sng">
-              <a:solidFill>
-                <a:srgbClr val="667E92"/>
-              </a:solidFill>
-              <a:prstDash val="solid"/>
-              <a:round/>
-              <a:headEnd type="none" w="sm" len="sm"/>
-              <a:tailEnd type="none" w="sm" len="sm"/>
-            </a:ln>
-          </p:spPr>
-          <p:txBody>
-            <a:bodyPr spcFirstLastPara="1" wrap="square" lIns="91425" tIns="91425" rIns="91425" bIns="91425" anchor="ctr" anchorCtr="0">
-              <a:noAutofit/>
-            </a:bodyPr>
-            <a:lstStyle/>
-            <a:p>
-              <a:pPr marL="0" lvl="0" indent="0" algn="l" rtl="0">
-                <a:spcBef>
-                  <a:spcPts val="0"/>
-                </a:spcBef>
-                <a:spcAft>
-                  <a:spcPts val="0"/>
-                </a:spcAft>
-                <a:buNone/>
-              </a:pPr>
-              <a:r>
-                <a:rPr lang="fr-FR" sz="600" dirty="0"/>
-                <a:t>       </a:t>
-              </a:r>
-              <a:r>
-                <a:rPr lang="fr-FR" sz="500" dirty="0"/>
-                <a:t>Réalisations</a:t>
-              </a:r>
-              <a:endParaRPr sz="1000" dirty="0"/>
-            </a:p>
-          </p:txBody>
-        </p:sp>
-        <p:sp>
-          <p:nvSpPr>
-            <p:cNvPr id="8" name="Google Shape;7530;p62">
-              <a:extLst>
-                <a:ext uri="{FF2B5EF4-FFF2-40B4-BE49-F238E27FC236}">
-                  <a16:creationId xmlns:a16="http://schemas.microsoft.com/office/drawing/2014/main" xmlns="" id="{C5CCE5E3-98B5-A944-93EA-1981D7E63FDC}"/>
-                </a:ext>
-              </a:extLst>
-            </p:cNvPr>
-            <p:cNvSpPr/>
-            <p:nvPr/>
-          </p:nvSpPr>
-          <p:spPr>
-            <a:xfrm>
-              <a:off x="4342321" y="2506075"/>
-              <a:ext cx="1643150" cy="673075"/>
-            </a:xfrm>
-            <a:custGeom>
-              <a:avLst/>
-              <a:gdLst/>
-              <a:ahLst/>
-              <a:cxnLst/>
-              <a:rect l="l" t="t" r="r" b="b"/>
-              <a:pathLst>
-                <a:path w="65726" h="26923" extrusionOk="0">
-                  <a:moveTo>
-                    <a:pt x="1" y="0"/>
-                  </a:moveTo>
-                  <a:lnTo>
-                    <a:pt x="10751" y="13477"/>
-                  </a:lnTo>
-                  <a:lnTo>
-                    <a:pt x="1" y="26923"/>
-                  </a:lnTo>
-                  <a:lnTo>
-                    <a:pt x="54944" y="26923"/>
-                  </a:lnTo>
-                  <a:lnTo>
-                    <a:pt x="65726" y="13477"/>
-                  </a:lnTo>
-                  <a:lnTo>
-                    <a:pt x="54944" y="0"/>
-                  </a:lnTo>
-                  <a:close/>
-                </a:path>
-              </a:pathLst>
-            </a:custGeom>
-            <a:noFill/>
-            <a:ln w="9525" cap="flat" cmpd="sng">
-              <a:solidFill>
-                <a:srgbClr val="A5B7C5"/>
-              </a:solidFill>
-              <a:prstDash val="solid"/>
-              <a:round/>
-              <a:headEnd type="none" w="sm" len="sm"/>
-              <a:tailEnd type="none" w="sm" len="sm"/>
-            </a:ln>
-          </p:spPr>
-          <p:txBody>
-            <a:bodyPr spcFirstLastPara="1" wrap="square" lIns="91425" tIns="91425" rIns="91425" bIns="91425" anchor="ctr" anchorCtr="0">
-              <a:noAutofit/>
-            </a:bodyPr>
-            <a:lstStyle/>
-            <a:p>
-              <a:pPr marL="0" lvl="0" indent="0" algn="l" rtl="0">
-                <a:spcBef>
-                  <a:spcPts val="0"/>
-                </a:spcBef>
-                <a:spcAft>
-                  <a:spcPts val="0"/>
-                </a:spcAft>
-                <a:buNone/>
-              </a:pPr>
-              <a:r>
-                <a:rPr lang="fr-FR" sz="500" dirty="0"/>
-                <a:t>          Interface graphique</a:t>
-              </a:r>
-              <a:endParaRPr sz="500" dirty="0"/>
-            </a:p>
-          </p:txBody>
-        </p:sp>
-      </p:grpSp>
       <p:sp>
         <p:nvSpPr>
           <p:cNvPr id="9" name="Google Shape;195;p32">
@@ -31043,8 +29838,8 @@
           </a:p>
         </p:txBody>
       </p:sp>
-      <mc:AlternateContent xmlns:mc="http://schemas.openxmlformats.org/markup-compatibility/2006">
-        <mc:Choice xmlns:a14="http://schemas.microsoft.com/office/drawing/2010/main" Requires="a14">
+      <mc:AlternateContent xmlns:mc="http://schemas.openxmlformats.org/markup-compatibility/2006" xmlns:a14="http://schemas.microsoft.com/office/drawing/2010/main">
+        <mc:Choice Requires="a14">
           <p:sp>
             <p:nvSpPr>
               <p:cNvPr id="13" name="TextBox 12">
@@ -31403,7 +30198,7 @@
             </p:txBody>
           </p:sp>
         </mc:Choice>
-        <mc:Fallback>
+        <mc:Fallback xmlns="">
           <p:sp>
             <p:nvSpPr>
               <p:cNvPr id="13" name="TextBox 12">
@@ -32211,6 +31006,309 @@
           </a:prstGeom>
         </p:spPr>
       </p:pic>
+      <p:sp>
+        <p:nvSpPr>
+          <p:cNvPr id="17" name="Google Shape;144;p28">
+            <a:extLst>
+              <a:ext uri="{FF2B5EF4-FFF2-40B4-BE49-F238E27FC236}">
+                <a16:creationId xmlns:a16="http://schemas.microsoft.com/office/drawing/2014/main" xmlns="" id="{BF14E777-47E8-2AEA-A270-CE02CAB0BB1E}"/>
+              </a:ext>
+            </a:extLst>
+          </p:cNvPr>
+          <p:cNvSpPr txBox="1">
+            <a:spLocks/>
+          </p:cNvSpPr>
+          <p:nvPr/>
+        </p:nvSpPr>
+        <p:spPr>
+          <a:xfrm>
+            <a:off x="2478034" y="4699842"/>
+            <a:ext cx="4187931" cy="344653"/>
+          </a:xfrm>
+          <a:prstGeom prst="rect">
+            <a:avLst/>
+          </a:prstGeom>
+          <a:noFill/>
+          <a:ln>
+            <a:noFill/>
+          </a:ln>
+        </p:spPr>
+        <p:txBody>
+          <a:bodyPr spcFirstLastPara="1" wrap="square" lIns="91425" tIns="91425" rIns="91425" bIns="91425" anchor="t" anchorCtr="0">
+            <a:noAutofit/>
+          </a:bodyPr>
+          <a:lstStyle>
+            <a:defPPr marR="0" lvl="0" algn="l" rtl="0">
+              <a:lnSpc>
+                <a:spcPct val="100000"/>
+              </a:lnSpc>
+              <a:spcBef>
+                <a:spcPts val="0"/>
+              </a:spcBef>
+              <a:spcAft>
+                <a:spcPts val="0"/>
+              </a:spcAft>
+            </a:defPPr>
+            <a:lvl1pPr marL="457200" marR="0" lvl="0" indent="-317500" algn="l" rtl="0">
+              <a:lnSpc>
+                <a:spcPct val="100000"/>
+              </a:lnSpc>
+              <a:spcBef>
+                <a:spcPts val="0"/>
+              </a:spcBef>
+              <a:spcAft>
+                <a:spcPts val="0"/>
+              </a:spcAft>
+              <a:buClr>
+                <a:schemeClr val="dk1"/>
+              </a:buClr>
+              <a:buSzPts val="1400"/>
+              <a:buFont typeface="Nunito"/>
+              <a:buNone/>
+              <a:defRPr sz="1800" b="0" i="0" u="none" strike="noStrike" cap="none">
+                <a:solidFill>
+                  <a:schemeClr val="dk1"/>
+                </a:solidFill>
+                <a:latin typeface="Nunito"/>
+                <a:ea typeface="Nunito"/>
+                <a:cs typeface="Nunito"/>
+                <a:sym typeface="Nunito"/>
+              </a:defRPr>
+            </a:lvl1pPr>
+            <a:lvl2pPr marL="914400" marR="0" lvl="1" indent="-317500" algn="ctr" rtl="0">
+              <a:lnSpc>
+                <a:spcPct val="100000"/>
+              </a:lnSpc>
+              <a:spcBef>
+                <a:spcPts val="0"/>
+              </a:spcBef>
+              <a:spcAft>
+                <a:spcPts val="0"/>
+              </a:spcAft>
+              <a:buClr>
+                <a:schemeClr val="dk1"/>
+              </a:buClr>
+              <a:buSzPts val="1800"/>
+              <a:buFont typeface="Nunito"/>
+              <a:buNone/>
+              <a:defRPr sz="1800" b="0" i="0" u="none" strike="noStrike" cap="none">
+                <a:solidFill>
+                  <a:schemeClr val="dk1"/>
+                </a:solidFill>
+                <a:latin typeface="Nunito"/>
+                <a:ea typeface="Nunito"/>
+                <a:cs typeface="Nunito"/>
+                <a:sym typeface="Nunito"/>
+              </a:defRPr>
+            </a:lvl2pPr>
+            <a:lvl3pPr marL="1371600" marR="0" lvl="2" indent="-317500" algn="ctr" rtl="0">
+              <a:lnSpc>
+                <a:spcPct val="100000"/>
+              </a:lnSpc>
+              <a:spcBef>
+                <a:spcPts val="0"/>
+              </a:spcBef>
+              <a:spcAft>
+                <a:spcPts val="0"/>
+              </a:spcAft>
+              <a:buClr>
+                <a:schemeClr val="dk1"/>
+              </a:buClr>
+              <a:buSzPts val="1800"/>
+              <a:buFont typeface="Nunito"/>
+              <a:buNone/>
+              <a:defRPr sz="1800" b="0" i="0" u="none" strike="noStrike" cap="none">
+                <a:solidFill>
+                  <a:schemeClr val="dk1"/>
+                </a:solidFill>
+                <a:latin typeface="Nunito"/>
+                <a:ea typeface="Nunito"/>
+                <a:cs typeface="Nunito"/>
+                <a:sym typeface="Nunito"/>
+              </a:defRPr>
+            </a:lvl3pPr>
+            <a:lvl4pPr marL="1828800" marR="0" lvl="3" indent="-317500" algn="ctr" rtl="0">
+              <a:lnSpc>
+                <a:spcPct val="100000"/>
+              </a:lnSpc>
+              <a:spcBef>
+                <a:spcPts val="0"/>
+              </a:spcBef>
+              <a:spcAft>
+                <a:spcPts val="0"/>
+              </a:spcAft>
+              <a:buClr>
+                <a:schemeClr val="dk1"/>
+              </a:buClr>
+              <a:buSzPts val="1800"/>
+              <a:buFont typeface="Nunito"/>
+              <a:buNone/>
+              <a:defRPr sz="1800" b="0" i="0" u="none" strike="noStrike" cap="none">
+                <a:solidFill>
+                  <a:schemeClr val="dk1"/>
+                </a:solidFill>
+                <a:latin typeface="Nunito"/>
+                <a:ea typeface="Nunito"/>
+                <a:cs typeface="Nunito"/>
+                <a:sym typeface="Nunito"/>
+              </a:defRPr>
+            </a:lvl4pPr>
+            <a:lvl5pPr marL="2286000" marR="0" lvl="4" indent="-317500" algn="ctr" rtl="0">
+              <a:lnSpc>
+                <a:spcPct val="100000"/>
+              </a:lnSpc>
+              <a:spcBef>
+                <a:spcPts val="0"/>
+              </a:spcBef>
+              <a:spcAft>
+                <a:spcPts val="0"/>
+              </a:spcAft>
+              <a:buClr>
+                <a:schemeClr val="dk1"/>
+              </a:buClr>
+              <a:buSzPts val="1800"/>
+              <a:buFont typeface="Nunito"/>
+              <a:buNone/>
+              <a:defRPr sz="1800" b="0" i="0" u="none" strike="noStrike" cap="none">
+                <a:solidFill>
+                  <a:schemeClr val="dk1"/>
+                </a:solidFill>
+                <a:latin typeface="Nunito"/>
+                <a:ea typeface="Nunito"/>
+                <a:cs typeface="Nunito"/>
+                <a:sym typeface="Nunito"/>
+              </a:defRPr>
+            </a:lvl5pPr>
+            <a:lvl6pPr marL="2743200" marR="0" lvl="5" indent="-317500" algn="ctr" rtl="0">
+              <a:lnSpc>
+                <a:spcPct val="100000"/>
+              </a:lnSpc>
+              <a:spcBef>
+                <a:spcPts val="0"/>
+              </a:spcBef>
+              <a:spcAft>
+                <a:spcPts val="0"/>
+              </a:spcAft>
+              <a:buClr>
+                <a:schemeClr val="dk1"/>
+              </a:buClr>
+              <a:buSzPts val="1800"/>
+              <a:buFont typeface="Nunito"/>
+              <a:buNone/>
+              <a:defRPr sz="1800" b="0" i="0" u="none" strike="noStrike" cap="none">
+                <a:solidFill>
+                  <a:schemeClr val="dk1"/>
+                </a:solidFill>
+                <a:latin typeface="Nunito"/>
+                <a:ea typeface="Nunito"/>
+                <a:cs typeface="Nunito"/>
+                <a:sym typeface="Nunito"/>
+              </a:defRPr>
+            </a:lvl6pPr>
+            <a:lvl7pPr marL="3200400" marR="0" lvl="6" indent="-317500" algn="ctr" rtl="0">
+              <a:lnSpc>
+                <a:spcPct val="100000"/>
+              </a:lnSpc>
+              <a:spcBef>
+                <a:spcPts val="0"/>
+              </a:spcBef>
+              <a:spcAft>
+                <a:spcPts val="0"/>
+              </a:spcAft>
+              <a:buClr>
+                <a:schemeClr val="dk1"/>
+              </a:buClr>
+              <a:buSzPts val="1800"/>
+              <a:buFont typeface="Nunito"/>
+              <a:buNone/>
+              <a:defRPr sz="1800" b="0" i="0" u="none" strike="noStrike" cap="none">
+                <a:solidFill>
+                  <a:schemeClr val="dk1"/>
+                </a:solidFill>
+                <a:latin typeface="Nunito"/>
+                <a:ea typeface="Nunito"/>
+                <a:cs typeface="Nunito"/>
+                <a:sym typeface="Nunito"/>
+              </a:defRPr>
+            </a:lvl7pPr>
+            <a:lvl8pPr marL="3657600" marR="0" lvl="7" indent="-317500" algn="ctr" rtl="0">
+              <a:lnSpc>
+                <a:spcPct val="100000"/>
+              </a:lnSpc>
+              <a:spcBef>
+                <a:spcPts val="0"/>
+              </a:spcBef>
+              <a:spcAft>
+                <a:spcPts val="0"/>
+              </a:spcAft>
+              <a:buClr>
+                <a:schemeClr val="dk1"/>
+              </a:buClr>
+              <a:buSzPts val="1800"/>
+              <a:buFont typeface="Nunito"/>
+              <a:buNone/>
+              <a:defRPr sz="1800" b="0" i="0" u="none" strike="noStrike" cap="none">
+                <a:solidFill>
+                  <a:schemeClr val="dk1"/>
+                </a:solidFill>
+                <a:latin typeface="Nunito"/>
+                <a:ea typeface="Nunito"/>
+                <a:cs typeface="Nunito"/>
+                <a:sym typeface="Nunito"/>
+              </a:defRPr>
+            </a:lvl8pPr>
+            <a:lvl9pPr marL="4114800" marR="0" lvl="8" indent="-317500" algn="ctr" rtl="0">
+              <a:lnSpc>
+                <a:spcPct val="100000"/>
+              </a:lnSpc>
+              <a:spcBef>
+                <a:spcPts val="0"/>
+              </a:spcBef>
+              <a:spcAft>
+                <a:spcPts val="0"/>
+              </a:spcAft>
+              <a:buClr>
+                <a:schemeClr val="dk1"/>
+              </a:buClr>
+              <a:buSzPts val="1800"/>
+              <a:buFont typeface="Nunito"/>
+              <a:buNone/>
+              <a:defRPr sz="1800" b="0" i="0" u="none" strike="noStrike" cap="none">
+                <a:solidFill>
+                  <a:schemeClr val="dk1"/>
+                </a:solidFill>
+                <a:latin typeface="Nunito"/>
+                <a:ea typeface="Nunito"/>
+                <a:cs typeface="Nunito"/>
+                <a:sym typeface="Nunito"/>
+              </a:defRPr>
+            </a:lvl9pPr>
+          </a:lstStyle>
+          <a:p>
+            <a:pPr marL="0" indent="0"/>
+            <a:r>
+              <a:rPr lang="fr-FR" sz="1200" dirty="0" smtClean="0"/>
+              <a:t>22</a:t>
+            </a:r>
+            <a:r>
+              <a:rPr lang="fr-FR" sz="1200" dirty="0" smtClean="0"/>
+              <a:t>/01/2024 </a:t>
+            </a:r>
+            <a:r>
+              <a:rPr lang="fr-FR" sz="1200" dirty="0"/>
+              <a:t>- Carine Allaf &amp; Pierre </a:t>
+            </a:r>
+            <a:r>
+              <a:rPr lang="fr-FR" sz="1200" dirty="0" err="1"/>
+              <a:t>Sadeler</a:t>
+            </a:r>
+            <a:r>
+              <a:rPr lang="fr-FR" sz="1200" dirty="0"/>
+              <a:t> – BUT GEII S5 </a:t>
+            </a:r>
+          </a:p>
+        </p:txBody>
+      </p:sp>
     </p:spTree>
   </p:cSld>
   <p:clrMapOvr>
@@ -32291,273 +31389,6 @@
           </a:p>
         </p:txBody>
       </p:sp>
-      <p:grpSp>
-        <p:nvGrpSpPr>
-          <p:cNvPr id="2" name="Google Shape;7525;p62">
-            <a:extLst>
-              <a:ext uri="{FF2B5EF4-FFF2-40B4-BE49-F238E27FC236}">
-                <a16:creationId xmlns:a16="http://schemas.microsoft.com/office/drawing/2014/main" xmlns="" id="{617808D7-495B-3F61-4853-987AFC601580}"/>
-              </a:ext>
-            </a:extLst>
-          </p:cNvPr>
-          <p:cNvGrpSpPr/>
-          <p:nvPr/>
-        </p:nvGrpSpPr>
-        <p:grpSpPr>
-          <a:xfrm>
-            <a:off x="3229006" y="180891"/>
-            <a:ext cx="2685987" cy="344653"/>
-            <a:chOff x="1606190" y="2506075"/>
-            <a:chExt cx="4379281" cy="673075"/>
-          </a:xfrm>
-        </p:grpSpPr>
-        <p:sp>
-          <p:nvSpPr>
-            <p:cNvPr id="3" name="Google Shape;7527;p62">
-              <a:extLst>
-                <a:ext uri="{FF2B5EF4-FFF2-40B4-BE49-F238E27FC236}">
-                  <a16:creationId xmlns:a16="http://schemas.microsoft.com/office/drawing/2014/main" xmlns="" id="{D5EBBF7C-30D9-ECF5-DF21-CC8D5DBBF62B}"/>
-                </a:ext>
-              </a:extLst>
-            </p:cNvPr>
-            <p:cNvSpPr/>
-            <p:nvPr/>
-          </p:nvSpPr>
-          <p:spPr>
-            <a:xfrm>
-              <a:off x="1606190" y="2506075"/>
-              <a:ext cx="1643924" cy="673075"/>
-            </a:xfrm>
-            <a:custGeom>
-              <a:avLst/>
-              <a:gdLst/>
-              <a:ahLst/>
-              <a:cxnLst/>
-              <a:rect l="l" t="t" r="r" b="b"/>
-              <a:pathLst>
-                <a:path w="65757" h="26923" extrusionOk="0">
-                  <a:moveTo>
-                    <a:pt x="0" y="0"/>
-                  </a:moveTo>
-                  <a:lnTo>
-                    <a:pt x="10782" y="13477"/>
-                  </a:lnTo>
-                  <a:lnTo>
-                    <a:pt x="0" y="26923"/>
-                  </a:lnTo>
-                  <a:lnTo>
-                    <a:pt x="54975" y="26923"/>
-                  </a:lnTo>
-                  <a:lnTo>
-                    <a:pt x="65757" y="13477"/>
-                  </a:lnTo>
-                  <a:lnTo>
-                    <a:pt x="54975" y="0"/>
-                  </a:lnTo>
-                  <a:close/>
-                </a:path>
-              </a:pathLst>
-            </a:custGeom>
-            <a:noFill/>
-            <a:ln w="9525" cap="flat" cmpd="sng">
-              <a:solidFill>
-                <a:srgbClr val="445D73"/>
-              </a:solidFill>
-              <a:prstDash val="solid"/>
-              <a:round/>
-              <a:headEnd type="none" w="sm" len="sm"/>
-              <a:tailEnd type="none" w="sm" len="sm"/>
-            </a:ln>
-          </p:spPr>
-          <p:txBody>
-            <a:bodyPr spcFirstLastPara="1" wrap="square" lIns="91425" tIns="91425" rIns="91425" bIns="91425" anchor="ctr" anchorCtr="0">
-              <a:noAutofit/>
-            </a:bodyPr>
-            <a:lstStyle/>
-            <a:p>
-              <a:r>
-                <a:rPr lang="fr-FR" sz="500" dirty="0">
-                  <a:solidFill>
-                    <a:srgbClr val="0070C0"/>
-                  </a:solidFill>
-                </a:rPr>
-                <a:t>        Principes physiques</a:t>
-              </a:r>
-              <a:endParaRPr lang="fr-FR" sz="1050" dirty="0">
-                <a:solidFill>
-                  <a:srgbClr val="0070C0"/>
-                </a:solidFill>
-              </a:endParaRPr>
-            </a:p>
-          </p:txBody>
-        </p:sp>
-        <p:sp>
-          <p:nvSpPr>
-            <p:cNvPr id="4" name="Google Shape;7528;p62">
-              <a:extLst>
-                <a:ext uri="{FF2B5EF4-FFF2-40B4-BE49-F238E27FC236}">
-                  <a16:creationId xmlns:a16="http://schemas.microsoft.com/office/drawing/2014/main" xmlns="" id="{C240D00A-F524-8ED3-2AE1-21781F8949F7}"/>
-                </a:ext>
-              </a:extLst>
-            </p:cNvPr>
-            <p:cNvSpPr/>
-            <p:nvPr/>
-          </p:nvSpPr>
-          <p:spPr>
-            <a:xfrm>
-              <a:off x="2973481" y="2506075"/>
-              <a:ext cx="1643925" cy="673075"/>
-            </a:xfrm>
-            <a:custGeom>
-              <a:avLst/>
-              <a:gdLst/>
-              <a:ahLst/>
-              <a:cxnLst/>
-              <a:rect l="l" t="t" r="r" b="b"/>
-              <a:pathLst>
-                <a:path w="65757" h="26923" extrusionOk="0">
-                  <a:moveTo>
-                    <a:pt x="0" y="0"/>
-                  </a:moveTo>
-                  <a:lnTo>
-                    <a:pt x="10782" y="13477"/>
-                  </a:lnTo>
-                  <a:lnTo>
-                    <a:pt x="0" y="26923"/>
-                  </a:lnTo>
-                  <a:lnTo>
-                    <a:pt x="54975" y="26923"/>
-                  </a:lnTo>
-                  <a:lnTo>
-                    <a:pt x="65757" y="13477"/>
-                  </a:lnTo>
-                  <a:lnTo>
-                    <a:pt x="54975" y="0"/>
-                  </a:lnTo>
-                  <a:close/>
-                </a:path>
-              </a:pathLst>
-            </a:custGeom>
-            <a:noFill/>
-            <a:ln w="9525" cap="flat" cmpd="sng">
-              <a:solidFill>
-                <a:srgbClr val="667E92"/>
-              </a:solidFill>
-              <a:prstDash val="solid"/>
-              <a:round/>
-              <a:headEnd type="none" w="sm" len="sm"/>
-              <a:tailEnd type="none" w="sm" len="sm"/>
-            </a:ln>
-          </p:spPr>
-          <p:txBody>
-            <a:bodyPr spcFirstLastPara="1" wrap="square" lIns="91425" tIns="91425" rIns="91425" bIns="91425" anchor="ctr" anchorCtr="0">
-              <a:noAutofit/>
-            </a:bodyPr>
-            <a:lstStyle/>
-            <a:p>
-              <a:pPr marL="0" lvl="0" indent="0" algn="l" rtl="0">
-                <a:spcBef>
-                  <a:spcPts val="0"/>
-                </a:spcBef>
-                <a:spcAft>
-                  <a:spcPts val="0"/>
-                </a:spcAft>
-                <a:buNone/>
-              </a:pPr>
-              <a:r>
-                <a:rPr lang="fr-FR" sz="600" dirty="0"/>
-                <a:t>       </a:t>
-              </a:r>
-              <a:r>
-                <a:rPr lang="fr-FR" sz="500" dirty="0"/>
-                <a:t>Réalisations</a:t>
-              </a:r>
-              <a:endParaRPr sz="1000" dirty="0"/>
-            </a:p>
-          </p:txBody>
-        </p:sp>
-        <p:sp>
-          <p:nvSpPr>
-            <p:cNvPr id="5" name="Google Shape;7530;p62">
-              <a:extLst>
-                <a:ext uri="{FF2B5EF4-FFF2-40B4-BE49-F238E27FC236}">
-                  <a16:creationId xmlns:a16="http://schemas.microsoft.com/office/drawing/2014/main" xmlns="" id="{64E26A4E-A37D-ECBF-ABA5-9C31A4FCFA41}"/>
-                </a:ext>
-              </a:extLst>
-            </p:cNvPr>
-            <p:cNvSpPr/>
-            <p:nvPr/>
-          </p:nvSpPr>
-          <p:spPr>
-            <a:xfrm>
-              <a:off x="4342321" y="2506075"/>
-              <a:ext cx="1643150" cy="673075"/>
-            </a:xfrm>
-            <a:custGeom>
-              <a:avLst/>
-              <a:gdLst/>
-              <a:ahLst/>
-              <a:cxnLst/>
-              <a:rect l="l" t="t" r="r" b="b"/>
-              <a:pathLst>
-                <a:path w="65726" h="26923" extrusionOk="0">
-                  <a:moveTo>
-                    <a:pt x="1" y="0"/>
-                  </a:moveTo>
-                  <a:lnTo>
-                    <a:pt x="10751" y="13477"/>
-                  </a:lnTo>
-                  <a:lnTo>
-                    <a:pt x="1" y="26923"/>
-                  </a:lnTo>
-                  <a:lnTo>
-                    <a:pt x="54944" y="26923"/>
-                  </a:lnTo>
-                  <a:lnTo>
-                    <a:pt x="65726" y="13477"/>
-                  </a:lnTo>
-                  <a:lnTo>
-                    <a:pt x="54944" y="0"/>
-                  </a:lnTo>
-                  <a:close/>
-                </a:path>
-              </a:pathLst>
-            </a:custGeom>
-            <a:noFill/>
-            <a:ln w="9525" cap="flat" cmpd="sng">
-              <a:solidFill>
-                <a:srgbClr val="A5B7C5"/>
-              </a:solidFill>
-              <a:prstDash val="solid"/>
-              <a:round/>
-              <a:headEnd type="none" w="sm" len="sm"/>
-              <a:tailEnd type="none" w="sm" len="sm"/>
-            </a:ln>
-          </p:spPr>
-          <p:txBody>
-            <a:bodyPr spcFirstLastPara="1" wrap="square" lIns="91425" tIns="91425" rIns="91425" bIns="91425" anchor="ctr" anchorCtr="0">
-              <a:noAutofit/>
-            </a:bodyPr>
-            <a:lstStyle/>
-            <a:p>
-              <a:pPr marL="0" lvl="0" indent="0" algn="l" rtl="0">
-                <a:spcBef>
-                  <a:spcPts val="0"/>
-                </a:spcBef>
-                <a:spcAft>
-                  <a:spcPts val="0"/>
-                </a:spcAft>
-                <a:buNone/>
-              </a:pPr>
-              <a:r>
-                <a:rPr lang="fr-FR" sz="500" dirty="0"/>
-                <a:t>          Interface graphique</a:t>
-              </a:r>
-              <a:endParaRPr sz="500" dirty="0"/>
-            </a:p>
-          </p:txBody>
-        </p:sp>
-      </p:grpSp>
       <p:sp>
         <p:nvSpPr>
           <p:cNvPr id="8" name="Google Shape;144;p28">
@@ -32839,8 +31670,16 @@
           <a:p>
             <a:pPr marL="0" indent="0"/>
             <a:r>
+              <a:rPr lang="fr-FR" sz="1050" dirty="0" smtClean="0"/>
+              <a:t>22</a:t>
+            </a:r>
+            <a:r>
+              <a:rPr lang="fr-FR" sz="1050" dirty="0" smtClean="0"/>
+              <a:t>/01/2024 </a:t>
+            </a:r>
+            <a:r>
               <a:rPr lang="fr-FR" sz="1050" dirty="0"/>
-              <a:t>??/01/2024 - Carine Allaf &amp; Pierre </a:t>
+              <a:t>- Carine Allaf &amp; Pierre </a:t>
             </a:r>
             <a:r>
               <a:rPr lang="fr-FR" sz="1050" dirty="0" err="1"/>
@@ -33200,7 +32039,7 @@
         </p:nvSpPr>
         <p:spPr>
           <a:xfrm>
-            <a:off x="3906065" y="1505344"/>
+            <a:off x="3905827" y="1441931"/>
             <a:ext cx="4766442" cy="3245184"/>
           </a:xfrm>
           <a:prstGeom prst="rect">
@@ -34233,8 +33072,8 @@
         </p:nvSpPr>
         <p:spPr>
           <a:xfrm>
-            <a:off x="850392" y="3730752"/>
-            <a:ext cx="576072" cy="307777"/>
+            <a:off x="850391" y="3730752"/>
+            <a:ext cx="1809901" cy="523220"/>
           </a:xfrm>
           <a:prstGeom prst="rect">
             <a:avLst/>
@@ -34253,7 +33092,7 @@
                   <a:srgbClr val="FF0000"/>
                 </a:solidFill>
               </a:rPr>
-              <a:t>???</a:t>
+              <a:t>A expliquer + de schéma ?</a:t>
             </a:r>
             <a:endParaRPr lang="fr-FR" dirty="0">
               <a:solidFill>

--- a/word/PP_Allaf_Sadeler.pptx
+++ b/word/PP_Allaf_Sadeler.pptx
@@ -1,6 +1,6 @@
 
 <file path=ppt/presentation.xml><?xml version="1.0" encoding="utf-8"?>
-<p:presentation xmlns:a="http://schemas.openxmlformats.org/drawingml/2006/main" xmlns:r="http://schemas.openxmlformats.org/officeDocument/2006/relationships" xmlns:p="http://schemas.openxmlformats.org/presentationml/2006/main" strictFirstAndLastChars="0" embedTrueTypeFonts="1" saveSubsetFonts="1" autoCompressPictures="0">
+<p:presentation xmlns:a="http://schemas.openxmlformats.org/drawingml/2006/main" xmlns:r="http://schemas.openxmlformats.org/officeDocument/2006/relationships" xmlns:p="http://schemas.openxmlformats.org/presentationml/2006/main" showSpecialPlsOnTitleSld="0" strictFirstAndLastChars="0" embedTrueTypeFonts="1" saveSubsetFonts="1" autoCompressPictures="0">
   <p:sldMasterIdLst>
     <p:sldMasterId id="2147483673" r:id="rId1"/>
   </p:sldMasterIdLst>
@@ -30,22 +30,22 @@
   <p:notesSz cx="6858000" cy="9144000"/>
   <p:embeddedFontLst>
     <p:embeddedFont>
-      <p:font typeface="Questrial" panose="020B0604020202020204" charset="0"/>
+      <p:font typeface="Cambria Math" panose="02040503050406030204" pitchFamily="18" charset="0"/>
       <p:regular r:id="rId20"/>
     </p:embeddedFont>
     <p:embeddedFont>
-      <p:font typeface="Livvic" panose="020B0604020202020204" charset="0"/>
+      <p:font typeface="Questrial" panose="020B0604020202020204" charset="0"/>
       <p:regular r:id="rId21"/>
-      <p:bold r:id="rId22"/>
-      <p:italic r:id="rId23"/>
-      <p:boldItalic r:id="rId24"/>
-    </p:embeddedFont>
-    <p:embeddedFont>
-      <p:font typeface="Cambria Math" panose="02040503050406030204" pitchFamily="18" charset="0"/>
-      <p:regular r:id="rId25"/>
     </p:embeddedFont>
     <p:embeddedFont>
       <p:font typeface="Nunito" panose="020B0604020202020204" charset="0"/>
+      <p:regular r:id="rId22"/>
+      <p:bold r:id="rId23"/>
+      <p:italic r:id="rId24"/>
+      <p:boldItalic r:id="rId25"/>
+    </p:embeddedFont>
+    <p:embeddedFont>
+      <p:font typeface="Livvic" panose="020B0604020202020204" charset="0"/>
       <p:regular r:id="rId26"/>
       <p:bold r:id="rId27"/>
       <p:italic r:id="rId28"/>
@@ -2462,7 +2462,7 @@
               </a:spcAft>
               <a:buNone/>
             </a:pPr>
-            <a:endParaRPr/>
+            <a:endParaRPr dirty="0"/>
           </a:p>
         </p:txBody>
       </p:sp>
@@ -10263,7 +10263,7 @@
     <p:sldLayoutId id="2147483669" r:id="rId13"/>
     <p:sldLayoutId id="2147483670" r:id="rId14"/>
   </p:sldLayoutIdLst>
-  <p:hf hdr="0" ftr="0" dt="0"/>
+  <p:hf hdr="0" dt="0"/>
   <p:txStyles>
     <p:titleStyle>
       <a:defPPr marR="0" lvl="0" algn="l" rtl="0">
@@ -10985,8 +10985,8 @@
         </p:nvSpPr>
         <p:spPr>
           <a:xfrm>
-            <a:off x="4040074" y="1210843"/>
-            <a:ext cx="4441452" cy="2820759"/>
+            <a:off x="4068262" y="981948"/>
+            <a:ext cx="5011470" cy="2820759"/>
           </a:xfrm>
           <a:prstGeom prst="rect">
             <a:avLst/>
@@ -11008,10 +11008,30 @@
               <a:buNone/>
             </a:pPr>
             <a:r>
-              <a:rPr lang="en-GB" dirty="0"/>
-              <a:t>Mesure sans contact d’objets métalliques</a:t>
+              <a:rPr lang="en-GB" sz="4000" dirty="0" err="1"/>
+              <a:t>Mesure</a:t>
             </a:r>
-            <a:endParaRPr lang="en-GB" b="0" dirty="0">
+            <a:r>
+              <a:rPr lang="en-GB" sz="4000" dirty="0"/>
+              <a:t> sans contact de </a:t>
+            </a:r>
+            <a:r>
+              <a:rPr lang="en-GB" sz="4000" dirty="0" err="1"/>
+              <a:t>conductivité</a:t>
+            </a:r>
+            <a:r>
+              <a:rPr lang="en-GB" sz="4000" dirty="0"/>
+              <a:t> </a:t>
+            </a:r>
+            <a:r>
+              <a:rPr lang="en-GB" sz="4000" dirty="0" err="1"/>
+              <a:t>d’objets</a:t>
+            </a:r>
+            <a:r>
+              <a:rPr lang="en-GB" sz="4000" dirty="0"/>
+              <a:t> métalliques</a:t>
+            </a:r>
+            <a:endParaRPr lang="en-GB" sz="4000" b="0" dirty="0">
               <a:solidFill>
                 <a:schemeClr val="accent1"/>
               </a:solidFill>
@@ -11046,12 +11066,8 @@
           <a:p>
             <a:pPr marL="0" lvl="0" indent="0"/>
             <a:r>
-              <a:rPr lang="fr-FR" sz="1100" dirty="0" smtClean="0"/>
-              <a:t>Comment déterminer les propriétés </a:t>
-            </a:r>
-            <a:r>
               <a:rPr lang="fr-FR" sz="1100" dirty="0"/>
-              <a:t>conductrices des matériaux métalliques</a:t>
+              <a:t>Comment déterminer les propriétés conductrices des matériaux métalliques ?</a:t>
             </a:r>
             <a:endParaRPr sz="1100" dirty="0">
               <a:solidFill>
@@ -11115,8 +11131,8 @@
         </p:blipFill>
         <p:spPr>
           <a:xfrm>
-            <a:off x="336992" y="929941"/>
-            <a:ext cx="3517900" cy="3162300"/>
+            <a:off x="180664" y="826063"/>
+            <a:ext cx="2141042" cy="1924619"/>
           </a:xfrm>
           <a:prstGeom prst="rect">
             <a:avLst/>
@@ -11404,24 +11420,8 @@
           <a:p>
             <a:pPr marL="0" indent="0"/>
             <a:r>
-              <a:rPr lang="fr-FR" sz="1200" dirty="0" smtClean="0"/>
-              <a:t>22</a:t>
-            </a:r>
-            <a:r>
-              <a:rPr lang="fr-FR" sz="1200" dirty="0" smtClean="0"/>
-              <a:t>/01/2024 </a:t>
-            </a:r>
-            <a:r>
               <a:rPr lang="fr-FR" sz="1200" dirty="0"/>
-              <a:t>- Carine Allaf &amp; Pierre </a:t>
-            </a:r>
-            <a:r>
-              <a:rPr lang="fr-FR" sz="1200" dirty="0" err="1"/>
-              <a:t>Sadeler</a:t>
-            </a:r>
-            <a:r>
-              <a:rPr lang="fr-FR" sz="1200" dirty="0"/>
-              <a:t> – BUT GEII S5 </a:t>
+              <a:t>22/01/2024 - Carine Allaf &amp; Pierre Sadeler – BUT GEII S5 </a:t>
             </a:r>
           </a:p>
         </p:txBody>
@@ -11456,6 +11456,146 @@
           </a:prstGeom>
         </p:spPr>
       </p:pic>
+      <p:pic>
+        <p:nvPicPr>
+          <p:cNvPr id="2" name="Image 9">
+            <a:extLst>
+              <a:ext uri="{FF2B5EF4-FFF2-40B4-BE49-F238E27FC236}">
+                <a16:creationId xmlns:a16="http://schemas.microsoft.com/office/drawing/2014/main" xmlns="" id="{6173A21F-8773-9FAA-D2C9-75081597B320}"/>
+              </a:ext>
+            </a:extLst>
+          </p:cNvPr>
+          <p:cNvPicPr>
+            <a:picLocks noChangeAspect="1"/>
+          </p:cNvPicPr>
+          <p:nvPr/>
+        </p:nvPicPr>
+        <p:blipFill rotWithShape="1">
+          <a:blip r:embed="rId5" cstate="print">
+            <a:extLst>
+              <a:ext uri="{BEBA8EAE-BF5A-486C-A8C5-ECC9F3942E4B}">
+                <a14:imgProps xmlns:a14="http://schemas.microsoft.com/office/drawing/2010/main">
+                  <a14:imgLayer r:embed="rId6">
+                    <a14:imgEffect>
+                      <a14:backgroundRemoval t="10943" b="87374" l="6187" r="91414">
+                        <a14:foregroundMark x1="88510" y1="17340" x2="26600" y2="15562"/>
+                        <a14:foregroundMark x1="17570" y1="16473" x2="8081" y2="34343"/>
+                        <a14:foregroundMark x1="8081" y1="34343" x2="7828" y2="57239"/>
+                        <a14:foregroundMark x1="7828" y1="57239" x2="15783" y2="77778"/>
+                        <a14:foregroundMark x1="15783" y1="77778" x2="50420" y2="82762"/>
+                        <a14:foregroundMark x1="73142" y1="83989" x2="85859" y2="80303"/>
+                        <a14:foregroundMark x1="85859" y1="80303" x2="89646" y2="18350"/>
+                        <a14:foregroundMark x1="18687" y1="17340" x2="12374" y2="39899"/>
+                        <a14:foregroundMark x1="12374" y1="39899" x2="11616" y2="63131"/>
+                        <a14:foregroundMark x1="11616" y1="63131" x2="17848" y2="81003"/>
+                        <a14:foregroundMark x1="19996" y1="16539" x2="8712" y2="30808"/>
+                        <a14:foregroundMark x1="8712" y1="30808" x2="9091" y2="80303"/>
+                        <a14:foregroundMark x1="27399" y1="14478" x2="26119" y2="14540"/>
+                        <a14:foregroundMark x1="9887" y1="16264" x2="8207" y2="34343"/>
+                        <a14:foregroundMark x1="9764" y1="16261" x2="7576" y2="31987"/>
+                        <a14:foregroundMark x1="8081" y1="29125" x2="17569" y2="16473"/>
+                        <a14:foregroundMark x1="88131" y1="60101" x2="72096" y2="69024"/>
+                        <a14:foregroundMark x1="72096" y1="69024" x2="73737" y2="76094"/>
+                        <a14:foregroundMark x1="61490" y1="69529" x2="74116" y2="53367"/>
+                        <a14:foregroundMark x1="74116" y1="53367" x2="63510" y2="72391"/>
+                        <a14:foregroundMark x1="63510" y1="72391" x2="74874" y2="80471"/>
+                        <a14:foregroundMark x1="68434" y1="53535" x2="15278" y2="53199"/>
+                        <a14:foregroundMark x1="15278" y1="53199" x2="16162" y2="76936"/>
+                        <a14:foregroundMark x1="16162" y1="76936" x2="49930" y2="82735"/>
+                        <a14:foregroundMark x1="54199" y1="82966" x2="70455" y2="75421"/>
+                        <a14:foregroundMark x1="70455" y1="75421" x2="65530" y2="55724"/>
+                        <a14:foregroundMark x1="44444" y1="57071" x2="49495" y2="79798"/>
+                        <a14:foregroundMark x1="49495" y1="79798" x2="49621" y2="55051"/>
+                        <a14:foregroundMark x1="49621" y1="55051" x2="36869" y2="55051"/>
+                        <a14:foregroundMark x1="37879" y1="51347" x2="46970" y2="70370"/>
+                        <a14:foregroundMark x1="46970" y1="70370" x2="36995" y2="48485"/>
+                        <a14:foregroundMark x1="36995" y1="48485" x2="29167" y2="48990"/>
+                        <a14:foregroundMark x1="27399" y1="53199" x2="35606" y2="74242"/>
+                        <a14:foregroundMark x1="35606" y1="74242" x2="30429" y2="52862"/>
+                        <a14:foregroundMark x1="30429" y1="52862" x2="23990" y2="51684"/>
+                        <a14:foregroundMark x1="24874" y1="62458" x2="17045" y2="63468"/>
+                        <a14:foregroundMark x1="17929" y1="63131" x2="34722" y2="63636"/>
+                        <a14:foregroundMark x1="34722" y1="63636" x2="16540" y2="62121"/>
+                        <a14:foregroundMark x1="16540" y1="62121" x2="14773" y2="67172"/>
+                        <a14:foregroundMark x1="18434" y1="66835" x2="33586" y2="80808"/>
+                        <a14:foregroundMark x1="33586" y1="80808" x2="22727" y2="61616"/>
+                        <a14:foregroundMark x1="22727" y1="61616" x2="10859" y2="65825"/>
+                        <a14:foregroundMark x1="14773" y1="48148" x2="9217" y2="49663"/>
+                        <a14:foregroundMark x1="14899" y1="55051" x2="6439" y2="53367"/>
+                        <a14:foregroundMark x1="18056" y1="55051" x2="17551" y2="55724"/>
+                        <a14:foregroundMark x1="9217" y1="81313" x2="10000" y2="81400"/>
+                        <a14:foregroundMark x1="76915" y1="84193" x2="91035" y2="74074"/>
+                        <a14:foregroundMark x1="89015" y1="45118" x2="89899" y2="41414"/>
+                        <a14:foregroundMark x1="90530" y1="48990" x2="91414" y2="53367"/>
+                        <a14:foregroundMark x1="67803" y1="85017" x2="80051" y2="86532"/>
+                        <a14:backgroundMark x1="14899" y1="83670" x2="72601" y2="90236"/>
+                        <a14:backgroundMark x1="73359" y1="89899" x2="62121" y2="87037"/>
+                        <a14:backgroundMark x1="68434" y1="89562" x2="75000" y2="89394"/>
+                        <a14:backgroundMark x1="9217" y1="82997" x2="67238" y2="86131"/>
+                        <a14:backgroundMark x1="79385" y1="87843" x2="79672" y2="88047"/>
+                        <a14:backgroundMark x1="26010" y1="14310" x2="7449" y2="13805"/>
+                        <a14:backgroundMark x1="31566" y1="11279" x2="15278" y2="11785"/>
+                      </a14:backgroundRemoval>
+                    </a14:imgEffect>
+                  </a14:imgLayer>
+                </a14:imgProps>
+              </a:ext>
+              <a:ext uri="{28A0092B-C50C-407E-A947-70E740481C1C}">
+                <a14:useLocalDpi xmlns:a14="http://schemas.microsoft.com/office/drawing/2010/main" val="0"/>
+              </a:ext>
+            </a:extLst>
+          </a:blip>
+          <a:srcRect l="8102" t="10417" r="6539" b="9722"/>
+          <a:stretch/>
+        </p:blipFill>
+        <p:spPr bwMode="auto">
+          <a:xfrm>
+            <a:off x="1710668" y="2591494"/>
+            <a:ext cx="2112519" cy="1482344"/>
+          </a:xfrm>
+          <a:prstGeom prst="rect">
+            <a:avLst/>
+          </a:prstGeom>
+          <a:ln>
+            <a:noFill/>
+          </a:ln>
+          <a:extLst>
+            <a:ext uri="{53640926-AAD7-44D8-BBD7-CCE9431645EC}">
+              <a14:shadowObscured xmlns:a14="http://schemas.microsoft.com/office/drawing/2010/main"/>
+            </a:ext>
+          </a:extLst>
+        </p:spPr>
+      </p:pic>
+      <p:sp>
+        <p:nvSpPr>
+          <p:cNvPr id="3" name="ZoneTexte 2"/>
+          <p:cNvSpPr txBox="1"/>
+          <p:nvPr/>
+        </p:nvSpPr>
+        <p:spPr>
+          <a:xfrm>
+            <a:off x="180664" y="4718279"/>
+            <a:ext cx="284052" cy="307777"/>
+          </a:xfrm>
+          <a:prstGeom prst="rect">
+            <a:avLst/>
+          </a:prstGeom>
+          <a:noFill/>
+        </p:spPr>
+        <p:txBody>
+          <a:bodyPr wrap="none" rtlCol="0">
+            <a:spAutoFit/>
+          </a:bodyPr>
+          <a:lstStyle/>
+          <a:p>
+            <a:r>
+              <a:rPr lang="fr-FR" dirty="0" smtClean="0"/>
+              <a:t>1</a:t>
+            </a:r>
+            <a:endParaRPr lang="fr-FR" dirty="0"/>
+          </a:p>
+        </p:txBody>
+      </p:sp>
     </p:spTree>
   </p:cSld>
   <p:clrMapOvr>
@@ -12126,24 +12266,8 @@
           <a:p>
             <a:pPr marL="0" indent="0"/>
             <a:r>
-              <a:rPr lang="fr-FR" sz="1050" dirty="0" smtClean="0"/>
-              <a:t>22</a:t>
-            </a:r>
-            <a:r>
-              <a:rPr lang="fr-FR" sz="1050" dirty="0" smtClean="0"/>
-              <a:t>/01/2024 </a:t>
-            </a:r>
-            <a:r>
               <a:rPr lang="fr-FR" sz="1050" dirty="0"/>
-              <a:t>- Carine Allaf &amp; Pierre </a:t>
-            </a:r>
-            <a:r>
-              <a:rPr lang="fr-FR" sz="1050" dirty="0" err="1"/>
-              <a:t>Sadeler</a:t>
-            </a:r>
-            <a:r>
-              <a:rPr lang="fr-FR" sz="1050" dirty="0"/>
-              <a:t> – BUT GEII S5 </a:t>
+              <a:t>22/01/2024 - Carine Allaf &amp; Pierre Sadeler – BUT GEII S5 </a:t>
             </a:r>
           </a:p>
         </p:txBody>
@@ -12491,7 +12615,7 @@
         </p:blipFill>
         <p:spPr>
           <a:xfrm>
-            <a:off x="2039699" y="1050151"/>
+            <a:off x="4079875" y="1074479"/>
             <a:ext cx="5064125" cy="3767429"/>
           </a:xfrm>
           <a:prstGeom prst="rect">
@@ -12501,14 +12625,20 @@
       </p:pic>
       <p:sp>
         <p:nvSpPr>
-          <p:cNvPr id="13" name="ZoneTexte 12"/>
+          <p:cNvPr id="10" name="TextBox 13">
+            <a:extLst>
+              <a:ext uri="{FF2B5EF4-FFF2-40B4-BE49-F238E27FC236}">
+                <a16:creationId xmlns:a16="http://schemas.microsoft.com/office/drawing/2014/main" xmlns="" id="{C95B4356-D0D6-06CC-5FDF-27A2D26B5BE0}"/>
+              </a:ext>
+            </a:extLst>
+          </p:cNvPr>
           <p:cNvSpPr txBox="1"/>
           <p:nvPr/>
         </p:nvSpPr>
         <p:spPr>
           <a:xfrm>
-            <a:off x="596150" y="3136392"/>
-            <a:ext cx="1042416" cy="307777"/>
+            <a:off x="294250" y="1458513"/>
+            <a:ext cx="3693169" cy="3303277"/>
           </a:xfrm>
           <a:prstGeom prst="rect">
             <a:avLst/>
@@ -12516,24 +12646,483 @@
           <a:noFill/>
         </p:spPr>
         <p:txBody>
-          <a:bodyPr wrap="square" rtlCol="0">
+          <a:bodyPr wrap="square">
+            <a:spAutoFit/>
+          </a:bodyPr>
+          <a:lstStyle/>
+          <a:p>
+            <a:pPr lvl="0" algn="l">
+              <a:lnSpc>
+                <a:spcPct val="107000"/>
+              </a:lnSpc>
+              <a:spcBef>
+                <a:spcPts val="500"/>
+              </a:spcBef>
+              <a:spcAft>
+                <a:spcPts val="800"/>
+              </a:spcAft>
+              <a:tabLst>
+                <a:tab pos="1057275" algn="l"/>
+              </a:tabLst>
+            </a:pPr>
+            <a:r>
+              <a:rPr lang="fr-FR" sz="900" dirty="0">
+                <a:effectLst/>
+                <a:latin typeface="Arial" panose="020B0604020202020204" pitchFamily="34" charset="0"/>
+                <a:ea typeface="Times New Roman" panose="02020603050405020304" pitchFamily="18" charset="0"/>
+                <a:cs typeface="Times New Roman" panose="02020603050405020304" pitchFamily="18" charset="0"/>
+              </a:rPr>
+              <a:t>Connecter le PSM1735 et l’IAI grâce à une NAP sur le port « EXTENSION »</a:t>
+            </a:r>
+            <a:endParaRPr lang="x-none" sz="900" dirty="0">
+              <a:effectLst/>
+              <a:latin typeface="Arial" panose="020B0604020202020204" pitchFamily="34" charset="0"/>
+              <a:ea typeface="Times New Roman" panose="02020603050405020304" pitchFamily="18" charset="0"/>
+              <a:cs typeface="Times New Roman" panose="02020603050405020304" pitchFamily="18" charset="0"/>
+            </a:endParaRPr>
+          </a:p>
+          <a:p>
+            <a:pPr algn="l">
+              <a:lnSpc>
+                <a:spcPct val="107000"/>
+              </a:lnSpc>
+              <a:spcBef>
+                <a:spcPts val="500"/>
+              </a:spcBef>
+              <a:spcAft>
+                <a:spcPts val="800"/>
+              </a:spcAft>
+              <a:tabLst>
+                <a:tab pos="1057275" algn="l"/>
+              </a:tabLst>
+            </a:pPr>
+            <a:r>
+              <a:rPr lang="fr-FR" sz="700" dirty="0">
+                <a:solidFill>
+                  <a:srgbClr val="0070C0"/>
+                </a:solidFill>
+                <a:effectLst/>
+                <a:latin typeface="Arial" panose="020B0604020202020204" pitchFamily="34" charset="0"/>
+                <a:ea typeface="Times New Roman" panose="02020603050405020304" pitchFamily="18" charset="0"/>
+                <a:cs typeface="Times New Roman" panose="02020603050405020304" pitchFamily="18" charset="0"/>
+              </a:rPr>
+              <a:t>*Pour établir la connexion </a:t>
+            </a:r>
+            <a:endParaRPr lang="x-none" sz="900" dirty="0">
+              <a:effectLst/>
+              <a:latin typeface="Arial" panose="020B0604020202020204" pitchFamily="34" charset="0"/>
+              <a:ea typeface="Times New Roman" panose="02020603050405020304" pitchFamily="18" charset="0"/>
+              <a:cs typeface="Times New Roman" panose="02020603050405020304" pitchFamily="18" charset="0"/>
+            </a:endParaRPr>
+          </a:p>
+          <a:p>
+            <a:pPr lvl="0" algn="l">
+              <a:lnSpc>
+                <a:spcPct val="107000"/>
+              </a:lnSpc>
+              <a:spcBef>
+                <a:spcPts val="500"/>
+              </a:spcBef>
+              <a:spcAft>
+                <a:spcPts val="800"/>
+              </a:spcAft>
+              <a:tabLst>
+                <a:tab pos="1057275" algn="l"/>
+              </a:tabLst>
+            </a:pPr>
+            <a:r>
+              <a:rPr lang="fr-FR" sz="900" dirty="0">
+                <a:effectLst/>
+                <a:latin typeface="Arial" panose="020B0604020202020204" pitchFamily="34" charset="0"/>
+                <a:ea typeface="Times New Roman" panose="02020603050405020304" pitchFamily="18" charset="0"/>
+                <a:cs typeface="Times New Roman" panose="02020603050405020304" pitchFamily="18" charset="0"/>
+              </a:rPr>
+              <a:t>Les mettre sous tension grâce au câble d’alimentation</a:t>
+            </a:r>
+            <a:endParaRPr lang="x-none" sz="900" dirty="0">
+              <a:effectLst/>
+              <a:latin typeface="Arial" panose="020B0604020202020204" pitchFamily="34" charset="0"/>
+              <a:ea typeface="Times New Roman" panose="02020603050405020304" pitchFamily="18" charset="0"/>
+              <a:cs typeface="Times New Roman" panose="02020603050405020304" pitchFamily="18" charset="0"/>
+            </a:endParaRPr>
+          </a:p>
+          <a:p>
+            <a:pPr marL="457200" algn="just">
+              <a:lnSpc>
+                <a:spcPct val="115000"/>
+              </a:lnSpc>
+              <a:tabLst>
+                <a:tab pos="1057275" algn="l"/>
+              </a:tabLst>
+            </a:pPr>
+            <a:r>
+              <a:rPr lang="fr-FR" sz="900" dirty="0">
+                <a:effectLst/>
+                <a:latin typeface="Arial" panose="020B0604020202020204" pitchFamily="34" charset="0"/>
+                <a:ea typeface="Times New Roman" panose="02020603050405020304" pitchFamily="18" charset="0"/>
+                <a:cs typeface="Times New Roman" panose="02020603050405020304" pitchFamily="18" charset="0"/>
+              </a:rPr>
+              <a:t> </a:t>
+            </a:r>
+            <a:endParaRPr lang="x-none" sz="900" dirty="0">
+              <a:effectLst/>
+              <a:latin typeface="Arial" panose="020B0604020202020204" pitchFamily="34" charset="0"/>
+              <a:ea typeface="Times New Roman" panose="02020603050405020304" pitchFamily="18" charset="0"/>
+              <a:cs typeface="Times New Roman" panose="02020603050405020304" pitchFamily="18" charset="0"/>
+            </a:endParaRPr>
+          </a:p>
+          <a:p>
+            <a:pPr lvl="0" algn="l">
+              <a:lnSpc>
+                <a:spcPct val="107000"/>
+              </a:lnSpc>
+              <a:spcAft>
+                <a:spcPts val="800"/>
+              </a:spcAft>
+              <a:tabLst>
+                <a:tab pos="1057275" algn="l"/>
+              </a:tabLst>
+            </a:pPr>
+            <a:r>
+              <a:rPr lang="fr-FR" sz="900" dirty="0">
+                <a:effectLst/>
+                <a:latin typeface="Arial" panose="020B0604020202020204" pitchFamily="34" charset="0"/>
+                <a:ea typeface="Times New Roman" panose="02020603050405020304" pitchFamily="18" charset="0"/>
+                <a:cs typeface="Times New Roman" panose="02020603050405020304" pitchFamily="18" charset="0"/>
+              </a:rPr>
+              <a:t>Sur le PSM aller dans le menu « AUX » et choisir « IAI </a:t>
+            </a:r>
+            <a:r>
+              <a:rPr lang="fr-FR" sz="900" dirty="0" smtClean="0">
+                <a:effectLst/>
+                <a:latin typeface="Arial" panose="020B0604020202020204" pitchFamily="34" charset="0"/>
+                <a:ea typeface="Times New Roman" panose="02020603050405020304" pitchFamily="18" charset="0"/>
+                <a:cs typeface="Times New Roman" panose="02020603050405020304" pitchFamily="18" charset="0"/>
+              </a:rPr>
+              <a:t>»</a:t>
+            </a:r>
+          </a:p>
+          <a:p>
+            <a:pPr lvl="0" algn="l">
+              <a:lnSpc>
+                <a:spcPct val="107000"/>
+              </a:lnSpc>
+              <a:spcAft>
+                <a:spcPts val="800"/>
+              </a:spcAft>
+              <a:tabLst>
+                <a:tab pos="1057275" algn="l"/>
+              </a:tabLst>
+            </a:pPr>
+            <a:r>
+              <a:rPr lang="fr-FR" sz="900" dirty="0" smtClean="0">
+                <a:effectLst/>
+                <a:latin typeface="Arial" panose="020B0604020202020204" pitchFamily="34" charset="0"/>
+                <a:ea typeface="Times New Roman" panose="02020603050405020304" pitchFamily="18" charset="0"/>
+                <a:cs typeface="Times New Roman" panose="02020603050405020304" pitchFamily="18" charset="0"/>
+              </a:rPr>
+              <a:t> </a:t>
+            </a:r>
+            <a:r>
+              <a:rPr lang="fr-FR" sz="900" dirty="0">
+                <a:effectLst/>
+                <a:latin typeface="Arial" panose="020B0604020202020204" pitchFamily="34" charset="0"/>
+                <a:ea typeface="Times New Roman" panose="02020603050405020304" pitchFamily="18" charset="0"/>
+                <a:cs typeface="Times New Roman" panose="02020603050405020304" pitchFamily="18" charset="0"/>
+              </a:rPr>
+              <a:t>LCD shunt -&gt; NORMAL </a:t>
+            </a:r>
+            <a:endParaRPr lang="x-none" sz="900" dirty="0">
+              <a:effectLst/>
+              <a:latin typeface="Arial" panose="020B0604020202020204" pitchFamily="34" charset="0"/>
+              <a:ea typeface="Times New Roman" panose="02020603050405020304" pitchFamily="18" charset="0"/>
+              <a:cs typeface="Times New Roman" panose="02020603050405020304" pitchFamily="18" charset="0"/>
+            </a:endParaRPr>
+          </a:p>
+          <a:p>
+            <a:pPr algn="l">
+              <a:lnSpc>
+                <a:spcPct val="107000"/>
+              </a:lnSpc>
+              <a:spcBef>
+                <a:spcPts val="500"/>
+              </a:spcBef>
+              <a:spcAft>
+                <a:spcPts val="800"/>
+              </a:spcAft>
+              <a:tabLst>
+                <a:tab pos="1057275" algn="l"/>
+              </a:tabLst>
+            </a:pPr>
+            <a:r>
+              <a:rPr lang="fr-FR" sz="700" dirty="0">
+                <a:solidFill>
+                  <a:srgbClr val="0070C0"/>
+                </a:solidFill>
+                <a:effectLst/>
+                <a:latin typeface="Arial" panose="020B0604020202020204" pitchFamily="34" charset="0"/>
+                <a:ea typeface="Times New Roman" panose="02020603050405020304" pitchFamily="18" charset="0"/>
+                <a:cs typeface="Times New Roman" panose="02020603050405020304" pitchFamily="18" charset="0"/>
+              </a:rPr>
+              <a:t>*Allumage de la </a:t>
+            </a:r>
+            <a:r>
+              <a:rPr lang="fr-FR" sz="700" dirty="0" err="1">
+                <a:solidFill>
+                  <a:srgbClr val="0070C0"/>
+                </a:solidFill>
+                <a:effectLst/>
+                <a:latin typeface="Arial" panose="020B0604020202020204" pitchFamily="34" charset="0"/>
+                <a:ea typeface="Times New Roman" panose="02020603050405020304" pitchFamily="18" charset="0"/>
+                <a:cs typeface="Times New Roman" panose="02020603050405020304" pitchFamily="18" charset="0"/>
+              </a:rPr>
+              <a:t>Led</a:t>
+            </a:r>
+            <a:r>
+              <a:rPr lang="fr-FR" sz="700" dirty="0">
+                <a:solidFill>
+                  <a:srgbClr val="0070C0"/>
+                </a:solidFill>
+                <a:effectLst/>
+                <a:latin typeface="Arial" panose="020B0604020202020204" pitchFamily="34" charset="0"/>
+                <a:ea typeface="Times New Roman" panose="02020603050405020304" pitchFamily="18" charset="0"/>
+                <a:cs typeface="Times New Roman" panose="02020603050405020304" pitchFamily="18" charset="0"/>
+              </a:rPr>
+              <a:t> « NORMAL » sur l’IAI </a:t>
+            </a:r>
+            <a:endParaRPr lang="x-none" sz="900" dirty="0">
+              <a:effectLst/>
+              <a:latin typeface="Arial" panose="020B0604020202020204" pitchFamily="34" charset="0"/>
+              <a:ea typeface="Times New Roman" panose="02020603050405020304" pitchFamily="18" charset="0"/>
+              <a:cs typeface="Times New Roman" panose="02020603050405020304" pitchFamily="18" charset="0"/>
+            </a:endParaRPr>
+          </a:p>
+          <a:p>
+            <a:pPr lvl="0" algn="l">
+              <a:lnSpc>
+                <a:spcPct val="107000"/>
+              </a:lnSpc>
+              <a:spcBef>
+                <a:spcPts val="500"/>
+              </a:spcBef>
+              <a:spcAft>
+                <a:spcPts val="800"/>
+              </a:spcAft>
+              <a:tabLst>
+                <a:tab pos="1057275" algn="l"/>
+              </a:tabLst>
+            </a:pPr>
+            <a:r>
+              <a:rPr lang="fr-FR" sz="900" dirty="0">
+                <a:effectLst/>
+                <a:latin typeface="Arial" panose="020B0604020202020204" pitchFamily="34" charset="0"/>
+                <a:ea typeface="Times New Roman" panose="02020603050405020304" pitchFamily="18" charset="0"/>
+                <a:cs typeface="Times New Roman" panose="02020603050405020304" pitchFamily="18" charset="0"/>
+              </a:rPr>
+              <a:t>Aller dans le menu « OUT » du PSM, et mettre la sortie « OUT » sur « ON »</a:t>
+            </a:r>
+            <a:endParaRPr lang="x-none" sz="900" dirty="0">
+              <a:effectLst/>
+              <a:latin typeface="Arial" panose="020B0604020202020204" pitchFamily="34" charset="0"/>
+              <a:ea typeface="Times New Roman" panose="02020603050405020304" pitchFamily="18" charset="0"/>
+              <a:cs typeface="Times New Roman" panose="02020603050405020304" pitchFamily="18" charset="0"/>
+            </a:endParaRPr>
+          </a:p>
+          <a:p>
+            <a:pPr algn="l">
+              <a:lnSpc>
+                <a:spcPct val="107000"/>
+              </a:lnSpc>
+              <a:spcBef>
+                <a:spcPts val="500"/>
+              </a:spcBef>
+              <a:spcAft>
+                <a:spcPts val="800"/>
+              </a:spcAft>
+              <a:tabLst>
+                <a:tab pos="1057275" algn="l"/>
+              </a:tabLst>
+            </a:pPr>
+            <a:r>
+              <a:rPr lang="fr-FR" sz="700" dirty="0">
+                <a:solidFill>
+                  <a:srgbClr val="0070C0"/>
+                </a:solidFill>
+                <a:effectLst/>
+                <a:latin typeface="Arial" panose="020B0604020202020204" pitchFamily="34" charset="0"/>
+                <a:ea typeface="Times New Roman" panose="02020603050405020304" pitchFamily="18" charset="0"/>
+                <a:cs typeface="Times New Roman" panose="02020603050405020304" pitchFamily="18" charset="0"/>
+              </a:rPr>
+              <a:t>*Allumage de la </a:t>
+            </a:r>
+            <a:r>
+              <a:rPr lang="fr-FR" sz="700" dirty="0" err="1">
+                <a:solidFill>
+                  <a:srgbClr val="0070C0"/>
+                </a:solidFill>
+                <a:effectLst/>
+                <a:latin typeface="Arial" panose="020B0604020202020204" pitchFamily="34" charset="0"/>
+                <a:ea typeface="Times New Roman" panose="02020603050405020304" pitchFamily="18" charset="0"/>
+                <a:cs typeface="Times New Roman" panose="02020603050405020304" pitchFamily="18" charset="0"/>
+              </a:rPr>
+              <a:t>Led</a:t>
+            </a:r>
+            <a:r>
+              <a:rPr lang="fr-FR" sz="700" dirty="0">
+                <a:solidFill>
+                  <a:srgbClr val="0070C0"/>
+                </a:solidFill>
+                <a:effectLst/>
+                <a:latin typeface="Arial" panose="020B0604020202020204" pitchFamily="34" charset="0"/>
+                <a:ea typeface="Times New Roman" panose="02020603050405020304" pitchFamily="18" charset="0"/>
+                <a:cs typeface="Times New Roman" panose="02020603050405020304" pitchFamily="18" charset="0"/>
+              </a:rPr>
+              <a:t> « OUT » sur le PSM </a:t>
+            </a:r>
+            <a:endParaRPr lang="x-none" sz="900" dirty="0">
+              <a:effectLst/>
+              <a:latin typeface="Arial" panose="020B0604020202020204" pitchFamily="34" charset="0"/>
+              <a:ea typeface="Times New Roman" panose="02020603050405020304" pitchFamily="18" charset="0"/>
+              <a:cs typeface="Times New Roman" panose="02020603050405020304" pitchFamily="18" charset="0"/>
+            </a:endParaRPr>
+          </a:p>
+          <a:p>
+            <a:pPr lvl="0" algn="l">
+              <a:lnSpc>
+                <a:spcPct val="107000"/>
+              </a:lnSpc>
+              <a:spcBef>
+                <a:spcPts val="500"/>
+              </a:spcBef>
+              <a:spcAft>
+                <a:spcPts val="800"/>
+              </a:spcAft>
+              <a:tabLst>
+                <a:tab pos="1057275" algn="l"/>
+              </a:tabLst>
+            </a:pPr>
+            <a:r>
+              <a:rPr lang="fr-FR" sz="900" dirty="0">
+                <a:effectLst/>
+                <a:latin typeface="Arial" panose="020B0604020202020204" pitchFamily="34" charset="0"/>
+                <a:ea typeface="Times New Roman" panose="02020603050405020304" pitchFamily="18" charset="0"/>
+                <a:cs typeface="Times New Roman" panose="02020603050405020304" pitchFamily="18" charset="0"/>
+              </a:rPr>
+              <a:t>Toujours dans le menu « OUT » régler la fréquence </a:t>
+            </a:r>
+            <a:endParaRPr lang="fr-FR" sz="900" dirty="0" smtClean="0">
+              <a:effectLst/>
+              <a:latin typeface="Arial" panose="020B0604020202020204" pitchFamily="34" charset="0"/>
+              <a:ea typeface="Times New Roman" panose="02020603050405020304" pitchFamily="18" charset="0"/>
+              <a:cs typeface="Times New Roman" panose="02020603050405020304" pitchFamily="18" charset="0"/>
+            </a:endParaRPr>
+          </a:p>
+          <a:p>
+            <a:pPr lvl="0" algn="l">
+              <a:lnSpc>
+                <a:spcPct val="107000"/>
+              </a:lnSpc>
+              <a:spcBef>
+                <a:spcPts val="500"/>
+              </a:spcBef>
+              <a:spcAft>
+                <a:spcPts val="800"/>
+              </a:spcAft>
+              <a:tabLst>
+                <a:tab pos="1057275" algn="l"/>
+              </a:tabLst>
+            </a:pPr>
+            <a:r>
+              <a:rPr lang="fr-FR" sz="900" dirty="0" smtClean="0">
+                <a:effectLst/>
+                <a:latin typeface="Arial" panose="020B0604020202020204" pitchFamily="34" charset="0"/>
+                <a:ea typeface="Times New Roman" panose="02020603050405020304" pitchFamily="18" charset="0"/>
+                <a:cs typeface="Times New Roman" panose="02020603050405020304" pitchFamily="18" charset="0"/>
+              </a:rPr>
+              <a:t>Aller </a:t>
+            </a:r>
+            <a:r>
+              <a:rPr lang="fr-FR" sz="900" dirty="0">
+                <a:effectLst/>
+                <a:latin typeface="Arial" panose="020B0604020202020204" pitchFamily="34" charset="0"/>
+                <a:ea typeface="Times New Roman" panose="02020603050405020304" pitchFamily="18" charset="0"/>
+                <a:cs typeface="Times New Roman" panose="02020603050405020304" pitchFamily="18" charset="0"/>
+              </a:rPr>
+              <a:t>dans le menu « LCR » pour observer les résultats</a:t>
+            </a:r>
+            <a:endParaRPr lang="x-none" sz="1400" dirty="0">
+              <a:effectLst/>
+              <a:latin typeface="Arial" panose="020B0604020202020204" pitchFamily="34" charset="0"/>
+              <a:ea typeface="Times New Roman" panose="02020603050405020304" pitchFamily="18" charset="0"/>
+              <a:cs typeface="Times New Roman" panose="02020603050405020304" pitchFamily="18" charset="0"/>
+            </a:endParaRPr>
+          </a:p>
+        </p:txBody>
+      </p:sp>
+      <p:cxnSp>
+        <p:nvCxnSpPr>
+          <p:cNvPr id="14" name="Google Shape;197;p32">
+            <a:extLst>
+              <a:ext uri="{FF2B5EF4-FFF2-40B4-BE49-F238E27FC236}">
+                <a16:creationId xmlns:a16="http://schemas.microsoft.com/office/drawing/2014/main" xmlns="" id="{1FFA38E4-016F-7CF0-4FE5-7561B2B6FD90}"/>
+              </a:ext>
+            </a:extLst>
+          </p:cNvPr>
+          <p:cNvCxnSpPr>
+            <a:cxnSpLocks/>
+          </p:cNvCxnSpPr>
+          <p:nvPr/>
+        </p:nvCxnSpPr>
+        <p:spPr>
+          <a:xfrm>
+            <a:off x="4020981" y="1115598"/>
+            <a:ext cx="25331" cy="3644671"/>
+          </a:xfrm>
+          <a:prstGeom prst="straightConnector1">
+            <a:avLst/>
+          </a:prstGeom>
+          <a:noFill/>
+          <a:ln w="9525" cap="flat" cmpd="sng">
+            <a:solidFill>
+              <a:schemeClr val="tx1">
+                <a:lumMod val="60000"/>
+                <a:lumOff val="40000"/>
+              </a:schemeClr>
+            </a:solidFill>
+            <a:prstDash val="solid"/>
+            <a:round/>
+            <a:headEnd type="none" w="med" len="med"/>
+            <a:tailEnd type="none" w="med" len="med"/>
+          </a:ln>
+        </p:spPr>
+      </p:cxnSp>
+      <p:sp>
+        <p:nvSpPr>
+          <p:cNvPr id="15" name="ZoneTexte 14"/>
+          <p:cNvSpPr txBox="1"/>
+          <p:nvPr/>
+        </p:nvSpPr>
+        <p:spPr>
+          <a:xfrm>
+            <a:off x="189808" y="4718279"/>
+            <a:ext cx="383438" cy="307777"/>
+          </a:xfrm>
+          <a:prstGeom prst="rect">
+            <a:avLst/>
+          </a:prstGeom>
+          <a:noFill/>
+        </p:spPr>
+        <p:txBody>
+          <a:bodyPr wrap="none" rtlCol="0">
             <a:spAutoFit/>
           </a:bodyPr>
           <a:lstStyle/>
           <a:p>
             <a:r>
-              <a:rPr lang="fr-FR" dirty="0" smtClean="0">
-                <a:solidFill>
-                  <a:srgbClr val="FF0000"/>
-                </a:solidFill>
-              </a:rPr>
-              <a:t>Expliquer </a:t>
+              <a:rPr lang="fr-FR" dirty="0" smtClean="0"/>
+              <a:t>10</a:t>
             </a:r>
-            <a:endParaRPr lang="fr-FR" dirty="0">
-              <a:solidFill>
-                <a:srgbClr val="FF0000"/>
-              </a:solidFill>
-            </a:endParaRPr>
+            <a:endParaRPr lang="fr-FR" dirty="0"/>
           </a:p>
         </p:txBody>
       </p:sp>
@@ -13207,24 +13796,8 @@
           <a:p>
             <a:pPr marL="0" indent="0"/>
             <a:r>
-              <a:rPr lang="fr-FR" sz="1050" dirty="0" smtClean="0"/>
-              <a:t>22</a:t>
-            </a:r>
-            <a:r>
-              <a:rPr lang="fr-FR" sz="1050" dirty="0" smtClean="0"/>
-              <a:t>/01/2024 </a:t>
-            </a:r>
-            <a:r>
               <a:rPr lang="fr-FR" sz="1050" dirty="0"/>
-              <a:t>- Carine Allaf &amp; Pierre </a:t>
-            </a:r>
-            <a:r>
-              <a:rPr lang="fr-FR" sz="1050" dirty="0" err="1"/>
-              <a:t>Sadeler</a:t>
-            </a:r>
-            <a:r>
-              <a:rPr lang="fr-FR" sz="1050" dirty="0"/>
-              <a:t> – BUT GEII S5 </a:t>
+              <a:t>22/01/2024 - Carine Allaf &amp; Pierre Sadeler – BUT GEII S5 </a:t>
             </a:r>
           </a:p>
         </p:txBody>
@@ -13558,6 +14131,30 @@
           </a:p>
         </p:txBody>
       </p:sp>
+      <p:pic>
+        <p:nvPicPr>
+          <p:cNvPr id="2" name="Image 1"/>
+          <p:cNvPicPr>
+            <a:picLocks noChangeAspect="1"/>
+          </p:cNvPicPr>
+          <p:nvPr/>
+        </p:nvPicPr>
+        <p:blipFill>
+          <a:blip r:embed="rId4"/>
+          <a:stretch>
+            <a:fillRect/>
+          </a:stretch>
+        </p:blipFill>
+        <p:spPr>
+          <a:xfrm>
+            <a:off x="2728230" y="1331947"/>
+            <a:ext cx="3852900" cy="2875006"/>
+          </a:xfrm>
+          <a:prstGeom prst="rect">
+            <a:avLst/>
+          </a:prstGeom>
+        </p:spPr>
+      </p:pic>
     </p:spTree>
     <p:extLst>
       <p:ext uri="{BB962C8B-B14F-4D97-AF65-F5344CB8AC3E}">
@@ -14233,24 +14830,8 @@
           <a:p>
             <a:pPr marL="0" indent="0"/>
             <a:r>
-              <a:rPr lang="fr-FR" sz="1050" dirty="0" smtClean="0"/>
-              <a:t>22</a:t>
-            </a:r>
-            <a:r>
-              <a:rPr lang="fr-FR" sz="1050" dirty="0" smtClean="0"/>
-              <a:t>/01/2024 </a:t>
-            </a:r>
-            <a:r>
               <a:rPr lang="fr-FR" sz="1050" dirty="0"/>
-              <a:t>- Carine Allaf &amp; Pierre </a:t>
-            </a:r>
-            <a:r>
-              <a:rPr lang="fr-FR" sz="1050" dirty="0" err="1"/>
-              <a:t>Sadeler</a:t>
-            </a:r>
-            <a:r>
-              <a:rPr lang="fr-FR" sz="1050" dirty="0"/>
-              <a:t> – BUT GEII S5 </a:t>
+              <a:t>22/01/2024 - Carine Allaf &amp; Pierre Sadeler – BUT GEII S5 </a:t>
             </a:r>
           </a:p>
         </p:txBody>
@@ -14373,10 +14954,9 @@
           <a:lstStyle/>
           <a:p>
             <a:r>
-              <a:rPr lang="fr-FR" dirty="0" smtClean="0"/>
+              <a:rPr lang="fr-FR" dirty="0"/>
               <a:t>Exemple </a:t>
             </a:r>
-            <a:endParaRPr lang="fr-FR" dirty="0"/>
           </a:p>
         </p:txBody>
       </p:sp>
@@ -14768,24 +15348,8 @@
           <a:p>
             <a:pPr marL="0" indent="0"/>
             <a:r>
-              <a:rPr lang="fr-FR" sz="1200" dirty="0" smtClean="0"/>
-              <a:t>22</a:t>
-            </a:r>
-            <a:r>
-              <a:rPr lang="fr-FR" sz="1200" dirty="0" smtClean="0"/>
-              <a:t>/01/2024 </a:t>
-            </a:r>
-            <a:r>
               <a:rPr lang="fr-FR" sz="1200" dirty="0"/>
-              <a:t>- Carine Allaf &amp; Pierre </a:t>
-            </a:r>
-            <a:r>
-              <a:rPr lang="fr-FR" sz="1200" dirty="0" err="1"/>
-              <a:t>Sadeler</a:t>
-            </a:r>
-            <a:r>
-              <a:rPr lang="fr-FR" sz="1200" dirty="0"/>
-              <a:t> – BUT GEII S5 </a:t>
+              <a:t>22/01/2024 - Carine Allaf &amp; Pierre Sadeler – BUT GEII S5 </a:t>
             </a:r>
           </a:p>
         </p:txBody>
@@ -14804,8 +15368,8 @@
         </p:nvSpPr>
         <p:spPr>
           <a:xfrm>
-            <a:off x="443584" y="1067927"/>
-            <a:ext cx="7748486" cy="3247043"/>
+            <a:off x="443584" y="939458"/>
+            <a:ext cx="7748486" cy="3508653"/>
           </a:xfrm>
           <a:prstGeom prst="rect">
             <a:avLst/>
@@ -14822,49 +15386,125 @@
               <a:rPr lang="fr-FR" i="1" dirty="0"/>
               <a:t>Ce qu’on a fait :</a:t>
             </a:r>
+          </a:p>
+          <a:p>
             <a:endParaRPr lang="fr-FR" dirty="0"/>
           </a:p>
           <a:p>
-            <a:pPr algn="just"/>
+            <a:pPr marL="171450" indent="-171450" algn="just">
+              <a:buFont typeface="Arial" panose="020B0604020202020204" pitchFamily="34" charset="0"/>
+              <a:buChar char="•"/>
+            </a:pPr>
             <a:r>
               <a:rPr lang="fr-FR" sz="1100" dirty="0"/>
-              <a:t>Au cours de ce projet, nous avons initié notre démarche en consacrant une phase préliminaire à l'étude approfondie de notre sujet. Cette étape a été suivie de recherches approfondies sur les principes physiques fondamentaux liés au projet.</a:t>
+              <a:t>Prise en main le PSM et l'IAI</a:t>
+            </a:r>
+          </a:p>
+          <a:p>
+            <a:pPr marL="171450" indent="-171450" algn="just">
+              <a:buFont typeface="Arial" panose="020B0604020202020204" pitchFamily="34" charset="0"/>
+              <a:buChar char="•"/>
+            </a:pPr>
+            <a:r>
+              <a:rPr lang="fr-FR" sz="1100" dirty="0"/>
+              <a:t>Elaboration d’un protocole détaillé pour l'initialisation et les réglages</a:t>
+            </a:r>
+          </a:p>
+          <a:p>
+            <a:pPr marL="171450" indent="-171450" algn="just">
+              <a:buFont typeface="Arial" panose="020B0604020202020204" pitchFamily="34" charset="0"/>
+              <a:buChar char="•"/>
+            </a:pPr>
+            <a:r>
+              <a:rPr lang="fr-FR" sz="1100" dirty="0"/>
+              <a:t>Utilisation du PSM et de l'IAI et acquisition des données</a:t>
+            </a:r>
+          </a:p>
+          <a:p>
+            <a:pPr marL="171450" indent="-171450" algn="just">
+              <a:buFont typeface="Arial" panose="020B0604020202020204" pitchFamily="34" charset="0"/>
+              <a:buChar char="•"/>
+            </a:pPr>
+            <a:r>
+              <a:rPr lang="fr-FR" sz="1100" dirty="0"/>
+              <a:t>Utilisation de Matlab et manipulation du PSM via le logiciel</a:t>
+            </a:r>
+          </a:p>
+          <a:p>
+            <a:pPr marL="171450" indent="-171450" algn="just">
+              <a:buFont typeface="Arial" panose="020B0604020202020204" pitchFamily="34" charset="0"/>
+              <a:buChar char="•"/>
+            </a:pPr>
+            <a:r>
+              <a:rPr lang="fr-FR" sz="1100" dirty="0"/>
+              <a:t>Récupération, affichage et le traitement des données </a:t>
+            </a:r>
+          </a:p>
+          <a:p>
+            <a:pPr marL="171450" indent="-171450" algn="just">
+              <a:buFont typeface="Arial" panose="020B0604020202020204" pitchFamily="34" charset="0"/>
+              <a:buChar char="•"/>
+            </a:pPr>
+            <a:r>
+              <a:rPr lang="fr-FR" sz="1100" dirty="0"/>
+              <a:t>Interface graphique dynamique</a:t>
             </a:r>
           </a:p>
           <a:p>
             <a:pPr algn="just"/>
-            <a:r>
-              <a:rPr lang="fr-FR" sz="1100" dirty="0"/>
-              <a:t>Par la suite, nous avons pris en main le PSM et l'IAI, élaboré un protocole détaillé pour l'initialisation et les réglages, et nous sommes concentrés sur la caractérisation des différents métaux. </a:t>
-            </a:r>
-          </a:p>
-          <a:p>
-            <a:pPr algn="just"/>
-            <a:r>
-              <a:rPr lang="fr-FR" sz="1100" dirty="0"/>
-              <a:t>L'utilisation du PSM et de l'IAI nous a permis de recueillir des données précieuses, notamment la création de tableaux de mesures en fonction de la fréquence pour chaque métal.</a:t>
-            </a:r>
-          </a:p>
-          <a:p>
-            <a:pPr algn="just"/>
-            <a:r>
-              <a:rPr lang="fr-FR" sz="1100" dirty="0"/>
-              <a:t>Parallèlement, notre travail s'est étendu à l'utilisation de Matlab. Dans un premier temps, nous avons exploré la manipulation du PSM via le logiciel, puis nous avons étudié la récupération, l'affichage et le traitement des valeurs obtenues. Enfin, nous avons développé une interface graphique dynamique.</a:t>
-            </a:r>
-          </a:p>
-          <a:p>
-            <a:pPr algn="just"/>
-            <a:r>
-              <a:rPr lang="fr-FR" sz="1100" dirty="0"/>
-              <a:t>Une fois ces étapes accomplies, nous avons entreprit des recherches spécifiques sur la conductivité et son intégration dans Matlab.</a:t>
-            </a:r>
+            <a:endParaRPr lang="fr-FR" sz="1100" dirty="0"/>
           </a:p>
           <a:p>
             <a:r>
               <a:rPr lang="fr-FR" i="1" dirty="0"/>
-              <a:t>Ce qu’on n’a pas fait :</a:t>
+              <a:t>Ce qu’on n’a pas fait </a:t>
             </a:r>
-            <a:endParaRPr lang="fr-FR" dirty="0"/>
+            <a:r>
+              <a:rPr lang="fr-FR" i="1" dirty="0" smtClean="0"/>
+              <a:t>:</a:t>
+            </a:r>
+          </a:p>
+          <a:p>
+            <a:endParaRPr lang="fr-FR" i="1" dirty="0" smtClean="0"/>
+          </a:p>
+          <a:p>
+            <a:pPr marL="285750" indent="-285750">
+              <a:buFont typeface="Arial" panose="020B0604020202020204" pitchFamily="34" charset="0"/>
+              <a:buChar char="•"/>
+            </a:pPr>
+            <a:r>
+              <a:rPr lang="fr-FR" sz="1100" i="1" dirty="0" smtClean="0"/>
+              <a:t>Optimisation de calculs en fonction des bobines </a:t>
+            </a:r>
+          </a:p>
+          <a:p>
+            <a:pPr marL="285750" indent="-285750">
+              <a:buFont typeface="Arial" panose="020B0604020202020204" pitchFamily="34" charset="0"/>
+              <a:buChar char="•"/>
+            </a:pPr>
+            <a:r>
+              <a:rPr lang="fr-FR" sz="1100" i="1" dirty="0" smtClean="0"/>
+              <a:t>Amélioration de l’interface </a:t>
+            </a:r>
+          </a:p>
+          <a:p>
+            <a:pPr marL="285750" indent="-285750">
+              <a:buFont typeface="Arial" panose="020B0604020202020204" pitchFamily="34" charset="0"/>
+              <a:buChar char="•"/>
+            </a:pPr>
+            <a:r>
+              <a:rPr lang="fr-FR" sz="1100" i="1" dirty="0" smtClean="0"/>
+              <a:t>Amélioration </a:t>
+            </a:r>
+            <a:r>
+              <a:rPr lang="fr-FR" sz="1100" i="1" dirty="0"/>
+              <a:t>de l'esthétique de </a:t>
+            </a:r>
+            <a:r>
+              <a:rPr lang="fr-FR" sz="1100" i="1" dirty="0" smtClean="0"/>
+              <a:t>l’interface </a:t>
+            </a:r>
+            <a:endParaRPr lang="fr-FR" sz="1100" dirty="0"/>
           </a:p>
           <a:p>
             <a:r>
@@ -14875,11 +15515,7 @@
           <a:p>
             <a:r>
               <a:rPr lang="fr-FR" i="1" dirty="0"/>
-              <a:t>Comment on aurait pu le faire </a:t>
-            </a:r>
-            <a:r>
-              <a:rPr lang="fr-FR" i="1" dirty="0" smtClean="0"/>
-              <a:t>:</a:t>
+              <a:t>Comment on aurait pu le faire :</a:t>
             </a:r>
           </a:p>
           <a:p>
@@ -14887,7 +15523,7 @@
           </a:p>
           <a:p>
             <a:r>
-              <a:rPr lang="fr-FR" i="1" dirty="0" smtClean="0">
+              <a:rPr lang="fr-FR" i="1" dirty="0">
                 <a:solidFill>
                   <a:srgbClr val="FF0000"/>
                 </a:solidFill>
@@ -14946,8 +15582,8 @@
         </p:nvSpPr>
         <p:spPr>
           <a:xfrm>
-            <a:off x="720000" y="445025"/>
-            <a:ext cx="7704000" cy="572700"/>
+            <a:off x="570322" y="1295417"/>
+            <a:ext cx="3815424" cy="572700"/>
           </a:xfrm>
           <a:prstGeom prst="rect">
             <a:avLst/>
@@ -14970,7 +15606,7 @@
             </a:pPr>
             <a:r>
               <a:rPr lang="es" b="0" dirty="0"/>
-              <a:t>Conclusion personnel </a:t>
+              <a:t>Conclusion personnelle </a:t>
             </a:r>
             <a:endParaRPr b="0" dirty="0"/>
           </a:p>
@@ -14979,13 +15615,15 @@
       <p:cxnSp>
         <p:nvCxnSpPr>
           <p:cNvPr id="483" name="Google Shape;483;p49"/>
-          <p:cNvCxnSpPr/>
+          <p:cNvCxnSpPr>
+            <a:cxnSpLocks/>
+          </p:cNvCxnSpPr>
           <p:nvPr/>
         </p:nvCxnSpPr>
         <p:spPr>
-          <a:xfrm>
-            <a:off x="802850" y="1045726"/>
-            <a:ext cx="2542200" cy="0"/>
+          <a:xfrm flipV="1">
+            <a:off x="570322" y="2331720"/>
+            <a:ext cx="2337470" cy="3310"/>
           </a:xfrm>
           <a:prstGeom prst="straightConnector1">
             <a:avLst/>
@@ -15283,37 +15921,50 @@
           <a:p>
             <a:pPr marL="0" indent="0"/>
             <a:r>
-              <a:rPr lang="fr-FR" sz="1200" dirty="0" smtClean="0"/>
-              <a:t>22</a:t>
+              <a:rPr lang="fr-FR" sz="1200" dirty="0"/>
+              <a:t>22/01/2024 - Carine Allaf &amp; Pierre Sadeler – BUT GEII S5 </a:t>
             </a:r>
+          </a:p>
+        </p:txBody>
+      </p:sp>
+      <p:sp>
+        <p:nvSpPr>
+          <p:cNvPr id="6" name="Rectangle 5"/>
+          <p:cNvSpPr/>
+          <p:nvPr/>
+        </p:nvSpPr>
+        <p:spPr>
+          <a:xfrm>
+            <a:off x="5770504" y="4607509"/>
+            <a:ext cx="1327608" cy="184666"/>
+          </a:xfrm>
+          <a:prstGeom prst="rect">
+            <a:avLst/>
+          </a:prstGeom>
+        </p:spPr>
+        <p:txBody>
+          <a:bodyPr wrap="none">
+            <a:spAutoFit/>
+          </a:bodyPr>
+          <a:lstStyle/>
+          <a:p>
             <a:r>
-              <a:rPr lang="fr-FR" sz="1200" dirty="0" smtClean="0"/>
-              <a:t>/01/2024 </a:t>
+              <a:rPr lang="fr-FR" sz="600" dirty="0" smtClean="0"/>
+              <a:t>Par Allaf Carine et Pierre Sadeler</a:t>
             </a:r>
-            <a:r>
-              <a:rPr lang="fr-FR" sz="1200" dirty="0"/>
-              <a:t>- Carine Allaf &amp; Pierre </a:t>
-            </a:r>
-            <a:r>
-              <a:rPr lang="fr-FR" sz="1200" dirty="0" err="1"/>
-              <a:t>Sadeler</a:t>
-            </a:r>
-            <a:r>
-              <a:rPr lang="fr-FR" sz="1200" dirty="0"/>
-              <a:t> – BUT GEII S5 </a:t>
-            </a:r>
+            <a:endParaRPr lang="fr-FR" sz="600" dirty="0"/>
           </a:p>
         </p:txBody>
       </p:sp>
       <p:pic>
         <p:nvPicPr>
-          <p:cNvPr id="10" name="Image 9"/>
+          <p:cNvPr id="5" name="Image 4"/>
           <p:cNvPicPr>
             <a:picLocks noChangeAspect="1"/>
           </p:cNvPicPr>
           <p:nvPr/>
         </p:nvPicPr>
-        <p:blipFill rotWithShape="1">
+        <p:blipFill>
           <a:blip r:embed="rId3">
             <a:extLst>
               <a:ext uri="{28A0092B-C50C-407E-A947-70E740481C1C}">
@@ -15321,13 +15972,14 @@
               </a:ext>
             </a:extLst>
           </a:blip>
-          <a:srcRect t="17375"/>
-          <a:stretch/>
+          <a:stretch>
+            <a:fillRect/>
+          </a:stretch>
         </p:blipFill>
         <p:spPr>
           <a:xfrm>
-            <a:off x="1824036" y="1168925"/>
-            <a:ext cx="5495925" cy="3407719"/>
+            <a:off x="4622342" y="146304"/>
+            <a:ext cx="3872434" cy="4873175"/>
           </a:xfrm>
           <a:prstGeom prst="rect">
             <a:avLst/>
@@ -15733,24 +16385,8 @@
           <a:p>
             <a:pPr marL="0" indent="0"/>
             <a:r>
-              <a:rPr lang="fr-FR" sz="1200" dirty="0" smtClean="0"/>
-              <a:t>22</a:t>
-            </a:r>
-            <a:r>
-              <a:rPr lang="fr-FR" sz="1200" dirty="0" smtClean="0"/>
-              <a:t>/01/2024 </a:t>
-            </a:r>
-            <a:r>
               <a:rPr lang="fr-FR" sz="1200" dirty="0"/>
-              <a:t>- Carine Allaf &amp; Pierre </a:t>
-            </a:r>
-            <a:r>
-              <a:rPr lang="fr-FR" sz="1200" dirty="0" err="1"/>
-              <a:t>Sadeler</a:t>
-            </a:r>
-            <a:r>
-              <a:rPr lang="fr-FR" sz="1200" dirty="0"/>
-              <a:t> – BUT GEII S5 </a:t>
+              <a:t>22/01/2024 - Carine Allaf &amp; Pierre Sadeler – BUT GEII S5 </a:t>
             </a:r>
           </a:p>
         </p:txBody>
@@ -20840,6 +21476,35 @@
           </a:prstGeom>
         </p:spPr>
       </p:pic>
+      <p:sp>
+        <p:nvSpPr>
+          <p:cNvPr id="52" name="Rectangle 51"/>
+          <p:cNvSpPr/>
+          <p:nvPr/>
+        </p:nvSpPr>
+        <p:spPr>
+          <a:xfrm>
+            <a:off x="995106" y="4218028"/>
+            <a:ext cx="1327608" cy="184666"/>
+          </a:xfrm>
+          <a:prstGeom prst="rect">
+            <a:avLst/>
+          </a:prstGeom>
+        </p:spPr>
+        <p:txBody>
+          <a:bodyPr wrap="none">
+            <a:spAutoFit/>
+          </a:bodyPr>
+          <a:lstStyle/>
+          <a:p>
+            <a:r>
+              <a:rPr lang="fr-FR" sz="600" dirty="0" smtClean="0"/>
+              <a:t>Par Allaf Carine et Pierre Sadeler</a:t>
+            </a:r>
+            <a:endParaRPr lang="fr-FR" sz="600" dirty="0"/>
+          </a:p>
+        </p:txBody>
+      </p:sp>
     </p:spTree>
   </p:cSld>
   <p:clrMapOvr>
@@ -20979,20 +21644,8 @@
               <a:buNone/>
             </a:pPr>
             <a:r>
-              <a:rPr lang="en-GB" sz="1000" dirty="0" err="1"/>
-              <a:t>Veuillez</a:t>
-            </a:r>
-            <a:r>
               <a:rPr lang="en-GB" sz="1000" dirty="0"/>
-              <a:t> conserver </a:t>
-            </a:r>
-            <a:r>
-              <a:rPr lang="en-GB" sz="1000" dirty="0" err="1"/>
-              <a:t>ces</a:t>
-            </a:r>
-            <a:r>
-              <a:rPr lang="en-GB" sz="1000" dirty="0"/>
-              <a:t> diapositives sans modifications</a:t>
+              <a:t>Veuillez conserver ces diapositives sans modifications</a:t>
             </a:r>
             <a:endParaRPr sz="1000" dirty="0"/>
           </a:p>
@@ -21091,21 +21744,8 @@
                   <a:srgbClr val="434343"/>
                 </a:solidFill>
               </a:rPr>
-              <a:t>Pierre </a:t>
+              <a:t>Pierre Sadeler</a:t>
             </a:r>
-            <a:r>
-              <a:rPr lang="fr-FR" dirty="0" err="1">
-                <a:solidFill>
-                  <a:srgbClr val="434343"/>
-                </a:solidFill>
-              </a:rPr>
-              <a:t>Sadeler</a:t>
-            </a:r>
-            <a:endParaRPr lang="fr-FR" dirty="0">
-              <a:solidFill>
-                <a:srgbClr val="434343"/>
-              </a:solidFill>
-            </a:endParaRPr>
           </a:p>
           <a:p>
             <a:pPr marL="0" lvl="0" indent="0" algn="ctr" rtl="0">
@@ -21571,24 +22211,8 @@
           <a:p>
             <a:pPr marL="0" indent="0"/>
             <a:r>
-              <a:rPr lang="fr-FR" sz="1200" dirty="0" smtClean="0"/>
-              <a:t>22</a:t>
-            </a:r>
-            <a:r>
-              <a:rPr lang="fr-FR" sz="1200" dirty="0" smtClean="0"/>
-              <a:t>/01/2024 </a:t>
-            </a:r>
-            <a:r>
               <a:rPr lang="fr-FR" sz="1200" dirty="0"/>
-              <a:t>- Carine Allaf &amp; Pierre </a:t>
-            </a:r>
-            <a:r>
-              <a:rPr lang="fr-FR" sz="1200" dirty="0" err="1"/>
-              <a:t>Sadeler</a:t>
-            </a:r>
-            <a:r>
-              <a:rPr lang="fr-FR" sz="1200" dirty="0"/>
-              <a:t> – BUT GEII S5 </a:t>
+              <a:t>22/01/2024 - Carine Allaf &amp; Pierre Sadeler – BUT GEII S5 </a:t>
             </a:r>
           </a:p>
         </p:txBody>
@@ -21728,15 +22352,7 @@
             </a:pPr>
             <a:r>
               <a:rPr lang="fr-FR" sz="1000" dirty="0"/>
-              <a:t>T</a:t>
-            </a:r>
-            <a:r>
-              <a:rPr lang="fr-FR" sz="1000" dirty="0" smtClean="0"/>
-              <a:t>ECHNIQUE</a:t>
-            </a:r>
-            <a:r>
-              <a:rPr lang="fr-FR" sz="1000" dirty="0"/>
-              <a:t> :</a:t>
+              <a:t>TECHNIQUE :</a:t>
             </a:r>
           </a:p>
           <a:p>
@@ -21828,23 +22444,13 @@
             </a:r>
             <a:r>
               <a:rPr lang="fr-FR" sz="1000" dirty="0"/>
-              <a:t> </a:t>
-            </a:r>
-            <a:r>
-              <a:rPr lang="fr-FR" sz="1000" dirty="0" smtClean="0"/>
-              <a:t>: </a:t>
-            </a:r>
-            <a:r>
-              <a:rPr lang="fr-FR" sz="1000" u="sng" dirty="0" smtClean="0">
-                <a:hlinkClick r:id="rId5"/>
-              </a:rPr>
-              <a:t>https</a:t>
+              <a:t> : </a:t>
             </a:r>
             <a:r>
               <a:rPr lang="fr-FR" sz="1000" u="sng" dirty="0">
                 <a:hlinkClick r:id="rId5"/>
               </a:rPr>
-              <a:t>://en.wikipedia.org/wiki/Skin_effect</a:t>
+              <a:t>https://en.wikipedia.org/wiki/Skin_effect</a:t>
             </a:r>
             <a:endParaRPr lang="fr-FR" sz="1000" dirty="0"/>
           </a:p>
@@ -21874,22 +22480,16 @@
               <a:rPr lang="fr-FR" sz="1000" u="sng" dirty="0">
                 <a:hlinkClick r:id="rId6"/>
               </a:rPr>
-              <a:t>://</a:t>
+              <a:t>://www.pm-instrumentation.com/mesure-par-courant-de-foucault</a:t>
             </a:r>
-            <a:r>
-              <a:rPr lang="fr-FR" sz="1000" u="sng" dirty="0" smtClean="0">
-                <a:hlinkClick r:id="rId6"/>
-              </a:rPr>
-              <a:t>www.pm-instrumentation.com/mesure-par-courant-de-foucault</a:t>
-            </a:r>
-            <a:endParaRPr lang="fr-FR" sz="1000" dirty="0" smtClean="0"/>
+            <a:endParaRPr lang="fr-FR" sz="1000" dirty="0"/>
           </a:p>
           <a:p>
             <a:pPr marL="139700" indent="0">
               <a:buNone/>
             </a:pPr>
             <a:r>
-              <a:rPr lang="fr-FR" sz="1000" dirty="0" smtClean="0">
+              <a:rPr lang="fr-FR" sz="1000" dirty="0">
                 <a:solidFill>
                   <a:srgbClr val="0070C0"/>
                 </a:solidFill>
@@ -21897,29 +22497,29 @@
               <a:t>Conductibilité électrique</a:t>
             </a:r>
             <a:r>
-              <a:rPr lang="fr-FR" sz="1000" dirty="0" smtClean="0"/>
+              <a:rPr lang="fr-FR" sz="1000" dirty="0"/>
               <a:t> :</a:t>
             </a:r>
             <a:r>
-              <a:rPr lang="fr-FR" sz="1000" u="sng" dirty="0" err="1" smtClean="0">
+              <a:rPr lang="fr-FR" sz="1000" u="sng" dirty="0" err="1">
                 <a:hlinkClick r:id="rId7"/>
               </a:rPr>
               <a:t>https</a:t>
             </a:r>
             <a:r>
-              <a:rPr lang="fr-FR" sz="1000" u="sng" dirty="0" smtClean="0">
+              <a:rPr lang="fr-FR" sz="1000" u="sng" dirty="0">
                 <a:hlinkClick r:id="rId7"/>
               </a:rPr>
               <a:t>://www.alloprof.qc.ca/fr/eleves/bv/sciences/la-conductibilite-electrique-s1021</a:t>
             </a:r>
-            <a:endParaRPr lang="fr-FR" sz="1000" dirty="0" smtClean="0"/>
+            <a:endParaRPr lang="fr-FR" sz="1000" dirty="0"/>
           </a:p>
           <a:p>
             <a:pPr marL="139700" indent="0">
               <a:buNone/>
             </a:pPr>
             <a:r>
-              <a:rPr lang="fr-FR" sz="1000" dirty="0" smtClean="0">
+              <a:rPr lang="fr-FR" sz="1000" dirty="0">
                 <a:solidFill>
                   <a:srgbClr val="0070C0"/>
                 </a:solidFill>
@@ -22164,19 +22764,7 @@
               <a:rPr lang="fr-FR" sz="1000" u="sng" dirty="0">
                 <a:hlinkClick r:id="rId14"/>
               </a:rPr>
-              <a:t>://</a:t>
-            </a:r>
-            <a:r>
-              <a:rPr lang="fr-FR" sz="1000" u="sng" dirty="0" smtClean="0">
-                <a:hlinkClick r:id="rId14"/>
-              </a:rPr>
-              <a:t>www.helmut-fischer.com/fr/techniques/induction-magnetique</a:t>
-            </a:r>
-            <a:r>
-              <a:rPr lang="fr-FR" sz="1000" u="sng" dirty="0">
-                <a:hlinkClick r:id="rId14"/>
-              </a:rPr>
-              <a:t>#:~:text=La%20sonde%20de%20mesure%20%C3%A0,p%C3%B4les%20du%20noyau%20de%20fer</a:t>
+              <a:t>://www.helmut-fischer.com/fr/techniques/induction-magnetique#:~:text=La%20sonde%20de%20mesure%20%C3%A0,p%C3%B4les%20du%20noyau%20de%20fer</a:t>
             </a:r>
             <a:r>
               <a:rPr lang="fr-FR" sz="1000" dirty="0"/>
@@ -22520,24 +23108,8 @@
           <a:p>
             <a:pPr marL="0" indent="0"/>
             <a:r>
-              <a:rPr lang="fr-FR" sz="1200" dirty="0" smtClean="0"/>
-              <a:t>22</a:t>
-            </a:r>
-            <a:r>
-              <a:rPr lang="fr-FR" sz="1200" dirty="0" smtClean="0"/>
-              <a:t>/01/2024 </a:t>
-            </a:r>
-            <a:r>
               <a:rPr lang="fr-FR" sz="1200" dirty="0"/>
-              <a:t>- Carine Allaf &amp; Pierre </a:t>
-            </a:r>
-            <a:r>
-              <a:rPr lang="fr-FR" sz="1200" dirty="0" err="1"/>
-              <a:t>Sadeler</a:t>
-            </a:r>
-            <a:r>
-              <a:rPr lang="fr-FR" sz="1200" dirty="0"/>
-              <a:t> – BUT GEII S5 </a:t>
+              <a:t>22/01/2024 - Carine Allaf &amp; Pierre Sadeler – BUT GEII S5 </a:t>
             </a:r>
           </a:p>
         </p:txBody>
@@ -22547,13 +23119,6 @@
   <p:clrMapOvr>
     <a:masterClrMapping/>
   </p:clrMapOvr>
-  <p:timing>
-    <p:tnLst>
-      <p:par>
-        <p:cTn id="1" dur="indefinite" restart="never" nodeType="tmRoot"/>
-      </p:par>
-    </p:tnLst>
-  </p:timing>
 </p:sld>
 </file>
 
@@ -22672,15 +23237,7 @@
                   <a:srgbClr val="FF0000"/>
                 </a:solidFill>
               </a:rPr>
-              <a:t>INTRO avec problématique du </a:t>
-            </a:r>
-            <a:r>
-              <a:rPr lang="fr-FR" dirty="0" smtClean="0">
-                <a:solidFill>
-                  <a:srgbClr val="FF0000"/>
-                </a:solidFill>
-              </a:rPr>
-              <a:t>sujet</a:t>
+              <a:t>INTRO avec problématique du sujet</a:t>
             </a:r>
           </a:p>
           <a:p>
@@ -22688,7 +23245,7 @@
               <a:buNone/>
             </a:pPr>
             <a:r>
-              <a:rPr lang="fr-FR" dirty="0" smtClean="0">
+              <a:rPr lang="fr-FR" dirty="0">
                 <a:solidFill>
                   <a:srgbClr val="FF0000"/>
                 </a:solidFill>
@@ -22696,7 +23253,7 @@
               <a:t>Présenter </a:t>
             </a:r>
             <a:r>
-              <a:rPr lang="fr-FR" dirty="0" err="1" smtClean="0">
+              <a:rPr lang="fr-FR" dirty="0" err="1">
                 <a:solidFill>
                   <a:srgbClr val="FF0000"/>
                 </a:solidFill>
@@ -22704,26 +23261,13 @@
               <a:t>psm</a:t>
             </a:r>
             <a:r>
-              <a:rPr lang="fr-FR" dirty="0" smtClean="0">
+              <a:rPr lang="fr-FR" dirty="0">
                 <a:solidFill>
                   <a:srgbClr val="FF0000"/>
                 </a:solidFill>
               </a:rPr>
-              <a:t> et IAI</a:t>
+              <a:t> et IAI </a:t>
             </a:r>
-            <a:r>
-              <a:rPr lang="fr-FR" dirty="0" smtClean="0">
-                <a:solidFill>
-                  <a:srgbClr val="FF0000"/>
-                </a:solidFill>
-              </a:rPr>
-              <a:t> </a:t>
-            </a:r>
-            <a:endParaRPr lang="fr-FR" dirty="0" smtClean="0">
-              <a:solidFill>
-                <a:srgbClr val="FF0000"/>
-              </a:solidFill>
-            </a:endParaRPr>
           </a:p>
         </p:txBody>
       </p:sp>
@@ -23038,25 +23582,41 @@
           <a:p>
             <a:pPr marL="0" indent="0"/>
             <a:r>
-              <a:rPr lang="fr-FR" sz="1200" dirty="0" smtClean="0"/>
-              <a:t>22</a:t>
+              <a:rPr lang="fr-FR" sz="1200" dirty="0"/>
+              <a:t>22/01/2024 - Carine Allaf &amp; Pierre Sadeler – BUT GEII S5 </a:t>
             </a:r>
+          </a:p>
+        </p:txBody>
+      </p:sp>
+      <p:sp>
+        <p:nvSpPr>
+          <p:cNvPr id="7" name="ZoneTexte 6"/>
+          <p:cNvSpPr txBox="1"/>
+          <p:nvPr/>
+        </p:nvSpPr>
+        <p:spPr>
+          <a:xfrm>
+            <a:off x="180664" y="4718279"/>
+            <a:ext cx="284052" cy="523220"/>
+          </a:xfrm>
+          <a:prstGeom prst="rect">
+            <a:avLst/>
+          </a:prstGeom>
+          <a:noFill/>
+        </p:spPr>
+        <p:txBody>
+          <a:bodyPr wrap="none" rtlCol="0">
+            <a:spAutoFit/>
+          </a:bodyPr>
+          <a:lstStyle/>
+          <a:p>
             <a:r>
-              <a:rPr lang="fr-FR" sz="1200" dirty="0" smtClean="0"/>
-              <a:t>/01/2024 </a:t>
+              <a:rPr lang="fr-FR" dirty="0" smtClean="0"/>
+              <a:t>2</a:t>
             </a:r>
-            <a:r>
-              <a:rPr lang="fr-FR" sz="1200" dirty="0"/>
-              <a:t>- Carine Allaf &amp; Pierre </a:t>
-            </a:r>
-            <a:r>
-              <a:rPr lang="fr-FR" sz="1200" dirty="0" err="1"/>
-              <a:t>Sadeler</a:t>
-            </a:r>
-            <a:r>
-              <a:rPr lang="fr-FR" sz="1200" dirty="0"/>
-              <a:t> – BUT GEII S5 </a:t>
-            </a:r>
+          </a:p>
+          <a:p>
+            <a:endParaRPr lang="fr-FR" dirty="0"/>
           </a:p>
         </p:txBody>
       </p:sp>
@@ -23471,24 +24031,8 @@
           <a:p>
             <a:pPr marL="0" indent="0"/>
             <a:r>
-              <a:rPr lang="fr-FR" sz="1200" dirty="0" smtClean="0"/>
-              <a:t>22</a:t>
-            </a:r>
-            <a:r>
-              <a:rPr lang="fr-FR" sz="1200" dirty="0" smtClean="0"/>
-              <a:t>/01/2024 </a:t>
-            </a:r>
-            <a:r>
               <a:rPr lang="fr-FR" sz="1200" dirty="0"/>
-              <a:t>- Carine Allaf &amp; Pierre </a:t>
-            </a:r>
-            <a:r>
-              <a:rPr lang="fr-FR" sz="1200" dirty="0" err="1"/>
-              <a:t>Sadeler</a:t>
-            </a:r>
-            <a:r>
-              <a:rPr lang="fr-FR" sz="1200" dirty="0"/>
-              <a:t> – BUT GEII S5 </a:t>
+              <a:t>22/01/2024 - Carine Allaf &amp; Pierre Sadeler – BUT GEII S5 </a:t>
             </a:r>
           </a:p>
         </p:txBody>
@@ -23510,7 +24054,7 @@
         <p:spPr>
           <a:xfrm>
             <a:off x="720000" y="1096129"/>
-            <a:ext cx="2584541" cy="415063"/>
+            <a:ext cx="3394800" cy="415063"/>
           </a:xfrm>
           <a:prstGeom prst="rect">
             <a:avLst/>
@@ -23774,18 +24318,56 @@
           <a:p>
             <a:pPr algn="l"/>
             <a:r>
+              <a:rPr lang="fr-FR" sz="1800" b="1" dirty="0">
+                <a:solidFill>
+                  <a:srgbClr val="005493"/>
+                </a:solidFill>
+              </a:rPr>
+              <a:t>Schéma </a:t>
+            </a:r>
+            <a:r>
               <a:rPr lang="fr-FR" sz="1800" b="1" dirty="0" smtClean="0">
                 <a:solidFill>
                   <a:srgbClr val="005493"/>
                 </a:solidFill>
               </a:rPr>
-              <a:t>Schéma synoptique </a:t>
+              <a:t>synoptique générale  </a:t>
             </a:r>
             <a:endParaRPr lang="fr-FR" sz="1800" b="1" dirty="0">
               <a:solidFill>
                 <a:srgbClr val="005493"/>
               </a:solidFill>
             </a:endParaRPr>
+          </a:p>
+        </p:txBody>
+      </p:sp>
+      <p:sp>
+        <p:nvSpPr>
+          <p:cNvPr id="9" name="ZoneTexte 8"/>
+          <p:cNvSpPr txBox="1"/>
+          <p:nvPr/>
+        </p:nvSpPr>
+        <p:spPr>
+          <a:xfrm>
+            <a:off x="180664" y="4718279"/>
+            <a:ext cx="284052" cy="307777"/>
+          </a:xfrm>
+          <a:prstGeom prst="rect">
+            <a:avLst/>
+          </a:prstGeom>
+          <a:noFill/>
+        </p:spPr>
+        <p:txBody>
+          <a:bodyPr wrap="none" rtlCol="0">
+            <a:spAutoFit/>
+          </a:bodyPr>
+          <a:lstStyle/>
+          <a:p>
+            <a:r>
+              <a:rPr lang="fr-FR" dirty="0" smtClean="0"/>
+              <a:t>3</a:t>
+            </a:r>
+            <a:endParaRPr lang="fr-FR" dirty="0"/>
           </a:p>
         </p:txBody>
       </p:sp>
@@ -23811,8 +24393,8 @@
         </p:blipFill>
         <p:spPr>
           <a:xfrm>
-            <a:off x="1053545" y="1347208"/>
-            <a:ext cx="6838950" cy="3314700"/>
+            <a:off x="1042596" y="1408811"/>
+            <a:ext cx="7048500" cy="3209925"/>
           </a:xfrm>
           <a:prstGeom prst="rect">
             <a:avLst/>
@@ -23821,225 +24403,30 @@
       </p:pic>
       <p:sp>
         <p:nvSpPr>
-          <p:cNvPr id="10" name="ZoneTexte 9"/>
-          <p:cNvSpPr txBox="1"/>
+          <p:cNvPr id="10" name="Rectangle 9"/>
+          <p:cNvSpPr/>
           <p:nvPr/>
         </p:nvSpPr>
         <p:spPr>
           <a:xfrm>
-            <a:off x="3745972" y="4206240"/>
-            <a:ext cx="1454096" cy="369332"/>
+            <a:off x="1225936" y="4266898"/>
+            <a:ext cx="1327608" cy="184666"/>
           </a:xfrm>
           <a:prstGeom prst="rect">
             <a:avLst/>
           </a:prstGeom>
-          <a:noFill/>
         </p:spPr>
         <p:txBody>
-          <a:bodyPr wrap="square" rtlCol="0">
+          <a:bodyPr wrap="none">
             <a:spAutoFit/>
           </a:bodyPr>
           <a:lstStyle/>
           <a:p>
             <a:r>
-              <a:rPr lang="fr-FR" sz="900" dirty="0" smtClean="0">
-                <a:solidFill>
-                  <a:srgbClr val="0070C0"/>
-                </a:solidFill>
-              </a:rPr>
-              <a:t>Exemple : cuivre, fer, bronze…</a:t>
+              <a:rPr lang="fr-FR" sz="600" dirty="0" smtClean="0"/>
+              <a:t>Par Allaf Carine et Pierre Sadeler</a:t>
             </a:r>
-            <a:endParaRPr lang="fr-FR" sz="900" dirty="0">
-              <a:solidFill>
-                <a:srgbClr val="0070C0"/>
-              </a:solidFill>
-            </a:endParaRPr>
-          </a:p>
-        </p:txBody>
-      </p:sp>
-      <p:sp>
-        <p:nvSpPr>
-          <p:cNvPr id="9" name="ZoneTexte 8"/>
-          <p:cNvSpPr txBox="1"/>
-          <p:nvPr/>
-        </p:nvSpPr>
-        <p:spPr>
-          <a:xfrm>
-            <a:off x="1000879" y="4575572"/>
-            <a:ext cx="1454096" cy="230832"/>
-          </a:xfrm>
-          <a:prstGeom prst="rect">
-            <a:avLst/>
-          </a:prstGeom>
-          <a:noFill/>
-        </p:spPr>
-        <p:txBody>
-          <a:bodyPr wrap="square" rtlCol="0">
-            <a:spAutoFit/>
-          </a:bodyPr>
-          <a:lstStyle/>
-          <a:p>
-            <a:pPr lvl="0"/>
-            <a:r>
-              <a:rPr lang="fr-FR" sz="900" dirty="0" smtClean="0">
-                <a:solidFill>
-                  <a:srgbClr val="0070C0"/>
-                </a:solidFill>
-              </a:rPr>
-              <a:t>Bobine </a:t>
-            </a:r>
-            <a:r>
-              <a:rPr lang="fr-FR" sz="900" dirty="0" err="1">
-                <a:solidFill>
-                  <a:srgbClr val="0070C0"/>
-                </a:solidFill>
-                <a:latin typeface="Arial" panose="020B0604020202020204" pitchFamily="34" charset="0"/>
-                <a:ea typeface="Times New Roman" panose="02020603050405020304" pitchFamily="18" charset="0"/>
-                <a:cs typeface="Arial" panose="020B0604020202020204" pitchFamily="34" charset="0"/>
-              </a:rPr>
-              <a:t>Wurth</a:t>
-            </a:r>
-            <a:r>
-              <a:rPr lang="fr-FR" sz="900" dirty="0">
-                <a:solidFill>
-                  <a:srgbClr val="0070C0"/>
-                </a:solidFill>
-                <a:latin typeface="Arial" panose="020B0604020202020204" pitchFamily="34" charset="0"/>
-                <a:ea typeface="Times New Roman" panose="02020603050405020304" pitchFamily="18" charset="0"/>
-                <a:cs typeface="Arial" panose="020B0604020202020204" pitchFamily="34" charset="0"/>
-              </a:rPr>
-              <a:t> </a:t>
-            </a:r>
-            <a:r>
-              <a:rPr lang="fr-FR" sz="900" dirty="0" err="1" smtClean="0">
-                <a:solidFill>
-                  <a:srgbClr val="0070C0"/>
-                </a:solidFill>
-                <a:latin typeface="Arial" panose="020B0604020202020204" pitchFamily="34" charset="0"/>
-                <a:ea typeface="Times New Roman" panose="02020603050405020304" pitchFamily="18" charset="0"/>
-                <a:cs typeface="Arial" panose="020B0604020202020204" pitchFamily="34" charset="0"/>
-              </a:rPr>
-              <a:t>Elektronik</a:t>
-            </a:r>
-            <a:endParaRPr lang="fr-FR" sz="900" dirty="0">
-              <a:solidFill>
-                <a:srgbClr val="0070C0"/>
-              </a:solidFill>
-            </a:endParaRPr>
-          </a:p>
-        </p:txBody>
-      </p:sp>
-      <p:sp>
-        <p:nvSpPr>
-          <p:cNvPr id="12" name="ZoneTexte 11"/>
-          <p:cNvSpPr txBox="1"/>
-          <p:nvPr/>
-        </p:nvSpPr>
-        <p:spPr>
-          <a:xfrm>
-            <a:off x="1186337" y="1916875"/>
-            <a:ext cx="1454096" cy="230832"/>
-          </a:xfrm>
-          <a:prstGeom prst="rect">
-            <a:avLst/>
-          </a:prstGeom>
-          <a:noFill/>
-        </p:spPr>
-        <p:txBody>
-          <a:bodyPr wrap="square" rtlCol="0">
-            <a:spAutoFit/>
-          </a:bodyPr>
-          <a:lstStyle/>
-          <a:p>
-            <a:r>
-              <a:rPr lang="fr-FR" sz="900" dirty="0" smtClean="0">
-                <a:solidFill>
-                  <a:srgbClr val="0070C0"/>
-                </a:solidFill>
-              </a:rPr>
-              <a:t>PSM+IAI</a:t>
-            </a:r>
-            <a:endParaRPr lang="fr-FR" sz="900" dirty="0">
-              <a:solidFill>
-                <a:srgbClr val="0070C0"/>
-              </a:solidFill>
-            </a:endParaRPr>
-          </a:p>
-        </p:txBody>
-      </p:sp>
-      <p:sp>
-        <p:nvSpPr>
-          <p:cNvPr id="13" name="ZoneTexte 12"/>
-          <p:cNvSpPr txBox="1"/>
-          <p:nvPr/>
-        </p:nvSpPr>
-        <p:spPr>
-          <a:xfrm>
-            <a:off x="3112751" y="1895222"/>
-            <a:ext cx="1454096" cy="230832"/>
-          </a:xfrm>
-          <a:prstGeom prst="rect">
-            <a:avLst/>
-          </a:prstGeom>
-          <a:noFill/>
-        </p:spPr>
-        <p:txBody>
-          <a:bodyPr wrap="square" rtlCol="0">
-            <a:spAutoFit/>
-          </a:bodyPr>
-          <a:lstStyle/>
-          <a:p>
-            <a:r>
-              <a:rPr lang="fr-FR" sz="900" dirty="0" smtClean="0">
-                <a:solidFill>
-                  <a:srgbClr val="0070C0"/>
-                </a:solidFill>
-              </a:rPr>
-              <a:t>PSM+IAI et ordinateur </a:t>
-            </a:r>
-            <a:endParaRPr lang="fr-FR" sz="900" dirty="0">
-              <a:solidFill>
-                <a:srgbClr val="0070C0"/>
-              </a:solidFill>
-            </a:endParaRPr>
-          </a:p>
-        </p:txBody>
-      </p:sp>
-      <p:sp>
-        <p:nvSpPr>
-          <p:cNvPr id="14" name="ZoneTexte 13"/>
-          <p:cNvSpPr txBox="1"/>
-          <p:nvPr/>
-        </p:nvSpPr>
-        <p:spPr>
-          <a:xfrm>
-            <a:off x="3101224" y="3240092"/>
-            <a:ext cx="1333616" cy="307777"/>
-          </a:xfrm>
-          <a:prstGeom prst="rect">
-            <a:avLst/>
-          </a:prstGeom>
-          <a:noFill/>
-        </p:spPr>
-        <p:txBody>
-          <a:bodyPr wrap="square" rtlCol="0">
-            <a:spAutoFit/>
-          </a:bodyPr>
-          <a:lstStyle/>
-          <a:p>
-            <a:r>
-              <a:rPr lang="fr-FR" dirty="0" smtClean="0">
-                <a:solidFill>
-                  <a:srgbClr val="FF0000"/>
-                </a:solidFill>
-              </a:rPr>
-              <a:t>A compléter </a:t>
-            </a:r>
-            <a:endParaRPr lang="fr-FR" dirty="0">
-              <a:solidFill>
-                <a:srgbClr val="FF0000"/>
-              </a:solidFill>
-            </a:endParaRPr>
+            <a:endParaRPr lang="fr-FR" sz="600" dirty="0"/>
           </a:p>
         </p:txBody>
       </p:sp>
@@ -24459,24 +24846,8 @@
           <a:p>
             <a:pPr marL="0" indent="0"/>
             <a:r>
-              <a:rPr lang="fr-FR" sz="1200" dirty="0" smtClean="0"/>
-              <a:t>22</a:t>
-            </a:r>
-            <a:r>
-              <a:rPr lang="fr-FR" sz="1200" dirty="0" smtClean="0"/>
-              <a:t>/01/2024 </a:t>
-            </a:r>
-            <a:r>
               <a:rPr lang="fr-FR" sz="1200" dirty="0"/>
-              <a:t>- Carine Allaf &amp; Pierre </a:t>
-            </a:r>
-            <a:r>
-              <a:rPr lang="fr-FR" sz="1200" dirty="0" err="1"/>
-              <a:t>Sadeler</a:t>
-            </a:r>
-            <a:r>
-              <a:rPr lang="fr-FR" sz="1200" dirty="0"/>
-              <a:t> – BUT GEII S5 </a:t>
+              <a:t>22/01/2024 - Carine Allaf &amp; Pierre Sadeler – BUT GEII S5 </a:t>
             </a:r>
           </a:p>
         </p:txBody>
@@ -24827,7 +25198,7 @@
                 <a:ea typeface="Times New Roman" panose="02020603050405020304" pitchFamily="18" charset="0"/>
                 <a:cs typeface="Times New Roman" panose="02020603050405020304" pitchFamily="18" charset="0"/>
               </a:rPr>
-              <a:t>Bobines </a:t>
+              <a:t>2 Bobines </a:t>
             </a:r>
             <a:r>
               <a:rPr lang="fr-FR" dirty="0" err="1">
@@ -24860,15 +25231,7 @@
                 <a:ea typeface="Times New Roman" panose="02020603050405020304" pitchFamily="18" charset="0"/>
                 <a:cs typeface="Times New Roman" panose="02020603050405020304" pitchFamily="18" charset="0"/>
               </a:rPr>
-              <a:t>2 bobines </a:t>
-            </a:r>
-            <a:r>
-              <a:rPr lang="fr-FR" dirty="0" err="1">
-                <a:latin typeface="Arial" panose="020B0604020202020204" pitchFamily="34" charset="0"/>
-                <a:ea typeface="Times New Roman" panose="02020603050405020304" pitchFamily="18" charset="0"/>
-                <a:cs typeface="Arial" panose="020B0604020202020204" pitchFamily="34" charset="0"/>
-              </a:rPr>
-              <a:t>Wurth</a:t>
+              <a:t>2 Bobines </a:t>
             </a:r>
             <a:r>
               <a:rPr lang="fr-FR" dirty="0">
@@ -24876,7 +25239,7 @@
                 <a:ea typeface="Times New Roman" panose="02020603050405020304" pitchFamily="18" charset="0"/>
                 <a:cs typeface="Arial" panose="020B0604020202020204" pitchFamily="34" charset="0"/>
               </a:rPr>
-              <a:t> </a:t>
+              <a:t>Wurth </a:t>
             </a:r>
             <a:r>
               <a:rPr lang="fr-FR" dirty="0" err="1">
@@ -25447,6 +25810,36 @@
           </a:prstGeom>
         </p:spPr>
       </p:pic>
+      <p:sp>
+        <p:nvSpPr>
+          <p:cNvPr id="16" name="ZoneTexte 15"/>
+          <p:cNvSpPr txBox="1"/>
+          <p:nvPr/>
+        </p:nvSpPr>
+        <p:spPr>
+          <a:xfrm>
+            <a:off x="180664" y="4718279"/>
+            <a:ext cx="284052" cy="307777"/>
+          </a:xfrm>
+          <a:prstGeom prst="rect">
+            <a:avLst/>
+          </a:prstGeom>
+          <a:noFill/>
+        </p:spPr>
+        <p:txBody>
+          <a:bodyPr wrap="none" rtlCol="0">
+            <a:spAutoFit/>
+          </a:bodyPr>
+          <a:lstStyle/>
+          <a:p>
+            <a:r>
+              <a:rPr lang="fr-FR" dirty="0"/>
+              <a:t>4</a:t>
+            </a:r>
+            <a:endParaRPr lang="fr-FR" dirty="0"/>
+          </a:p>
+        </p:txBody>
+      </p:sp>
     </p:spTree>
     <p:extLst>
       <p:ext uri="{BB962C8B-B14F-4D97-AF65-F5344CB8AC3E}">
@@ -25863,24 +26256,8 @@
           <a:p>
             <a:pPr marL="0" indent="0"/>
             <a:r>
-              <a:rPr lang="fr-FR" sz="1200" dirty="0" smtClean="0"/>
-              <a:t>22</a:t>
-            </a:r>
-            <a:r>
-              <a:rPr lang="fr-FR" sz="1200" dirty="0" smtClean="0"/>
-              <a:t>/01/2024 </a:t>
-            </a:r>
-            <a:r>
               <a:rPr lang="fr-FR" sz="1200" dirty="0"/>
-              <a:t>- Carine Allaf &amp; Pierre </a:t>
-            </a:r>
-            <a:r>
-              <a:rPr lang="fr-FR" sz="1200" dirty="0" err="1"/>
-              <a:t>Sadeler</a:t>
-            </a:r>
-            <a:r>
-              <a:rPr lang="fr-FR" sz="1200" dirty="0"/>
-              <a:t> – BUT GEII S5 </a:t>
+              <a:t>22/01/2024 - Carine Allaf &amp; Pierre Sadeler – BUT GEII S5 </a:t>
             </a:r>
           </a:p>
         </p:txBody>
@@ -25901,7 +26278,7 @@
         </p:nvSpPr>
         <p:spPr>
           <a:xfrm>
-            <a:off x="720000" y="1096129"/>
+            <a:off x="720000" y="946842"/>
             <a:ext cx="2584541" cy="415063"/>
           </a:xfrm>
           <a:prstGeom prst="rect">
@@ -26166,40 +26543,49 @@
           <a:p>
             <a:pPr algn="l"/>
             <a:r>
-              <a:rPr lang="fr-FR" sz="1800" b="1" dirty="0" smtClean="0">
+              <a:rPr lang="fr-FR" sz="1800" b="1" dirty="0">
                 <a:solidFill>
                   <a:srgbClr val="005493"/>
                 </a:solidFill>
               </a:rPr>
-              <a:t>Diagramme de </a:t>
+              <a:t>Diagramme de Gantt</a:t>
             </a:r>
+          </a:p>
+        </p:txBody>
+      </p:sp>
+      <p:sp>
+        <p:nvSpPr>
+          <p:cNvPr id="9" name="ZoneTexte 8"/>
+          <p:cNvSpPr txBox="1"/>
+          <p:nvPr/>
+        </p:nvSpPr>
+        <p:spPr>
+          <a:xfrm>
+            <a:off x="180664" y="4718279"/>
+            <a:ext cx="284052" cy="307777"/>
+          </a:xfrm>
+          <a:prstGeom prst="rect">
+            <a:avLst/>
+          </a:prstGeom>
+          <a:noFill/>
+        </p:spPr>
+        <p:txBody>
+          <a:bodyPr wrap="none" rtlCol="0">
+            <a:spAutoFit/>
+          </a:bodyPr>
+          <a:lstStyle/>
+          <a:p>
             <a:r>
-              <a:rPr lang="fr-FR" sz="1800" b="1" dirty="0">
-                <a:solidFill>
-                  <a:srgbClr val="005493"/>
-                </a:solidFill>
-              </a:rPr>
-              <a:t>G</a:t>
+              <a:rPr lang="fr-FR" dirty="0"/>
+              <a:t>5</a:t>
             </a:r>
-            <a:r>
-              <a:rPr lang="fr-FR" sz="1800" b="1" dirty="0" smtClean="0">
-                <a:solidFill>
-                  <a:srgbClr val="005493"/>
-                </a:solidFill>
-              </a:rPr>
-              <a:t>antt</a:t>
-            </a:r>
-            <a:endParaRPr lang="fr-FR" sz="1800" b="1" dirty="0">
-              <a:solidFill>
-                <a:srgbClr val="005493"/>
-              </a:solidFill>
-            </a:endParaRPr>
+            <a:endParaRPr lang="fr-FR" dirty="0"/>
           </a:p>
         </p:txBody>
       </p:sp>
       <p:pic>
         <p:nvPicPr>
-          <p:cNvPr id="3" name="Image 2"/>
+          <p:cNvPr id="2" name="Image 1"/>
           <p:cNvPicPr>
             <a:picLocks noChangeAspect="1"/>
           </p:cNvPicPr>
@@ -26213,14 +26599,43 @@
         </p:blipFill>
         <p:spPr>
           <a:xfrm>
-            <a:off x="367887" y="1487742"/>
-            <a:ext cx="8408223" cy="2746635"/>
+            <a:off x="322690" y="1361905"/>
+            <a:ext cx="8648640" cy="2975801"/>
           </a:xfrm>
           <a:prstGeom prst="rect">
             <a:avLst/>
           </a:prstGeom>
         </p:spPr>
       </p:pic>
+      <p:sp>
+        <p:nvSpPr>
+          <p:cNvPr id="10" name="Rectangle 9"/>
+          <p:cNvSpPr/>
+          <p:nvPr/>
+        </p:nvSpPr>
+        <p:spPr>
+          <a:xfrm>
+            <a:off x="242476" y="4334108"/>
+            <a:ext cx="1327608" cy="184666"/>
+          </a:xfrm>
+          <a:prstGeom prst="rect">
+            <a:avLst/>
+          </a:prstGeom>
+        </p:spPr>
+        <p:txBody>
+          <a:bodyPr wrap="none">
+            <a:spAutoFit/>
+          </a:bodyPr>
+          <a:lstStyle/>
+          <a:p>
+            <a:r>
+              <a:rPr lang="fr-FR" sz="600" dirty="0" smtClean="0"/>
+              <a:t>Par Allaf Carine et Pierre Sadeler</a:t>
+            </a:r>
+            <a:endParaRPr lang="fr-FR" sz="600" dirty="0"/>
+          </a:p>
+        </p:txBody>
+      </p:sp>
     </p:spTree>
     <p:extLst>
       <p:ext uri="{BB962C8B-B14F-4D97-AF65-F5344CB8AC3E}">
@@ -26937,24 +27352,8 @@
           <a:p>
             <a:pPr marL="0" indent="0"/>
             <a:r>
-              <a:rPr lang="fr-FR" sz="1200" dirty="0" smtClean="0"/>
-              <a:t>22</a:t>
-            </a:r>
-            <a:r>
-              <a:rPr lang="fr-FR" sz="1200" dirty="0" smtClean="0"/>
-              <a:t>/01/2024 </a:t>
-            </a:r>
-            <a:r>
               <a:rPr lang="fr-FR" sz="1200" dirty="0"/>
-              <a:t>- Carine Allaf &amp; Pierre </a:t>
-            </a:r>
-            <a:r>
-              <a:rPr lang="fr-FR" sz="1200" dirty="0" err="1"/>
-              <a:t>Sadeler</a:t>
-            </a:r>
-            <a:r>
-              <a:rPr lang="fr-FR" sz="1200" dirty="0"/>
-              <a:t> – BUT GEII S5 </a:t>
+              <a:t>22/01/2024 - Carine Allaf &amp; Pierre Sadeler – BUT GEII S5 </a:t>
             </a:r>
           </a:p>
         </p:txBody>
@@ -26974,7 +27373,7 @@
         <p:spPr>
           <a:xfrm>
             <a:off x="913875" y="1475789"/>
-            <a:ext cx="2824812" cy="938719"/>
+            <a:ext cx="2824812" cy="769441"/>
           </a:xfrm>
           <a:prstGeom prst="rect">
             <a:avLst/>
@@ -26992,12 +27391,18 @@
               <a:buChar char="•"/>
             </a:pPr>
             <a:r>
-              <a:rPr lang="fr-FR" sz="1100" dirty="0" smtClean="0"/>
-              <a:t>   Conductivité </a:t>
+              <a:rPr lang="fr-FR" sz="1100" dirty="0"/>
+              <a:t>   Conductivité électrique des matériaux</a:t>
             </a:r>
+          </a:p>
+          <a:p>
+            <a:pPr marL="171450" indent="-171450">
+              <a:buFont typeface="Arial" panose="020B0604020202020204" pitchFamily="34" charset="0"/>
+              <a:buChar char="•"/>
+            </a:pPr>
             <a:r>
               <a:rPr lang="fr-FR" sz="1100" dirty="0"/>
-              <a:t>électrique des matériaux</a:t>
+              <a:t>   Induction électromagnétique </a:t>
             </a:r>
           </a:p>
           <a:p>
@@ -27008,26 +27413,6 @@
             <a:r>
               <a:rPr lang="fr-FR" sz="1100" dirty="0"/>
               <a:t>Courant de Foucault </a:t>
-            </a:r>
-          </a:p>
-          <a:p>
-            <a:pPr marL="285750" indent="-285750">
-              <a:buFont typeface="Arial" panose="020B0604020202020204" pitchFamily="34" charset="0"/>
-              <a:buChar char="•"/>
-            </a:pPr>
-            <a:r>
-              <a:rPr lang="fr-FR" sz="1100" dirty="0"/>
-              <a:t>Induction électromagnétique </a:t>
-            </a:r>
-          </a:p>
-          <a:p>
-            <a:pPr marL="285750" indent="-285750">
-              <a:buFont typeface="Arial" panose="020B0604020202020204" pitchFamily="34" charset="0"/>
-              <a:buChar char="•"/>
-            </a:pPr>
-            <a:r>
-              <a:rPr lang="fr-FR" sz="1100" dirty="0"/>
-              <a:t>Loi de Faraday</a:t>
             </a:r>
           </a:p>
           <a:p>
@@ -27057,7 +27442,7 @@
         <p:spPr>
           <a:xfrm>
             <a:off x="937902" y="2703410"/>
-            <a:ext cx="1925527" cy="600164"/>
+            <a:ext cx="2557110" cy="769441"/>
           </a:xfrm>
           <a:prstGeom prst="rect">
             <a:avLst/>
@@ -27096,8 +27481,23 @@
             </a:pPr>
             <a:r>
               <a:rPr lang="fr-FR" sz="1100" dirty="0"/>
-              <a:t>Fréquence d’utilisation </a:t>
+              <a:t>Fréquence </a:t>
             </a:r>
+            <a:r>
+              <a:rPr lang="fr-FR" sz="1100" dirty="0" smtClean="0"/>
+              <a:t>d’utilisation</a:t>
+            </a:r>
+          </a:p>
+          <a:p>
+            <a:pPr marL="285750" indent="-285750">
+              <a:buFont typeface="Arial" panose="020B0604020202020204" pitchFamily="34" charset="0"/>
+              <a:buChar char="•"/>
+            </a:pPr>
+            <a:r>
+              <a:rPr lang="fr-FR" sz="1100" dirty="0" smtClean="0"/>
+              <a:t>Détermination de la conductivité  </a:t>
+            </a:r>
+            <a:endParaRPr lang="fr-FR" sz="1100" dirty="0"/>
           </a:p>
         </p:txBody>
       </p:sp>
@@ -27116,7 +27516,7 @@
         <p:spPr>
           <a:xfrm>
             <a:off x="937902" y="3789666"/>
-            <a:ext cx="572593" cy="738664"/>
+            <a:ext cx="4204997" cy="815608"/>
           </a:xfrm>
           <a:prstGeom prst="rect">
             <a:avLst/>
@@ -27134,8 +27534,8 @@
               <a:buChar char="•"/>
             </a:pPr>
             <a:r>
-              <a:rPr lang="fr-FR" dirty="0"/>
-              <a:t>?</a:t>
+              <a:rPr lang="fr-FR" sz="1100" dirty="0" smtClean="0"/>
+              <a:t>Découverte de l’interface Matlab</a:t>
             </a:r>
           </a:p>
           <a:p>
@@ -27144,9 +27544,29 @@
               <a:buChar char="•"/>
             </a:pPr>
             <a:r>
-              <a:rPr lang="fr-FR" dirty="0"/>
-              <a:t>?</a:t>
+              <a:rPr lang="fr-FR" sz="1100" dirty="0"/>
+              <a:t>Mise en place d'une interface de </a:t>
             </a:r>
+            <a:r>
+              <a:rPr lang="fr-FR" sz="1100" dirty="0" smtClean="0"/>
+              <a:t>récupération </a:t>
+            </a:r>
+            <a:r>
+              <a:rPr lang="fr-FR" sz="1100" dirty="0"/>
+              <a:t>des données </a:t>
+            </a:r>
+            <a:endParaRPr lang="fr-FR" sz="1100" dirty="0"/>
+          </a:p>
+          <a:p>
+            <a:pPr marL="285750" indent="-285750">
+              <a:buFont typeface="Arial" panose="020B0604020202020204" pitchFamily="34" charset="0"/>
+              <a:buChar char="•"/>
+            </a:pPr>
+            <a:r>
+              <a:rPr lang="fr-FR" sz="1100" dirty="0" smtClean="0"/>
+              <a:t>Mise en place d’une interface graphique</a:t>
+            </a:r>
+            <a:endParaRPr lang="fr-FR" sz="1100" dirty="0"/>
           </a:p>
           <a:p>
             <a:endParaRPr lang="fr-FR" dirty="0"/>
@@ -27283,7 +27703,7 @@
         </p:blipFill>
         <p:spPr bwMode="auto">
           <a:xfrm>
-            <a:off x="4897974" y="2595827"/>
+            <a:off x="5881522" y="2425598"/>
             <a:ext cx="2419698" cy="1697890"/>
           </a:xfrm>
           <a:prstGeom prst="rect">
@@ -27340,14 +27760,14 @@
       </p:sp>
       <p:sp>
         <p:nvSpPr>
-          <p:cNvPr id="18" name="ZoneTexte 17"/>
+          <p:cNvPr id="19" name="ZoneTexte 18"/>
           <p:cNvSpPr txBox="1"/>
           <p:nvPr/>
         </p:nvSpPr>
         <p:spPr>
           <a:xfrm>
-            <a:off x="3212188" y="3830286"/>
-            <a:ext cx="1333616" cy="307777"/>
+            <a:off x="180664" y="4718279"/>
+            <a:ext cx="284052" cy="307777"/>
           </a:xfrm>
           <a:prstGeom prst="rect">
             <a:avLst/>
@@ -27355,24 +27775,16 @@
           <a:noFill/>
         </p:spPr>
         <p:txBody>
-          <a:bodyPr wrap="square" rtlCol="0">
+          <a:bodyPr wrap="none" rtlCol="0">
             <a:spAutoFit/>
           </a:bodyPr>
           <a:lstStyle/>
           <a:p>
             <a:r>
-              <a:rPr lang="fr-FR" dirty="0" smtClean="0">
-                <a:solidFill>
-                  <a:srgbClr val="FF0000"/>
-                </a:solidFill>
-              </a:rPr>
-              <a:t>A compléter </a:t>
+              <a:rPr lang="fr-FR" dirty="0"/>
+              <a:t>6</a:t>
             </a:r>
-            <a:endParaRPr lang="fr-FR" dirty="0">
-              <a:solidFill>
-                <a:srgbClr val="FF0000"/>
-              </a:solidFill>
-            </a:endParaRPr>
+            <a:endParaRPr lang="fr-FR" dirty="0"/>
           </a:p>
         </p:txBody>
       </p:sp>
@@ -27817,24 +28229,8 @@
           <a:p>
             <a:pPr marL="0" indent="0"/>
             <a:r>
-              <a:rPr lang="fr-FR" sz="1200" dirty="0" smtClean="0"/>
-              <a:t>22</a:t>
-            </a:r>
-            <a:r>
-              <a:rPr lang="fr-FR" sz="1200" dirty="0" smtClean="0"/>
-              <a:t>/01/2024 </a:t>
-            </a:r>
-            <a:r>
               <a:rPr lang="fr-FR" sz="1200" dirty="0"/>
-              <a:t>- Carine Allaf &amp; Pierre </a:t>
-            </a:r>
-            <a:r>
-              <a:rPr lang="fr-FR" sz="1200" dirty="0" err="1"/>
-              <a:t>Sadeler</a:t>
-            </a:r>
-            <a:r>
-              <a:rPr lang="fr-FR" sz="1200" dirty="0"/>
-              <a:t> – BUT GEII S5 </a:t>
+              <a:t>22/01/2024 - Carine Allaf &amp; Pierre Sadeler – BUT GEII S5 </a:t>
             </a:r>
           </a:p>
         </p:txBody>
@@ -27884,7 +28280,7 @@
           <p:nvPr>
             <p:extLst>
               <p:ext uri="{D42A27DB-BD31-4B8C-83A1-F6EECF244321}">
-                <p14:modId xmlns:p14="http://schemas.microsoft.com/office/powerpoint/2010/main" val="3825266039"/>
+                <p14:modId xmlns:p14="http://schemas.microsoft.com/office/powerpoint/2010/main" val="669702696"/>
               </p:ext>
             </p:extLst>
           </p:nvPr>
@@ -27933,81 +28329,10 @@
                         </a:spcAft>
                       </a:pPr>
                       <a:r>
-                        <a:rPr lang="fr-FR" sz="1100">
+                        <a:rPr lang="fr-FR" sz="1100" dirty="0">
                           <a:effectLst/>
                         </a:rPr>
                         <a:t>Métal</a:t>
-                      </a:r>
-                      <a:endParaRPr lang="x-none" sz="1100">
-                        <a:effectLst/>
-                        <a:latin typeface="Arial" panose="020B0604020202020204" pitchFamily="34" charset="0"/>
-                        <a:ea typeface="Times New Roman" panose="02020603050405020304" pitchFamily="18" charset="0"/>
-                        <a:cs typeface="Times New Roman" panose="02020603050405020304" pitchFamily="18" charset="0"/>
-                      </a:endParaRPr>
-                    </a:p>
-                  </a:txBody>
-                  <a:tcPr marL="95250" marR="95250" marT="95250" marB="95250" anchor="ctr"/>
-                </a:tc>
-                <a:tc>
-                  <a:txBody>
-                    <a:bodyPr/>
-                    <a:lstStyle/>
-                    <a:p>
-                      <a:pPr algn="ctr">
-                        <a:lnSpc>
-                          <a:spcPct val="115000"/>
-                        </a:lnSpc>
-                        <a:spcBef>
-                          <a:spcPts val="500"/>
-                        </a:spcBef>
-                        <a:spcAft>
-                          <a:spcPts val="1000"/>
-                        </a:spcAft>
-                      </a:pPr>
-                      <a:r>
-                        <a:rPr lang="fr-FR" sz="1100">
-                          <a:effectLst/>
-                        </a:rPr>
-                        <a:t>Conductibilité électrique (S/m)</a:t>
-                      </a:r>
-                      <a:endParaRPr lang="x-none" sz="1100">
-                        <a:effectLst/>
-                        <a:latin typeface="Arial" panose="020B0604020202020204" pitchFamily="34" charset="0"/>
-                        <a:ea typeface="Times New Roman" panose="02020603050405020304" pitchFamily="18" charset="0"/>
-                        <a:cs typeface="Times New Roman" panose="02020603050405020304" pitchFamily="18" charset="0"/>
-                      </a:endParaRPr>
-                    </a:p>
-                  </a:txBody>
-                  <a:tcPr marL="95250" marR="95250" marT="95250" marB="95250" anchor="ctr"/>
-                </a:tc>
-                <a:extLst>
-                  <a:ext uri="{0D108BD9-81ED-4DB2-BD59-A6C34878D82A}">
-                    <a16:rowId xmlns:a16="http://schemas.microsoft.com/office/drawing/2014/main" xmlns="" val="3517854003"/>
-                  </a:ext>
-                </a:extLst>
-              </a:tr>
-              <a:tr h="387266">
-                <a:tc>
-                  <a:txBody>
-                    <a:bodyPr/>
-                    <a:lstStyle/>
-                    <a:p>
-                      <a:pPr algn="ctr">
-                        <a:lnSpc>
-                          <a:spcPct val="115000"/>
-                        </a:lnSpc>
-                        <a:spcBef>
-                          <a:spcPts val="500"/>
-                        </a:spcBef>
-                        <a:spcAft>
-                          <a:spcPts val="1000"/>
-                        </a:spcAft>
-                      </a:pPr>
-                      <a:r>
-                        <a:rPr lang="fr-FR" sz="1100" dirty="0">
-                          <a:effectLst/>
-                        </a:rPr>
-                        <a:t>Argent (Ag)</a:t>
                       </a:r>
                       <a:endParaRPr lang="x-none" sz="1100" dirty="0">
                         <a:effectLst/>
@@ -28036,22 +28361,74 @@
                         </a:spcAft>
                       </a:pPr>
                       <a:r>
-                        <a:rPr lang="fr-FR" sz="1100">
+                        <a:rPr lang="fr-FR" sz="1100" dirty="0" smtClean="0"/>
+                        <a:t>Conductivité </a:t>
+                      </a:r>
+                      <a:r>
+                        <a:rPr lang="fr-FR" sz="1100" dirty="0" smtClean="0">
                           <a:effectLst/>
                         </a:rPr>
-                        <a:t>6,30 × 10</a:t>
+                        <a:t>électrique </a:t>
                       </a:r>
                       <a:r>
-                        <a:rPr lang="fr-FR" sz="1100" baseline="30000">
+                        <a:rPr lang="fr-FR" sz="1100" dirty="0">
                           <a:effectLst/>
                         </a:rPr>
-                        <a:t>7</a:t>
+                        <a:t>(S/m)</a:t>
                       </a:r>
-                      <a:endParaRPr lang="x-none" sz="1100">
+                      <a:endParaRPr lang="x-none" sz="1100" dirty="0">
                         <a:effectLst/>
                         <a:latin typeface="Arial" panose="020B0604020202020204" pitchFamily="34" charset="0"/>
                         <a:ea typeface="Times New Roman" panose="02020603050405020304" pitchFamily="18" charset="0"/>
                         <a:cs typeface="Times New Roman" panose="02020603050405020304" pitchFamily="18" charset="0"/>
+                      </a:endParaRPr>
+                    </a:p>
+                  </a:txBody>
+                  <a:tcPr marL="95250" marR="95250" marT="95250" marB="95250" anchor="ctr"/>
+                </a:tc>
+                <a:extLst>
+                  <a:ext uri="{0D108BD9-81ED-4DB2-BD59-A6C34878D82A}">
+                    <a16:rowId xmlns:a16="http://schemas.microsoft.com/office/drawing/2014/main" xmlns="" val="3517854003"/>
+                  </a:ext>
+                </a:extLst>
+              </a:tr>
+              <a:tr h="387266">
+                <a:tc>
+                  <a:txBody>
+                    <a:bodyPr/>
+                    <a:lstStyle/>
+                    <a:p>
+                      <a:pPr algn="ctr"/>
+                      <a:r>
+                        <a:rPr lang="fr-FR" sz="1100" b="0">
+                          <a:effectLst/>
+                        </a:rPr>
+                        <a:t>Bronze</a:t>
+                      </a:r>
+                    </a:p>
+                  </a:txBody>
+                  <a:tcPr marL="95250" marR="95250" marT="95250" marB="95250" anchor="ctr"/>
+                </a:tc>
+                <a:tc>
+                  <a:txBody>
+                    <a:bodyPr/>
+                    <a:lstStyle/>
+                    <a:p>
+                      <a:pPr algn="ctr"/>
+                      <a:r>
+                        <a:rPr lang="fr-FR" sz="1100" b="0" dirty="0">
+                          <a:effectLst/>
+                        </a:rPr>
+                        <a:t>7,4 x 10</a:t>
+                      </a:r>
+                      <a:r>
+                        <a:rPr lang="fr-FR" sz="1100" b="0" baseline="30000" dirty="0">
+                          <a:effectLst/>
+                        </a:rPr>
+                        <a:t>6</a:t>
+                      </a:r>
+                      <a:endParaRPr lang="fr-FR" sz="1100" b="0" dirty="0">
+                        <a:effectLst/>
                       </a:endParaRPr>
                     </a:p>
                   </a:txBody>
@@ -28069,35 +28446,13 @@
                     <a:bodyPr/>
                     <a:lstStyle/>
                     <a:p>
-                      <a:pPr algn="ctr">
-                        <a:lnSpc>
-                          <a:spcPct val="115000"/>
-                        </a:lnSpc>
-                        <a:spcBef>
-                          <a:spcPts val="500"/>
-                        </a:spcBef>
-                        <a:spcAft>
-                          <a:spcPts val="1000"/>
-                        </a:spcAft>
-                      </a:pPr>
+                      <a:pPr algn="ctr"/>
                       <a:r>
-                        <a:rPr lang="fr-FR" sz="1100" dirty="0">
+                        <a:rPr lang="fr-FR" sz="1050" b="0" dirty="0">
                           <a:effectLst/>
-                          <a:highlight>
-                            <a:srgbClr val="005493"/>
-                          </a:highlight>
                         </a:rPr>
-                        <a:t>Cuivre (Cu)</a:t>
+                        <a:t>Cuivre</a:t>
                       </a:r>
-                      <a:endParaRPr lang="x-none" sz="1100" dirty="0">
-                        <a:effectLst/>
-                        <a:highlight>
-                          <a:srgbClr val="005493"/>
-                        </a:highlight>
-                        <a:latin typeface="Arial" panose="020B0604020202020204" pitchFamily="34" charset="0"/>
-                        <a:ea typeface="Times New Roman" panose="02020603050405020304" pitchFamily="18" charset="0"/>
-                        <a:cs typeface="Times New Roman" panose="02020603050405020304" pitchFamily="18" charset="0"/>
-                      </a:endParaRPr>
                     </a:p>
                   </a:txBody>
                   <a:tcPr marL="95250" marR="95250" marT="95250" marB="95250" anchor="ctr"/>
@@ -28107,43 +28462,21 @@
                     <a:bodyPr/>
                     <a:lstStyle/>
                     <a:p>
-                      <a:pPr algn="ctr">
-                        <a:lnSpc>
-                          <a:spcPct val="115000"/>
-                        </a:lnSpc>
-                        <a:spcBef>
-                          <a:spcPts val="500"/>
-                        </a:spcBef>
-                        <a:spcAft>
-                          <a:spcPts val="1000"/>
-                        </a:spcAft>
-                      </a:pPr>
+                      <a:pPr algn="ctr"/>
                       <a:r>
-                        <a:rPr lang="fr-FR" sz="1100" dirty="0">
+                        <a:rPr lang="fr-FR" sz="1050" b="0" dirty="0">
                           <a:effectLst/>
-                          <a:highlight>
-                            <a:srgbClr val="005493"/>
-                          </a:highlight>
                         </a:rPr>
-                        <a:t>5,96 × 10</a:t>
+                        <a:t>60 × 10</a:t>
                       </a:r>
                       <a:r>
-                        <a:rPr lang="fr-FR" sz="1100" baseline="30000" dirty="0">
+                        <a:rPr lang="fr-FR" sz="1050" b="0" baseline="30000" dirty="0">
                           <a:effectLst/>
-                          <a:highlight>
-                            <a:srgbClr val="005493"/>
-                          </a:highlight>
                         </a:rPr>
-                        <a:t>7</a:t>
+                        <a:t>6</a:t>
                       </a:r>
-                      <a:endParaRPr lang="x-none" sz="1100" dirty="0">
+                      <a:endParaRPr lang="fr-FR" sz="1050" b="0" dirty="0">
                         <a:effectLst/>
-                        <a:highlight>
-                          <a:srgbClr val="005493"/>
-                        </a:highlight>
-                        <a:latin typeface="Arial" panose="020B0604020202020204" pitchFamily="34" charset="0"/>
-                        <a:ea typeface="Times New Roman" panose="02020603050405020304" pitchFamily="18" charset="0"/>
-                        <a:cs typeface="Times New Roman" panose="02020603050405020304" pitchFamily="18" charset="0"/>
                       </a:endParaRPr>
                     </a:p>
                   </a:txBody>
@@ -28173,12 +28506,12 @@
                         </a:spcAft>
                       </a:pPr>
                       <a:r>
-                        <a:rPr lang="fr-FR" sz="1100">
+                        <a:rPr lang="fr-FR" sz="1100" dirty="0">
                           <a:effectLst/>
                         </a:rPr>
                         <a:t>Or (Au)</a:t>
                       </a:r>
-                      <a:endParaRPr lang="x-none" sz="1100">
+                      <a:endParaRPr lang="x-none" sz="1100" dirty="0">
                         <a:effectLst/>
                         <a:latin typeface="Arial" panose="020B0604020202020204" pitchFamily="34" charset="0"/>
                         <a:ea typeface="Times New Roman" panose="02020603050405020304" pitchFamily="18" charset="0"/>
@@ -28205,18 +28538,18 @@
                         </a:spcAft>
                       </a:pPr>
                       <a:r>
-                        <a:rPr lang="fr-FR" sz="1100">
+                        <a:rPr lang="fr-FR" sz="1100" dirty="0">
                           <a:effectLst/>
                         </a:rPr>
                         <a:t>4,10 × 10</a:t>
                       </a:r>
                       <a:r>
-                        <a:rPr lang="fr-FR" sz="1100" baseline="30000">
+                        <a:rPr lang="fr-FR" sz="1100" baseline="30000" dirty="0">
                           <a:effectLst/>
                         </a:rPr>
                         <a:t>7</a:t>
                       </a:r>
-                      <a:endParaRPr lang="x-none" sz="1100">
+                      <a:endParaRPr lang="x-none" sz="1100" dirty="0">
                         <a:effectLst/>
                         <a:latin typeface="Arial" panose="020B0604020202020204" pitchFamily="34" charset="0"/>
                         <a:ea typeface="Times New Roman" panose="02020603050405020304" pitchFamily="18" charset="0"/>
@@ -28315,35 +28648,13 @@
                     <a:bodyPr/>
                     <a:lstStyle/>
                     <a:p>
-                      <a:pPr algn="ctr">
-                        <a:lnSpc>
-                          <a:spcPct val="115000"/>
-                        </a:lnSpc>
-                        <a:spcBef>
-                          <a:spcPts val="500"/>
-                        </a:spcBef>
-                        <a:spcAft>
-                          <a:spcPts val="1000"/>
-                        </a:spcAft>
-                      </a:pPr>
+                      <a:pPr algn="ctr"/>
                       <a:r>
-                        <a:rPr lang="fr-FR" sz="1100" dirty="0">
+                        <a:rPr lang="fr-FR" sz="1100" b="0">
                           <a:effectLst/>
-                          <a:highlight>
-                            <a:srgbClr val="005493"/>
-                          </a:highlight>
                         </a:rPr>
-                        <a:t>Fer (Fe)</a:t>
+                        <a:t>Fer</a:t>
                       </a:r>
-                      <a:endParaRPr lang="x-none" sz="1100" dirty="0">
-                        <a:effectLst/>
-                        <a:highlight>
-                          <a:srgbClr val="005493"/>
-                        </a:highlight>
-                        <a:latin typeface="Arial" panose="020B0604020202020204" pitchFamily="34" charset="0"/>
-                        <a:ea typeface="Times New Roman" panose="02020603050405020304" pitchFamily="18" charset="0"/>
-                        <a:cs typeface="Times New Roman" panose="02020603050405020304" pitchFamily="18" charset="0"/>
-                      </a:endParaRPr>
                     </a:p>
                   </a:txBody>
                   <a:tcPr marL="95250" marR="95250" marT="95250" marB="95250" anchor="ctr"/>
@@ -28353,43 +28664,21 @@
                     <a:bodyPr/>
                     <a:lstStyle/>
                     <a:p>
-                      <a:pPr algn="ctr">
-                        <a:lnSpc>
-                          <a:spcPct val="115000"/>
-                        </a:lnSpc>
-                        <a:spcBef>
-                          <a:spcPts val="500"/>
-                        </a:spcBef>
-                        <a:spcAft>
-                          <a:spcPts val="1000"/>
-                        </a:spcAft>
-                      </a:pPr>
+                      <a:pPr algn="ctr"/>
                       <a:r>
-                        <a:rPr lang="fr-FR" sz="1100" dirty="0">
+                        <a:rPr lang="fr-FR" sz="1100" b="0" dirty="0">
                           <a:effectLst/>
-                          <a:highlight>
-                            <a:srgbClr val="005493"/>
-                          </a:highlight>
                         </a:rPr>
-                        <a:t>1,00 x 10</a:t>
+                        <a:t>10 × 10</a:t>
                       </a:r>
                       <a:r>
-                        <a:rPr lang="fr-FR" sz="1100" baseline="30000" dirty="0">
+                        <a:rPr lang="fr-FR" sz="1100" b="0" baseline="30000" dirty="0">
                           <a:effectLst/>
-                          <a:highlight>
-                            <a:srgbClr val="005493"/>
-                          </a:highlight>
                         </a:rPr>
-                        <a:t>7</a:t>
+                        <a:t>6</a:t>
                       </a:r>
-                      <a:endParaRPr lang="x-none" sz="1100" dirty="0">
+                      <a:endParaRPr lang="fr-FR" sz="1100" b="0" dirty="0">
                         <a:effectLst/>
-                        <a:highlight>
-                          <a:srgbClr val="005493"/>
-                        </a:highlight>
-                        <a:latin typeface="Arial" panose="020B0604020202020204" pitchFamily="34" charset="0"/>
-                        <a:ea typeface="Times New Roman" panose="02020603050405020304" pitchFamily="18" charset="0"/>
-                        <a:cs typeface="Times New Roman" panose="02020603050405020304" pitchFamily="18" charset="0"/>
                       </a:endParaRPr>
                     </a:p>
                   </a:txBody>
@@ -29027,6 +29316,73 @@
           </a:prstGeom>
         </p:spPr>
       </p:pic>
+      <p:cxnSp>
+        <p:nvCxnSpPr>
+          <p:cNvPr id="2" name="Google Shape;197;p32">
+            <a:extLst>
+              <a:ext uri="{FF2B5EF4-FFF2-40B4-BE49-F238E27FC236}">
+                <a16:creationId xmlns:a16="http://schemas.microsoft.com/office/drawing/2014/main" xmlns="" id="{AF4F31CF-0796-AFD6-CD99-061C75E53A2C}"/>
+              </a:ext>
+            </a:extLst>
+          </p:cNvPr>
+          <p:cNvCxnSpPr>
+            <a:cxnSpLocks/>
+          </p:cNvCxnSpPr>
+          <p:nvPr/>
+        </p:nvCxnSpPr>
+        <p:spPr>
+          <a:xfrm>
+            <a:off x="5210533" y="1278589"/>
+            <a:ext cx="0" cy="3121801"/>
+          </a:xfrm>
+          <a:prstGeom prst="straightConnector1">
+            <a:avLst/>
+          </a:prstGeom>
+          <a:noFill/>
+          <a:ln w="9525" cap="flat" cmpd="sng">
+            <a:solidFill>
+              <a:schemeClr val="tx1">
+                <a:lumMod val="60000"/>
+                <a:lumOff val="40000"/>
+              </a:schemeClr>
+            </a:solidFill>
+            <a:prstDash val="solid"/>
+            <a:round/>
+            <a:headEnd type="none" w="med" len="med"/>
+            <a:tailEnd type="none" w="med" len="med"/>
+          </a:ln>
+        </p:spPr>
+      </p:cxnSp>
+      <p:sp>
+        <p:nvSpPr>
+          <p:cNvPr id="12" name="ZoneTexte 11"/>
+          <p:cNvSpPr txBox="1"/>
+          <p:nvPr/>
+        </p:nvSpPr>
+        <p:spPr>
+          <a:xfrm>
+            <a:off x="180664" y="4718279"/>
+            <a:ext cx="284052" cy="307777"/>
+          </a:xfrm>
+          <a:prstGeom prst="rect">
+            <a:avLst/>
+          </a:prstGeom>
+          <a:noFill/>
+        </p:spPr>
+        <p:txBody>
+          <a:bodyPr wrap="none" rtlCol="0">
+            <a:spAutoFit/>
+          </a:bodyPr>
+          <a:lstStyle/>
+          <a:p>
+            <a:r>
+              <a:rPr lang="fr-FR" dirty="0" smtClean="0"/>
+              <a:t>7</a:t>
+            </a:r>
+            <a:endParaRPr lang="fr-FR" dirty="0"/>
+          </a:p>
+        </p:txBody>
+      </p:sp>
     </p:spTree>
   </p:cSld>
   <p:clrMapOvr>
@@ -29547,299 +29903,8 @@
           </a:p>
         </p:txBody>
       </p:sp>
-      <p:sp>
-        <p:nvSpPr>
-          <p:cNvPr id="10" name="Google Shape;195;p32">
-            <a:extLst>
-              <a:ext uri="{FF2B5EF4-FFF2-40B4-BE49-F238E27FC236}">
-                <a16:creationId xmlns:a16="http://schemas.microsoft.com/office/drawing/2014/main" xmlns="" id="{922A8834-934E-6955-1101-A4377403782E}"/>
-              </a:ext>
-            </a:extLst>
-          </p:cNvPr>
-          <p:cNvSpPr txBox="1">
-            <a:spLocks/>
-          </p:cNvSpPr>
-          <p:nvPr/>
-        </p:nvSpPr>
-        <p:spPr>
-          <a:xfrm>
-            <a:off x="3182518" y="1323498"/>
-            <a:ext cx="2584541" cy="415063"/>
-          </a:xfrm>
-          <a:prstGeom prst="rect">
-            <a:avLst/>
-          </a:prstGeom>
-          <a:noFill/>
-          <a:ln>
-            <a:noFill/>
-          </a:ln>
-        </p:spPr>
-        <p:txBody>
-          <a:bodyPr spcFirstLastPara="1" wrap="square" lIns="91425" tIns="91425" rIns="91425" bIns="91425" anchor="t" anchorCtr="0">
-            <a:noAutofit/>
-          </a:bodyPr>
-          <a:lstStyle>
-            <a:defPPr marR="0" lvl="0" algn="l" rtl="0">
-              <a:lnSpc>
-                <a:spcPct val="100000"/>
-              </a:lnSpc>
-              <a:spcBef>
-                <a:spcPts val="0"/>
-              </a:spcBef>
-              <a:spcAft>
-                <a:spcPts val="0"/>
-              </a:spcAft>
-            </a:defPPr>
-            <a:lvl1pPr marR="0" lvl="0" algn="r" rtl="0">
-              <a:lnSpc>
-                <a:spcPct val="100000"/>
-              </a:lnSpc>
-              <a:spcBef>
-                <a:spcPts val="0"/>
-              </a:spcBef>
-              <a:spcAft>
-                <a:spcPts val="0"/>
-              </a:spcAft>
-              <a:buClr>
-                <a:schemeClr val="dk1"/>
-              </a:buClr>
-              <a:buSzPts val="3600"/>
-              <a:buFont typeface="Questrial"/>
-              <a:buNone/>
-              <a:defRPr sz="5000" b="0" i="0" u="none" strike="noStrike" cap="none">
-                <a:solidFill>
-                  <a:schemeClr val="dk1"/>
-                </a:solidFill>
-                <a:latin typeface="Questrial"/>
-                <a:ea typeface="Questrial"/>
-                <a:cs typeface="Questrial"/>
-                <a:sym typeface="Questrial"/>
-              </a:defRPr>
-            </a:lvl1pPr>
-            <a:lvl2pPr marR="0" lvl="1" algn="ctr" rtl="0">
-              <a:lnSpc>
-                <a:spcPct val="100000"/>
-              </a:lnSpc>
-              <a:spcBef>
-                <a:spcPts val="0"/>
-              </a:spcBef>
-              <a:spcAft>
-                <a:spcPts val="0"/>
-              </a:spcAft>
-              <a:buClr>
-                <a:schemeClr val="dk1"/>
-              </a:buClr>
-              <a:buSzPts val="3600"/>
-              <a:buFont typeface="Questrial"/>
-              <a:buNone/>
-              <a:defRPr sz="3600" b="0" i="0" u="none" strike="noStrike" cap="none">
-                <a:solidFill>
-                  <a:schemeClr val="dk1"/>
-                </a:solidFill>
-                <a:latin typeface="Questrial"/>
-                <a:ea typeface="Questrial"/>
-                <a:cs typeface="Questrial"/>
-                <a:sym typeface="Questrial"/>
-              </a:defRPr>
-            </a:lvl2pPr>
-            <a:lvl3pPr marR="0" lvl="2" algn="ctr" rtl="0">
-              <a:lnSpc>
-                <a:spcPct val="100000"/>
-              </a:lnSpc>
-              <a:spcBef>
-                <a:spcPts val="0"/>
-              </a:spcBef>
-              <a:spcAft>
-                <a:spcPts val="0"/>
-              </a:spcAft>
-              <a:buClr>
-                <a:schemeClr val="dk1"/>
-              </a:buClr>
-              <a:buSzPts val="3600"/>
-              <a:buFont typeface="Questrial"/>
-              <a:buNone/>
-              <a:defRPr sz="3600" b="0" i="0" u="none" strike="noStrike" cap="none">
-                <a:solidFill>
-                  <a:schemeClr val="dk1"/>
-                </a:solidFill>
-                <a:latin typeface="Questrial"/>
-                <a:ea typeface="Questrial"/>
-                <a:cs typeface="Questrial"/>
-                <a:sym typeface="Questrial"/>
-              </a:defRPr>
-            </a:lvl3pPr>
-            <a:lvl4pPr marR="0" lvl="3" algn="ctr" rtl="0">
-              <a:lnSpc>
-                <a:spcPct val="100000"/>
-              </a:lnSpc>
-              <a:spcBef>
-                <a:spcPts val="0"/>
-              </a:spcBef>
-              <a:spcAft>
-                <a:spcPts val="0"/>
-              </a:spcAft>
-              <a:buClr>
-                <a:schemeClr val="dk1"/>
-              </a:buClr>
-              <a:buSzPts val="3600"/>
-              <a:buFont typeface="Questrial"/>
-              <a:buNone/>
-              <a:defRPr sz="3600" b="0" i="0" u="none" strike="noStrike" cap="none">
-                <a:solidFill>
-                  <a:schemeClr val="dk1"/>
-                </a:solidFill>
-                <a:latin typeface="Questrial"/>
-                <a:ea typeface="Questrial"/>
-                <a:cs typeface="Questrial"/>
-                <a:sym typeface="Questrial"/>
-              </a:defRPr>
-            </a:lvl4pPr>
-            <a:lvl5pPr marR="0" lvl="4" algn="ctr" rtl="0">
-              <a:lnSpc>
-                <a:spcPct val="100000"/>
-              </a:lnSpc>
-              <a:spcBef>
-                <a:spcPts val="0"/>
-              </a:spcBef>
-              <a:spcAft>
-                <a:spcPts val="0"/>
-              </a:spcAft>
-              <a:buClr>
-                <a:schemeClr val="dk1"/>
-              </a:buClr>
-              <a:buSzPts val="3600"/>
-              <a:buFont typeface="Questrial"/>
-              <a:buNone/>
-              <a:defRPr sz="3600" b="0" i="0" u="none" strike="noStrike" cap="none">
-                <a:solidFill>
-                  <a:schemeClr val="dk1"/>
-                </a:solidFill>
-                <a:latin typeface="Questrial"/>
-                <a:ea typeface="Questrial"/>
-                <a:cs typeface="Questrial"/>
-                <a:sym typeface="Questrial"/>
-              </a:defRPr>
-            </a:lvl5pPr>
-            <a:lvl6pPr marR="0" lvl="5" algn="ctr" rtl="0">
-              <a:lnSpc>
-                <a:spcPct val="100000"/>
-              </a:lnSpc>
-              <a:spcBef>
-                <a:spcPts val="0"/>
-              </a:spcBef>
-              <a:spcAft>
-                <a:spcPts val="0"/>
-              </a:spcAft>
-              <a:buClr>
-                <a:schemeClr val="dk1"/>
-              </a:buClr>
-              <a:buSzPts val="3600"/>
-              <a:buFont typeface="Questrial"/>
-              <a:buNone/>
-              <a:defRPr sz="3600" b="0" i="0" u="none" strike="noStrike" cap="none">
-                <a:solidFill>
-                  <a:schemeClr val="dk1"/>
-                </a:solidFill>
-                <a:latin typeface="Questrial"/>
-                <a:ea typeface="Questrial"/>
-                <a:cs typeface="Questrial"/>
-                <a:sym typeface="Questrial"/>
-              </a:defRPr>
-            </a:lvl6pPr>
-            <a:lvl7pPr marR="0" lvl="6" algn="ctr" rtl="0">
-              <a:lnSpc>
-                <a:spcPct val="100000"/>
-              </a:lnSpc>
-              <a:spcBef>
-                <a:spcPts val="0"/>
-              </a:spcBef>
-              <a:spcAft>
-                <a:spcPts val="0"/>
-              </a:spcAft>
-              <a:buClr>
-                <a:schemeClr val="dk1"/>
-              </a:buClr>
-              <a:buSzPts val="3600"/>
-              <a:buFont typeface="Questrial"/>
-              <a:buNone/>
-              <a:defRPr sz="3600" b="0" i="0" u="none" strike="noStrike" cap="none">
-                <a:solidFill>
-                  <a:schemeClr val="dk1"/>
-                </a:solidFill>
-                <a:latin typeface="Questrial"/>
-                <a:ea typeface="Questrial"/>
-                <a:cs typeface="Questrial"/>
-                <a:sym typeface="Questrial"/>
-              </a:defRPr>
-            </a:lvl7pPr>
-            <a:lvl8pPr marR="0" lvl="7" algn="ctr" rtl="0">
-              <a:lnSpc>
-                <a:spcPct val="100000"/>
-              </a:lnSpc>
-              <a:spcBef>
-                <a:spcPts val="0"/>
-              </a:spcBef>
-              <a:spcAft>
-                <a:spcPts val="0"/>
-              </a:spcAft>
-              <a:buClr>
-                <a:schemeClr val="dk1"/>
-              </a:buClr>
-              <a:buSzPts val="3600"/>
-              <a:buFont typeface="Questrial"/>
-              <a:buNone/>
-              <a:defRPr sz="3600" b="0" i="0" u="none" strike="noStrike" cap="none">
-                <a:solidFill>
-                  <a:schemeClr val="dk1"/>
-                </a:solidFill>
-                <a:latin typeface="Questrial"/>
-                <a:ea typeface="Questrial"/>
-                <a:cs typeface="Questrial"/>
-                <a:sym typeface="Questrial"/>
-              </a:defRPr>
-            </a:lvl8pPr>
-            <a:lvl9pPr marR="0" lvl="8" algn="ctr" rtl="0">
-              <a:lnSpc>
-                <a:spcPct val="100000"/>
-              </a:lnSpc>
-              <a:spcBef>
-                <a:spcPts val="0"/>
-              </a:spcBef>
-              <a:spcAft>
-                <a:spcPts val="0"/>
-              </a:spcAft>
-              <a:buClr>
-                <a:schemeClr val="dk1"/>
-              </a:buClr>
-              <a:buSzPts val="3600"/>
-              <a:buFont typeface="Questrial"/>
-              <a:buNone/>
-              <a:defRPr sz="3600" b="0" i="0" u="none" strike="noStrike" cap="none">
-                <a:solidFill>
-                  <a:schemeClr val="dk1"/>
-                </a:solidFill>
-                <a:latin typeface="Questrial"/>
-                <a:ea typeface="Questrial"/>
-                <a:cs typeface="Questrial"/>
-                <a:sym typeface="Questrial"/>
-              </a:defRPr>
-            </a:lvl9pPr>
-          </a:lstStyle>
-          <a:p>
-            <a:pPr algn="l"/>
-            <a:r>
-              <a:rPr lang="fr-FR" sz="1600" b="1" dirty="0">
-                <a:solidFill>
-                  <a:srgbClr val="005493"/>
-                </a:solidFill>
-              </a:rPr>
-              <a:t>Loi de Faraday</a:t>
-            </a:r>
-          </a:p>
-        </p:txBody>
-      </p:sp>
-      <mc:AlternateContent xmlns:mc="http://schemas.openxmlformats.org/markup-compatibility/2006" xmlns:a14="http://schemas.microsoft.com/office/drawing/2010/main">
-        <mc:Choice Requires="a14">
+      <mc:AlternateContent xmlns:mc="http://schemas.openxmlformats.org/markup-compatibility/2006">
+        <mc:Choice xmlns:a14="http://schemas.microsoft.com/office/drawing/2010/main" Requires="a14">
           <p:sp>
             <p:nvSpPr>
               <p:cNvPr id="13" name="TextBox 12">
@@ -29880,7 +29945,7 @@
                   </a:spcAft>
                 </a:pPr>
                 <a:r>
-                  <a:rPr lang="fr-FR" sz="1200" dirty="0">
+                  <a:rPr lang="fr-FR" sz="1200" dirty="0" smtClean="0">
                     <a:effectLst/>
                     <a:latin typeface="Arial" panose="020B0604020202020204" pitchFamily="34" charset="0"/>
                     <a:ea typeface="Times New Roman" panose="02020603050405020304" pitchFamily="18" charset="0"/>
@@ -30137,7 +30202,7 @@
                     </m:oMath>
                   </m:oMathPara>
                 </a14:m>
-                <a:endParaRPr lang="fr-FR" sz="1200" dirty="0" smtClean="0">
+                <a:endParaRPr lang="fr-FR" sz="1400" dirty="0" smtClean="0">
                   <a:effectLst/>
                   <a:latin typeface="Arial" panose="020B0604020202020204" pitchFamily="34" charset="0"/>
                   <a:ea typeface="Times New Roman" panose="02020603050405020304" pitchFamily="18" charset="0"/>
@@ -30156,11 +30221,14 @@
                     <a:spcPts val="1000"/>
                   </a:spcAft>
                 </a:pPr>
-                <a:endParaRPr lang="fr-FR" sz="1200" dirty="0">
-                  <a:latin typeface="Arial" panose="020B0604020202020204" pitchFamily="34" charset="0"/>
-                  <a:ea typeface="Times New Roman" panose="02020603050405020304" pitchFamily="18" charset="0"/>
-                  <a:cs typeface="Times New Roman" panose="02020603050405020304" pitchFamily="18" charset="0"/>
-                </a:endParaRPr>
+                <a:r>
+                  <a:rPr lang="fr-FR" sz="1200" dirty="0"/>
+                  <a:t>E champ électrique </a:t>
+                </a:r>
+                <a:r>
+                  <a:rPr lang="fr-FR" sz="1200" dirty="0" smtClean="0"/>
+                  <a:t>(Volt/mètre)</a:t>
+                </a:r>
               </a:p>
               <a:p>
                 <a:pPr>
@@ -30175,20 +30243,18 @@
                   </a:spcAft>
                 </a:pPr>
                 <a:r>
-                  <a:rPr lang="fr-FR" sz="1200" dirty="0" smtClean="0">
-                    <a:solidFill>
-                      <a:srgbClr val="FF0000"/>
-                    </a:solidFill>
-                    <a:latin typeface="Arial" panose="020B0604020202020204" pitchFamily="34" charset="0"/>
-                    <a:ea typeface="Times New Roman" panose="02020603050405020304" pitchFamily="18" charset="0"/>
-                    <a:cs typeface="Times New Roman" panose="02020603050405020304" pitchFamily="18" charset="0"/>
-                  </a:rPr>
-                  <a:t>??????</a:t>
+                  <a:rPr lang="fr-FR" sz="1200" dirty="0" smtClean="0"/>
+                  <a:t>B </a:t>
+                </a:r>
+                <a:r>
+                  <a:rPr lang="fr-FR" sz="1200" dirty="0"/>
+                  <a:t>champ magnétique </a:t>
+                </a:r>
+                <a:r>
+                  <a:rPr lang="fr-FR" sz="1200" dirty="0" smtClean="0"/>
+                  <a:t>(Tesla)</a:t>
                 </a:r>
                 <a:endParaRPr lang="fr-FR" sz="1200" dirty="0" smtClean="0">
-                  <a:solidFill>
-                    <a:srgbClr val="FF0000"/>
-                  </a:solidFill>
                   <a:effectLst/>
                   <a:latin typeface="Arial" panose="020B0604020202020204" pitchFamily="34" charset="0"/>
                   <a:ea typeface="Times New Roman" panose="02020603050405020304" pitchFamily="18" charset="0"/>
@@ -30198,7 +30264,7 @@
             </p:txBody>
           </p:sp>
         </mc:Choice>
-        <mc:Fallback xmlns="">
+        <mc:Fallback>
           <p:sp>
             <p:nvSpPr>
               <p:cNvPr id="13" name="TextBox 12">
@@ -30224,7 +30290,7 @@
               <a:blipFill rotWithShape="0">
                 <a:blip r:embed="rId4"/>
                 <a:stretch>
-                  <a:fillRect l="-201"/>
+                  <a:fillRect l="-201" b="-293"/>
                 </a:stretch>
               </a:blipFill>
             </p:spPr>
@@ -30825,9 +30891,21 @@
                     <a:ea typeface="Times New Roman" panose="02020603050405020304" pitchFamily="18" charset="0"/>
                     <a:cs typeface="Times New Roman" panose="02020603050405020304" pitchFamily="18" charset="0"/>
                   </a:rPr>
-                  <a:t> Fréquence de courant (Hz)</a:t>
+                  <a:t> Fréquence de courant (</a:t>
                 </a:r>
-                <a:endParaRPr lang="x-none" sz="1100" dirty="0">
+                <a:r>
+                  <a:rPr lang="fr-FR" sz="1100" dirty="0" smtClean="0">
+                    <a:solidFill>
+                      <a:srgbClr val="000000"/>
+                    </a:solidFill>
+                    <a:effectLst/>
+                    <a:latin typeface="Arial" panose="020B0604020202020204" pitchFamily="34" charset="0"/>
+                    <a:ea typeface="Times New Roman" panose="02020603050405020304" pitchFamily="18" charset="0"/>
+                    <a:cs typeface="Times New Roman" panose="02020603050405020304" pitchFamily="18" charset="0"/>
+                  </a:rPr>
+                  <a:t>Hz)</a:t>
+                </a:r>
+                <a:endParaRPr lang="x-none" sz="1100" dirty="0" smtClean="0">
                   <a:latin typeface="Arial" panose="020B0604020202020204" pitchFamily="34" charset="0"/>
                   <a:ea typeface="Times New Roman" panose="02020603050405020304" pitchFamily="18" charset="0"/>
                   <a:cs typeface="Times New Roman" panose="02020603050405020304" pitchFamily="18" charset="0"/>
@@ -30843,7 +30921,7 @@
                   </a:spcAft>
                 </a:pPr>
                 <a:r>
-                  <a:rPr lang="fr-FR" sz="1100" dirty="0">
+                  <a:rPr lang="fr-FR" sz="1100" dirty="0" smtClean="0">
                     <a:solidFill>
                       <a:srgbClr val="000000"/>
                     </a:solidFill>
@@ -30855,7 +30933,7 @@
                   <a:t>µ </a:t>
                 </a:r>
                 <a:r>
-                  <a:rPr lang="fr-FR" sz="1100" dirty="0" err="1">
+                  <a:rPr lang="fr-FR" sz="1100" dirty="0" err="1" smtClean="0">
                     <a:solidFill>
                       <a:srgbClr val="000000"/>
                     </a:solidFill>
@@ -30867,6 +30945,18 @@
                   <a:t>Permabilité</a:t>
                 </a:r>
                 <a:r>
+                  <a:rPr lang="fr-FR" sz="1100" dirty="0" smtClean="0">
+                    <a:solidFill>
+                      <a:srgbClr val="000000"/>
+                    </a:solidFill>
+                    <a:effectLst/>
+                    <a:latin typeface="Arial" panose="020B0604020202020204" pitchFamily="34" charset="0"/>
+                    <a:ea typeface="Times New Roman" panose="02020603050405020304" pitchFamily="18" charset="0"/>
+                    <a:cs typeface="Times New Roman" panose="02020603050405020304" pitchFamily="18" charset="0"/>
+                  </a:rPr>
+                  <a:t> </a:t>
+                </a:r>
+                <a:r>
                   <a:rPr lang="fr-FR" sz="1100" dirty="0">
                     <a:solidFill>
                       <a:srgbClr val="000000"/>
@@ -30876,7 +30966,7 @@
                     <a:ea typeface="Times New Roman" panose="02020603050405020304" pitchFamily="18" charset="0"/>
                     <a:cs typeface="Times New Roman" panose="02020603050405020304" pitchFamily="18" charset="0"/>
                   </a:rPr>
-                  <a:t> magnétique (H/m)</a:t>
+                  <a:t>magnétique (H/m)</a:t>
                 </a:r>
                 <a:endParaRPr lang="x-none" sz="1100" dirty="0">
                   <a:latin typeface="Arial" panose="020B0604020202020204" pitchFamily="34" charset="0"/>
@@ -31287,25 +31377,76 @@
           <a:p>
             <a:pPr marL="0" indent="0"/>
             <a:r>
-              <a:rPr lang="fr-FR" sz="1200" dirty="0" smtClean="0"/>
-              <a:t>22</a:t>
+              <a:rPr lang="fr-FR" sz="1200" dirty="0"/>
+              <a:t>22/01/2024 - Carine Allaf &amp; Pierre Sadeler – BUT GEII S5 </a:t>
             </a:r>
+          </a:p>
+        </p:txBody>
+      </p:sp>
+      <p:cxnSp>
+        <p:nvCxnSpPr>
+          <p:cNvPr id="5" name="Google Shape;197;p32">
+            <a:extLst>
+              <a:ext uri="{FF2B5EF4-FFF2-40B4-BE49-F238E27FC236}">
+                <a16:creationId xmlns:a16="http://schemas.microsoft.com/office/drawing/2014/main" xmlns="" id="{DA72A4EC-9D80-F898-F323-98CF0885F3BD}"/>
+              </a:ext>
+            </a:extLst>
+          </p:cNvPr>
+          <p:cNvCxnSpPr>
+            <a:cxnSpLocks/>
+          </p:cNvCxnSpPr>
+          <p:nvPr/>
+        </p:nvCxnSpPr>
+        <p:spPr>
+          <a:xfrm>
+            <a:off x="5210533" y="1278589"/>
+            <a:ext cx="0" cy="3121801"/>
+          </a:xfrm>
+          <a:prstGeom prst="straightConnector1">
+            <a:avLst/>
+          </a:prstGeom>
+          <a:noFill/>
+          <a:ln w="9525" cap="flat" cmpd="sng">
+            <a:solidFill>
+              <a:schemeClr val="tx1">
+                <a:lumMod val="60000"/>
+                <a:lumOff val="40000"/>
+              </a:schemeClr>
+            </a:solidFill>
+            <a:prstDash val="solid"/>
+            <a:round/>
+            <a:headEnd type="none" w="med" len="med"/>
+            <a:tailEnd type="none" w="med" len="med"/>
+          </a:ln>
+        </p:spPr>
+      </p:cxnSp>
+      <p:sp>
+        <p:nvSpPr>
+          <p:cNvPr id="18" name="ZoneTexte 17"/>
+          <p:cNvSpPr txBox="1"/>
+          <p:nvPr/>
+        </p:nvSpPr>
+        <p:spPr>
+          <a:xfrm>
+            <a:off x="180664" y="4718279"/>
+            <a:ext cx="284052" cy="307777"/>
+          </a:xfrm>
+          <a:prstGeom prst="rect">
+            <a:avLst/>
+          </a:prstGeom>
+          <a:noFill/>
+        </p:spPr>
+        <p:txBody>
+          <a:bodyPr wrap="none" rtlCol="0">
+            <a:spAutoFit/>
+          </a:bodyPr>
+          <a:lstStyle/>
+          <a:p>
             <a:r>
-              <a:rPr lang="fr-FR" sz="1200" dirty="0" smtClean="0"/>
-              <a:t>/01/2024 </a:t>
+              <a:rPr lang="fr-FR" dirty="0" smtClean="0"/>
+              <a:t>8</a:t>
             </a:r>
-            <a:r>
-              <a:rPr lang="fr-FR" sz="1200" dirty="0"/>
-              <a:t>- Carine Allaf &amp; Pierre </a:t>
-            </a:r>
-            <a:r>
-              <a:rPr lang="fr-FR" sz="1200" dirty="0" err="1"/>
-              <a:t>Sadeler</a:t>
-            </a:r>
-            <a:r>
-              <a:rPr lang="fr-FR" sz="1200" dirty="0"/>
-              <a:t> – BUT GEII S5 </a:t>
-            </a:r>
+            <a:endParaRPr lang="fr-FR" dirty="0"/>
           </a:p>
         </p:txBody>
       </p:sp>
@@ -31670,24 +31811,8 @@
           <a:p>
             <a:pPr marL="0" indent="0"/>
             <a:r>
-              <a:rPr lang="fr-FR" sz="1050" dirty="0" smtClean="0"/>
-              <a:t>22</a:t>
-            </a:r>
-            <a:r>
-              <a:rPr lang="fr-FR" sz="1050" dirty="0" smtClean="0"/>
-              <a:t>/01/2024 </a:t>
-            </a:r>
-            <a:r>
               <a:rPr lang="fr-FR" sz="1050" dirty="0"/>
-              <a:t>- Carine Allaf &amp; Pierre </a:t>
-            </a:r>
-            <a:r>
-              <a:rPr lang="fr-FR" sz="1050" dirty="0" err="1"/>
-              <a:t>Sadeler</a:t>
-            </a:r>
-            <a:r>
-              <a:rPr lang="fr-FR" sz="1050" dirty="0"/>
-              <a:t> – BUT GEII S5 </a:t>
+              <a:t>22/01/2024 - Carine Allaf &amp; Pierre Sadeler – BUT GEII S5 </a:t>
             </a:r>
           </a:p>
         </p:txBody>
@@ -31738,7 +31863,7 @@
         </p:nvSpPr>
         <p:spPr>
           <a:xfrm>
-            <a:off x="166637" y="282182"/>
+            <a:off x="240989" y="275572"/>
             <a:ext cx="816985" cy="841800"/>
           </a:xfrm>
           <a:prstGeom prst="rect">
@@ -32025,420 +32150,6 @@
           </a:ln>
         </p:spPr>
       </p:cxnSp>
-      <p:sp>
-        <p:nvSpPr>
-          <p:cNvPr id="14" name="TextBox 13">
-            <a:extLst>
-              <a:ext uri="{FF2B5EF4-FFF2-40B4-BE49-F238E27FC236}">
-                <a16:creationId xmlns:a16="http://schemas.microsoft.com/office/drawing/2014/main" xmlns="" id="{C95B4356-D0D6-06CC-5FDF-27A2D26B5BE0}"/>
-              </a:ext>
-            </a:extLst>
-          </p:cNvPr>
-          <p:cNvSpPr txBox="1"/>
-          <p:nvPr/>
-        </p:nvSpPr>
-        <p:spPr>
-          <a:xfrm>
-            <a:off x="3905827" y="1441931"/>
-            <a:ext cx="4766442" cy="3245184"/>
-          </a:xfrm>
-          <a:prstGeom prst="rect">
-            <a:avLst/>
-          </a:prstGeom>
-          <a:noFill/>
-        </p:spPr>
-        <p:txBody>
-          <a:bodyPr wrap="square">
-            <a:spAutoFit/>
-          </a:bodyPr>
-          <a:lstStyle/>
-          <a:p>
-            <a:pPr algn="ctr">
-              <a:lnSpc>
-                <a:spcPct val="115000"/>
-              </a:lnSpc>
-              <a:spcBef>
-                <a:spcPts val="500"/>
-              </a:spcBef>
-              <a:spcAft>
-                <a:spcPts val="1000"/>
-              </a:spcAft>
-            </a:pPr>
-            <a:r>
-              <a:rPr lang="fr-FR" sz="900" i="1" dirty="0">
-                <a:effectLst/>
-                <a:latin typeface="Arial" panose="020B0604020202020204" pitchFamily="34" charset="0"/>
-                <a:ea typeface="Times New Roman" panose="02020603050405020304" pitchFamily="18" charset="0"/>
-                <a:cs typeface="Times New Roman" panose="02020603050405020304" pitchFamily="18" charset="0"/>
-              </a:rPr>
-              <a:t>Protocole de réglage du PSM1735 + IAI en manuelle </a:t>
-            </a:r>
-            <a:endParaRPr lang="x-none" sz="900" dirty="0">
-              <a:effectLst/>
-              <a:latin typeface="Arial" panose="020B0604020202020204" pitchFamily="34" charset="0"/>
-              <a:ea typeface="Times New Roman" panose="02020603050405020304" pitchFamily="18" charset="0"/>
-              <a:cs typeface="Times New Roman" panose="02020603050405020304" pitchFamily="18" charset="0"/>
-            </a:endParaRPr>
-          </a:p>
-          <a:p>
-            <a:pPr lvl="0" algn="l">
-              <a:lnSpc>
-                <a:spcPct val="107000"/>
-              </a:lnSpc>
-              <a:spcBef>
-                <a:spcPts val="500"/>
-              </a:spcBef>
-              <a:spcAft>
-                <a:spcPts val="800"/>
-              </a:spcAft>
-              <a:tabLst>
-                <a:tab pos="1057275" algn="l"/>
-              </a:tabLst>
-            </a:pPr>
-            <a:r>
-              <a:rPr lang="fr-FR" sz="900" dirty="0">
-                <a:effectLst/>
-                <a:latin typeface="Arial" panose="020B0604020202020204" pitchFamily="34" charset="0"/>
-                <a:ea typeface="Times New Roman" panose="02020603050405020304" pitchFamily="18" charset="0"/>
-                <a:cs typeface="Times New Roman" panose="02020603050405020304" pitchFamily="18" charset="0"/>
-              </a:rPr>
-              <a:t>Connecter le PSM1735 et l’IAI grâce à une NAP sur le port « EXTENSION »</a:t>
-            </a:r>
-            <a:endParaRPr lang="x-none" sz="900" dirty="0">
-              <a:effectLst/>
-              <a:latin typeface="Arial" panose="020B0604020202020204" pitchFamily="34" charset="0"/>
-              <a:ea typeface="Times New Roman" panose="02020603050405020304" pitchFamily="18" charset="0"/>
-              <a:cs typeface="Times New Roman" panose="02020603050405020304" pitchFamily="18" charset="0"/>
-            </a:endParaRPr>
-          </a:p>
-          <a:p>
-            <a:pPr algn="l">
-              <a:lnSpc>
-                <a:spcPct val="107000"/>
-              </a:lnSpc>
-              <a:spcBef>
-                <a:spcPts val="500"/>
-              </a:spcBef>
-              <a:spcAft>
-                <a:spcPts val="800"/>
-              </a:spcAft>
-              <a:tabLst>
-                <a:tab pos="1057275" algn="l"/>
-              </a:tabLst>
-            </a:pPr>
-            <a:r>
-              <a:rPr lang="fr-FR" sz="700" dirty="0">
-                <a:solidFill>
-                  <a:srgbClr val="0070C0"/>
-                </a:solidFill>
-                <a:effectLst/>
-                <a:latin typeface="Arial" panose="020B0604020202020204" pitchFamily="34" charset="0"/>
-                <a:ea typeface="Times New Roman" panose="02020603050405020304" pitchFamily="18" charset="0"/>
-                <a:cs typeface="Times New Roman" panose="02020603050405020304" pitchFamily="18" charset="0"/>
-              </a:rPr>
-              <a:t>*Pour établir la connexion </a:t>
-            </a:r>
-            <a:endParaRPr lang="x-none" sz="900" dirty="0">
-              <a:effectLst/>
-              <a:latin typeface="Arial" panose="020B0604020202020204" pitchFamily="34" charset="0"/>
-              <a:ea typeface="Times New Roman" panose="02020603050405020304" pitchFamily="18" charset="0"/>
-              <a:cs typeface="Times New Roman" panose="02020603050405020304" pitchFamily="18" charset="0"/>
-            </a:endParaRPr>
-          </a:p>
-          <a:p>
-            <a:pPr lvl="0" algn="l">
-              <a:lnSpc>
-                <a:spcPct val="107000"/>
-              </a:lnSpc>
-              <a:spcBef>
-                <a:spcPts val="500"/>
-              </a:spcBef>
-              <a:spcAft>
-                <a:spcPts val="800"/>
-              </a:spcAft>
-              <a:tabLst>
-                <a:tab pos="1057275" algn="l"/>
-              </a:tabLst>
-            </a:pPr>
-            <a:r>
-              <a:rPr lang="fr-FR" sz="900" dirty="0">
-                <a:effectLst/>
-                <a:latin typeface="Arial" panose="020B0604020202020204" pitchFamily="34" charset="0"/>
-                <a:ea typeface="Times New Roman" panose="02020603050405020304" pitchFamily="18" charset="0"/>
-                <a:cs typeface="Times New Roman" panose="02020603050405020304" pitchFamily="18" charset="0"/>
-              </a:rPr>
-              <a:t>Les mettre sous tension grâce au câble d’alimentation</a:t>
-            </a:r>
-            <a:endParaRPr lang="x-none" sz="900" dirty="0">
-              <a:effectLst/>
-              <a:latin typeface="Arial" panose="020B0604020202020204" pitchFamily="34" charset="0"/>
-              <a:ea typeface="Times New Roman" panose="02020603050405020304" pitchFamily="18" charset="0"/>
-              <a:cs typeface="Times New Roman" panose="02020603050405020304" pitchFamily="18" charset="0"/>
-            </a:endParaRPr>
-          </a:p>
-          <a:p>
-            <a:pPr marL="457200" algn="just">
-              <a:lnSpc>
-                <a:spcPct val="115000"/>
-              </a:lnSpc>
-              <a:tabLst>
-                <a:tab pos="1057275" algn="l"/>
-              </a:tabLst>
-            </a:pPr>
-            <a:r>
-              <a:rPr lang="fr-FR" sz="900" dirty="0">
-                <a:effectLst/>
-                <a:latin typeface="Arial" panose="020B0604020202020204" pitchFamily="34" charset="0"/>
-                <a:ea typeface="Times New Roman" panose="02020603050405020304" pitchFamily="18" charset="0"/>
-                <a:cs typeface="Times New Roman" panose="02020603050405020304" pitchFamily="18" charset="0"/>
-              </a:rPr>
-              <a:t> </a:t>
-            </a:r>
-            <a:endParaRPr lang="x-none" sz="900" dirty="0">
-              <a:effectLst/>
-              <a:latin typeface="Arial" panose="020B0604020202020204" pitchFamily="34" charset="0"/>
-              <a:ea typeface="Times New Roman" panose="02020603050405020304" pitchFamily="18" charset="0"/>
-              <a:cs typeface="Times New Roman" panose="02020603050405020304" pitchFamily="18" charset="0"/>
-            </a:endParaRPr>
-          </a:p>
-          <a:p>
-            <a:pPr lvl="0" algn="l">
-              <a:lnSpc>
-                <a:spcPct val="107000"/>
-              </a:lnSpc>
-              <a:spcAft>
-                <a:spcPts val="800"/>
-              </a:spcAft>
-              <a:tabLst>
-                <a:tab pos="1057275" algn="l"/>
-              </a:tabLst>
-            </a:pPr>
-            <a:r>
-              <a:rPr lang="fr-FR" sz="900" dirty="0">
-                <a:effectLst/>
-                <a:latin typeface="Arial" panose="020B0604020202020204" pitchFamily="34" charset="0"/>
-                <a:ea typeface="Times New Roman" panose="02020603050405020304" pitchFamily="18" charset="0"/>
-                <a:cs typeface="Times New Roman" panose="02020603050405020304" pitchFamily="18" charset="0"/>
-              </a:rPr>
-              <a:t>Sur le PSM aller dans le menu « AUX » et choisir « IAI » LCD shunt -&gt; NORMAL </a:t>
-            </a:r>
-            <a:endParaRPr lang="x-none" sz="900" dirty="0">
-              <a:effectLst/>
-              <a:latin typeface="Arial" panose="020B0604020202020204" pitchFamily="34" charset="0"/>
-              <a:ea typeface="Times New Roman" panose="02020603050405020304" pitchFamily="18" charset="0"/>
-              <a:cs typeface="Times New Roman" panose="02020603050405020304" pitchFamily="18" charset="0"/>
-            </a:endParaRPr>
-          </a:p>
-          <a:p>
-            <a:pPr algn="l">
-              <a:lnSpc>
-                <a:spcPct val="107000"/>
-              </a:lnSpc>
-              <a:spcBef>
-                <a:spcPts val="500"/>
-              </a:spcBef>
-              <a:spcAft>
-                <a:spcPts val="800"/>
-              </a:spcAft>
-              <a:tabLst>
-                <a:tab pos="1057275" algn="l"/>
-              </a:tabLst>
-            </a:pPr>
-            <a:r>
-              <a:rPr lang="fr-FR" sz="700" dirty="0">
-                <a:solidFill>
-                  <a:srgbClr val="0070C0"/>
-                </a:solidFill>
-                <a:effectLst/>
-                <a:latin typeface="Arial" panose="020B0604020202020204" pitchFamily="34" charset="0"/>
-                <a:ea typeface="Times New Roman" panose="02020603050405020304" pitchFamily="18" charset="0"/>
-                <a:cs typeface="Times New Roman" panose="02020603050405020304" pitchFamily="18" charset="0"/>
-              </a:rPr>
-              <a:t>*Allumage de la </a:t>
-            </a:r>
-            <a:r>
-              <a:rPr lang="fr-FR" sz="700" dirty="0" err="1">
-                <a:solidFill>
-                  <a:srgbClr val="0070C0"/>
-                </a:solidFill>
-                <a:effectLst/>
-                <a:latin typeface="Arial" panose="020B0604020202020204" pitchFamily="34" charset="0"/>
-                <a:ea typeface="Times New Roman" panose="02020603050405020304" pitchFamily="18" charset="0"/>
-                <a:cs typeface="Times New Roman" panose="02020603050405020304" pitchFamily="18" charset="0"/>
-              </a:rPr>
-              <a:t>Led</a:t>
-            </a:r>
-            <a:r>
-              <a:rPr lang="fr-FR" sz="700" dirty="0">
-                <a:solidFill>
-                  <a:srgbClr val="0070C0"/>
-                </a:solidFill>
-                <a:effectLst/>
-                <a:latin typeface="Arial" panose="020B0604020202020204" pitchFamily="34" charset="0"/>
-                <a:ea typeface="Times New Roman" panose="02020603050405020304" pitchFamily="18" charset="0"/>
-                <a:cs typeface="Times New Roman" panose="02020603050405020304" pitchFamily="18" charset="0"/>
-              </a:rPr>
-              <a:t> « NORMAL » sur l’IAI </a:t>
-            </a:r>
-            <a:endParaRPr lang="x-none" sz="900" dirty="0">
-              <a:effectLst/>
-              <a:latin typeface="Arial" panose="020B0604020202020204" pitchFamily="34" charset="0"/>
-              <a:ea typeface="Times New Roman" panose="02020603050405020304" pitchFamily="18" charset="0"/>
-              <a:cs typeface="Times New Roman" panose="02020603050405020304" pitchFamily="18" charset="0"/>
-            </a:endParaRPr>
-          </a:p>
-          <a:p>
-            <a:pPr lvl="0" algn="l">
-              <a:lnSpc>
-                <a:spcPct val="107000"/>
-              </a:lnSpc>
-              <a:spcBef>
-                <a:spcPts val="500"/>
-              </a:spcBef>
-              <a:spcAft>
-                <a:spcPts val="800"/>
-              </a:spcAft>
-              <a:tabLst>
-                <a:tab pos="1057275" algn="l"/>
-              </a:tabLst>
-            </a:pPr>
-            <a:r>
-              <a:rPr lang="fr-FR" sz="900" dirty="0">
-                <a:effectLst/>
-                <a:latin typeface="Arial" panose="020B0604020202020204" pitchFamily="34" charset="0"/>
-                <a:ea typeface="Times New Roman" panose="02020603050405020304" pitchFamily="18" charset="0"/>
-                <a:cs typeface="Times New Roman" panose="02020603050405020304" pitchFamily="18" charset="0"/>
-              </a:rPr>
-              <a:t>Aller dans le menu « OUT » du PSM, et mettre la sortie « OUT » sur « ON »</a:t>
-            </a:r>
-            <a:endParaRPr lang="x-none" sz="900" dirty="0">
-              <a:effectLst/>
-              <a:latin typeface="Arial" panose="020B0604020202020204" pitchFamily="34" charset="0"/>
-              <a:ea typeface="Times New Roman" panose="02020603050405020304" pitchFamily="18" charset="0"/>
-              <a:cs typeface="Times New Roman" panose="02020603050405020304" pitchFamily="18" charset="0"/>
-            </a:endParaRPr>
-          </a:p>
-          <a:p>
-            <a:pPr algn="l">
-              <a:lnSpc>
-                <a:spcPct val="107000"/>
-              </a:lnSpc>
-              <a:spcBef>
-                <a:spcPts val="500"/>
-              </a:spcBef>
-              <a:spcAft>
-                <a:spcPts val="800"/>
-              </a:spcAft>
-              <a:tabLst>
-                <a:tab pos="1057275" algn="l"/>
-              </a:tabLst>
-            </a:pPr>
-            <a:r>
-              <a:rPr lang="fr-FR" sz="700" dirty="0">
-                <a:solidFill>
-                  <a:srgbClr val="0070C0"/>
-                </a:solidFill>
-                <a:effectLst/>
-                <a:latin typeface="Arial" panose="020B0604020202020204" pitchFamily="34" charset="0"/>
-                <a:ea typeface="Times New Roman" panose="02020603050405020304" pitchFamily="18" charset="0"/>
-                <a:cs typeface="Times New Roman" panose="02020603050405020304" pitchFamily="18" charset="0"/>
-              </a:rPr>
-              <a:t>*Allumage de la </a:t>
-            </a:r>
-            <a:r>
-              <a:rPr lang="fr-FR" sz="700" dirty="0" err="1">
-                <a:solidFill>
-                  <a:srgbClr val="0070C0"/>
-                </a:solidFill>
-                <a:effectLst/>
-                <a:latin typeface="Arial" panose="020B0604020202020204" pitchFamily="34" charset="0"/>
-                <a:ea typeface="Times New Roman" panose="02020603050405020304" pitchFamily="18" charset="0"/>
-                <a:cs typeface="Times New Roman" panose="02020603050405020304" pitchFamily="18" charset="0"/>
-              </a:rPr>
-              <a:t>Led</a:t>
-            </a:r>
-            <a:r>
-              <a:rPr lang="fr-FR" sz="700" dirty="0">
-                <a:solidFill>
-                  <a:srgbClr val="0070C0"/>
-                </a:solidFill>
-                <a:effectLst/>
-                <a:latin typeface="Arial" panose="020B0604020202020204" pitchFamily="34" charset="0"/>
-                <a:ea typeface="Times New Roman" panose="02020603050405020304" pitchFamily="18" charset="0"/>
-                <a:cs typeface="Times New Roman" panose="02020603050405020304" pitchFamily="18" charset="0"/>
-              </a:rPr>
-              <a:t> « OUT » sur le PSM </a:t>
-            </a:r>
-            <a:endParaRPr lang="x-none" sz="900" dirty="0">
-              <a:effectLst/>
-              <a:latin typeface="Arial" panose="020B0604020202020204" pitchFamily="34" charset="0"/>
-              <a:ea typeface="Times New Roman" panose="02020603050405020304" pitchFamily="18" charset="0"/>
-              <a:cs typeface="Times New Roman" panose="02020603050405020304" pitchFamily="18" charset="0"/>
-            </a:endParaRPr>
-          </a:p>
-          <a:p>
-            <a:pPr lvl="0" algn="l">
-              <a:lnSpc>
-                <a:spcPct val="107000"/>
-              </a:lnSpc>
-              <a:spcBef>
-                <a:spcPts val="500"/>
-              </a:spcBef>
-              <a:spcAft>
-                <a:spcPts val="800"/>
-              </a:spcAft>
-              <a:tabLst>
-                <a:tab pos="1057275" algn="l"/>
-              </a:tabLst>
-            </a:pPr>
-            <a:r>
-              <a:rPr lang="fr-FR" sz="900" dirty="0">
-                <a:effectLst/>
-                <a:latin typeface="Arial" panose="020B0604020202020204" pitchFamily="34" charset="0"/>
-                <a:ea typeface="Times New Roman" panose="02020603050405020304" pitchFamily="18" charset="0"/>
-                <a:cs typeface="Times New Roman" panose="02020603050405020304" pitchFamily="18" charset="0"/>
-              </a:rPr>
-              <a:t>Toujours dans le menu « OUT » régler la fréquence (dans notre cas on fixe la fréquence à 33kHz</a:t>
-            </a:r>
-            <a:endParaRPr lang="fr-FR" sz="900" dirty="0">
-              <a:latin typeface="Arial" panose="020B0604020202020204" pitchFamily="34" charset="0"/>
-              <a:ea typeface="Times New Roman" panose="02020603050405020304" pitchFamily="18" charset="0"/>
-              <a:cs typeface="Times New Roman" panose="02020603050405020304" pitchFamily="18" charset="0"/>
-            </a:endParaRPr>
-          </a:p>
-          <a:p>
-            <a:pPr lvl="0" algn="l">
-              <a:lnSpc>
-                <a:spcPct val="107000"/>
-              </a:lnSpc>
-              <a:spcBef>
-                <a:spcPts val="500"/>
-              </a:spcBef>
-              <a:spcAft>
-                <a:spcPts val="800"/>
-              </a:spcAft>
-              <a:tabLst>
-                <a:tab pos="1057275" algn="l"/>
-              </a:tabLst>
-            </a:pPr>
-            <a:r>
-              <a:rPr lang="fr-FR" sz="900" dirty="0">
-                <a:effectLst/>
-                <a:latin typeface="Arial" panose="020B0604020202020204" pitchFamily="34" charset="0"/>
-                <a:ea typeface="Times New Roman" panose="02020603050405020304" pitchFamily="18" charset="0"/>
-                <a:cs typeface="Times New Roman" panose="02020603050405020304" pitchFamily="18" charset="0"/>
-              </a:rPr>
-              <a:t>Aller dans le menu « LCR » pour observer les résultats</a:t>
-            </a:r>
-            <a:endParaRPr lang="x-none" sz="1400" dirty="0">
-              <a:effectLst/>
-              <a:latin typeface="Arial" panose="020B0604020202020204" pitchFamily="34" charset="0"/>
-              <a:ea typeface="Times New Roman" panose="02020603050405020304" pitchFamily="18" charset="0"/>
-              <a:cs typeface="Times New Roman" panose="02020603050405020304" pitchFamily="18" charset="0"/>
-            </a:endParaRPr>
-          </a:p>
-        </p:txBody>
-      </p:sp>
       <p:pic>
         <p:nvPicPr>
           <p:cNvPr id="16" name="Picture 15" descr="A diagram of a diagram&#10;&#10;Description automatically generated">
@@ -32461,7 +32172,7 @@
         </p:blipFill>
         <p:spPr>
           <a:xfrm>
-            <a:off x="471493" y="1561193"/>
+            <a:off x="318028" y="1085077"/>
             <a:ext cx="3124200" cy="1397000"/>
           </a:xfrm>
           <a:prstGeom prst="rect">
@@ -32485,7 +32196,7 @@
         </p:nvSpPr>
         <p:spPr>
           <a:xfrm>
-            <a:off x="783965" y="1093679"/>
+            <a:off x="987933" y="862023"/>
             <a:ext cx="2584541" cy="415063"/>
           </a:xfrm>
           <a:prstGeom prst="rect">
@@ -32767,313 +32478,163 @@
       </p:sp>
       <p:sp>
         <p:nvSpPr>
-          <p:cNvPr id="18" name="Google Shape;195;p32">
-            <a:extLst>
-              <a:ext uri="{FF2B5EF4-FFF2-40B4-BE49-F238E27FC236}">
-                <a16:creationId xmlns:a16="http://schemas.microsoft.com/office/drawing/2014/main" xmlns="" id="{4F61E5A8-A2E1-F044-6F97-902316A3F309}"/>
-              </a:ext>
-            </a:extLst>
-          </p:cNvPr>
-          <p:cNvSpPr txBox="1">
-            <a:spLocks/>
-          </p:cNvSpPr>
+          <p:cNvPr id="3" name="Rectangle 2"/>
+          <p:cNvSpPr/>
           <p:nvPr/>
         </p:nvSpPr>
         <p:spPr>
           <a:xfrm>
-            <a:off x="3905827" y="1016556"/>
-            <a:ext cx="2584541" cy="415063"/>
+            <a:off x="4474789" y="1921013"/>
+            <a:ext cx="1505540" cy="200055"/>
           </a:xfrm>
           <a:prstGeom prst="rect">
             <a:avLst/>
           </a:prstGeom>
-          <a:noFill/>
-          <a:ln>
-            <a:noFill/>
-          </a:ln>
         </p:spPr>
         <p:txBody>
-          <a:bodyPr spcFirstLastPara="1" wrap="square" lIns="91425" tIns="91425" rIns="91425" bIns="91425" anchor="t" anchorCtr="0">
-            <a:noAutofit/>
+          <a:bodyPr wrap="none">
+            <a:spAutoFit/>
           </a:bodyPr>
-          <a:lstStyle>
-            <a:defPPr marR="0" lvl="0" algn="l" rtl="0">
-              <a:lnSpc>
-                <a:spcPct val="100000"/>
-              </a:lnSpc>
-              <a:spcBef>
-                <a:spcPts val="0"/>
-              </a:spcBef>
-              <a:spcAft>
-                <a:spcPts val="0"/>
-              </a:spcAft>
-            </a:defPPr>
-            <a:lvl1pPr marR="0" lvl="0" algn="r" rtl="0">
-              <a:lnSpc>
-                <a:spcPct val="100000"/>
-              </a:lnSpc>
-              <a:spcBef>
-                <a:spcPts val="0"/>
-              </a:spcBef>
-              <a:spcAft>
-                <a:spcPts val="0"/>
-              </a:spcAft>
-              <a:buClr>
-                <a:schemeClr val="dk1"/>
-              </a:buClr>
-              <a:buSzPts val="3600"/>
-              <a:buFont typeface="Questrial"/>
-              <a:buNone/>
-              <a:defRPr sz="5000" b="0" i="0" u="none" strike="noStrike" cap="none">
-                <a:solidFill>
-                  <a:schemeClr val="dk1"/>
-                </a:solidFill>
-                <a:latin typeface="Questrial"/>
-                <a:ea typeface="Questrial"/>
-                <a:cs typeface="Questrial"/>
-                <a:sym typeface="Questrial"/>
-              </a:defRPr>
-            </a:lvl1pPr>
-            <a:lvl2pPr marR="0" lvl="1" algn="ctr" rtl="0">
-              <a:lnSpc>
-                <a:spcPct val="100000"/>
-              </a:lnSpc>
-              <a:spcBef>
-                <a:spcPts val="0"/>
-              </a:spcBef>
-              <a:spcAft>
-                <a:spcPts val="0"/>
-              </a:spcAft>
-              <a:buClr>
-                <a:schemeClr val="dk1"/>
-              </a:buClr>
-              <a:buSzPts val="3600"/>
-              <a:buFont typeface="Questrial"/>
-              <a:buNone/>
-              <a:defRPr sz="3600" b="0" i="0" u="none" strike="noStrike" cap="none">
-                <a:solidFill>
-                  <a:schemeClr val="dk1"/>
-                </a:solidFill>
-                <a:latin typeface="Questrial"/>
-                <a:ea typeface="Questrial"/>
-                <a:cs typeface="Questrial"/>
-                <a:sym typeface="Questrial"/>
-              </a:defRPr>
-            </a:lvl2pPr>
-            <a:lvl3pPr marR="0" lvl="2" algn="ctr" rtl="0">
-              <a:lnSpc>
-                <a:spcPct val="100000"/>
-              </a:lnSpc>
-              <a:spcBef>
-                <a:spcPts val="0"/>
-              </a:spcBef>
-              <a:spcAft>
-                <a:spcPts val="0"/>
-              </a:spcAft>
-              <a:buClr>
-                <a:schemeClr val="dk1"/>
-              </a:buClr>
-              <a:buSzPts val="3600"/>
-              <a:buFont typeface="Questrial"/>
-              <a:buNone/>
-              <a:defRPr sz="3600" b="0" i="0" u="none" strike="noStrike" cap="none">
-                <a:solidFill>
-                  <a:schemeClr val="dk1"/>
-                </a:solidFill>
-                <a:latin typeface="Questrial"/>
-                <a:ea typeface="Questrial"/>
-                <a:cs typeface="Questrial"/>
-                <a:sym typeface="Questrial"/>
-              </a:defRPr>
-            </a:lvl3pPr>
-            <a:lvl4pPr marR="0" lvl="3" algn="ctr" rtl="0">
-              <a:lnSpc>
-                <a:spcPct val="100000"/>
-              </a:lnSpc>
-              <a:spcBef>
-                <a:spcPts val="0"/>
-              </a:spcBef>
-              <a:spcAft>
-                <a:spcPts val="0"/>
-              </a:spcAft>
-              <a:buClr>
-                <a:schemeClr val="dk1"/>
-              </a:buClr>
-              <a:buSzPts val="3600"/>
-              <a:buFont typeface="Questrial"/>
-              <a:buNone/>
-              <a:defRPr sz="3600" b="0" i="0" u="none" strike="noStrike" cap="none">
-                <a:solidFill>
-                  <a:schemeClr val="dk1"/>
-                </a:solidFill>
-                <a:latin typeface="Questrial"/>
-                <a:ea typeface="Questrial"/>
-                <a:cs typeface="Questrial"/>
-                <a:sym typeface="Questrial"/>
-              </a:defRPr>
-            </a:lvl4pPr>
-            <a:lvl5pPr marR="0" lvl="4" algn="ctr" rtl="0">
-              <a:lnSpc>
-                <a:spcPct val="100000"/>
-              </a:lnSpc>
-              <a:spcBef>
-                <a:spcPts val="0"/>
-              </a:spcBef>
-              <a:spcAft>
-                <a:spcPts val="0"/>
-              </a:spcAft>
-              <a:buClr>
-                <a:schemeClr val="dk1"/>
-              </a:buClr>
-              <a:buSzPts val="3600"/>
-              <a:buFont typeface="Questrial"/>
-              <a:buNone/>
-              <a:defRPr sz="3600" b="0" i="0" u="none" strike="noStrike" cap="none">
-                <a:solidFill>
-                  <a:schemeClr val="dk1"/>
-                </a:solidFill>
-                <a:latin typeface="Questrial"/>
-                <a:ea typeface="Questrial"/>
-                <a:cs typeface="Questrial"/>
-                <a:sym typeface="Questrial"/>
-              </a:defRPr>
-            </a:lvl5pPr>
-            <a:lvl6pPr marR="0" lvl="5" algn="ctr" rtl="0">
-              <a:lnSpc>
-                <a:spcPct val="100000"/>
-              </a:lnSpc>
-              <a:spcBef>
-                <a:spcPts val="0"/>
-              </a:spcBef>
-              <a:spcAft>
-                <a:spcPts val="0"/>
-              </a:spcAft>
-              <a:buClr>
-                <a:schemeClr val="dk1"/>
-              </a:buClr>
-              <a:buSzPts val="3600"/>
-              <a:buFont typeface="Questrial"/>
-              <a:buNone/>
-              <a:defRPr sz="3600" b="0" i="0" u="none" strike="noStrike" cap="none">
-                <a:solidFill>
-                  <a:schemeClr val="dk1"/>
-                </a:solidFill>
-                <a:latin typeface="Questrial"/>
-                <a:ea typeface="Questrial"/>
-                <a:cs typeface="Questrial"/>
-                <a:sym typeface="Questrial"/>
-              </a:defRPr>
-            </a:lvl6pPr>
-            <a:lvl7pPr marR="0" lvl="6" algn="ctr" rtl="0">
-              <a:lnSpc>
-                <a:spcPct val="100000"/>
-              </a:lnSpc>
-              <a:spcBef>
-                <a:spcPts val="0"/>
-              </a:spcBef>
-              <a:spcAft>
-                <a:spcPts val="0"/>
-              </a:spcAft>
-              <a:buClr>
-                <a:schemeClr val="dk1"/>
-              </a:buClr>
-              <a:buSzPts val="3600"/>
-              <a:buFont typeface="Questrial"/>
-              <a:buNone/>
-              <a:defRPr sz="3600" b="0" i="0" u="none" strike="noStrike" cap="none">
-                <a:solidFill>
-                  <a:schemeClr val="dk1"/>
-                </a:solidFill>
-                <a:latin typeface="Questrial"/>
-                <a:ea typeface="Questrial"/>
-                <a:cs typeface="Questrial"/>
-                <a:sym typeface="Questrial"/>
-              </a:defRPr>
-            </a:lvl7pPr>
-            <a:lvl8pPr marR="0" lvl="7" algn="ctr" rtl="0">
-              <a:lnSpc>
-                <a:spcPct val="100000"/>
-              </a:lnSpc>
-              <a:spcBef>
-                <a:spcPts val="0"/>
-              </a:spcBef>
-              <a:spcAft>
-                <a:spcPts val="0"/>
-              </a:spcAft>
-              <a:buClr>
-                <a:schemeClr val="dk1"/>
-              </a:buClr>
-              <a:buSzPts val="3600"/>
-              <a:buFont typeface="Questrial"/>
-              <a:buNone/>
-              <a:defRPr sz="3600" b="0" i="0" u="none" strike="noStrike" cap="none">
-                <a:solidFill>
-                  <a:schemeClr val="dk1"/>
-                </a:solidFill>
-                <a:latin typeface="Questrial"/>
-                <a:ea typeface="Questrial"/>
-                <a:cs typeface="Questrial"/>
-                <a:sym typeface="Questrial"/>
-              </a:defRPr>
-            </a:lvl8pPr>
-            <a:lvl9pPr marR="0" lvl="8" algn="ctr" rtl="0">
-              <a:lnSpc>
-                <a:spcPct val="100000"/>
-              </a:lnSpc>
-              <a:spcBef>
-                <a:spcPts val="0"/>
-              </a:spcBef>
-              <a:spcAft>
-                <a:spcPts val="0"/>
-              </a:spcAft>
-              <a:buClr>
-                <a:schemeClr val="dk1"/>
-              </a:buClr>
-              <a:buSzPts val="3600"/>
-              <a:buFont typeface="Questrial"/>
-              <a:buNone/>
-              <a:defRPr sz="3600" b="0" i="0" u="none" strike="noStrike" cap="none">
-                <a:solidFill>
-                  <a:schemeClr val="dk1"/>
-                </a:solidFill>
-                <a:latin typeface="Questrial"/>
-                <a:ea typeface="Questrial"/>
-                <a:cs typeface="Questrial"/>
-                <a:sym typeface="Questrial"/>
-              </a:defRPr>
-            </a:lvl9pPr>
-          </a:lstStyle>
+          <a:lstStyle/>
           <a:p>
-            <a:pPr algn="l"/>
             <a:r>
-              <a:rPr lang="fr-FR" sz="1600" b="1" dirty="0">
-                <a:solidFill>
-                  <a:srgbClr val="005493"/>
-                </a:solidFill>
-              </a:rPr>
-              <a:t>Réglages</a:t>
+              <a:rPr lang="fr-FR" sz="700" dirty="0" smtClean="0"/>
+              <a:t>Source : https://</a:t>
             </a:r>
             <a:r>
-              <a:rPr lang="fr-FR" sz="1800" b="1" dirty="0">
-                <a:solidFill>
-                  <a:srgbClr val="005493"/>
-                </a:solidFill>
-              </a:rPr>
-              <a:t> </a:t>
+              <a:rPr lang="fr-FR" sz="700" dirty="0"/>
+              <a:t>si.blaisepascal.fr/</a:t>
             </a:r>
           </a:p>
         </p:txBody>
       </p:sp>
       <p:sp>
         <p:nvSpPr>
-          <p:cNvPr id="6" name="ZoneTexte 5"/>
+          <p:cNvPr id="15" name="Rectangle 14"/>
+          <p:cNvSpPr/>
+          <p:nvPr/>
+        </p:nvSpPr>
+        <p:spPr>
+          <a:xfrm>
+            <a:off x="484802" y="2297411"/>
+            <a:ext cx="1327608" cy="184666"/>
+          </a:xfrm>
+          <a:prstGeom prst="rect">
+            <a:avLst/>
+          </a:prstGeom>
+        </p:spPr>
+        <p:txBody>
+          <a:bodyPr wrap="none">
+            <a:spAutoFit/>
+          </a:bodyPr>
+          <a:lstStyle/>
+          <a:p>
+            <a:r>
+              <a:rPr lang="fr-FR" sz="600" dirty="0" smtClean="0"/>
+              <a:t>Par Allaf Carine et Pierre Sadeler</a:t>
+            </a:r>
+            <a:endParaRPr lang="fr-FR" sz="600" dirty="0"/>
+          </a:p>
+        </p:txBody>
+      </p:sp>
+      <p:pic>
+        <p:nvPicPr>
+          <p:cNvPr id="4" name="Image 3"/>
+          <p:cNvPicPr>
+            <a:picLocks noChangeAspect="1"/>
+          </p:cNvPicPr>
+          <p:nvPr/>
+        </p:nvPicPr>
+        <p:blipFill>
+          <a:blip r:embed="rId5">
+            <a:extLst>
+              <a:ext uri="{28A0092B-C50C-407E-A947-70E740481C1C}">
+                <a14:useLocalDpi xmlns:a14="http://schemas.microsoft.com/office/drawing/2010/main" val="0"/>
+              </a:ext>
+            </a:extLst>
+          </a:blip>
+          <a:stretch>
+            <a:fillRect/>
+          </a:stretch>
+        </p:blipFill>
+        <p:spPr>
+          <a:xfrm>
+            <a:off x="4474789" y="1222513"/>
+            <a:ext cx="3427587" cy="762000"/>
+          </a:xfrm>
+          <a:prstGeom prst="rect">
+            <a:avLst/>
+          </a:prstGeom>
+        </p:spPr>
+      </p:pic>
+      <p:sp>
+        <p:nvSpPr>
+          <p:cNvPr id="19" name="Rectangle 18"/>
+          <p:cNvSpPr/>
+          <p:nvPr/>
+        </p:nvSpPr>
+        <p:spPr>
+          <a:xfrm>
+            <a:off x="1880128" y="4366123"/>
+            <a:ext cx="1741182" cy="200055"/>
+          </a:xfrm>
+          <a:prstGeom prst="rect">
+            <a:avLst/>
+          </a:prstGeom>
+        </p:spPr>
+        <p:txBody>
+          <a:bodyPr wrap="none">
+            <a:spAutoFit/>
+          </a:bodyPr>
+          <a:lstStyle/>
+          <a:p>
+            <a:r>
+              <a:rPr lang="fr-FR" sz="700" dirty="0"/>
+              <a:t>Source : http://meteosat.pessac.free.fr/</a:t>
+            </a:r>
+          </a:p>
+        </p:txBody>
+      </p:sp>
+      <p:pic>
+        <p:nvPicPr>
+          <p:cNvPr id="13" name="Image 12"/>
+          <p:cNvPicPr>
+            <a:picLocks noChangeAspect="1"/>
+          </p:cNvPicPr>
+          <p:nvPr/>
+        </p:nvPicPr>
+        <p:blipFill>
+          <a:blip r:embed="rId6">
+            <a:extLst>
+              <a:ext uri="{28A0092B-C50C-407E-A947-70E740481C1C}">
+                <a14:useLocalDpi xmlns:a14="http://schemas.microsoft.com/office/drawing/2010/main" val="0"/>
+              </a:ext>
+            </a:extLst>
+          </a:blip>
+          <a:stretch>
+            <a:fillRect/>
+          </a:stretch>
+        </p:blipFill>
+        <p:spPr>
+          <a:xfrm>
+            <a:off x="1883989" y="2531139"/>
+            <a:ext cx="5181600" cy="1885950"/>
+          </a:xfrm>
+          <a:prstGeom prst="rect">
+            <a:avLst/>
+          </a:prstGeom>
+        </p:spPr>
+      </p:pic>
+      <p:sp>
+        <p:nvSpPr>
+          <p:cNvPr id="21" name="ZoneTexte 20"/>
           <p:cNvSpPr txBox="1"/>
           <p:nvPr/>
         </p:nvSpPr>
         <p:spPr>
           <a:xfrm>
-            <a:off x="850391" y="3730752"/>
-            <a:ext cx="1809901" cy="523220"/>
+            <a:off x="180664" y="4718279"/>
+            <a:ext cx="284052" cy="307777"/>
           </a:xfrm>
           <a:prstGeom prst="rect">
             <a:avLst/>
@@ -33081,24 +32642,16 @@
           <a:noFill/>
         </p:spPr>
         <p:txBody>
-          <a:bodyPr wrap="square" rtlCol="0">
+          <a:bodyPr wrap="none" rtlCol="0">
             <a:spAutoFit/>
           </a:bodyPr>
           <a:lstStyle/>
           <a:p>
             <a:r>
-              <a:rPr lang="fr-FR" dirty="0" smtClean="0">
-                <a:solidFill>
-                  <a:srgbClr val="FF0000"/>
-                </a:solidFill>
-              </a:rPr>
-              <a:t>A expliquer + de schéma ?</a:t>
+              <a:rPr lang="fr-FR" dirty="0" smtClean="0"/>
+              <a:t>9</a:t>
             </a:r>
-            <a:endParaRPr lang="fr-FR" dirty="0">
-              <a:solidFill>
-                <a:srgbClr val="FF0000"/>
-              </a:solidFill>
-            </a:endParaRPr>
+            <a:endParaRPr lang="fr-FR" dirty="0"/>
           </a:p>
         </p:txBody>
       </p:sp>

--- a/word/PP_Allaf_Sadeler.pptx
+++ b/word/PP_Allaf_Sadeler.pptx
@@ -15474,7 +15474,7 @@
             </a:pPr>
             <a:r>
               <a:rPr lang="fr-FR" sz="1100" i="1" dirty="0" smtClean="0"/>
-              <a:t>Optimisation de calculs en fonction des bobines </a:t>
+              <a:t>Optimisation des calculs en fonction des bobines </a:t>
             </a:r>
           </a:p>
           <a:p>
@@ -23119,6 +23119,13 @@
   <p:clrMapOvr>
     <a:masterClrMapping/>
   </p:clrMapOvr>
+  <p:timing>
+    <p:tnLst>
+      <p:par>
+        <p:cTn id="1" dur="indefinite" restart="never" nodeType="tmRoot"/>
+      </p:par>
+    </p:tnLst>
+  </p:timing>
 </p:sld>
 </file>
 
